--- a/18-data-visualization/Contenido Semana 1/2.4. Presentación - Herramientas para Visualizaciones.pptx
+++ b/18-data-visualization/Contenido Semana 1/2.4. Presentación - Herramientas para Visualizaciones.pptx
@@ -3,40 +3,37 @@
 <p:presentation xmlns:a="http://schemas.openxmlformats.org/drawingml/2006/main" xmlns:r="http://schemas.openxmlformats.org/officeDocument/2006/relationships" xmlns:p="http://schemas.openxmlformats.org/presentationml/2006/main" strictFirstAndLastChars="0" embedTrueTypeFonts="1" saveSubsetFonts="1" autoCompressPictures="0">
   <p:sldMasterIdLst>
     <p:sldMasterId id="2147483670" r:id="rId1"/>
-    <p:sldMasterId id="2147483671" r:id="rId2"/>
   </p:sldMasterIdLst>
   <p:notesMasterIdLst>
-    <p:notesMasterId r:id="rId7"/>
+    <p:notesMasterId r:id="rId4"/>
   </p:notesMasterIdLst>
   <p:sldIdLst>
-    <p:sldId id="256" r:id="rId3"/>
-    <p:sldId id="281" r:id="rId4"/>
-    <p:sldId id="258" r:id="rId5"/>
-    <p:sldId id="259" r:id="rId6"/>
+    <p:sldId id="282" r:id="rId2"/>
+    <p:sldId id="283" r:id="rId3"/>
   </p:sldIdLst>
   <p:sldSz cx="9144000" cy="6858000" type="screen4x3"/>
   <p:notesSz cx="6858000" cy="9144000"/>
   <p:embeddedFontLst>
     <p:embeddedFont>
-      <p:font typeface="Montserrat" panose="020B0604020202020204" charset="0"/>
-      <p:regular r:id="rId8"/>
-      <p:bold r:id="rId9"/>
-      <p:italic r:id="rId10"/>
-      <p:boldItalic r:id="rId11"/>
+      <p:font typeface="Calibri" panose="020F0502020204030204" pitchFamily="34" charset="0"/>
+      <p:regular r:id="rId5"/>
+      <p:bold r:id="rId6"/>
+      <p:italic r:id="rId7"/>
+      <p:boldItalic r:id="rId8"/>
     </p:embeddedFont>
     <p:embeddedFont>
-      <p:font typeface="Calibri" panose="020F0502020204030204" pitchFamily="34" charset="0"/>
-      <p:regular r:id="rId12"/>
-      <p:bold r:id="rId13"/>
-      <p:italic r:id="rId14"/>
-      <p:boldItalic r:id="rId15"/>
+      <p:font typeface="Montserrat" panose="020B0604020202020204" charset="0"/>
+      <p:regular r:id="rId9"/>
+      <p:bold r:id="rId10"/>
+      <p:italic r:id="rId11"/>
+      <p:boldItalic r:id="rId12"/>
     </p:embeddedFont>
     <p:embeddedFont>
       <p:font typeface="Raleway" panose="020B0604020202020204" charset="0"/>
-      <p:regular r:id="rId16"/>
-      <p:bold r:id="rId17"/>
-      <p:italic r:id="rId18"/>
-      <p:boldItalic r:id="rId19"/>
+      <p:regular r:id="rId13"/>
+      <p:bold r:id="rId14"/>
+      <p:italic r:id="rId15"/>
+      <p:boldItalic r:id="rId16"/>
     </p:embeddedFont>
   </p:embeddedFontLst>
   <p:defaultTextStyle>
@@ -241,7 +238,16 @@
       </a:defRPr>
     </a:lvl9pPr>
   </p:defaultTextStyle>
+  <p:extLst>
+    <p:ext uri="{EFAFB233-063F-42B5-8137-9DF3F51BA10A}">
+      <p15:sldGuideLst xmlns:p15="http://schemas.microsoft.com/office/powerpoint/2012/main"/>
+    </p:ext>
+  </p:extLst>
 </p:presentation>
+</file>
+
+<file path=ppt/revisionInfo.xml><?xml version="1.0" encoding="utf-8"?>
+<p1510:revInfo xmlns:a="http://schemas.openxmlformats.org/drawingml/2006/main" xmlns:r="http://schemas.openxmlformats.org/officeDocument/2006/relationships" xmlns:p1510="http://schemas.microsoft.com/office/powerpoint/2015/10/main"/>
 </file>
 
 <file path=ppt/notesMasters/notesMaster1.xml><?xml version="1.0" encoding="utf-8"?>
@@ -1158,7 +1164,7 @@
               </a:spcBef>
               <a:buNone/>
             </a:pPr>
-            <a:endParaRPr/>
+            <a:endParaRPr dirty="0"/>
           </a:p>
         </p:txBody>
       </p:sp>
@@ -1204,6 +1210,11 @@
         </p:spPr>
       </p:sp>
     </p:spTree>
+    <p:extLst>
+      <p:ext uri="{BB962C8B-B14F-4D97-AF65-F5344CB8AC3E}">
+        <p14:creationId xmlns:p14="http://schemas.microsoft.com/office/powerpoint/2010/main" val="982312086"/>
+      </p:ext>
+    </p:extLst>
   </p:cSld>
   <p:clrMapOvr>
     <a:masterClrMapping/>
@@ -1305,208 +1316,11 @@
         </p:spPr>
       </p:sp>
     </p:spTree>
-  </p:cSld>
-  <p:clrMapOvr>
-    <a:masterClrMapping/>
-  </p:clrMapOvr>
-</p:notes>
-</file>
-
-<file path=ppt/notesSlides/notesSlide3.xml><?xml version="1.0" encoding="utf-8"?>
-<p:notes xmlns:a="http://schemas.openxmlformats.org/drawingml/2006/main" xmlns:r="http://schemas.openxmlformats.org/officeDocument/2006/relationships" xmlns:p="http://schemas.openxmlformats.org/presentationml/2006/main" showMasterSp="0" showMasterPhAnim="0">
-  <p:cSld>
-    <p:spTree>
-      <p:nvGrpSpPr>
-        <p:cNvPr id="1" name="Shape 172"/>
-        <p:cNvGrpSpPr/>
-        <p:nvPr/>
-      </p:nvGrpSpPr>
-      <p:grpSpPr>
-        <a:xfrm>
-          <a:off x="0" y="0"/>
-          <a:ext cx="0" cy="0"/>
-          <a:chOff x="0" y="0"/>
-          <a:chExt cx="0" cy="0"/>
-        </a:xfrm>
-      </p:grpSpPr>
-      <p:sp>
-        <p:nvSpPr>
-          <p:cNvPr id="173" name="Shape 173"/>
-          <p:cNvSpPr txBox="1">
-            <a:spLocks noGrp="1"/>
-          </p:cNvSpPr>
-          <p:nvPr>
-            <p:ph type="body" idx="1"/>
-          </p:nvPr>
-        </p:nvSpPr>
-        <p:spPr>
-          <a:xfrm>
-            <a:off x="685800" y="4343400"/>
-            <a:ext cx="5486400" cy="4114800"/>
-          </a:xfrm>
-          <a:prstGeom prst="rect">
-            <a:avLst/>
-          </a:prstGeom>
-        </p:spPr>
-        <p:txBody>
-          <a:bodyPr lIns="91425" tIns="91425" rIns="91425" bIns="91425" anchor="t" anchorCtr="0">
-            <a:noAutofit/>
-          </a:bodyPr>
-          <a:lstStyle/>
-          <a:p>
-            <a:pPr lvl="0" rtl="0">
-              <a:spcBef>
-                <a:spcPts val="0"/>
-              </a:spcBef>
-              <a:buNone/>
-            </a:pPr>
-            <a:endParaRPr/>
-          </a:p>
-        </p:txBody>
-      </p:sp>
-      <p:sp>
-        <p:nvSpPr>
-          <p:cNvPr id="174" name="Shape 174"/>
-          <p:cNvSpPr>
-            <a:spLocks noGrp="1" noRot="1" noChangeAspect="1"/>
-          </p:cNvSpPr>
-          <p:nvPr>
-            <p:ph type="sldImg" idx="2"/>
-          </p:nvPr>
-        </p:nvSpPr>
-        <p:spPr>
-          <a:xfrm>
-            <a:off x="1143000" y="685800"/>
-            <a:ext cx="4572000" cy="3429000"/>
-          </a:xfrm>
-          <a:custGeom>
-            <a:avLst/>
-            <a:gdLst/>
-            <a:ahLst/>
-            <a:cxnLst/>
-            <a:rect l="0" t="0" r="0" b="0"/>
-            <a:pathLst>
-              <a:path w="120000" h="120000" extrusionOk="0">
-                <a:moveTo>
-                  <a:pt x="0" y="0"/>
-                </a:moveTo>
-                <a:lnTo>
-                  <a:pt x="120000" y="0"/>
-                </a:lnTo>
-                <a:lnTo>
-                  <a:pt x="120000" y="120000"/>
-                </a:lnTo>
-                <a:lnTo>
-                  <a:pt x="0" y="120000"/>
-                </a:lnTo>
-                <a:close/>
-              </a:path>
-            </a:pathLst>
-          </a:custGeom>
-        </p:spPr>
-      </p:sp>
-    </p:spTree>
-  </p:cSld>
-  <p:clrMapOvr>
-    <a:masterClrMapping/>
-  </p:clrMapOvr>
-</p:notes>
-</file>
-
-<file path=ppt/notesSlides/notesSlide4.xml><?xml version="1.0" encoding="utf-8"?>
-<p:notes xmlns:a="http://schemas.openxmlformats.org/drawingml/2006/main" xmlns:r="http://schemas.openxmlformats.org/officeDocument/2006/relationships" xmlns:p="http://schemas.openxmlformats.org/presentationml/2006/main" showMasterSp="0" showMasterPhAnim="0">
-  <p:cSld>
-    <p:spTree>
-      <p:nvGrpSpPr>
-        <p:cNvPr id="1" name="Shape 179"/>
-        <p:cNvGrpSpPr/>
-        <p:nvPr/>
-      </p:nvGrpSpPr>
-      <p:grpSpPr>
-        <a:xfrm>
-          <a:off x="0" y="0"/>
-          <a:ext cx="0" cy="0"/>
-          <a:chOff x="0" y="0"/>
-          <a:chExt cx="0" cy="0"/>
-        </a:xfrm>
-      </p:grpSpPr>
-      <p:sp>
-        <p:nvSpPr>
-          <p:cNvPr id="180" name="Shape 180"/>
-          <p:cNvSpPr txBox="1">
-            <a:spLocks noGrp="1"/>
-          </p:cNvSpPr>
-          <p:nvPr>
-            <p:ph type="body" idx="1"/>
-          </p:nvPr>
-        </p:nvSpPr>
-        <p:spPr>
-          <a:xfrm>
-            <a:off x="685800" y="4343400"/>
-            <a:ext cx="5486400" cy="4114800"/>
-          </a:xfrm>
-          <a:prstGeom prst="rect">
-            <a:avLst/>
-          </a:prstGeom>
-        </p:spPr>
-        <p:txBody>
-          <a:bodyPr lIns="91425" tIns="91425" rIns="91425" bIns="91425" anchor="t" anchorCtr="0">
-            <a:noAutofit/>
-          </a:bodyPr>
-          <a:lstStyle/>
-          <a:p>
-            <a:pPr lvl="0" rtl="0">
-              <a:spcBef>
-                <a:spcPts val="0"/>
-              </a:spcBef>
-              <a:buNone/>
-            </a:pPr>
-            <a:endParaRPr/>
-          </a:p>
-        </p:txBody>
-      </p:sp>
-      <p:sp>
-        <p:nvSpPr>
-          <p:cNvPr id="181" name="Shape 181"/>
-          <p:cNvSpPr>
-            <a:spLocks noGrp="1" noRot="1" noChangeAspect="1"/>
-          </p:cNvSpPr>
-          <p:nvPr>
-            <p:ph type="sldImg" idx="2"/>
-          </p:nvPr>
-        </p:nvSpPr>
-        <p:spPr>
-          <a:xfrm>
-            <a:off x="1143000" y="685800"/>
-            <a:ext cx="4572000" cy="3429000"/>
-          </a:xfrm>
-          <a:custGeom>
-            <a:avLst/>
-            <a:gdLst/>
-            <a:ahLst/>
-            <a:cxnLst/>
-            <a:rect l="0" t="0" r="0" b="0"/>
-            <a:pathLst>
-              <a:path w="120000" h="120000" extrusionOk="0">
-                <a:moveTo>
-                  <a:pt x="0" y="0"/>
-                </a:moveTo>
-                <a:lnTo>
-                  <a:pt x="120000" y="0"/>
-                </a:lnTo>
-                <a:lnTo>
-                  <a:pt x="120000" y="120000"/>
-                </a:lnTo>
-                <a:lnTo>
-                  <a:pt x="0" y="120000"/>
-                </a:lnTo>
-                <a:close/>
-              </a:path>
-            </a:pathLst>
-          </a:custGeom>
-        </p:spPr>
-      </p:sp>
-    </p:spTree>
+    <p:extLst>
+      <p:ext uri="{BB962C8B-B14F-4D97-AF65-F5344CB8AC3E}">
+        <p14:creationId xmlns:p14="http://schemas.microsoft.com/office/powerpoint/2010/main" val="538250749"/>
+      </p:ext>
+    </p:extLst>
   </p:cSld>
   <p:clrMapOvr>
     <a:masterClrMapping/>
@@ -3623,5274 +3437,6 @@
 </p:sldLayout>
 </file>
 
-<file path=ppt/slideLayouts/slideLayout12.xml><?xml version="1.0" encoding="utf-8"?>
-<p:sldLayout xmlns:a="http://schemas.openxmlformats.org/drawingml/2006/main" xmlns:r="http://schemas.openxmlformats.org/officeDocument/2006/relationships" xmlns:p="http://schemas.openxmlformats.org/presentationml/2006/main" type="obj">
-  <p:cSld name="Title and Content">
-    <p:spTree>
-      <p:nvGrpSpPr>
-        <p:cNvPr id="1" name="Shape 96"/>
-        <p:cNvGrpSpPr/>
-        <p:nvPr/>
-      </p:nvGrpSpPr>
-      <p:grpSpPr>
-        <a:xfrm>
-          <a:off x="0" y="0"/>
-          <a:ext cx="0" cy="0"/>
-          <a:chOff x="0" y="0"/>
-          <a:chExt cx="0" cy="0"/>
-        </a:xfrm>
-      </p:grpSpPr>
-      <p:sp>
-        <p:nvSpPr>
-          <p:cNvPr id="97" name="Shape 97"/>
-          <p:cNvSpPr txBox="1">
-            <a:spLocks noGrp="1"/>
-          </p:cNvSpPr>
-          <p:nvPr>
-            <p:ph type="title"/>
-          </p:nvPr>
-        </p:nvSpPr>
-        <p:spPr>
-          <a:xfrm>
-            <a:off x="457200" y="274637"/>
-            <a:ext cx="8229600" cy="1143000"/>
-          </a:xfrm>
-          <a:prstGeom prst="rect">
-            <a:avLst/>
-          </a:prstGeom>
-          <a:noFill/>
-          <a:ln>
-            <a:noFill/>
-          </a:ln>
-        </p:spPr>
-        <p:txBody>
-          <a:bodyPr lIns="91425" tIns="91425" rIns="91425" bIns="91425" anchor="ctr" anchorCtr="0"/>
-          <a:lstStyle>
-            <a:lvl1pPr lvl="0" algn="ctr" rtl="0">
-              <a:spcBef>
-                <a:spcPts val="0"/>
-              </a:spcBef>
-              <a:buClr>
-                <a:schemeClr val="dk1"/>
-              </a:buClr>
-              <a:buFont typeface="Calibri"/>
-              <a:buNone/>
-              <a:defRPr sz="4400">
-                <a:solidFill>
-                  <a:schemeClr val="dk1"/>
-                </a:solidFill>
-                <a:latin typeface="Calibri"/>
-                <a:ea typeface="Calibri"/>
-                <a:cs typeface="Calibri"/>
-                <a:sym typeface="Calibri"/>
-              </a:defRPr>
-            </a:lvl1pPr>
-            <a:lvl2pPr lvl="1" rtl="0">
-              <a:spcBef>
-                <a:spcPts val="0"/>
-              </a:spcBef>
-              <a:defRPr/>
-            </a:lvl2pPr>
-            <a:lvl3pPr lvl="2" rtl="0">
-              <a:spcBef>
-                <a:spcPts val="0"/>
-              </a:spcBef>
-              <a:defRPr/>
-            </a:lvl3pPr>
-            <a:lvl4pPr lvl="3" rtl="0">
-              <a:spcBef>
-                <a:spcPts val="0"/>
-              </a:spcBef>
-              <a:defRPr/>
-            </a:lvl4pPr>
-            <a:lvl5pPr lvl="4" rtl="0">
-              <a:spcBef>
-                <a:spcPts val="0"/>
-              </a:spcBef>
-              <a:defRPr/>
-            </a:lvl5pPr>
-            <a:lvl6pPr lvl="5" rtl="0">
-              <a:spcBef>
-                <a:spcPts val="0"/>
-              </a:spcBef>
-              <a:defRPr/>
-            </a:lvl6pPr>
-            <a:lvl7pPr lvl="6" rtl="0">
-              <a:spcBef>
-                <a:spcPts val="0"/>
-              </a:spcBef>
-              <a:defRPr/>
-            </a:lvl7pPr>
-            <a:lvl8pPr lvl="7" rtl="0">
-              <a:spcBef>
-                <a:spcPts val="0"/>
-              </a:spcBef>
-              <a:defRPr/>
-            </a:lvl8pPr>
-            <a:lvl9pPr lvl="8" rtl="0">
-              <a:spcBef>
-                <a:spcPts val="0"/>
-              </a:spcBef>
-              <a:defRPr/>
-            </a:lvl9pPr>
-          </a:lstStyle>
-          <a:p>
-            <a:endParaRPr/>
-          </a:p>
-        </p:txBody>
-      </p:sp>
-      <p:sp>
-        <p:nvSpPr>
-          <p:cNvPr id="98" name="Shape 98"/>
-          <p:cNvSpPr txBox="1">
-            <a:spLocks noGrp="1"/>
-          </p:cNvSpPr>
-          <p:nvPr>
-            <p:ph type="body" idx="1"/>
-          </p:nvPr>
-        </p:nvSpPr>
-        <p:spPr>
-          <a:xfrm>
-            <a:off x="457200" y="1600200"/>
-            <a:ext cx="8229600" cy="4526100"/>
-          </a:xfrm>
-          <a:prstGeom prst="rect">
-            <a:avLst/>
-          </a:prstGeom>
-          <a:noFill/>
-          <a:ln>
-            <a:noFill/>
-          </a:ln>
-        </p:spPr>
-        <p:txBody>
-          <a:bodyPr lIns="91425" tIns="91425" rIns="91425" bIns="91425" anchor="t" anchorCtr="0"/>
-          <a:lstStyle>
-            <a:lvl1pPr marL="342900" lvl="0" indent="-139700" algn="l" rtl="0">
-              <a:spcBef>
-                <a:spcPts val="640"/>
-              </a:spcBef>
-              <a:buClr>
-                <a:schemeClr val="dk1"/>
-              </a:buClr>
-              <a:buFont typeface="Raleway"/>
-              <a:buChar char="•"/>
-              <a:defRPr sz="3200">
-                <a:solidFill>
-                  <a:schemeClr val="dk1"/>
-                </a:solidFill>
-                <a:latin typeface="Raleway"/>
-                <a:ea typeface="Raleway"/>
-                <a:cs typeface="Raleway"/>
-                <a:sym typeface="Raleway"/>
-              </a:defRPr>
-            </a:lvl1pPr>
-            <a:lvl2pPr marL="742950" lvl="1" indent="-107950" algn="l" rtl="0">
-              <a:spcBef>
-                <a:spcPts val="560"/>
-              </a:spcBef>
-              <a:buClr>
-                <a:schemeClr val="dk1"/>
-              </a:buClr>
-              <a:buFont typeface="Raleway"/>
-              <a:buChar char="–"/>
-              <a:defRPr sz="2800">
-                <a:solidFill>
-                  <a:schemeClr val="dk1"/>
-                </a:solidFill>
-                <a:latin typeface="Raleway"/>
-                <a:ea typeface="Raleway"/>
-                <a:cs typeface="Raleway"/>
-                <a:sym typeface="Raleway"/>
-              </a:defRPr>
-            </a:lvl2pPr>
-            <a:lvl3pPr marL="1143000" lvl="2" indent="-76200" algn="l" rtl="0">
-              <a:spcBef>
-                <a:spcPts val="480"/>
-              </a:spcBef>
-              <a:buClr>
-                <a:schemeClr val="dk1"/>
-              </a:buClr>
-              <a:buFont typeface="Raleway"/>
-              <a:buChar char="•"/>
-              <a:defRPr sz="2400">
-                <a:solidFill>
-                  <a:schemeClr val="dk1"/>
-                </a:solidFill>
-                <a:latin typeface="Raleway"/>
-                <a:ea typeface="Raleway"/>
-                <a:cs typeface="Raleway"/>
-                <a:sym typeface="Raleway"/>
-              </a:defRPr>
-            </a:lvl3pPr>
-            <a:lvl4pPr marL="1600200" lvl="3" indent="-101600" algn="l" rtl="0">
-              <a:spcBef>
-                <a:spcPts val="400"/>
-              </a:spcBef>
-              <a:buClr>
-                <a:schemeClr val="dk1"/>
-              </a:buClr>
-              <a:buFont typeface="Raleway"/>
-              <a:buChar char="–"/>
-              <a:defRPr sz="2000">
-                <a:solidFill>
-                  <a:schemeClr val="dk1"/>
-                </a:solidFill>
-                <a:latin typeface="Raleway"/>
-                <a:ea typeface="Raleway"/>
-                <a:cs typeface="Raleway"/>
-                <a:sym typeface="Raleway"/>
-              </a:defRPr>
-            </a:lvl4pPr>
-            <a:lvl5pPr marL="2057400" lvl="4" indent="-101600" algn="l" rtl="0">
-              <a:spcBef>
-                <a:spcPts val="400"/>
-              </a:spcBef>
-              <a:buClr>
-                <a:schemeClr val="dk1"/>
-              </a:buClr>
-              <a:buFont typeface="Raleway"/>
-              <a:buChar char="»"/>
-              <a:defRPr sz="2000">
-                <a:solidFill>
-                  <a:schemeClr val="dk1"/>
-                </a:solidFill>
-                <a:latin typeface="Raleway"/>
-                <a:ea typeface="Raleway"/>
-                <a:cs typeface="Raleway"/>
-                <a:sym typeface="Raleway"/>
-              </a:defRPr>
-            </a:lvl5pPr>
-            <a:lvl6pPr marL="2514600" lvl="5" indent="-101600" algn="l" rtl="0">
-              <a:spcBef>
-                <a:spcPts val="400"/>
-              </a:spcBef>
-              <a:buClr>
-                <a:schemeClr val="dk1"/>
-              </a:buClr>
-              <a:buFont typeface="Raleway"/>
-              <a:buChar char="•"/>
-              <a:defRPr sz="2000">
-                <a:solidFill>
-                  <a:schemeClr val="dk1"/>
-                </a:solidFill>
-                <a:latin typeface="Raleway"/>
-                <a:ea typeface="Raleway"/>
-                <a:cs typeface="Raleway"/>
-                <a:sym typeface="Raleway"/>
-              </a:defRPr>
-            </a:lvl6pPr>
-            <a:lvl7pPr marL="2971800" lvl="6" indent="-101600" algn="l" rtl="0">
-              <a:spcBef>
-                <a:spcPts val="400"/>
-              </a:spcBef>
-              <a:buClr>
-                <a:schemeClr val="dk1"/>
-              </a:buClr>
-              <a:buFont typeface="Raleway"/>
-              <a:buChar char="•"/>
-              <a:defRPr sz="2000">
-                <a:solidFill>
-                  <a:schemeClr val="dk1"/>
-                </a:solidFill>
-                <a:latin typeface="Raleway"/>
-                <a:ea typeface="Raleway"/>
-                <a:cs typeface="Raleway"/>
-                <a:sym typeface="Raleway"/>
-              </a:defRPr>
-            </a:lvl7pPr>
-            <a:lvl8pPr marL="3429000" lvl="7" indent="-101600" algn="l" rtl="0">
-              <a:spcBef>
-                <a:spcPts val="400"/>
-              </a:spcBef>
-              <a:buClr>
-                <a:schemeClr val="dk1"/>
-              </a:buClr>
-              <a:buFont typeface="Raleway"/>
-              <a:buChar char="•"/>
-              <a:defRPr sz="2000">
-                <a:solidFill>
-                  <a:schemeClr val="dk1"/>
-                </a:solidFill>
-                <a:latin typeface="Raleway"/>
-                <a:ea typeface="Raleway"/>
-                <a:cs typeface="Raleway"/>
-                <a:sym typeface="Raleway"/>
-              </a:defRPr>
-            </a:lvl8pPr>
-            <a:lvl9pPr marL="3886200" lvl="8" indent="-101600" algn="l" rtl="0">
-              <a:spcBef>
-                <a:spcPts val="400"/>
-              </a:spcBef>
-              <a:buClr>
-                <a:schemeClr val="dk1"/>
-              </a:buClr>
-              <a:buFont typeface="Raleway"/>
-              <a:buChar char="•"/>
-              <a:defRPr sz="2000">
-                <a:solidFill>
-                  <a:schemeClr val="dk1"/>
-                </a:solidFill>
-                <a:latin typeface="Raleway"/>
-                <a:ea typeface="Raleway"/>
-                <a:cs typeface="Raleway"/>
-                <a:sym typeface="Raleway"/>
-              </a:defRPr>
-            </a:lvl9pPr>
-          </a:lstStyle>
-          <a:p>
-            <a:endParaRPr/>
-          </a:p>
-        </p:txBody>
-      </p:sp>
-      <p:sp>
-        <p:nvSpPr>
-          <p:cNvPr id="99" name="Shape 99"/>
-          <p:cNvSpPr txBox="1">
-            <a:spLocks noGrp="1"/>
-          </p:cNvSpPr>
-          <p:nvPr>
-            <p:ph type="dt" idx="10"/>
-          </p:nvPr>
-        </p:nvSpPr>
-        <p:spPr>
-          <a:xfrm>
-            <a:off x="457200" y="6356350"/>
-            <a:ext cx="2133600" cy="365100"/>
-          </a:xfrm>
-          <a:prstGeom prst="rect">
-            <a:avLst/>
-          </a:prstGeom>
-          <a:noFill/>
-          <a:ln>
-            <a:noFill/>
-          </a:ln>
-        </p:spPr>
-        <p:txBody>
-          <a:bodyPr lIns="91425" tIns="91425" rIns="91425" bIns="91425" anchor="ctr" anchorCtr="0"/>
-          <a:lstStyle>
-            <a:lvl1pPr marL="0" marR="0" lvl="0" indent="0" algn="l" rtl="0">
-              <a:spcBef>
-                <a:spcPts val="0"/>
-              </a:spcBef>
-              <a:defRPr sz="1200" b="0" i="0" u="none" strike="noStrike" cap="none">
-                <a:solidFill>
-                  <a:srgbClr val="888888"/>
-                </a:solidFill>
-                <a:latin typeface="Calibri"/>
-                <a:ea typeface="Calibri"/>
-                <a:cs typeface="Calibri"/>
-                <a:sym typeface="Calibri"/>
-              </a:defRPr>
-            </a:lvl1pPr>
-            <a:lvl2pPr marL="457200" marR="0" lvl="1" indent="0" algn="l" rtl="0">
-              <a:spcBef>
-                <a:spcPts val="0"/>
-              </a:spcBef>
-              <a:defRPr sz="1800" b="0" i="0" u="none" strike="noStrike" cap="none">
-                <a:solidFill>
-                  <a:schemeClr val="dk1"/>
-                </a:solidFill>
-                <a:latin typeface="Calibri"/>
-                <a:ea typeface="Calibri"/>
-                <a:cs typeface="Calibri"/>
-                <a:sym typeface="Calibri"/>
-              </a:defRPr>
-            </a:lvl2pPr>
-            <a:lvl3pPr marL="914400" marR="0" lvl="2" indent="0" algn="l" rtl="0">
-              <a:spcBef>
-                <a:spcPts val="0"/>
-              </a:spcBef>
-              <a:defRPr sz="1800" b="0" i="0" u="none" strike="noStrike" cap="none">
-                <a:solidFill>
-                  <a:schemeClr val="dk1"/>
-                </a:solidFill>
-                <a:latin typeface="Calibri"/>
-                <a:ea typeface="Calibri"/>
-                <a:cs typeface="Calibri"/>
-                <a:sym typeface="Calibri"/>
-              </a:defRPr>
-            </a:lvl3pPr>
-            <a:lvl4pPr marL="1371600" marR="0" lvl="3" indent="0" algn="l" rtl="0">
-              <a:spcBef>
-                <a:spcPts val="0"/>
-              </a:spcBef>
-              <a:defRPr sz="1800" b="0" i="0" u="none" strike="noStrike" cap="none">
-                <a:solidFill>
-                  <a:schemeClr val="dk1"/>
-                </a:solidFill>
-                <a:latin typeface="Calibri"/>
-                <a:ea typeface="Calibri"/>
-                <a:cs typeface="Calibri"/>
-                <a:sym typeface="Calibri"/>
-              </a:defRPr>
-            </a:lvl4pPr>
-            <a:lvl5pPr marL="1828800" marR="0" lvl="4" indent="0" algn="l" rtl="0">
-              <a:spcBef>
-                <a:spcPts val="0"/>
-              </a:spcBef>
-              <a:defRPr sz="1800" b="0" i="0" u="none" strike="noStrike" cap="none">
-                <a:solidFill>
-                  <a:schemeClr val="dk1"/>
-                </a:solidFill>
-                <a:latin typeface="Calibri"/>
-                <a:ea typeface="Calibri"/>
-                <a:cs typeface="Calibri"/>
-                <a:sym typeface="Calibri"/>
-              </a:defRPr>
-            </a:lvl5pPr>
-            <a:lvl6pPr marL="2286000" marR="0" lvl="5" indent="0" algn="l" rtl="0">
-              <a:spcBef>
-                <a:spcPts val="0"/>
-              </a:spcBef>
-              <a:defRPr sz="1800" b="0" i="0" u="none" strike="noStrike" cap="none">
-                <a:solidFill>
-                  <a:schemeClr val="dk1"/>
-                </a:solidFill>
-                <a:latin typeface="Calibri"/>
-                <a:ea typeface="Calibri"/>
-                <a:cs typeface="Calibri"/>
-                <a:sym typeface="Calibri"/>
-              </a:defRPr>
-            </a:lvl6pPr>
-            <a:lvl7pPr marL="2743200" marR="0" lvl="6" indent="0" algn="l" rtl="0">
-              <a:spcBef>
-                <a:spcPts val="0"/>
-              </a:spcBef>
-              <a:defRPr sz="1800" b="0" i="0" u="none" strike="noStrike" cap="none">
-                <a:solidFill>
-                  <a:schemeClr val="dk1"/>
-                </a:solidFill>
-                <a:latin typeface="Calibri"/>
-                <a:ea typeface="Calibri"/>
-                <a:cs typeface="Calibri"/>
-                <a:sym typeface="Calibri"/>
-              </a:defRPr>
-            </a:lvl7pPr>
-            <a:lvl8pPr marL="3200400" marR="0" lvl="7" indent="0" algn="l" rtl="0">
-              <a:spcBef>
-                <a:spcPts val="0"/>
-              </a:spcBef>
-              <a:defRPr sz="1800" b="0" i="0" u="none" strike="noStrike" cap="none">
-                <a:solidFill>
-                  <a:schemeClr val="dk1"/>
-                </a:solidFill>
-                <a:latin typeface="Calibri"/>
-                <a:ea typeface="Calibri"/>
-                <a:cs typeface="Calibri"/>
-                <a:sym typeface="Calibri"/>
-              </a:defRPr>
-            </a:lvl8pPr>
-            <a:lvl9pPr marL="3657600" marR="0" lvl="8" indent="0" algn="l" rtl="0">
-              <a:spcBef>
-                <a:spcPts val="0"/>
-              </a:spcBef>
-              <a:defRPr sz="1800" b="0" i="0" u="none" strike="noStrike" cap="none">
-                <a:solidFill>
-                  <a:schemeClr val="dk1"/>
-                </a:solidFill>
-                <a:latin typeface="Calibri"/>
-                <a:ea typeface="Calibri"/>
-                <a:cs typeface="Calibri"/>
-                <a:sym typeface="Calibri"/>
-              </a:defRPr>
-            </a:lvl9pPr>
-          </a:lstStyle>
-          <a:p>
-            <a:endParaRPr/>
-          </a:p>
-        </p:txBody>
-      </p:sp>
-      <p:sp>
-        <p:nvSpPr>
-          <p:cNvPr id="100" name="Shape 100"/>
-          <p:cNvSpPr txBox="1">
-            <a:spLocks noGrp="1"/>
-          </p:cNvSpPr>
-          <p:nvPr>
-            <p:ph type="ftr" idx="11"/>
-          </p:nvPr>
-        </p:nvSpPr>
-        <p:spPr>
-          <a:xfrm>
-            <a:off x="3124200" y="6356350"/>
-            <a:ext cx="2895600" cy="365100"/>
-          </a:xfrm>
-          <a:prstGeom prst="rect">
-            <a:avLst/>
-          </a:prstGeom>
-          <a:noFill/>
-          <a:ln>
-            <a:noFill/>
-          </a:ln>
-        </p:spPr>
-        <p:txBody>
-          <a:bodyPr lIns="91425" tIns="91425" rIns="91425" bIns="91425" anchor="ctr" anchorCtr="0"/>
-          <a:lstStyle>
-            <a:lvl1pPr marL="0" marR="0" lvl="0" indent="0" algn="ctr" rtl="0">
-              <a:spcBef>
-                <a:spcPts val="0"/>
-              </a:spcBef>
-              <a:defRPr sz="1200" b="0" i="0" u="none" strike="noStrike" cap="none">
-                <a:solidFill>
-                  <a:srgbClr val="888888"/>
-                </a:solidFill>
-                <a:latin typeface="Calibri"/>
-                <a:ea typeface="Calibri"/>
-                <a:cs typeface="Calibri"/>
-                <a:sym typeface="Calibri"/>
-              </a:defRPr>
-            </a:lvl1pPr>
-            <a:lvl2pPr marL="457200" marR="0" lvl="1" indent="0" algn="l" rtl="0">
-              <a:spcBef>
-                <a:spcPts val="0"/>
-              </a:spcBef>
-              <a:defRPr sz="1800" b="0" i="0" u="none" strike="noStrike" cap="none">
-                <a:solidFill>
-                  <a:schemeClr val="dk1"/>
-                </a:solidFill>
-                <a:latin typeface="Calibri"/>
-                <a:ea typeface="Calibri"/>
-                <a:cs typeface="Calibri"/>
-                <a:sym typeface="Calibri"/>
-              </a:defRPr>
-            </a:lvl2pPr>
-            <a:lvl3pPr marL="914400" marR="0" lvl="2" indent="0" algn="l" rtl="0">
-              <a:spcBef>
-                <a:spcPts val="0"/>
-              </a:spcBef>
-              <a:defRPr sz="1800" b="0" i="0" u="none" strike="noStrike" cap="none">
-                <a:solidFill>
-                  <a:schemeClr val="dk1"/>
-                </a:solidFill>
-                <a:latin typeface="Calibri"/>
-                <a:ea typeface="Calibri"/>
-                <a:cs typeface="Calibri"/>
-                <a:sym typeface="Calibri"/>
-              </a:defRPr>
-            </a:lvl3pPr>
-            <a:lvl4pPr marL="1371600" marR="0" lvl="3" indent="0" algn="l" rtl="0">
-              <a:spcBef>
-                <a:spcPts val="0"/>
-              </a:spcBef>
-              <a:defRPr sz="1800" b="0" i="0" u="none" strike="noStrike" cap="none">
-                <a:solidFill>
-                  <a:schemeClr val="dk1"/>
-                </a:solidFill>
-                <a:latin typeface="Calibri"/>
-                <a:ea typeface="Calibri"/>
-                <a:cs typeface="Calibri"/>
-                <a:sym typeface="Calibri"/>
-              </a:defRPr>
-            </a:lvl4pPr>
-            <a:lvl5pPr marL="1828800" marR="0" lvl="4" indent="0" algn="l" rtl="0">
-              <a:spcBef>
-                <a:spcPts val="0"/>
-              </a:spcBef>
-              <a:defRPr sz="1800" b="0" i="0" u="none" strike="noStrike" cap="none">
-                <a:solidFill>
-                  <a:schemeClr val="dk1"/>
-                </a:solidFill>
-                <a:latin typeface="Calibri"/>
-                <a:ea typeface="Calibri"/>
-                <a:cs typeface="Calibri"/>
-                <a:sym typeface="Calibri"/>
-              </a:defRPr>
-            </a:lvl5pPr>
-            <a:lvl6pPr marL="2286000" marR="0" lvl="5" indent="0" algn="l" rtl="0">
-              <a:spcBef>
-                <a:spcPts val="0"/>
-              </a:spcBef>
-              <a:defRPr sz="1800" b="0" i="0" u="none" strike="noStrike" cap="none">
-                <a:solidFill>
-                  <a:schemeClr val="dk1"/>
-                </a:solidFill>
-                <a:latin typeface="Calibri"/>
-                <a:ea typeface="Calibri"/>
-                <a:cs typeface="Calibri"/>
-                <a:sym typeface="Calibri"/>
-              </a:defRPr>
-            </a:lvl6pPr>
-            <a:lvl7pPr marL="2743200" marR="0" lvl="6" indent="0" algn="l" rtl="0">
-              <a:spcBef>
-                <a:spcPts val="0"/>
-              </a:spcBef>
-              <a:defRPr sz="1800" b="0" i="0" u="none" strike="noStrike" cap="none">
-                <a:solidFill>
-                  <a:schemeClr val="dk1"/>
-                </a:solidFill>
-                <a:latin typeface="Calibri"/>
-                <a:ea typeface="Calibri"/>
-                <a:cs typeface="Calibri"/>
-                <a:sym typeface="Calibri"/>
-              </a:defRPr>
-            </a:lvl7pPr>
-            <a:lvl8pPr marL="3200400" marR="0" lvl="7" indent="0" algn="l" rtl="0">
-              <a:spcBef>
-                <a:spcPts val="0"/>
-              </a:spcBef>
-              <a:defRPr sz="1800" b="0" i="0" u="none" strike="noStrike" cap="none">
-                <a:solidFill>
-                  <a:schemeClr val="dk1"/>
-                </a:solidFill>
-                <a:latin typeface="Calibri"/>
-                <a:ea typeface="Calibri"/>
-                <a:cs typeface="Calibri"/>
-                <a:sym typeface="Calibri"/>
-              </a:defRPr>
-            </a:lvl8pPr>
-            <a:lvl9pPr marL="3657600" marR="0" lvl="8" indent="0" algn="l" rtl="0">
-              <a:spcBef>
-                <a:spcPts val="0"/>
-              </a:spcBef>
-              <a:defRPr sz="1800" b="0" i="0" u="none" strike="noStrike" cap="none">
-                <a:solidFill>
-                  <a:schemeClr val="dk1"/>
-                </a:solidFill>
-                <a:latin typeface="Calibri"/>
-                <a:ea typeface="Calibri"/>
-                <a:cs typeface="Calibri"/>
-                <a:sym typeface="Calibri"/>
-              </a:defRPr>
-            </a:lvl9pPr>
-          </a:lstStyle>
-          <a:p>
-            <a:endParaRPr/>
-          </a:p>
-        </p:txBody>
-      </p:sp>
-      <p:sp>
-        <p:nvSpPr>
-          <p:cNvPr id="101" name="Shape 101"/>
-          <p:cNvSpPr txBox="1">
-            <a:spLocks noGrp="1"/>
-          </p:cNvSpPr>
-          <p:nvPr>
-            <p:ph type="sldNum" idx="12"/>
-          </p:nvPr>
-        </p:nvSpPr>
-        <p:spPr>
-          <a:xfrm>
-            <a:off x="6553200" y="6356350"/>
-            <a:ext cx="2133600" cy="365100"/>
-          </a:xfrm>
-          <a:prstGeom prst="rect">
-            <a:avLst/>
-          </a:prstGeom>
-          <a:noFill/>
-          <a:ln>
-            <a:noFill/>
-          </a:ln>
-        </p:spPr>
-        <p:txBody>
-          <a:bodyPr lIns="91425" tIns="45700" rIns="91425" bIns="45700" anchor="ctr" anchorCtr="0">
-            <a:noAutofit/>
-          </a:bodyPr>
-          <a:lstStyle/>
-          <a:p>
-            <a:pPr marL="0" marR="0" lvl="0" indent="0" algn="r" rtl="0">
-              <a:spcBef>
-                <a:spcPts val="0"/>
-              </a:spcBef>
-              <a:buSzPct val="25000"/>
-              <a:buNone/>
-            </a:pPr>
-            <a:fld id="{00000000-1234-1234-1234-123412341234}" type="slidenum">
-              <a:rPr lang="en-US" sz="1200" b="0" i="0" u="none" strike="noStrike" cap="none">
-                <a:solidFill>
-                  <a:srgbClr val="888888"/>
-                </a:solidFill>
-                <a:latin typeface="Calibri"/>
-                <a:ea typeface="Calibri"/>
-                <a:cs typeface="Calibri"/>
-                <a:sym typeface="Calibri"/>
-              </a:rPr>
-              <a:t>‹#›</a:t>
-            </a:fld>
-            <a:endParaRPr lang="en-US" sz="1200" b="0" i="0" u="none" strike="noStrike" cap="none">
-              <a:solidFill>
-                <a:srgbClr val="888888"/>
-              </a:solidFill>
-              <a:latin typeface="Calibri"/>
-              <a:ea typeface="Calibri"/>
-              <a:cs typeface="Calibri"/>
-              <a:sym typeface="Calibri"/>
-            </a:endParaRPr>
-          </a:p>
-        </p:txBody>
-      </p:sp>
-    </p:spTree>
-  </p:cSld>
-  <p:clrMapOvr>
-    <a:masterClrMapping/>
-  </p:clrMapOvr>
-</p:sldLayout>
-</file>
-
-<file path=ppt/slideLayouts/slideLayout13.xml><?xml version="1.0" encoding="utf-8"?>
-<p:sldLayout xmlns:a="http://schemas.openxmlformats.org/drawingml/2006/main" xmlns:r="http://schemas.openxmlformats.org/officeDocument/2006/relationships" xmlns:p="http://schemas.openxmlformats.org/presentationml/2006/main" type="secHead">
-  <p:cSld name="Section Header">
-    <p:spTree>
-      <p:nvGrpSpPr>
-        <p:cNvPr id="1" name="Shape 102"/>
-        <p:cNvGrpSpPr/>
-        <p:nvPr/>
-      </p:nvGrpSpPr>
-      <p:grpSpPr>
-        <a:xfrm>
-          <a:off x="0" y="0"/>
-          <a:ext cx="0" cy="0"/>
-          <a:chOff x="0" y="0"/>
-          <a:chExt cx="0" cy="0"/>
-        </a:xfrm>
-      </p:grpSpPr>
-      <p:sp>
-        <p:nvSpPr>
-          <p:cNvPr id="103" name="Shape 103"/>
-          <p:cNvSpPr txBox="1">
-            <a:spLocks noGrp="1"/>
-          </p:cNvSpPr>
-          <p:nvPr>
-            <p:ph type="title"/>
-          </p:nvPr>
-        </p:nvSpPr>
-        <p:spPr>
-          <a:xfrm>
-            <a:off x="722312" y="4406900"/>
-            <a:ext cx="7772400" cy="1362000"/>
-          </a:xfrm>
-          <a:prstGeom prst="rect">
-            <a:avLst/>
-          </a:prstGeom>
-          <a:noFill/>
-          <a:ln>
-            <a:noFill/>
-          </a:ln>
-        </p:spPr>
-        <p:txBody>
-          <a:bodyPr lIns="91425" tIns="91425" rIns="91425" bIns="91425" anchor="t" anchorCtr="0"/>
-          <a:lstStyle>
-            <a:lvl1pPr lvl="0" algn="l" rtl="0">
-              <a:spcBef>
-                <a:spcPts val="0"/>
-              </a:spcBef>
-              <a:defRPr sz="4000" b="1" cap="none"/>
-            </a:lvl1pPr>
-            <a:lvl2pPr lvl="1" rtl="0">
-              <a:spcBef>
-                <a:spcPts val="0"/>
-              </a:spcBef>
-              <a:defRPr/>
-            </a:lvl2pPr>
-            <a:lvl3pPr lvl="2" rtl="0">
-              <a:spcBef>
-                <a:spcPts val="0"/>
-              </a:spcBef>
-              <a:defRPr/>
-            </a:lvl3pPr>
-            <a:lvl4pPr lvl="3" rtl="0">
-              <a:spcBef>
-                <a:spcPts val="0"/>
-              </a:spcBef>
-              <a:defRPr/>
-            </a:lvl4pPr>
-            <a:lvl5pPr lvl="4" rtl="0">
-              <a:spcBef>
-                <a:spcPts val="0"/>
-              </a:spcBef>
-              <a:defRPr/>
-            </a:lvl5pPr>
-            <a:lvl6pPr lvl="5" rtl="0">
-              <a:spcBef>
-                <a:spcPts val="0"/>
-              </a:spcBef>
-              <a:defRPr/>
-            </a:lvl6pPr>
-            <a:lvl7pPr lvl="6" rtl="0">
-              <a:spcBef>
-                <a:spcPts val="0"/>
-              </a:spcBef>
-              <a:defRPr/>
-            </a:lvl7pPr>
-            <a:lvl8pPr lvl="7" rtl="0">
-              <a:spcBef>
-                <a:spcPts val="0"/>
-              </a:spcBef>
-              <a:defRPr/>
-            </a:lvl8pPr>
-            <a:lvl9pPr lvl="8" rtl="0">
-              <a:spcBef>
-                <a:spcPts val="0"/>
-              </a:spcBef>
-              <a:defRPr/>
-            </a:lvl9pPr>
-          </a:lstStyle>
-          <a:p>
-            <a:endParaRPr/>
-          </a:p>
-        </p:txBody>
-      </p:sp>
-      <p:sp>
-        <p:nvSpPr>
-          <p:cNvPr id="104" name="Shape 104"/>
-          <p:cNvSpPr txBox="1">
-            <a:spLocks noGrp="1"/>
-          </p:cNvSpPr>
-          <p:nvPr>
-            <p:ph type="body" idx="1"/>
-          </p:nvPr>
-        </p:nvSpPr>
-        <p:spPr>
-          <a:xfrm>
-            <a:off x="722312" y="2906713"/>
-            <a:ext cx="7772400" cy="1500300"/>
-          </a:xfrm>
-          <a:prstGeom prst="rect">
-            <a:avLst/>
-          </a:prstGeom>
-          <a:noFill/>
-          <a:ln>
-            <a:noFill/>
-          </a:ln>
-        </p:spPr>
-        <p:txBody>
-          <a:bodyPr lIns="91425" tIns="91425" rIns="91425" bIns="91425" anchor="b" anchorCtr="0"/>
-          <a:lstStyle>
-            <a:lvl1pPr marL="0" lvl="0" indent="0" rtl="0">
-              <a:spcBef>
-                <a:spcPts val="0"/>
-              </a:spcBef>
-              <a:buClr>
-                <a:srgbClr val="888888"/>
-              </a:buClr>
-              <a:buFont typeface="Calibri"/>
-              <a:buNone/>
-              <a:defRPr sz="2000">
-                <a:solidFill>
-                  <a:srgbClr val="888888"/>
-                </a:solidFill>
-              </a:defRPr>
-            </a:lvl1pPr>
-            <a:lvl2pPr marL="457200" lvl="1" indent="0" rtl="0">
-              <a:spcBef>
-                <a:spcPts val="0"/>
-              </a:spcBef>
-              <a:buClr>
-                <a:srgbClr val="888888"/>
-              </a:buClr>
-              <a:buFont typeface="Calibri"/>
-              <a:buNone/>
-              <a:defRPr sz="1800">
-                <a:solidFill>
-                  <a:srgbClr val="888888"/>
-                </a:solidFill>
-              </a:defRPr>
-            </a:lvl2pPr>
-            <a:lvl3pPr marL="914400" lvl="2" indent="0" rtl="0">
-              <a:spcBef>
-                <a:spcPts val="0"/>
-              </a:spcBef>
-              <a:buClr>
-                <a:srgbClr val="888888"/>
-              </a:buClr>
-              <a:buFont typeface="Calibri"/>
-              <a:buNone/>
-              <a:defRPr sz="1600">
-                <a:solidFill>
-                  <a:srgbClr val="888888"/>
-                </a:solidFill>
-              </a:defRPr>
-            </a:lvl3pPr>
-            <a:lvl4pPr marL="1371600" lvl="3" indent="0" rtl="0">
-              <a:spcBef>
-                <a:spcPts val="0"/>
-              </a:spcBef>
-              <a:buClr>
-                <a:srgbClr val="888888"/>
-              </a:buClr>
-              <a:buFont typeface="Calibri"/>
-              <a:buNone/>
-              <a:defRPr sz="1400">
-                <a:solidFill>
-                  <a:srgbClr val="888888"/>
-                </a:solidFill>
-              </a:defRPr>
-            </a:lvl4pPr>
-            <a:lvl5pPr marL="1828800" lvl="4" indent="0" rtl="0">
-              <a:spcBef>
-                <a:spcPts val="0"/>
-              </a:spcBef>
-              <a:buClr>
-                <a:srgbClr val="888888"/>
-              </a:buClr>
-              <a:buFont typeface="Calibri"/>
-              <a:buNone/>
-              <a:defRPr sz="1400">
-                <a:solidFill>
-                  <a:srgbClr val="888888"/>
-                </a:solidFill>
-              </a:defRPr>
-            </a:lvl5pPr>
-            <a:lvl6pPr marL="2286000" lvl="5" indent="0" rtl="0">
-              <a:spcBef>
-                <a:spcPts val="0"/>
-              </a:spcBef>
-              <a:buClr>
-                <a:srgbClr val="888888"/>
-              </a:buClr>
-              <a:buFont typeface="Calibri"/>
-              <a:buNone/>
-              <a:defRPr sz="1400">
-                <a:solidFill>
-                  <a:srgbClr val="888888"/>
-                </a:solidFill>
-              </a:defRPr>
-            </a:lvl6pPr>
-            <a:lvl7pPr marL="2743200" lvl="6" indent="0" rtl="0">
-              <a:spcBef>
-                <a:spcPts val="0"/>
-              </a:spcBef>
-              <a:buClr>
-                <a:srgbClr val="888888"/>
-              </a:buClr>
-              <a:buFont typeface="Calibri"/>
-              <a:buNone/>
-              <a:defRPr sz="1400">
-                <a:solidFill>
-                  <a:srgbClr val="888888"/>
-                </a:solidFill>
-              </a:defRPr>
-            </a:lvl7pPr>
-            <a:lvl8pPr marL="3200400" lvl="7" indent="0" rtl="0">
-              <a:spcBef>
-                <a:spcPts val="0"/>
-              </a:spcBef>
-              <a:buClr>
-                <a:srgbClr val="888888"/>
-              </a:buClr>
-              <a:buFont typeface="Calibri"/>
-              <a:buNone/>
-              <a:defRPr sz="1400">
-                <a:solidFill>
-                  <a:srgbClr val="888888"/>
-                </a:solidFill>
-              </a:defRPr>
-            </a:lvl8pPr>
-            <a:lvl9pPr marL="3657600" lvl="8" indent="0" rtl="0">
-              <a:spcBef>
-                <a:spcPts val="0"/>
-              </a:spcBef>
-              <a:buClr>
-                <a:srgbClr val="888888"/>
-              </a:buClr>
-              <a:buFont typeface="Calibri"/>
-              <a:buNone/>
-              <a:defRPr sz="1400">
-                <a:solidFill>
-                  <a:srgbClr val="888888"/>
-                </a:solidFill>
-              </a:defRPr>
-            </a:lvl9pPr>
-          </a:lstStyle>
-          <a:p>
-            <a:endParaRPr/>
-          </a:p>
-        </p:txBody>
-      </p:sp>
-      <p:sp>
-        <p:nvSpPr>
-          <p:cNvPr id="105" name="Shape 105"/>
-          <p:cNvSpPr txBox="1">
-            <a:spLocks noGrp="1"/>
-          </p:cNvSpPr>
-          <p:nvPr>
-            <p:ph type="dt" idx="10"/>
-          </p:nvPr>
-        </p:nvSpPr>
-        <p:spPr>
-          <a:xfrm>
-            <a:off x="457200" y="6356350"/>
-            <a:ext cx="2133600" cy="365100"/>
-          </a:xfrm>
-          <a:prstGeom prst="rect">
-            <a:avLst/>
-          </a:prstGeom>
-          <a:noFill/>
-          <a:ln>
-            <a:noFill/>
-          </a:ln>
-        </p:spPr>
-        <p:txBody>
-          <a:bodyPr lIns="91425" tIns="91425" rIns="91425" bIns="91425" anchor="ctr" anchorCtr="0"/>
-          <a:lstStyle>
-            <a:lvl1pPr marL="0" marR="0" lvl="0" indent="0" algn="l" rtl="0">
-              <a:spcBef>
-                <a:spcPts val="0"/>
-              </a:spcBef>
-              <a:defRPr sz="1200" b="0" i="0" u="none" strike="noStrike" cap="none">
-                <a:solidFill>
-                  <a:srgbClr val="888888"/>
-                </a:solidFill>
-                <a:latin typeface="Calibri"/>
-                <a:ea typeface="Calibri"/>
-                <a:cs typeface="Calibri"/>
-                <a:sym typeface="Calibri"/>
-              </a:defRPr>
-            </a:lvl1pPr>
-            <a:lvl2pPr marL="457200" marR="0" lvl="1" indent="0" algn="l" rtl="0">
-              <a:spcBef>
-                <a:spcPts val="0"/>
-              </a:spcBef>
-              <a:defRPr sz="1800" b="0" i="0" u="none" strike="noStrike" cap="none">
-                <a:solidFill>
-                  <a:schemeClr val="dk1"/>
-                </a:solidFill>
-                <a:latin typeface="Calibri"/>
-                <a:ea typeface="Calibri"/>
-                <a:cs typeface="Calibri"/>
-                <a:sym typeface="Calibri"/>
-              </a:defRPr>
-            </a:lvl2pPr>
-            <a:lvl3pPr marL="914400" marR="0" lvl="2" indent="0" algn="l" rtl="0">
-              <a:spcBef>
-                <a:spcPts val="0"/>
-              </a:spcBef>
-              <a:defRPr sz="1800" b="0" i="0" u="none" strike="noStrike" cap="none">
-                <a:solidFill>
-                  <a:schemeClr val="dk1"/>
-                </a:solidFill>
-                <a:latin typeface="Calibri"/>
-                <a:ea typeface="Calibri"/>
-                <a:cs typeface="Calibri"/>
-                <a:sym typeface="Calibri"/>
-              </a:defRPr>
-            </a:lvl3pPr>
-            <a:lvl4pPr marL="1371600" marR="0" lvl="3" indent="0" algn="l" rtl="0">
-              <a:spcBef>
-                <a:spcPts val="0"/>
-              </a:spcBef>
-              <a:defRPr sz="1800" b="0" i="0" u="none" strike="noStrike" cap="none">
-                <a:solidFill>
-                  <a:schemeClr val="dk1"/>
-                </a:solidFill>
-                <a:latin typeface="Calibri"/>
-                <a:ea typeface="Calibri"/>
-                <a:cs typeface="Calibri"/>
-                <a:sym typeface="Calibri"/>
-              </a:defRPr>
-            </a:lvl4pPr>
-            <a:lvl5pPr marL="1828800" marR="0" lvl="4" indent="0" algn="l" rtl="0">
-              <a:spcBef>
-                <a:spcPts val="0"/>
-              </a:spcBef>
-              <a:defRPr sz="1800" b="0" i="0" u="none" strike="noStrike" cap="none">
-                <a:solidFill>
-                  <a:schemeClr val="dk1"/>
-                </a:solidFill>
-                <a:latin typeface="Calibri"/>
-                <a:ea typeface="Calibri"/>
-                <a:cs typeface="Calibri"/>
-                <a:sym typeface="Calibri"/>
-              </a:defRPr>
-            </a:lvl5pPr>
-            <a:lvl6pPr marL="2286000" marR="0" lvl="5" indent="0" algn="l" rtl="0">
-              <a:spcBef>
-                <a:spcPts val="0"/>
-              </a:spcBef>
-              <a:defRPr sz="1800" b="0" i="0" u="none" strike="noStrike" cap="none">
-                <a:solidFill>
-                  <a:schemeClr val="dk1"/>
-                </a:solidFill>
-                <a:latin typeface="Calibri"/>
-                <a:ea typeface="Calibri"/>
-                <a:cs typeface="Calibri"/>
-                <a:sym typeface="Calibri"/>
-              </a:defRPr>
-            </a:lvl6pPr>
-            <a:lvl7pPr marL="2743200" marR="0" lvl="6" indent="0" algn="l" rtl="0">
-              <a:spcBef>
-                <a:spcPts val="0"/>
-              </a:spcBef>
-              <a:defRPr sz="1800" b="0" i="0" u="none" strike="noStrike" cap="none">
-                <a:solidFill>
-                  <a:schemeClr val="dk1"/>
-                </a:solidFill>
-                <a:latin typeface="Calibri"/>
-                <a:ea typeface="Calibri"/>
-                <a:cs typeface="Calibri"/>
-                <a:sym typeface="Calibri"/>
-              </a:defRPr>
-            </a:lvl7pPr>
-            <a:lvl8pPr marL="3200400" marR="0" lvl="7" indent="0" algn="l" rtl="0">
-              <a:spcBef>
-                <a:spcPts val="0"/>
-              </a:spcBef>
-              <a:defRPr sz="1800" b="0" i="0" u="none" strike="noStrike" cap="none">
-                <a:solidFill>
-                  <a:schemeClr val="dk1"/>
-                </a:solidFill>
-                <a:latin typeface="Calibri"/>
-                <a:ea typeface="Calibri"/>
-                <a:cs typeface="Calibri"/>
-                <a:sym typeface="Calibri"/>
-              </a:defRPr>
-            </a:lvl8pPr>
-            <a:lvl9pPr marL="3657600" marR="0" lvl="8" indent="0" algn="l" rtl="0">
-              <a:spcBef>
-                <a:spcPts val="0"/>
-              </a:spcBef>
-              <a:defRPr sz="1800" b="0" i="0" u="none" strike="noStrike" cap="none">
-                <a:solidFill>
-                  <a:schemeClr val="dk1"/>
-                </a:solidFill>
-                <a:latin typeface="Calibri"/>
-                <a:ea typeface="Calibri"/>
-                <a:cs typeface="Calibri"/>
-                <a:sym typeface="Calibri"/>
-              </a:defRPr>
-            </a:lvl9pPr>
-          </a:lstStyle>
-          <a:p>
-            <a:endParaRPr/>
-          </a:p>
-        </p:txBody>
-      </p:sp>
-      <p:sp>
-        <p:nvSpPr>
-          <p:cNvPr id="106" name="Shape 106"/>
-          <p:cNvSpPr txBox="1">
-            <a:spLocks noGrp="1"/>
-          </p:cNvSpPr>
-          <p:nvPr>
-            <p:ph type="ftr" idx="11"/>
-          </p:nvPr>
-        </p:nvSpPr>
-        <p:spPr>
-          <a:xfrm>
-            <a:off x="3124200" y="6356350"/>
-            <a:ext cx="2895600" cy="365100"/>
-          </a:xfrm>
-          <a:prstGeom prst="rect">
-            <a:avLst/>
-          </a:prstGeom>
-          <a:noFill/>
-          <a:ln>
-            <a:noFill/>
-          </a:ln>
-        </p:spPr>
-        <p:txBody>
-          <a:bodyPr lIns="91425" tIns="91425" rIns="91425" bIns="91425" anchor="ctr" anchorCtr="0"/>
-          <a:lstStyle>
-            <a:lvl1pPr marL="0" marR="0" lvl="0" indent="0" algn="ctr" rtl="0">
-              <a:spcBef>
-                <a:spcPts val="0"/>
-              </a:spcBef>
-              <a:defRPr sz="1200" b="0" i="0" u="none" strike="noStrike" cap="none">
-                <a:solidFill>
-                  <a:srgbClr val="888888"/>
-                </a:solidFill>
-                <a:latin typeface="Calibri"/>
-                <a:ea typeface="Calibri"/>
-                <a:cs typeface="Calibri"/>
-                <a:sym typeface="Calibri"/>
-              </a:defRPr>
-            </a:lvl1pPr>
-            <a:lvl2pPr marL="457200" marR="0" lvl="1" indent="0" algn="l" rtl="0">
-              <a:spcBef>
-                <a:spcPts val="0"/>
-              </a:spcBef>
-              <a:defRPr sz="1800" b="0" i="0" u="none" strike="noStrike" cap="none">
-                <a:solidFill>
-                  <a:schemeClr val="dk1"/>
-                </a:solidFill>
-                <a:latin typeface="Calibri"/>
-                <a:ea typeface="Calibri"/>
-                <a:cs typeface="Calibri"/>
-                <a:sym typeface="Calibri"/>
-              </a:defRPr>
-            </a:lvl2pPr>
-            <a:lvl3pPr marL="914400" marR="0" lvl="2" indent="0" algn="l" rtl="0">
-              <a:spcBef>
-                <a:spcPts val="0"/>
-              </a:spcBef>
-              <a:defRPr sz="1800" b="0" i="0" u="none" strike="noStrike" cap="none">
-                <a:solidFill>
-                  <a:schemeClr val="dk1"/>
-                </a:solidFill>
-                <a:latin typeface="Calibri"/>
-                <a:ea typeface="Calibri"/>
-                <a:cs typeface="Calibri"/>
-                <a:sym typeface="Calibri"/>
-              </a:defRPr>
-            </a:lvl3pPr>
-            <a:lvl4pPr marL="1371600" marR="0" lvl="3" indent="0" algn="l" rtl="0">
-              <a:spcBef>
-                <a:spcPts val="0"/>
-              </a:spcBef>
-              <a:defRPr sz="1800" b="0" i="0" u="none" strike="noStrike" cap="none">
-                <a:solidFill>
-                  <a:schemeClr val="dk1"/>
-                </a:solidFill>
-                <a:latin typeface="Calibri"/>
-                <a:ea typeface="Calibri"/>
-                <a:cs typeface="Calibri"/>
-                <a:sym typeface="Calibri"/>
-              </a:defRPr>
-            </a:lvl4pPr>
-            <a:lvl5pPr marL="1828800" marR="0" lvl="4" indent="0" algn="l" rtl="0">
-              <a:spcBef>
-                <a:spcPts val="0"/>
-              </a:spcBef>
-              <a:defRPr sz="1800" b="0" i="0" u="none" strike="noStrike" cap="none">
-                <a:solidFill>
-                  <a:schemeClr val="dk1"/>
-                </a:solidFill>
-                <a:latin typeface="Calibri"/>
-                <a:ea typeface="Calibri"/>
-                <a:cs typeface="Calibri"/>
-                <a:sym typeface="Calibri"/>
-              </a:defRPr>
-            </a:lvl5pPr>
-            <a:lvl6pPr marL="2286000" marR="0" lvl="5" indent="0" algn="l" rtl="0">
-              <a:spcBef>
-                <a:spcPts val="0"/>
-              </a:spcBef>
-              <a:defRPr sz="1800" b="0" i="0" u="none" strike="noStrike" cap="none">
-                <a:solidFill>
-                  <a:schemeClr val="dk1"/>
-                </a:solidFill>
-                <a:latin typeface="Calibri"/>
-                <a:ea typeface="Calibri"/>
-                <a:cs typeface="Calibri"/>
-                <a:sym typeface="Calibri"/>
-              </a:defRPr>
-            </a:lvl6pPr>
-            <a:lvl7pPr marL="2743200" marR="0" lvl="6" indent="0" algn="l" rtl="0">
-              <a:spcBef>
-                <a:spcPts val="0"/>
-              </a:spcBef>
-              <a:defRPr sz="1800" b="0" i="0" u="none" strike="noStrike" cap="none">
-                <a:solidFill>
-                  <a:schemeClr val="dk1"/>
-                </a:solidFill>
-                <a:latin typeface="Calibri"/>
-                <a:ea typeface="Calibri"/>
-                <a:cs typeface="Calibri"/>
-                <a:sym typeface="Calibri"/>
-              </a:defRPr>
-            </a:lvl7pPr>
-            <a:lvl8pPr marL="3200400" marR="0" lvl="7" indent="0" algn="l" rtl="0">
-              <a:spcBef>
-                <a:spcPts val="0"/>
-              </a:spcBef>
-              <a:defRPr sz="1800" b="0" i="0" u="none" strike="noStrike" cap="none">
-                <a:solidFill>
-                  <a:schemeClr val="dk1"/>
-                </a:solidFill>
-                <a:latin typeface="Calibri"/>
-                <a:ea typeface="Calibri"/>
-                <a:cs typeface="Calibri"/>
-                <a:sym typeface="Calibri"/>
-              </a:defRPr>
-            </a:lvl8pPr>
-            <a:lvl9pPr marL="3657600" marR="0" lvl="8" indent="0" algn="l" rtl="0">
-              <a:spcBef>
-                <a:spcPts val="0"/>
-              </a:spcBef>
-              <a:defRPr sz="1800" b="0" i="0" u="none" strike="noStrike" cap="none">
-                <a:solidFill>
-                  <a:schemeClr val="dk1"/>
-                </a:solidFill>
-                <a:latin typeface="Calibri"/>
-                <a:ea typeface="Calibri"/>
-                <a:cs typeface="Calibri"/>
-                <a:sym typeface="Calibri"/>
-              </a:defRPr>
-            </a:lvl9pPr>
-          </a:lstStyle>
-          <a:p>
-            <a:endParaRPr/>
-          </a:p>
-        </p:txBody>
-      </p:sp>
-      <p:sp>
-        <p:nvSpPr>
-          <p:cNvPr id="107" name="Shape 107"/>
-          <p:cNvSpPr txBox="1">
-            <a:spLocks noGrp="1"/>
-          </p:cNvSpPr>
-          <p:nvPr>
-            <p:ph type="sldNum" idx="12"/>
-          </p:nvPr>
-        </p:nvSpPr>
-        <p:spPr>
-          <a:xfrm>
-            <a:off x="6553200" y="6356350"/>
-            <a:ext cx="2133600" cy="365100"/>
-          </a:xfrm>
-          <a:prstGeom prst="rect">
-            <a:avLst/>
-          </a:prstGeom>
-          <a:noFill/>
-          <a:ln>
-            <a:noFill/>
-          </a:ln>
-        </p:spPr>
-        <p:txBody>
-          <a:bodyPr lIns="91425" tIns="45700" rIns="91425" bIns="45700" anchor="ctr" anchorCtr="0">
-            <a:noAutofit/>
-          </a:bodyPr>
-          <a:lstStyle/>
-          <a:p>
-            <a:pPr marL="0" marR="0" lvl="0" indent="0" algn="r" rtl="0">
-              <a:spcBef>
-                <a:spcPts val="0"/>
-              </a:spcBef>
-              <a:buSzPct val="25000"/>
-              <a:buNone/>
-            </a:pPr>
-            <a:fld id="{00000000-1234-1234-1234-123412341234}" type="slidenum">
-              <a:rPr lang="en-US" sz="1200" b="0" i="0" u="none" strike="noStrike" cap="none">
-                <a:solidFill>
-                  <a:srgbClr val="888888"/>
-                </a:solidFill>
-                <a:latin typeface="Calibri"/>
-                <a:ea typeface="Calibri"/>
-                <a:cs typeface="Calibri"/>
-                <a:sym typeface="Calibri"/>
-              </a:rPr>
-              <a:t>‹#›</a:t>
-            </a:fld>
-            <a:endParaRPr lang="en-US" sz="1200" b="0" i="0" u="none" strike="noStrike" cap="none">
-              <a:solidFill>
-                <a:srgbClr val="888888"/>
-              </a:solidFill>
-              <a:latin typeface="Calibri"/>
-              <a:ea typeface="Calibri"/>
-              <a:cs typeface="Calibri"/>
-              <a:sym typeface="Calibri"/>
-            </a:endParaRPr>
-          </a:p>
-        </p:txBody>
-      </p:sp>
-    </p:spTree>
-  </p:cSld>
-  <p:clrMapOvr>
-    <a:masterClrMapping/>
-  </p:clrMapOvr>
-</p:sldLayout>
-</file>
-
-<file path=ppt/slideLayouts/slideLayout14.xml><?xml version="1.0" encoding="utf-8"?>
-<p:sldLayout xmlns:a="http://schemas.openxmlformats.org/drawingml/2006/main" xmlns:r="http://schemas.openxmlformats.org/officeDocument/2006/relationships" xmlns:p="http://schemas.openxmlformats.org/presentationml/2006/main" type="twoObj">
-  <p:cSld name="Two Content">
-    <p:spTree>
-      <p:nvGrpSpPr>
-        <p:cNvPr id="1" name="Shape 108"/>
-        <p:cNvGrpSpPr/>
-        <p:nvPr/>
-      </p:nvGrpSpPr>
-      <p:grpSpPr>
-        <a:xfrm>
-          <a:off x="0" y="0"/>
-          <a:ext cx="0" cy="0"/>
-          <a:chOff x="0" y="0"/>
-          <a:chExt cx="0" cy="0"/>
-        </a:xfrm>
-      </p:grpSpPr>
-      <p:sp>
-        <p:nvSpPr>
-          <p:cNvPr id="109" name="Shape 109"/>
-          <p:cNvSpPr txBox="1">
-            <a:spLocks noGrp="1"/>
-          </p:cNvSpPr>
-          <p:nvPr>
-            <p:ph type="title"/>
-          </p:nvPr>
-        </p:nvSpPr>
-        <p:spPr>
-          <a:xfrm>
-            <a:off x="457200" y="274637"/>
-            <a:ext cx="8229600" cy="1143000"/>
-          </a:xfrm>
-          <a:prstGeom prst="rect">
-            <a:avLst/>
-          </a:prstGeom>
-          <a:noFill/>
-          <a:ln>
-            <a:noFill/>
-          </a:ln>
-        </p:spPr>
-        <p:txBody>
-          <a:bodyPr lIns="91425" tIns="91425" rIns="91425" bIns="91425" anchor="ctr" anchorCtr="0"/>
-          <a:lstStyle>
-            <a:lvl1pPr lvl="0" algn="ctr" rtl="0">
-              <a:spcBef>
-                <a:spcPts val="0"/>
-              </a:spcBef>
-              <a:buClr>
-                <a:schemeClr val="dk1"/>
-              </a:buClr>
-              <a:buFont typeface="Calibri"/>
-              <a:buNone/>
-              <a:defRPr sz="4400">
-                <a:solidFill>
-                  <a:schemeClr val="dk1"/>
-                </a:solidFill>
-                <a:latin typeface="Calibri"/>
-                <a:ea typeface="Calibri"/>
-                <a:cs typeface="Calibri"/>
-                <a:sym typeface="Calibri"/>
-              </a:defRPr>
-            </a:lvl1pPr>
-            <a:lvl2pPr lvl="1" rtl="0">
-              <a:spcBef>
-                <a:spcPts val="0"/>
-              </a:spcBef>
-              <a:defRPr/>
-            </a:lvl2pPr>
-            <a:lvl3pPr lvl="2" rtl="0">
-              <a:spcBef>
-                <a:spcPts val="0"/>
-              </a:spcBef>
-              <a:defRPr/>
-            </a:lvl3pPr>
-            <a:lvl4pPr lvl="3" rtl="0">
-              <a:spcBef>
-                <a:spcPts val="0"/>
-              </a:spcBef>
-              <a:defRPr/>
-            </a:lvl4pPr>
-            <a:lvl5pPr lvl="4" rtl="0">
-              <a:spcBef>
-                <a:spcPts val="0"/>
-              </a:spcBef>
-              <a:defRPr/>
-            </a:lvl5pPr>
-            <a:lvl6pPr lvl="5" rtl="0">
-              <a:spcBef>
-                <a:spcPts val="0"/>
-              </a:spcBef>
-              <a:defRPr/>
-            </a:lvl6pPr>
-            <a:lvl7pPr lvl="6" rtl="0">
-              <a:spcBef>
-                <a:spcPts val="0"/>
-              </a:spcBef>
-              <a:defRPr/>
-            </a:lvl7pPr>
-            <a:lvl8pPr lvl="7" rtl="0">
-              <a:spcBef>
-                <a:spcPts val="0"/>
-              </a:spcBef>
-              <a:defRPr/>
-            </a:lvl8pPr>
-            <a:lvl9pPr lvl="8" rtl="0">
-              <a:spcBef>
-                <a:spcPts val="0"/>
-              </a:spcBef>
-              <a:defRPr/>
-            </a:lvl9pPr>
-          </a:lstStyle>
-          <a:p>
-            <a:endParaRPr/>
-          </a:p>
-        </p:txBody>
-      </p:sp>
-      <p:sp>
-        <p:nvSpPr>
-          <p:cNvPr id="110" name="Shape 110"/>
-          <p:cNvSpPr txBox="1">
-            <a:spLocks noGrp="1"/>
-          </p:cNvSpPr>
-          <p:nvPr>
-            <p:ph type="body" idx="1"/>
-          </p:nvPr>
-        </p:nvSpPr>
-        <p:spPr>
-          <a:xfrm>
-            <a:off x="457200" y="1600200"/>
-            <a:ext cx="4038600" cy="4526100"/>
-          </a:xfrm>
-          <a:prstGeom prst="rect">
-            <a:avLst/>
-          </a:prstGeom>
-          <a:noFill/>
-          <a:ln>
-            <a:noFill/>
-          </a:ln>
-        </p:spPr>
-        <p:txBody>
-          <a:bodyPr lIns="91425" tIns="91425" rIns="91425" bIns="91425" anchor="t" anchorCtr="0"/>
-          <a:lstStyle>
-            <a:lvl1pPr lvl="0" rtl="0">
-              <a:spcBef>
-                <a:spcPts val="0"/>
-              </a:spcBef>
-              <a:defRPr sz="2800"/>
-            </a:lvl1pPr>
-            <a:lvl2pPr lvl="1" rtl="0">
-              <a:spcBef>
-                <a:spcPts val="0"/>
-              </a:spcBef>
-              <a:defRPr sz="2400"/>
-            </a:lvl2pPr>
-            <a:lvl3pPr lvl="2" rtl="0">
-              <a:spcBef>
-                <a:spcPts val="0"/>
-              </a:spcBef>
-              <a:defRPr sz="2000"/>
-            </a:lvl3pPr>
-            <a:lvl4pPr lvl="3" rtl="0">
-              <a:spcBef>
-                <a:spcPts val="0"/>
-              </a:spcBef>
-              <a:defRPr sz="1800"/>
-            </a:lvl4pPr>
-            <a:lvl5pPr lvl="4" rtl="0">
-              <a:spcBef>
-                <a:spcPts val="0"/>
-              </a:spcBef>
-              <a:defRPr sz="1800"/>
-            </a:lvl5pPr>
-            <a:lvl6pPr lvl="5" rtl="0">
-              <a:spcBef>
-                <a:spcPts val="0"/>
-              </a:spcBef>
-              <a:defRPr sz="1800"/>
-            </a:lvl6pPr>
-            <a:lvl7pPr lvl="6" rtl="0">
-              <a:spcBef>
-                <a:spcPts val="0"/>
-              </a:spcBef>
-              <a:defRPr sz="1800"/>
-            </a:lvl7pPr>
-            <a:lvl8pPr lvl="7" rtl="0">
-              <a:spcBef>
-                <a:spcPts val="0"/>
-              </a:spcBef>
-              <a:defRPr sz="1800"/>
-            </a:lvl8pPr>
-            <a:lvl9pPr lvl="8" rtl="0">
-              <a:spcBef>
-                <a:spcPts val="0"/>
-              </a:spcBef>
-              <a:defRPr sz="1800"/>
-            </a:lvl9pPr>
-          </a:lstStyle>
-          <a:p>
-            <a:endParaRPr/>
-          </a:p>
-        </p:txBody>
-      </p:sp>
-      <p:sp>
-        <p:nvSpPr>
-          <p:cNvPr id="111" name="Shape 111"/>
-          <p:cNvSpPr txBox="1">
-            <a:spLocks noGrp="1"/>
-          </p:cNvSpPr>
-          <p:nvPr>
-            <p:ph type="body" idx="2"/>
-          </p:nvPr>
-        </p:nvSpPr>
-        <p:spPr>
-          <a:xfrm>
-            <a:off x="4648200" y="1600200"/>
-            <a:ext cx="4038600" cy="4526100"/>
-          </a:xfrm>
-          <a:prstGeom prst="rect">
-            <a:avLst/>
-          </a:prstGeom>
-          <a:noFill/>
-          <a:ln>
-            <a:noFill/>
-          </a:ln>
-        </p:spPr>
-        <p:txBody>
-          <a:bodyPr lIns="91425" tIns="91425" rIns="91425" bIns="91425" anchor="t" anchorCtr="0"/>
-          <a:lstStyle>
-            <a:lvl1pPr lvl="0" rtl="0">
-              <a:spcBef>
-                <a:spcPts val="0"/>
-              </a:spcBef>
-              <a:defRPr sz="2800"/>
-            </a:lvl1pPr>
-            <a:lvl2pPr lvl="1" rtl="0">
-              <a:spcBef>
-                <a:spcPts val="0"/>
-              </a:spcBef>
-              <a:defRPr sz="2400"/>
-            </a:lvl2pPr>
-            <a:lvl3pPr lvl="2" rtl="0">
-              <a:spcBef>
-                <a:spcPts val="0"/>
-              </a:spcBef>
-              <a:defRPr sz="2000"/>
-            </a:lvl3pPr>
-            <a:lvl4pPr lvl="3" rtl="0">
-              <a:spcBef>
-                <a:spcPts val="0"/>
-              </a:spcBef>
-              <a:defRPr sz="1800"/>
-            </a:lvl4pPr>
-            <a:lvl5pPr lvl="4" rtl="0">
-              <a:spcBef>
-                <a:spcPts val="0"/>
-              </a:spcBef>
-              <a:defRPr sz="1800"/>
-            </a:lvl5pPr>
-            <a:lvl6pPr lvl="5" rtl="0">
-              <a:spcBef>
-                <a:spcPts val="0"/>
-              </a:spcBef>
-              <a:defRPr sz="1800"/>
-            </a:lvl6pPr>
-            <a:lvl7pPr lvl="6" rtl="0">
-              <a:spcBef>
-                <a:spcPts val="0"/>
-              </a:spcBef>
-              <a:defRPr sz="1800"/>
-            </a:lvl7pPr>
-            <a:lvl8pPr lvl="7" rtl="0">
-              <a:spcBef>
-                <a:spcPts val="0"/>
-              </a:spcBef>
-              <a:defRPr sz="1800"/>
-            </a:lvl8pPr>
-            <a:lvl9pPr lvl="8" rtl="0">
-              <a:spcBef>
-                <a:spcPts val="0"/>
-              </a:spcBef>
-              <a:defRPr sz="1800"/>
-            </a:lvl9pPr>
-          </a:lstStyle>
-          <a:p>
-            <a:endParaRPr/>
-          </a:p>
-        </p:txBody>
-      </p:sp>
-      <p:sp>
-        <p:nvSpPr>
-          <p:cNvPr id="112" name="Shape 112"/>
-          <p:cNvSpPr txBox="1">
-            <a:spLocks noGrp="1"/>
-          </p:cNvSpPr>
-          <p:nvPr>
-            <p:ph type="dt" idx="10"/>
-          </p:nvPr>
-        </p:nvSpPr>
-        <p:spPr>
-          <a:xfrm>
-            <a:off x="457200" y="6356350"/>
-            <a:ext cx="2133600" cy="365100"/>
-          </a:xfrm>
-          <a:prstGeom prst="rect">
-            <a:avLst/>
-          </a:prstGeom>
-          <a:noFill/>
-          <a:ln>
-            <a:noFill/>
-          </a:ln>
-        </p:spPr>
-        <p:txBody>
-          <a:bodyPr lIns="91425" tIns="91425" rIns="91425" bIns="91425" anchor="ctr" anchorCtr="0"/>
-          <a:lstStyle>
-            <a:lvl1pPr marL="0" marR="0" lvl="0" indent="0" algn="l" rtl="0">
-              <a:spcBef>
-                <a:spcPts val="0"/>
-              </a:spcBef>
-              <a:defRPr sz="1200" b="0" i="0" u="none" strike="noStrike" cap="none">
-                <a:solidFill>
-                  <a:srgbClr val="888888"/>
-                </a:solidFill>
-                <a:latin typeface="Calibri"/>
-                <a:ea typeface="Calibri"/>
-                <a:cs typeface="Calibri"/>
-                <a:sym typeface="Calibri"/>
-              </a:defRPr>
-            </a:lvl1pPr>
-            <a:lvl2pPr marL="457200" marR="0" lvl="1" indent="0" algn="l" rtl="0">
-              <a:spcBef>
-                <a:spcPts val="0"/>
-              </a:spcBef>
-              <a:defRPr sz="1800" b="0" i="0" u="none" strike="noStrike" cap="none">
-                <a:solidFill>
-                  <a:schemeClr val="dk1"/>
-                </a:solidFill>
-                <a:latin typeface="Calibri"/>
-                <a:ea typeface="Calibri"/>
-                <a:cs typeface="Calibri"/>
-                <a:sym typeface="Calibri"/>
-              </a:defRPr>
-            </a:lvl2pPr>
-            <a:lvl3pPr marL="914400" marR="0" lvl="2" indent="0" algn="l" rtl="0">
-              <a:spcBef>
-                <a:spcPts val="0"/>
-              </a:spcBef>
-              <a:defRPr sz="1800" b="0" i="0" u="none" strike="noStrike" cap="none">
-                <a:solidFill>
-                  <a:schemeClr val="dk1"/>
-                </a:solidFill>
-                <a:latin typeface="Calibri"/>
-                <a:ea typeface="Calibri"/>
-                <a:cs typeface="Calibri"/>
-                <a:sym typeface="Calibri"/>
-              </a:defRPr>
-            </a:lvl3pPr>
-            <a:lvl4pPr marL="1371600" marR="0" lvl="3" indent="0" algn="l" rtl="0">
-              <a:spcBef>
-                <a:spcPts val="0"/>
-              </a:spcBef>
-              <a:defRPr sz="1800" b="0" i="0" u="none" strike="noStrike" cap="none">
-                <a:solidFill>
-                  <a:schemeClr val="dk1"/>
-                </a:solidFill>
-                <a:latin typeface="Calibri"/>
-                <a:ea typeface="Calibri"/>
-                <a:cs typeface="Calibri"/>
-                <a:sym typeface="Calibri"/>
-              </a:defRPr>
-            </a:lvl4pPr>
-            <a:lvl5pPr marL="1828800" marR="0" lvl="4" indent="0" algn="l" rtl="0">
-              <a:spcBef>
-                <a:spcPts val="0"/>
-              </a:spcBef>
-              <a:defRPr sz="1800" b="0" i="0" u="none" strike="noStrike" cap="none">
-                <a:solidFill>
-                  <a:schemeClr val="dk1"/>
-                </a:solidFill>
-                <a:latin typeface="Calibri"/>
-                <a:ea typeface="Calibri"/>
-                <a:cs typeface="Calibri"/>
-                <a:sym typeface="Calibri"/>
-              </a:defRPr>
-            </a:lvl5pPr>
-            <a:lvl6pPr marL="2286000" marR="0" lvl="5" indent="0" algn="l" rtl="0">
-              <a:spcBef>
-                <a:spcPts val="0"/>
-              </a:spcBef>
-              <a:defRPr sz="1800" b="0" i="0" u="none" strike="noStrike" cap="none">
-                <a:solidFill>
-                  <a:schemeClr val="dk1"/>
-                </a:solidFill>
-                <a:latin typeface="Calibri"/>
-                <a:ea typeface="Calibri"/>
-                <a:cs typeface="Calibri"/>
-                <a:sym typeface="Calibri"/>
-              </a:defRPr>
-            </a:lvl6pPr>
-            <a:lvl7pPr marL="2743200" marR="0" lvl="6" indent="0" algn="l" rtl="0">
-              <a:spcBef>
-                <a:spcPts val="0"/>
-              </a:spcBef>
-              <a:defRPr sz="1800" b="0" i="0" u="none" strike="noStrike" cap="none">
-                <a:solidFill>
-                  <a:schemeClr val="dk1"/>
-                </a:solidFill>
-                <a:latin typeface="Calibri"/>
-                <a:ea typeface="Calibri"/>
-                <a:cs typeface="Calibri"/>
-                <a:sym typeface="Calibri"/>
-              </a:defRPr>
-            </a:lvl7pPr>
-            <a:lvl8pPr marL="3200400" marR="0" lvl="7" indent="0" algn="l" rtl="0">
-              <a:spcBef>
-                <a:spcPts val="0"/>
-              </a:spcBef>
-              <a:defRPr sz="1800" b="0" i="0" u="none" strike="noStrike" cap="none">
-                <a:solidFill>
-                  <a:schemeClr val="dk1"/>
-                </a:solidFill>
-                <a:latin typeface="Calibri"/>
-                <a:ea typeface="Calibri"/>
-                <a:cs typeface="Calibri"/>
-                <a:sym typeface="Calibri"/>
-              </a:defRPr>
-            </a:lvl8pPr>
-            <a:lvl9pPr marL="3657600" marR="0" lvl="8" indent="0" algn="l" rtl="0">
-              <a:spcBef>
-                <a:spcPts val="0"/>
-              </a:spcBef>
-              <a:defRPr sz="1800" b="0" i="0" u="none" strike="noStrike" cap="none">
-                <a:solidFill>
-                  <a:schemeClr val="dk1"/>
-                </a:solidFill>
-                <a:latin typeface="Calibri"/>
-                <a:ea typeface="Calibri"/>
-                <a:cs typeface="Calibri"/>
-                <a:sym typeface="Calibri"/>
-              </a:defRPr>
-            </a:lvl9pPr>
-          </a:lstStyle>
-          <a:p>
-            <a:endParaRPr/>
-          </a:p>
-        </p:txBody>
-      </p:sp>
-      <p:sp>
-        <p:nvSpPr>
-          <p:cNvPr id="113" name="Shape 113"/>
-          <p:cNvSpPr txBox="1">
-            <a:spLocks noGrp="1"/>
-          </p:cNvSpPr>
-          <p:nvPr>
-            <p:ph type="ftr" idx="11"/>
-          </p:nvPr>
-        </p:nvSpPr>
-        <p:spPr>
-          <a:xfrm>
-            <a:off x="3124200" y="6356350"/>
-            <a:ext cx="2895600" cy="365100"/>
-          </a:xfrm>
-          <a:prstGeom prst="rect">
-            <a:avLst/>
-          </a:prstGeom>
-          <a:noFill/>
-          <a:ln>
-            <a:noFill/>
-          </a:ln>
-        </p:spPr>
-        <p:txBody>
-          <a:bodyPr lIns="91425" tIns="91425" rIns="91425" bIns="91425" anchor="ctr" anchorCtr="0"/>
-          <a:lstStyle>
-            <a:lvl1pPr marL="0" marR="0" lvl="0" indent="0" algn="ctr" rtl="0">
-              <a:spcBef>
-                <a:spcPts val="0"/>
-              </a:spcBef>
-              <a:defRPr sz="1200" b="0" i="0" u="none" strike="noStrike" cap="none">
-                <a:solidFill>
-                  <a:srgbClr val="888888"/>
-                </a:solidFill>
-                <a:latin typeface="Calibri"/>
-                <a:ea typeface="Calibri"/>
-                <a:cs typeface="Calibri"/>
-                <a:sym typeface="Calibri"/>
-              </a:defRPr>
-            </a:lvl1pPr>
-            <a:lvl2pPr marL="457200" marR="0" lvl="1" indent="0" algn="l" rtl="0">
-              <a:spcBef>
-                <a:spcPts val="0"/>
-              </a:spcBef>
-              <a:defRPr sz="1800" b="0" i="0" u="none" strike="noStrike" cap="none">
-                <a:solidFill>
-                  <a:schemeClr val="dk1"/>
-                </a:solidFill>
-                <a:latin typeface="Calibri"/>
-                <a:ea typeface="Calibri"/>
-                <a:cs typeface="Calibri"/>
-                <a:sym typeface="Calibri"/>
-              </a:defRPr>
-            </a:lvl2pPr>
-            <a:lvl3pPr marL="914400" marR="0" lvl="2" indent="0" algn="l" rtl="0">
-              <a:spcBef>
-                <a:spcPts val="0"/>
-              </a:spcBef>
-              <a:defRPr sz="1800" b="0" i="0" u="none" strike="noStrike" cap="none">
-                <a:solidFill>
-                  <a:schemeClr val="dk1"/>
-                </a:solidFill>
-                <a:latin typeface="Calibri"/>
-                <a:ea typeface="Calibri"/>
-                <a:cs typeface="Calibri"/>
-                <a:sym typeface="Calibri"/>
-              </a:defRPr>
-            </a:lvl3pPr>
-            <a:lvl4pPr marL="1371600" marR="0" lvl="3" indent="0" algn="l" rtl="0">
-              <a:spcBef>
-                <a:spcPts val="0"/>
-              </a:spcBef>
-              <a:defRPr sz="1800" b="0" i="0" u="none" strike="noStrike" cap="none">
-                <a:solidFill>
-                  <a:schemeClr val="dk1"/>
-                </a:solidFill>
-                <a:latin typeface="Calibri"/>
-                <a:ea typeface="Calibri"/>
-                <a:cs typeface="Calibri"/>
-                <a:sym typeface="Calibri"/>
-              </a:defRPr>
-            </a:lvl4pPr>
-            <a:lvl5pPr marL="1828800" marR="0" lvl="4" indent="0" algn="l" rtl="0">
-              <a:spcBef>
-                <a:spcPts val="0"/>
-              </a:spcBef>
-              <a:defRPr sz="1800" b="0" i="0" u="none" strike="noStrike" cap="none">
-                <a:solidFill>
-                  <a:schemeClr val="dk1"/>
-                </a:solidFill>
-                <a:latin typeface="Calibri"/>
-                <a:ea typeface="Calibri"/>
-                <a:cs typeface="Calibri"/>
-                <a:sym typeface="Calibri"/>
-              </a:defRPr>
-            </a:lvl5pPr>
-            <a:lvl6pPr marL="2286000" marR="0" lvl="5" indent="0" algn="l" rtl="0">
-              <a:spcBef>
-                <a:spcPts val="0"/>
-              </a:spcBef>
-              <a:defRPr sz="1800" b="0" i="0" u="none" strike="noStrike" cap="none">
-                <a:solidFill>
-                  <a:schemeClr val="dk1"/>
-                </a:solidFill>
-                <a:latin typeface="Calibri"/>
-                <a:ea typeface="Calibri"/>
-                <a:cs typeface="Calibri"/>
-                <a:sym typeface="Calibri"/>
-              </a:defRPr>
-            </a:lvl6pPr>
-            <a:lvl7pPr marL="2743200" marR="0" lvl="6" indent="0" algn="l" rtl="0">
-              <a:spcBef>
-                <a:spcPts val="0"/>
-              </a:spcBef>
-              <a:defRPr sz="1800" b="0" i="0" u="none" strike="noStrike" cap="none">
-                <a:solidFill>
-                  <a:schemeClr val="dk1"/>
-                </a:solidFill>
-                <a:latin typeface="Calibri"/>
-                <a:ea typeface="Calibri"/>
-                <a:cs typeface="Calibri"/>
-                <a:sym typeface="Calibri"/>
-              </a:defRPr>
-            </a:lvl7pPr>
-            <a:lvl8pPr marL="3200400" marR="0" lvl="7" indent="0" algn="l" rtl="0">
-              <a:spcBef>
-                <a:spcPts val="0"/>
-              </a:spcBef>
-              <a:defRPr sz="1800" b="0" i="0" u="none" strike="noStrike" cap="none">
-                <a:solidFill>
-                  <a:schemeClr val="dk1"/>
-                </a:solidFill>
-                <a:latin typeface="Calibri"/>
-                <a:ea typeface="Calibri"/>
-                <a:cs typeface="Calibri"/>
-                <a:sym typeface="Calibri"/>
-              </a:defRPr>
-            </a:lvl8pPr>
-            <a:lvl9pPr marL="3657600" marR="0" lvl="8" indent="0" algn="l" rtl="0">
-              <a:spcBef>
-                <a:spcPts val="0"/>
-              </a:spcBef>
-              <a:defRPr sz="1800" b="0" i="0" u="none" strike="noStrike" cap="none">
-                <a:solidFill>
-                  <a:schemeClr val="dk1"/>
-                </a:solidFill>
-                <a:latin typeface="Calibri"/>
-                <a:ea typeface="Calibri"/>
-                <a:cs typeface="Calibri"/>
-                <a:sym typeface="Calibri"/>
-              </a:defRPr>
-            </a:lvl9pPr>
-          </a:lstStyle>
-          <a:p>
-            <a:endParaRPr/>
-          </a:p>
-        </p:txBody>
-      </p:sp>
-      <p:sp>
-        <p:nvSpPr>
-          <p:cNvPr id="114" name="Shape 114"/>
-          <p:cNvSpPr txBox="1">
-            <a:spLocks noGrp="1"/>
-          </p:cNvSpPr>
-          <p:nvPr>
-            <p:ph type="sldNum" idx="12"/>
-          </p:nvPr>
-        </p:nvSpPr>
-        <p:spPr>
-          <a:xfrm>
-            <a:off x="6553200" y="6356350"/>
-            <a:ext cx="2133600" cy="365100"/>
-          </a:xfrm>
-          <a:prstGeom prst="rect">
-            <a:avLst/>
-          </a:prstGeom>
-          <a:noFill/>
-          <a:ln>
-            <a:noFill/>
-          </a:ln>
-        </p:spPr>
-        <p:txBody>
-          <a:bodyPr lIns="91425" tIns="45700" rIns="91425" bIns="45700" anchor="ctr" anchorCtr="0">
-            <a:noAutofit/>
-          </a:bodyPr>
-          <a:lstStyle/>
-          <a:p>
-            <a:pPr marL="0" marR="0" lvl="0" indent="0" algn="r" rtl="0">
-              <a:spcBef>
-                <a:spcPts val="0"/>
-              </a:spcBef>
-              <a:buSzPct val="25000"/>
-              <a:buNone/>
-            </a:pPr>
-            <a:fld id="{00000000-1234-1234-1234-123412341234}" type="slidenum">
-              <a:rPr lang="en-US" sz="1200" b="0" i="0" u="none" strike="noStrike" cap="none">
-                <a:solidFill>
-                  <a:srgbClr val="888888"/>
-                </a:solidFill>
-                <a:latin typeface="Calibri"/>
-                <a:ea typeface="Calibri"/>
-                <a:cs typeface="Calibri"/>
-                <a:sym typeface="Calibri"/>
-              </a:rPr>
-              <a:t>‹#›</a:t>
-            </a:fld>
-            <a:endParaRPr lang="en-US" sz="1200" b="0" i="0" u="none" strike="noStrike" cap="none">
-              <a:solidFill>
-                <a:srgbClr val="888888"/>
-              </a:solidFill>
-              <a:latin typeface="Calibri"/>
-              <a:ea typeface="Calibri"/>
-              <a:cs typeface="Calibri"/>
-              <a:sym typeface="Calibri"/>
-            </a:endParaRPr>
-          </a:p>
-        </p:txBody>
-      </p:sp>
-    </p:spTree>
-  </p:cSld>
-  <p:clrMapOvr>
-    <a:masterClrMapping/>
-  </p:clrMapOvr>
-</p:sldLayout>
-</file>
-
-<file path=ppt/slideLayouts/slideLayout15.xml><?xml version="1.0" encoding="utf-8"?>
-<p:sldLayout xmlns:a="http://schemas.openxmlformats.org/drawingml/2006/main" xmlns:r="http://schemas.openxmlformats.org/officeDocument/2006/relationships" xmlns:p="http://schemas.openxmlformats.org/presentationml/2006/main" type="twoTxTwoObj">
-  <p:cSld name="Comparison">
-    <p:spTree>
-      <p:nvGrpSpPr>
-        <p:cNvPr id="1" name="Shape 115"/>
-        <p:cNvGrpSpPr/>
-        <p:nvPr/>
-      </p:nvGrpSpPr>
-      <p:grpSpPr>
-        <a:xfrm>
-          <a:off x="0" y="0"/>
-          <a:ext cx="0" cy="0"/>
-          <a:chOff x="0" y="0"/>
-          <a:chExt cx="0" cy="0"/>
-        </a:xfrm>
-      </p:grpSpPr>
-      <p:sp>
-        <p:nvSpPr>
-          <p:cNvPr id="116" name="Shape 116"/>
-          <p:cNvSpPr txBox="1">
-            <a:spLocks noGrp="1"/>
-          </p:cNvSpPr>
-          <p:nvPr>
-            <p:ph type="title"/>
-          </p:nvPr>
-        </p:nvSpPr>
-        <p:spPr>
-          <a:xfrm>
-            <a:off x="457200" y="274637"/>
-            <a:ext cx="8229600" cy="1143000"/>
-          </a:xfrm>
-          <a:prstGeom prst="rect">
-            <a:avLst/>
-          </a:prstGeom>
-          <a:noFill/>
-          <a:ln>
-            <a:noFill/>
-          </a:ln>
-        </p:spPr>
-        <p:txBody>
-          <a:bodyPr lIns="91425" tIns="91425" rIns="91425" bIns="91425" anchor="ctr" anchorCtr="0"/>
-          <a:lstStyle>
-            <a:lvl1pPr lvl="0" rtl="0">
-              <a:spcBef>
-                <a:spcPts val="0"/>
-              </a:spcBef>
-              <a:defRPr/>
-            </a:lvl1pPr>
-            <a:lvl2pPr lvl="1" rtl="0">
-              <a:spcBef>
-                <a:spcPts val="0"/>
-              </a:spcBef>
-              <a:defRPr/>
-            </a:lvl2pPr>
-            <a:lvl3pPr lvl="2" rtl="0">
-              <a:spcBef>
-                <a:spcPts val="0"/>
-              </a:spcBef>
-              <a:defRPr/>
-            </a:lvl3pPr>
-            <a:lvl4pPr lvl="3" rtl="0">
-              <a:spcBef>
-                <a:spcPts val="0"/>
-              </a:spcBef>
-              <a:defRPr/>
-            </a:lvl4pPr>
-            <a:lvl5pPr lvl="4" rtl="0">
-              <a:spcBef>
-                <a:spcPts val="0"/>
-              </a:spcBef>
-              <a:defRPr/>
-            </a:lvl5pPr>
-            <a:lvl6pPr lvl="5" rtl="0">
-              <a:spcBef>
-                <a:spcPts val="0"/>
-              </a:spcBef>
-              <a:defRPr/>
-            </a:lvl6pPr>
-            <a:lvl7pPr lvl="6" rtl="0">
-              <a:spcBef>
-                <a:spcPts val="0"/>
-              </a:spcBef>
-              <a:defRPr/>
-            </a:lvl7pPr>
-            <a:lvl8pPr lvl="7" rtl="0">
-              <a:spcBef>
-                <a:spcPts val="0"/>
-              </a:spcBef>
-              <a:defRPr/>
-            </a:lvl8pPr>
-            <a:lvl9pPr lvl="8" rtl="0">
-              <a:spcBef>
-                <a:spcPts val="0"/>
-              </a:spcBef>
-              <a:defRPr/>
-            </a:lvl9pPr>
-          </a:lstStyle>
-          <a:p>
-            <a:endParaRPr/>
-          </a:p>
-        </p:txBody>
-      </p:sp>
-      <p:sp>
-        <p:nvSpPr>
-          <p:cNvPr id="117" name="Shape 117"/>
-          <p:cNvSpPr txBox="1">
-            <a:spLocks noGrp="1"/>
-          </p:cNvSpPr>
-          <p:nvPr>
-            <p:ph type="body" idx="1"/>
-          </p:nvPr>
-        </p:nvSpPr>
-        <p:spPr>
-          <a:xfrm>
-            <a:off x="457200" y="1535112"/>
-            <a:ext cx="4040100" cy="639899"/>
-          </a:xfrm>
-          <a:prstGeom prst="rect">
-            <a:avLst/>
-          </a:prstGeom>
-          <a:noFill/>
-          <a:ln>
-            <a:noFill/>
-          </a:ln>
-        </p:spPr>
-        <p:txBody>
-          <a:bodyPr lIns="91425" tIns="91425" rIns="91425" bIns="91425" anchor="b" anchorCtr="0"/>
-          <a:lstStyle>
-            <a:lvl1pPr marL="0" lvl="0" indent="0" rtl="0">
-              <a:spcBef>
-                <a:spcPts val="0"/>
-              </a:spcBef>
-              <a:buFont typeface="Calibri"/>
-              <a:buNone/>
-              <a:defRPr sz="2400" b="1"/>
-            </a:lvl1pPr>
-            <a:lvl2pPr marL="457200" lvl="1" indent="0" rtl="0">
-              <a:spcBef>
-                <a:spcPts val="0"/>
-              </a:spcBef>
-              <a:buFont typeface="Calibri"/>
-              <a:buNone/>
-              <a:defRPr sz="2000" b="1"/>
-            </a:lvl2pPr>
-            <a:lvl3pPr marL="914400" lvl="2" indent="0" rtl="0">
-              <a:spcBef>
-                <a:spcPts val="0"/>
-              </a:spcBef>
-              <a:buFont typeface="Calibri"/>
-              <a:buNone/>
-              <a:defRPr sz="1800" b="1"/>
-            </a:lvl3pPr>
-            <a:lvl4pPr marL="1371600" lvl="3" indent="0" rtl="0">
-              <a:spcBef>
-                <a:spcPts val="0"/>
-              </a:spcBef>
-              <a:buFont typeface="Calibri"/>
-              <a:buNone/>
-              <a:defRPr sz="1600" b="1"/>
-            </a:lvl4pPr>
-            <a:lvl5pPr marL="1828800" lvl="4" indent="0" rtl="0">
-              <a:spcBef>
-                <a:spcPts val="0"/>
-              </a:spcBef>
-              <a:buFont typeface="Calibri"/>
-              <a:buNone/>
-              <a:defRPr sz="1600" b="1"/>
-            </a:lvl5pPr>
-            <a:lvl6pPr marL="2286000" lvl="5" indent="0" rtl="0">
-              <a:spcBef>
-                <a:spcPts val="0"/>
-              </a:spcBef>
-              <a:buFont typeface="Calibri"/>
-              <a:buNone/>
-              <a:defRPr sz="1600" b="1"/>
-            </a:lvl6pPr>
-            <a:lvl7pPr marL="2743200" lvl="6" indent="0" rtl="0">
-              <a:spcBef>
-                <a:spcPts val="0"/>
-              </a:spcBef>
-              <a:buFont typeface="Calibri"/>
-              <a:buNone/>
-              <a:defRPr sz="1600" b="1"/>
-            </a:lvl7pPr>
-            <a:lvl8pPr marL="3200400" lvl="7" indent="0" rtl="0">
-              <a:spcBef>
-                <a:spcPts val="0"/>
-              </a:spcBef>
-              <a:buFont typeface="Calibri"/>
-              <a:buNone/>
-              <a:defRPr sz="1600" b="1"/>
-            </a:lvl8pPr>
-            <a:lvl9pPr marL="3657600" lvl="8" indent="0" rtl="0">
-              <a:spcBef>
-                <a:spcPts val="0"/>
-              </a:spcBef>
-              <a:buFont typeface="Calibri"/>
-              <a:buNone/>
-              <a:defRPr sz="1600" b="1"/>
-            </a:lvl9pPr>
-          </a:lstStyle>
-          <a:p>
-            <a:endParaRPr/>
-          </a:p>
-        </p:txBody>
-      </p:sp>
-      <p:sp>
-        <p:nvSpPr>
-          <p:cNvPr id="118" name="Shape 118"/>
-          <p:cNvSpPr txBox="1">
-            <a:spLocks noGrp="1"/>
-          </p:cNvSpPr>
-          <p:nvPr>
-            <p:ph type="body" idx="2"/>
-          </p:nvPr>
-        </p:nvSpPr>
-        <p:spPr>
-          <a:xfrm>
-            <a:off x="457200" y="2174875"/>
-            <a:ext cx="4040100" cy="3951300"/>
-          </a:xfrm>
-          <a:prstGeom prst="rect">
-            <a:avLst/>
-          </a:prstGeom>
-          <a:noFill/>
-          <a:ln>
-            <a:noFill/>
-          </a:ln>
-        </p:spPr>
-        <p:txBody>
-          <a:bodyPr lIns="91425" tIns="91425" rIns="91425" bIns="91425" anchor="t" anchorCtr="0"/>
-          <a:lstStyle>
-            <a:lvl1pPr lvl="0" rtl="0">
-              <a:spcBef>
-                <a:spcPts val="0"/>
-              </a:spcBef>
-              <a:defRPr sz="2400"/>
-            </a:lvl1pPr>
-            <a:lvl2pPr lvl="1" rtl="0">
-              <a:spcBef>
-                <a:spcPts val="0"/>
-              </a:spcBef>
-              <a:defRPr sz="2000"/>
-            </a:lvl2pPr>
-            <a:lvl3pPr lvl="2" rtl="0">
-              <a:spcBef>
-                <a:spcPts val="0"/>
-              </a:spcBef>
-              <a:defRPr sz="1800"/>
-            </a:lvl3pPr>
-            <a:lvl4pPr lvl="3" rtl="0">
-              <a:spcBef>
-                <a:spcPts val="0"/>
-              </a:spcBef>
-              <a:defRPr sz="1600"/>
-            </a:lvl4pPr>
-            <a:lvl5pPr lvl="4" rtl="0">
-              <a:spcBef>
-                <a:spcPts val="0"/>
-              </a:spcBef>
-              <a:defRPr sz="1600"/>
-            </a:lvl5pPr>
-            <a:lvl6pPr lvl="5" rtl="0">
-              <a:spcBef>
-                <a:spcPts val="0"/>
-              </a:spcBef>
-              <a:defRPr sz="1600"/>
-            </a:lvl6pPr>
-            <a:lvl7pPr lvl="6" rtl="0">
-              <a:spcBef>
-                <a:spcPts val="0"/>
-              </a:spcBef>
-              <a:defRPr sz="1600"/>
-            </a:lvl7pPr>
-            <a:lvl8pPr lvl="7" rtl="0">
-              <a:spcBef>
-                <a:spcPts val="0"/>
-              </a:spcBef>
-              <a:defRPr sz="1600"/>
-            </a:lvl8pPr>
-            <a:lvl9pPr lvl="8" rtl="0">
-              <a:spcBef>
-                <a:spcPts val="0"/>
-              </a:spcBef>
-              <a:defRPr sz="1600"/>
-            </a:lvl9pPr>
-          </a:lstStyle>
-          <a:p>
-            <a:endParaRPr/>
-          </a:p>
-        </p:txBody>
-      </p:sp>
-      <p:sp>
-        <p:nvSpPr>
-          <p:cNvPr id="119" name="Shape 119"/>
-          <p:cNvSpPr txBox="1">
-            <a:spLocks noGrp="1"/>
-          </p:cNvSpPr>
-          <p:nvPr>
-            <p:ph type="body" idx="3"/>
-          </p:nvPr>
-        </p:nvSpPr>
-        <p:spPr>
-          <a:xfrm>
-            <a:off x="4645025" y="1535112"/>
-            <a:ext cx="4041900" cy="639899"/>
-          </a:xfrm>
-          <a:prstGeom prst="rect">
-            <a:avLst/>
-          </a:prstGeom>
-          <a:noFill/>
-          <a:ln>
-            <a:noFill/>
-          </a:ln>
-        </p:spPr>
-        <p:txBody>
-          <a:bodyPr lIns="91425" tIns="91425" rIns="91425" bIns="91425" anchor="b" anchorCtr="0"/>
-          <a:lstStyle>
-            <a:lvl1pPr marL="0" lvl="0" indent="0" rtl="0">
-              <a:spcBef>
-                <a:spcPts val="0"/>
-              </a:spcBef>
-              <a:buFont typeface="Calibri"/>
-              <a:buNone/>
-              <a:defRPr sz="2400" b="1"/>
-            </a:lvl1pPr>
-            <a:lvl2pPr marL="457200" lvl="1" indent="0" rtl="0">
-              <a:spcBef>
-                <a:spcPts val="0"/>
-              </a:spcBef>
-              <a:buFont typeface="Calibri"/>
-              <a:buNone/>
-              <a:defRPr sz="2000" b="1"/>
-            </a:lvl2pPr>
-            <a:lvl3pPr marL="914400" lvl="2" indent="0" rtl="0">
-              <a:spcBef>
-                <a:spcPts val="0"/>
-              </a:spcBef>
-              <a:buFont typeface="Calibri"/>
-              <a:buNone/>
-              <a:defRPr sz="1800" b="1"/>
-            </a:lvl3pPr>
-            <a:lvl4pPr marL="1371600" lvl="3" indent="0" rtl="0">
-              <a:spcBef>
-                <a:spcPts val="0"/>
-              </a:spcBef>
-              <a:buFont typeface="Calibri"/>
-              <a:buNone/>
-              <a:defRPr sz="1600" b="1"/>
-            </a:lvl4pPr>
-            <a:lvl5pPr marL="1828800" lvl="4" indent="0" rtl="0">
-              <a:spcBef>
-                <a:spcPts val="0"/>
-              </a:spcBef>
-              <a:buFont typeface="Calibri"/>
-              <a:buNone/>
-              <a:defRPr sz="1600" b="1"/>
-            </a:lvl5pPr>
-            <a:lvl6pPr marL="2286000" lvl="5" indent="0" rtl="0">
-              <a:spcBef>
-                <a:spcPts val="0"/>
-              </a:spcBef>
-              <a:buFont typeface="Calibri"/>
-              <a:buNone/>
-              <a:defRPr sz="1600" b="1"/>
-            </a:lvl6pPr>
-            <a:lvl7pPr marL="2743200" lvl="6" indent="0" rtl="0">
-              <a:spcBef>
-                <a:spcPts val="0"/>
-              </a:spcBef>
-              <a:buFont typeface="Calibri"/>
-              <a:buNone/>
-              <a:defRPr sz="1600" b="1"/>
-            </a:lvl7pPr>
-            <a:lvl8pPr marL="3200400" lvl="7" indent="0" rtl="0">
-              <a:spcBef>
-                <a:spcPts val="0"/>
-              </a:spcBef>
-              <a:buFont typeface="Calibri"/>
-              <a:buNone/>
-              <a:defRPr sz="1600" b="1"/>
-            </a:lvl8pPr>
-            <a:lvl9pPr marL="3657600" lvl="8" indent="0" rtl="0">
-              <a:spcBef>
-                <a:spcPts val="0"/>
-              </a:spcBef>
-              <a:buFont typeface="Calibri"/>
-              <a:buNone/>
-              <a:defRPr sz="1600" b="1"/>
-            </a:lvl9pPr>
-          </a:lstStyle>
-          <a:p>
-            <a:endParaRPr/>
-          </a:p>
-        </p:txBody>
-      </p:sp>
-      <p:sp>
-        <p:nvSpPr>
-          <p:cNvPr id="120" name="Shape 120"/>
-          <p:cNvSpPr txBox="1">
-            <a:spLocks noGrp="1"/>
-          </p:cNvSpPr>
-          <p:nvPr>
-            <p:ph type="body" idx="4"/>
-          </p:nvPr>
-        </p:nvSpPr>
-        <p:spPr>
-          <a:xfrm>
-            <a:off x="4645025" y="2174875"/>
-            <a:ext cx="4041900" cy="3951300"/>
-          </a:xfrm>
-          <a:prstGeom prst="rect">
-            <a:avLst/>
-          </a:prstGeom>
-          <a:noFill/>
-          <a:ln>
-            <a:noFill/>
-          </a:ln>
-        </p:spPr>
-        <p:txBody>
-          <a:bodyPr lIns="91425" tIns="91425" rIns="91425" bIns="91425" anchor="t" anchorCtr="0"/>
-          <a:lstStyle>
-            <a:lvl1pPr lvl="0" rtl="0">
-              <a:spcBef>
-                <a:spcPts val="0"/>
-              </a:spcBef>
-              <a:defRPr sz="2400"/>
-            </a:lvl1pPr>
-            <a:lvl2pPr lvl="1" rtl="0">
-              <a:spcBef>
-                <a:spcPts val="0"/>
-              </a:spcBef>
-              <a:defRPr sz="2000"/>
-            </a:lvl2pPr>
-            <a:lvl3pPr lvl="2" rtl="0">
-              <a:spcBef>
-                <a:spcPts val="0"/>
-              </a:spcBef>
-              <a:defRPr sz="1800"/>
-            </a:lvl3pPr>
-            <a:lvl4pPr lvl="3" rtl="0">
-              <a:spcBef>
-                <a:spcPts val="0"/>
-              </a:spcBef>
-              <a:defRPr sz="1600"/>
-            </a:lvl4pPr>
-            <a:lvl5pPr lvl="4" rtl="0">
-              <a:spcBef>
-                <a:spcPts val="0"/>
-              </a:spcBef>
-              <a:defRPr sz="1600"/>
-            </a:lvl5pPr>
-            <a:lvl6pPr lvl="5" rtl="0">
-              <a:spcBef>
-                <a:spcPts val="0"/>
-              </a:spcBef>
-              <a:defRPr sz="1600"/>
-            </a:lvl6pPr>
-            <a:lvl7pPr lvl="6" rtl="0">
-              <a:spcBef>
-                <a:spcPts val="0"/>
-              </a:spcBef>
-              <a:defRPr sz="1600"/>
-            </a:lvl7pPr>
-            <a:lvl8pPr lvl="7" rtl="0">
-              <a:spcBef>
-                <a:spcPts val="0"/>
-              </a:spcBef>
-              <a:defRPr sz="1600"/>
-            </a:lvl8pPr>
-            <a:lvl9pPr lvl="8" rtl="0">
-              <a:spcBef>
-                <a:spcPts val="0"/>
-              </a:spcBef>
-              <a:defRPr sz="1600"/>
-            </a:lvl9pPr>
-          </a:lstStyle>
-          <a:p>
-            <a:endParaRPr/>
-          </a:p>
-        </p:txBody>
-      </p:sp>
-      <p:sp>
-        <p:nvSpPr>
-          <p:cNvPr id="121" name="Shape 121"/>
-          <p:cNvSpPr txBox="1">
-            <a:spLocks noGrp="1"/>
-          </p:cNvSpPr>
-          <p:nvPr>
-            <p:ph type="dt" idx="10"/>
-          </p:nvPr>
-        </p:nvSpPr>
-        <p:spPr>
-          <a:xfrm>
-            <a:off x="457200" y="6356350"/>
-            <a:ext cx="2133600" cy="365100"/>
-          </a:xfrm>
-          <a:prstGeom prst="rect">
-            <a:avLst/>
-          </a:prstGeom>
-          <a:noFill/>
-          <a:ln>
-            <a:noFill/>
-          </a:ln>
-        </p:spPr>
-        <p:txBody>
-          <a:bodyPr lIns="91425" tIns="91425" rIns="91425" bIns="91425" anchor="ctr" anchorCtr="0"/>
-          <a:lstStyle>
-            <a:lvl1pPr marL="0" marR="0" lvl="0" indent="0" algn="l" rtl="0">
-              <a:spcBef>
-                <a:spcPts val="0"/>
-              </a:spcBef>
-              <a:defRPr sz="1200" b="0" i="0" u="none" strike="noStrike" cap="none">
-                <a:solidFill>
-                  <a:srgbClr val="888888"/>
-                </a:solidFill>
-                <a:latin typeface="Calibri"/>
-                <a:ea typeface="Calibri"/>
-                <a:cs typeface="Calibri"/>
-                <a:sym typeface="Calibri"/>
-              </a:defRPr>
-            </a:lvl1pPr>
-            <a:lvl2pPr marL="457200" marR="0" lvl="1" indent="0" algn="l" rtl="0">
-              <a:spcBef>
-                <a:spcPts val="0"/>
-              </a:spcBef>
-              <a:defRPr sz="1800" b="0" i="0" u="none" strike="noStrike" cap="none">
-                <a:solidFill>
-                  <a:schemeClr val="dk1"/>
-                </a:solidFill>
-                <a:latin typeface="Calibri"/>
-                <a:ea typeface="Calibri"/>
-                <a:cs typeface="Calibri"/>
-                <a:sym typeface="Calibri"/>
-              </a:defRPr>
-            </a:lvl2pPr>
-            <a:lvl3pPr marL="914400" marR="0" lvl="2" indent="0" algn="l" rtl="0">
-              <a:spcBef>
-                <a:spcPts val="0"/>
-              </a:spcBef>
-              <a:defRPr sz="1800" b="0" i="0" u="none" strike="noStrike" cap="none">
-                <a:solidFill>
-                  <a:schemeClr val="dk1"/>
-                </a:solidFill>
-                <a:latin typeface="Calibri"/>
-                <a:ea typeface="Calibri"/>
-                <a:cs typeface="Calibri"/>
-                <a:sym typeface="Calibri"/>
-              </a:defRPr>
-            </a:lvl3pPr>
-            <a:lvl4pPr marL="1371600" marR="0" lvl="3" indent="0" algn="l" rtl="0">
-              <a:spcBef>
-                <a:spcPts val="0"/>
-              </a:spcBef>
-              <a:defRPr sz="1800" b="0" i="0" u="none" strike="noStrike" cap="none">
-                <a:solidFill>
-                  <a:schemeClr val="dk1"/>
-                </a:solidFill>
-                <a:latin typeface="Calibri"/>
-                <a:ea typeface="Calibri"/>
-                <a:cs typeface="Calibri"/>
-                <a:sym typeface="Calibri"/>
-              </a:defRPr>
-            </a:lvl4pPr>
-            <a:lvl5pPr marL="1828800" marR="0" lvl="4" indent="0" algn="l" rtl="0">
-              <a:spcBef>
-                <a:spcPts val="0"/>
-              </a:spcBef>
-              <a:defRPr sz="1800" b="0" i="0" u="none" strike="noStrike" cap="none">
-                <a:solidFill>
-                  <a:schemeClr val="dk1"/>
-                </a:solidFill>
-                <a:latin typeface="Calibri"/>
-                <a:ea typeface="Calibri"/>
-                <a:cs typeface="Calibri"/>
-                <a:sym typeface="Calibri"/>
-              </a:defRPr>
-            </a:lvl5pPr>
-            <a:lvl6pPr marL="2286000" marR="0" lvl="5" indent="0" algn="l" rtl="0">
-              <a:spcBef>
-                <a:spcPts val="0"/>
-              </a:spcBef>
-              <a:defRPr sz="1800" b="0" i="0" u="none" strike="noStrike" cap="none">
-                <a:solidFill>
-                  <a:schemeClr val="dk1"/>
-                </a:solidFill>
-                <a:latin typeface="Calibri"/>
-                <a:ea typeface="Calibri"/>
-                <a:cs typeface="Calibri"/>
-                <a:sym typeface="Calibri"/>
-              </a:defRPr>
-            </a:lvl6pPr>
-            <a:lvl7pPr marL="2743200" marR="0" lvl="6" indent="0" algn="l" rtl="0">
-              <a:spcBef>
-                <a:spcPts val="0"/>
-              </a:spcBef>
-              <a:defRPr sz="1800" b="0" i="0" u="none" strike="noStrike" cap="none">
-                <a:solidFill>
-                  <a:schemeClr val="dk1"/>
-                </a:solidFill>
-                <a:latin typeface="Calibri"/>
-                <a:ea typeface="Calibri"/>
-                <a:cs typeface="Calibri"/>
-                <a:sym typeface="Calibri"/>
-              </a:defRPr>
-            </a:lvl7pPr>
-            <a:lvl8pPr marL="3200400" marR="0" lvl="7" indent="0" algn="l" rtl="0">
-              <a:spcBef>
-                <a:spcPts val="0"/>
-              </a:spcBef>
-              <a:defRPr sz="1800" b="0" i="0" u="none" strike="noStrike" cap="none">
-                <a:solidFill>
-                  <a:schemeClr val="dk1"/>
-                </a:solidFill>
-                <a:latin typeface="Calibri"/>
-                <a:ea typeface="Calibri"/>
-                <a:cs typeface="Calibri"/>
-                <a:sym typeface="Calibri"/>
-              </a:defRPr>
-            </a:lvl8pPr>
-            <a:lvl9pPr marL="3657600" marR="0" lvl="8" indent="0" algn="l" rtl="0">
-              <a:spcBef>
-                <a:spcPts val="0"/>
-              </a:spcBef>
-              <a:defRPr sz="1800" b="0" i="0" u="none" strike="noStrike" cap="none">
-                <a:solidFill>
-                  <a:schemeClr val="dk1"/>
-                </a:solidFill>
-                <a:latin typeface="Calibri"/>
-                <a:ea typeface="Calibri"/>
-                <a:cs typeface="Calibri"/>
-                <a:sym typeface="Calibri"/>
-              </a:defRPr>
-            </a:lvl9pPr>
-          </a:lstStyle>
-          <a:p>
-            <a:endParaRPr/>
-          </a:p>
-        </p:txBody>
-      </p:sp>
-      <p:sp>
-        <p:nvSpPr>
-          <p:cNvPr id="122" name="Shape 122"/>
-          <p:cNvSpPr txBox="1">
-            <a:spLocks noGrp="1"/>
-          </p:cNvSpPr>
-          <p:nvPr>
-            <p:ph type="ftr" idx="11"/>
-          </p:nvPr>
-        </p:nvSpPr>
-        <p:spPr>
-          <a:xfrm>
-            <a:off x="3124200" y="6356350"/>
-            <a:ext cx="2895600" cy="365100"/>
-          </a:xfrm>
-          <a:prstGeom prst="rect">
-            <a:avLst/>
-          </a:prstGeom>
-          <a:noFill/>
-          <a:ln>
-            <a:noFill/>
-          </a:ln>
-        </p:spPr>
-        <p:txBody>
-          <a:bodyPr lIns="91425" tIns="91425" rIns="91425" bIns="91425" anchor="ctr" anchorCtr="0"/>
-          <a:lstStyle>
-            <a:lvl1pPr marL="0" marR="0" lvl="0" indent="0" algn="ctr" rtl="0">
-              <a:spcBef>
-                <a:spcPts val="0"/>
-              </a:spcBef>
-              <a:defRPr sz="1200" b="0" i="0" u="none" strike="noStrike" cap="none">
-                <a:solidFill>
-                  <a:srgbClr val="888888"/>
-                </a:solidFill>
-                <a:latin typeface="Calibri"/>
-                <a:ea typeface="Calibri"/>
-                <a:cs typeface="Calibri"/>
-                <a:sym typeface="Calibri"/>
-              </a:defRPr>
-            </a:lvl1pPr>
-            <a:lvl2pPr marL="457200" marR="0" lvl="1" indent="0" algn="l" rtl="0">
-              <a:spcBef>
-                <a:spcPts val="0"/>
-              </a:spcBef>
-              <a:defRPr sz="1800" b="0" i="0" u="none" strike="noStrike" cap="none">
-                <a:solidFill>
-                  <a:schemeClr val="dk1"/>
-                </a:solidFill>
-                <a:latin typeface="Calibri"/>
-                <a:ea typeface="Calibri"/>
-                <a:cs typeface="Calibri"/>
-                <a:sym typeface="Calibri"/>
-              </a:defRPr>
-            </a:lvl2pPr>
-            <a:lvl3pPr marL="914400" marR="0" lvl="2" indent="0" algn="l" rtl="0">
-              <a:spcBef>
-                <a:spcPts val="0"/>
-              </a:spcBef>
-              <a:defRPr sz="1800" b="0" i="0" u="none" strike="noStrike" cap="none">
-                <a:solidFill>
-                  <a:schemeClr val="dk1"/>
-                </a:solidFill>
-                <a:latin typeface="Calibri"/>
-                <a:ea typeface="Calibri"/>
-                <a:cs typeface="Calibri"/>
-                <a:sym typeface="Calibri"/>
-              </a:defRPr>
-            </a:lvl3pPr>
-            <a:lvl4pPr marL="1371600" marR="0" lvl="3" indent="0" algn="l" rtl="0">
-              <a:spcBef>
-                <a:spcPts val="0"/>
-              </a:spcBef>
-              <a:defRPr sz="1800" b="0" i="0" u="none" strike="noStrike" cap="none">
-                <a:solidFill>
-                  <a:schemeClr val="dk1"/>
-                </a:solidFill>
-                <a:latin typeface="Calibri"/>
-                <a:ea typeface="Calibri"/>
-                <a:cs typeface="Calibri"/>
-                <a:sym typeface="Calibri"/>
-              </a:defRPr>
-            </a:lvl4pPr>
-            <a:lvl5pPr marL="1828800" marR="0" lvl="4" indent="0" algn="l" rtl="0">
-              <a:spcBef>
-                <a:spcPts val="0"/>
-              </a:spcBef>
-              <a:defRPr sz="1800" b="0" i="0" u="none" strike="noStrike" cap="none">
-                <a:solidFill>
-                  <a:schemeClr val="dk1"/>
-                </a:solidFill>
-                <a:latin typeface="Calibri"/>
-                <a:ea typeface="Calibri"/>
-                <a:cs typeface="Calibri"/>
-                <a:sym typeface="Calibri"/>
-              </a:defRPr>
-            </a:lvl5pPr>
-            <a:lvl6pPr marL="2286000" marR="0" lvl="5" indent="0" algn="l" rtl="0">
-              <a:spcBef>
-                <a:spcPts val="0"/>
-              </a:spcBef>
-              <a:defRPr sz="1800" b="0" i="0" u="none" strike="noStrike" cap="none">
-                <a:solidFill>
-                  <a:schemeClr val="dk1"/>
-                </a:solidFill>
-                <a:latin typeface="Calibri"/>
-                <a:ea typeface="Calibri"/>
-                <a:cs typeface="Calibri"/>
-                <a:sym typeface="Calibri"/>
-              </a:defRPr>
-            </a:lvl6pPr>
-            <a:lvl7pPr marL="2743200" marR="0" lvl="6" indent="0" algn="l" rtl="0">
-              <a:spcBef>
-                <a:spcPts val="0"/>
-              </a:spcBef>
-              <a:defRPr sz="1800" b="0" i="0" u="none" strike="noStrike" cap="none">
-                <a:solidFill>
-                  <a:schemeClr val="dk1"/>
-                </a:solidFill>
-                <a:latin typeface="Calibri"/>
-                <a:ea typeface="Calibri"/>
-                <a:cs typeface="Calibri"/>
-                <a:sym typeface="Calibri"/>
-              </a:defRPr>
-            </a:lvl7pPr>
-            <a:lvl8pPr marL="3200400" marR="0" lvl="7" indent="0" algn="l" rtl="0">
-              <a:spcBef>
-                <a:spcPts val="0"/>
-              </a:spcBef>
-              <a:defRPr sz="1800" b="0" i="0" u="none" strike="noStrike" cap="none">
-                <a:solidFill>
-                  <a:schemeClr val="dk1"/>
-                </a:solidFill>
-                <a:latin typeface="Calibri"/>
-                <a:ea typeface="Calibri"/>
-                <a:cs typeface="Calibri"/>
-                <a:sym typeface="Calibri"/>
-              </a:defRPr>
-            </a:lvl8pPr>
-            <a:lvl9pPr marL="3657600" marR="0" lvl="8" indent="0" algn="l" rtl="0">
-              <a:spcBef>
-                <a:spcPts val="0"/>
-              </a:spcBef>
-              <a:defRPr sz="1800" b="0" i="0" u="none" strike="noStrike" cap="none">
-                <a:solidFill>
-                  <a:schemeClr val="dk1"/>
-                </a:solidFill>
-                <a:latin typeface="Calibri"/>
-                <a:ea typeface="Calibri"/>
-                <a:cs typeface="Calibri"/>
-                <a:sym typeface="Calibri"/>
-              </a:defRPr>
-            </a:lvl9pPr>
-          </a:lstStyle>
-          <a:p>
-            <a:endParaRPr/>
-          </a:p>
-        </p:txBody>
-      </p:sp>
-      <p:sp>
-        <p:nvSpPr>
-          <p:cNvPr id="123" name="Shape 123"/>
-          <p:cNvSpPr txBox="1">
-            <a:spLocks noGrp="1"/>
-          </p:cNvSpPr>
-          <p:nvPr>
-            <p:ph type="sldNum" idx="12"/>
-          </p:nvPr>
-        </p:nvSpPr>
-        <p:spPr>
-          <a:xfrm>
-            <a:off x="6553200" y="6356350"/>
-            <a:ext cx="2133600" cy="365100"/>
-          </a:xfrm>
-          <a:prstGeom prst="rect">
-            <a:avLst/>
-          </a:prstGeom>
-          <a:noFill/>
-          <a:ln>
-            <a:noFill/>
-          </a:ln>
-        </p:spPr>
-        <p:txBody>
-          <a:bodyPr lIns="91425" tIns="45700" rIns="91425" bIns="45700" anchor="ctr" anchorCtr="0">
-            <a:noAutofit/>
-          </a:bodyPr>
-          <a:lstStyle/>
-          <a:p>
-            <a:pPr marL="0" marR="0" lvl="0" indent="0" algn="r" rtl="0">
-              <a:spcBef>
-                <a:spcPts val="0"/>
-              </a:spcBef>
-              <a:buSzPct val="25000"/>
-              <a:buNone/>
-            </a:pPr>
-            <a:fld id="{00000000-1234-1234-1234-123412341234}" type="slidenum">
-              <a:rPr lang="en-US" sz="1200" b="0" i="0" u="none" strike="noStrike" cap="none">
-                <a:solidFill>
-                  <a:srgbClr val="888888"/>
-                </a:solidFill>
-                <a:latin typeface="Calibri"/>
-                <a:ea typeface="Calibri"/>
-                <a:cs typeface="Calibri"/>
-                <a:sym typeface="Calibri"/>
-              </a:rPr>
-              <a:t>‹#›</a:t>
-            </a:fld>
-            <a:endParaRPr lang="en-US" sz="1200" b="0" i="0" u="none" strike="noStrike" cap="none">
-              <a:solidFill>
-                <a:srgbClr val="888888"/>
-              </a:solidFill>
-              <a:latin typeface="Calibri"/>
-              <a:ea typeface="Calibri"/>
-              <a:cs typeface="Calibri"/>
-              <a:sym typeface="Calibri"/>
-            </a:endParaRPr>
-          </a:p>
-        </p:txBody>
-      </p:sp>
-    </p:spTree>
-  </p:cSld>
-  <p:clrMapOvr>
-    <a:masterClrMapping/>
-  </p:clrMapOvr>
-</p:sldLayout>
-</file>
-
-<file path=ppt/slideLayouts/slideLayout16.xml><?xml version="1.0" encoding="utf-8"?>
-<p:sldLayout xmlns:a="http://schemas.openxmlformats.org/drawingml/2006/main" xmlns:r="http://schemas.openxmlformats.org/officeDocument/2006/relationships" xmlns:p="http://schemas.openxmlformats.org/presentationml/2006/main" type="titleOnly">
-  <p:cSld name="Title Only">
-    <p:spTree>
-      <p:nvGrpSpPr>
-        <p:cNvPr id="1" name="Shape 124"/>
-        <p:cNvGrpSpPr/>
-        <p:nvPr/>
-      </p:nvGrpSpPr>
-      <p:grpSpPr>
-        <a:xfrm>
-          <a:off x="0" y="0"/>
-          <a:ext cx="0" cy="0"/>
-          <a:chOff x="0" y="0"/>
-          <a:chExt cx="0" cy="0"/>
-        </a:xfrm>
-      </p:grpSpPr>
-      <p:sp>
-        <p:nvSpPr>
-          <p:cNvPr id="125" name="Shape 125"/>
-          <p:cNvSpPr txBox="1">
-            <a:spLocks noGrp="1"/>
-          </p:cNvSpPr>
-          <p:nvPr>
-            <p:ph type="title"/>
-          </p:nvPr>
-        </p:nvSpPr>
-        <p:spPr>
-          <a:xfrm>
-            <a:off x="457200" y="274637"/>
-            <a:ext cx="8229600" cy="1143000"/>
-          </a:xfrm>
-          <a:prstGeom prst="rect">
-            <a:avLst/>
-          </a:prstGeom>
-          <a:noFill/>
-          <a:ln>
-            <a:noFill/>
-          </a:ln>
-        </p:spPr>
-        <p:txBody>
-          <a:bodyPr lIns="91425" tIns="91425" rIns="91425" bIns="91425" anchor="ctr" anchorCtr="0"/>
-          <a:lstStyle>
-            <a:lvl1pPr lvl="0" algn="ctr" rtl="0">
-              <a:spcBef>
-                <a:spcPts val="0"/>
-              </a:spcBef>
-              <a:buClr>
-                <a:schemeClr val="dk1"/>
-              </a:buClr>
-              <a:buFont typeface="Calibri"/>
-              <a:buNone/>
-              <a:defRPr sz="4400">
-                <a:solidFill>
-                  <a:schemeClr val="dk1"/>
-                </a:solidFill>
-                <a:latin typeface="Calibri"/>
-                <a:ea typeface="Calibri"/>
-                <a:cs typeface="Calibri"/>
-                <a:sym typeface="Calibri"/>
-              </a:defRPr>
-            </a:lvl1pPr>
-            <a:lvl2pPr lvl="1" rtl="0">
-              <a:spcBef>
-                <a:spcPts val="0"/>
-              </a:spcBef>
-              <a:defRPr/>
-            </a:lvl2pPr>
-            <a:lvl3pPr lvl="2" rtl="0">
-              <a:spcBef>
-                <a:spcPts val="0"/>
-              </a:spcBef>
-              <a:defRPr/>
-            </a:lvl3pPr>
-            <a:lvl4pPr lvl="3" rtl="0">
-              <a:spcBef>
-                <a:spcPts val="0"/>
-              </a:spcBef>
-              <a:defRPr/>
-            </a:lvl4pPr>
-            <a:lvl5pPr lvl="4" rtl="0">
-              <a:spcBef>
-                <a:spcPts val="0"/>
-              </a:spcBef>
-              <a:defRPr/>
-            </a:lvl5pPr>
-            <a:lvl6pPr lvl="5" rtl="0">
-              <a:spcBef>
-                <a:spcPts val="0"/>
-              </a:spcBef>
-              <a:defRPr/>
-            </a:lvl6pPr>
-            <a:lvl7pPr lvl="6" rtl="0">
-              <a:spcBef>
-                <a:spcPts val="0"/>
-              </a:spcBef>
-              <a:defRPr/>
-            </a:lvl7pPr>
-            <a:lvl8pPr lvl="7" rtl="0">
-              <a:spcBef>
-                <a:spcPts val="0"/>
-              </a:spcBef>
-              <a:defRPr/>
-            </a:lvl8pPr>
-            <a:lvl9pPr lvl="8" rtl="0">
-              <a:spcBef>
-                <a:spcPts val="0"/>
-              </a:spcBef>
-              <a:defRPr/>
-            </a:lvl9pPr>
-          </a:lstStyle>
-          <a:p>
-            <a:endParaRPr/>
-          </a:p>
-        </p:txBody>
-      </p:sp>
-      <p:sp>
-        <p:nvSpPr>
-          <p:cNvPr id="126" name="Shape 126"/>
-          <p:cNvSpPr txBox="1">
-            <a:spLocks noGrp="1"/>
-          </p:cNvSpPr>
-          <p:nvPr>
-            <p:ph type="dt" idx="10"/>
-          </p:nvPr>
-        </p:nvSpPr>
-        <p:spPr>
-          <a:xfrm>
-            <a:off x="457200" y="6356350"/>
-            <a:ext cx="2133600" cy="365100"/>
-          </a:xfrm>
-          <a:prstGeom prst="rect">
-            <a:avLst/>
-          </a:prstGeom>
-          <a:noFill/>
-          <a:ln>
-            <a:noFill/>
-          </a:ln>
-        </p:spPr>
-        <p:txBody>
-          <a:bodyPr lIns="91425" tIns="91425" rIns="91425" bIns="91425" anchor="ctr" anchorCtr="0"/>
-          <a:lstStyle>
-            <a:lvl1pPr marL="0" marR="0" lvl="0" indent="0" algn="l" rtl="0">
-              <a:spcBef>
-                <a:spcPts val="0"/>
-              </a:spcBef>
-              <a:defRPr sz="1200" b="0" i="0" u="none" strike="noStrike" cap="none">
-                <a:solidFill>
-                  <a:srgbClr val="888888"/>
-                </a:solidFill>
-                <a:latin typeface="Calibri"/>
-                <a:ea typeface="Calibri"/>
-                <a:cs typeface="Calibri"/>
-                <a:sym typeface="Calibri"/>
-              </a:defRPr>
-            </a:lvl1pPr>
-            <a:lvl2pPr marL="457200" marR="0" lvl="1" indent="0" algn="l" rtl="0">
-              <a:spcBef>
-                <a:spcPts val="0"/>
-              </a:spcBef>
-              <a:defRPr sz="1800" b="0" i="0" u="none" strike="noStrike" cap="none">
-                <a:solidFill>
-                  <a:schemeClr val="dk1"/>
-                </a:solidFill>
-                <a:latin typeface="Calibri"/>
-                <a:ea typeface="Calibri"/>
-                <a:cs typeface="Calibri"/>
-                <a:sym typeface="Calibri"/>
-              </a:defRPr>
-            </a:lvl2pPr>
-            <a:lvl3pPr marL="914400" marR="0" lvl="2" indent="0" algn="l" rtl="0">
-              <a:spcBef>
-                <a:spcPts val="0"/>
-              </a:spcBef>
-              <a:defRPr sz="1800" b="0" i="0" u="none" strike="noStrike" cap="none">
-                <a:solidFill>
-                  <a:schemeClr val="dk1"/>
-                </a:solidFill>
-                <a:latin typeface="Calibri"/>
-                <a:ea typeface="Calibri"/>
-                <a:cs typeface="Calibri"/>
-                <a:sym typeface="Calibri"/>
-              </a:defRPr>
-            </a:lvl3pPr>
-            <a:lvl4pPr marL="1371600" marR="0" lvl="3" indent="0" algn="l" rtl="0">
-              <a:spcBef>
-                <a:spcPts val="0"/>
-              </a:spcBef>
-              <a:defRPr sz="1800" b="0" i="0" u="none" strike="noStrike" cap="none">
-                <a:solidFill>
-                  <a:schemeClr val="dk1"/>
-                </a:solidFill>
-                <a:latin typeface="Calibri"/>
-                <a:ea typeface="Calibri"/>
-                <a:cs typeface="Calibri"/>
-                <a:sym typeface="Calibri"/>
-              </a:defRPr>
-            </a:lvl4pPr>
-            <a:lvl5pPr marL="1828800" marR="0" lvl="4" indent="0" algn="l" rtl="0">
-              <a:spcBef>
-                <a:spcPts val="0"/>
-              </a:spcBef>
-              <a:defRPr sz="1800" b="0" i="0" u="none" strike="noStrike" cap="none">
-                <a:solidFill>
-                  <a:schemeClr val="dk1"/>
-                </a:solidFill>
-                <a:latin typeface="Calibri"/>
-                <a:ea typeface="Calibri"/>
-                <a:cs typeface="Calibri"/>
-                <a:sym typeface="Calibri"/>
-              </a:defRPr>
-            </a:lvl5pPr>
-            <a:lvl6pPr marL="2286000" marR="0" lvl="5" indent="0" algn="l" rtl="0">
-              <a:spcBef>
-                <a:spcPts val="0"/>
-              </a:spcBef>
-              <a:defRPr sz="1800" b="0" i="0" u="none" strike="noStrike" cap="none">
-                <a:solidFill>
-                  <a:schemeClr val="dk1"/>
-                </a:solidFill>
-                <a:latin typeface="Calibri"/>
-                <a:ea typeface="Calibri"/>
-                <a:cs typeface="Calibri"/>
-                <a:sym typeface="Calibri"/>
-              </a:defRPr>
-            </a:lvl6pPr>
-            <a:lvl7pPr marL="2743200" marR="0" lvl="6" indent="0" algn="l" rtl="0">
-              <a:spcBef>
-                <a:spcPts val="0"/>
-              </a:spcBef>
-              <a:defRPr sz="1800" b="0" i="0" u="none" strike="noStrike" cap="none">
-                <a:solidFill>
-                  <a:schemeClr val="dk1"/>
-                </a:solidFill>
-                <a:latin typeface="Calibri"/>
-                <a:ea typeface="Calibri"/>
-                <a:cs typeface="Calibri"/>
-                <a:sym typeface="Calibri"/>
-              </a:defRPr>
-            </a:lvl7pPr>
-            <a:lvl8pPr marL="3200400" marR="0" lvl="7" indent="0" algn="l" rtl="0">
-              <a:spcBef>
-                <a:spcPts val="0"/>
-              </a:spcBef>
-              <a:defRPr sz="1800" b="0" i="0" u="none" strike="noStrike" cap="none">
-                <a:solidFill>
-                  <a:schemeClr val="dk1"/>
-                </a:solidFill>
-                <a:latin typeface="Calibri"/>
-                <a:ea typeface="Calibri"/>
-                <a:cs typeface="Calibri"/>
-                <a:sym typeface="Calibri"/>
-              </a:defRPr>
-            </a:lvl8pPr>
-            <a:lvl9pPr marL="3657600" marR="0" lvl="8" indent="0" algn="l" rtl="0">
-              <a:spcBef>
-                <a:spcPts val="0"/>
-              </a:spcBef>
-              <a:defRPr sz="1800" b="0" i="0" u="none" strike="noStrike" cap="none">
-                <a:solidFill>
-                  <a:schemeClr val="dk1"/>
-                </a:solidFill>
-                <a:latin typeface="Calibri"/>
-                <a:ea typeface="Calibri"/>
-                <a:cs typeface="Calibri"/>
-                <a:sym typeface="Calibri"/>
-              </a:defRPr>
-            </a:lvl9pPr>
-          </a:lstStyle>
-          <a:p>
-            <a:endParaRPr/>
-          </a:p>
-        </p:txBody>
-      </p:sp>
-      <p:sp>
-        <p:nvSpPr>
-          <p:cNvPr id="127" name="Shape 127"/>
-          <p:cNvSpPr txBox="1">
-            <a:spLocks noGrp="1"/>
-          </p:cNvSpPr>
-          <p:nvPr>
-            <p:ph type="ftr" idx="11"/>
-          </p:nvPr>
-        </p:nvSpPr>
-        <p:spPr>
-          <a:xfrm>
-            <a:off x="3124200" y="6356350"/>
-            <a:ext cx="2895600" cy="365100"/>
-          </a:xfrm>
-          <a:prstGeom prst="rect">
-            <a:avLst/>
-          </a:prstGeom>
-          <a:noFill/>
-          <a:ln>
-            <a:noFill/>
-          </a:ln>
-        </p:spPr>
-        <p:txBody>
-          <a:bodyPr lIns="91425" tIns="91425" rIns="91425" bIns="91425" anchor="ctr" anchorCtr="0"/>
-          <a:lstStyle>
-            <a:lvl1pPr marL="0" marR="0" lvl="0" indent="0" algn="ctr" rtl="0">
-              <a:spcBef>
-                <a:spcPts val="0"/>
-              </a:spcBef>
-              <a:defRPr sz="1200" b="0" i="0" u="none" strike="noStrike" cap="none">
-                <a:solidFill>
-                  <a:srgbClr val="888888"/>
-                </a:solidFill>
-                <a:latin typeface="Calibri"/>
-                <a:ea typeface="Calibri"/>
-                <a:cs typeface="Calibri"/>
-                <a:sym typeface="Calibri"/>
-              </a:defRPr>
-            </a:lvl1pPr>
-            <a:lvl2pPr marL="457200" marR="0" lvl="1" indent="0" algn="l" rtl="0">
-              <a:spcBef>
-                <a:spcPts val="0"/>
-              </a:spcBef>
-              <a:defRPr sz="1800" b="0" i="0" u="none" strike="noStrike" cap="none">
-                <a:solidFill>
-                  <a:schemeClr val="dk1"/>
-                </a:solidFill>
-                <a:latin typeface="Calibri"/>
-                <a:ea typeface="Calibri"/>
-                <a:cs typeface="Calibri"/>
-                <a:sym typeface="Calibri"/>
-              </a:defRPr>
-            </a:lvl2pPr>
-            <a:lvl3pPr marL="914400" marR="0" lvl="2" indent="0" algn="l" rtl="0">
-              <a:spcBef>
-                <a:spcPts val="0"/>
-              </a:spcBef>
-              <a:defRPr sz="1800" b="0" i="0" u="none" strike="noStrike" cap="none">
-                <a:solidFill>
-                  <a:schemeClr val="dk1"/>
-                </a:solidFill>
-                <a:latin typeface="Calibri"/>
-                <a:ea typeface="Calibri"/>
-                <a:cs typeface="Calibri"/>
-                <a:sym typeface="Calibri"/>
-              </a:defRPr>
-            </a:lvl3pPr>
-            <a:lvl4pPr marL="1371600" marR="0" lvl="3" indent="0" algn="l" rtl="0">
-              <a:spcBef>
-                <a:spcPts val="0"/>
-              </a:spcBef>
-              <a:defRPr sz="1800" b="0" i="0" u="none" strike="noStrike" cap="none">
-                <a:solidFill>
-                  <a:schemeClr val="dk1"/>
-                </a:solidFill>
-                <a:latin typeface="Calibri"/>
-                <a:ea typeface="Calibri"/>
-                <a:cs typeface="Calibri"/>
-                <a:sym typeface="Calibri"/>
-              </a:defRPr>
-            </a:lvl4pPr>
-            <a:lvl5pPr marL="1828800" marR="0" lvl="4" indent="0" algn="l" rtl="0">
-              <a:spcBef>
-                <a:spcPts val="0"/>
-              </a:spcBef>
-              <a:defRPr sz="1800" b="0" i="0" u="none" strike="noStrike" cap="none">
-                <a:solidFill>
-                  <a:schemeClr val="dk1"/>
-                </a:solidFill>
-                <a:latin typeface="Calibri"/>
-                <a:ea typeface="Calibri"/>
-                <a:cs typeface="Calibri"/>
-                <a:sym typeface="Calibri"/>
-              </a:defRPr>
-            </a:lvl5pPr>
-            <a:lvl6pPr marL="2286000" marR="0" lvl="5" indent="0" algn="l" rtl="0">
-              <a:spcBef>
-                <a:spcPts val="0"/>
-              </a:spcBef>
-              <a:defRPr sz="1800" b="0" i="0" u="none" strike="noStrike" cap="none">
-                <a:solidFill>
-                  <a:schemeClr val="dk1"/>
-                </a:solidFill>
-                <a:latin typeface="Calibri"/>
-                <a:ea typeface="Calibri"/>
-                <a:cs typeface="Calibri"/>
-                <a:sym typeface="Calibri"/>
-              </a:defRPr>
-            </a:lvl6pPr>
-            <a:lvl7pPr marL="2743200" marR="0" lvl="6" indent="0" algn="l" rtl="0">
-              <a:spcBef>
-                <a:spcPts val="0"/>
-              </a:spcBef>
-              <a:defRPr sz="1800" b="0" i="0" u="none" strike="noStrike" cap="none">
-                <a:solidFill>
-                  <a:schemeClr val="dk1"/>
-                </a:solidFill>
-                <a:latin typeface="Calibri"/>
-                <a:ea typeface="Calibri"/>
-                <a:cs typeface="Calibri"/>
-                <a:sym typeface="Calibri"/>
-              </a:defRPr>
-            </a:lvl7pPr>
-            <a:lvl8pPr marL="3200400" marR="0" lvl="7" indent="0" algn="l" rtl="0">
-              <a:spcBef>
-                <a:spcPts val="0"/>
-              </a:spcBef>
-              <a:defRPr sz="1800" b="0" i="0" u="none" strike="noStrike" cap="none">
-                <a:solidFill>
-                  <a:schemeClr val="dk1"/>
-                </a:solidFill>
-                <a:latin typeface="Calibri"/>
-                <a:ea typeface="Calibri"/>
-                <a:cs typeface="Calibri"/>
-                <a:sym typeface="Calibri"/>
-              </a:defRPr>
-            </a:lvl8pPr>
-            <a:lvl9pPr marL="3657600" marR="0" lvl="8" indent="0" algn="l" rtl="0">
-              <a:spcBef>
-                <a:spcPts val="0"/>
-              </a:spcBef>
-              <a:defRPr sz="1800" b="0" i="0" u="none" strike="noStrike" cap="none">
-                <a:solidFill>
-                  <a:schemeClr val="dk1"/>
-                </a:solidFill>
-                <a:latin typeface="Calibri"/>
-                <a:ea typeface="Calibri"/>
-                <a:cs typeface="Calibri"/>
-                <a:sym typeface="Calibri"/>
-              </a:defRPr>
-            </a:lvl9pPr>
-          </a:lstStyle>
-          <a:p>
-            <a:endParaRPr/>
-          </a:p>
-        </p:txBody>
-      </p:sp>
-      <p:sp>
-        <p:nvSpPr>
-          <p:cNvPr id="128" name="Shape 128"/>
-          <p:cNvSpPr txBox="1">
-            <a:spLocks noGrp="1"/>
-          </p:cNvSpPr>
-          <p:nvPr>
-            <p:ph type="sldNum" idx="12"/>
-          </p:nvPr>
-        </p:nvSpPr>
-        <p:spPr>
-          <a:xfrm>
-            <a:off x="6553200" y="6356350"/>
-            <a:ext cx="2133600" cy="365100"/>
-          </a:xfrm>
-          <a:prstGeom prst="rect">
-            <a:avLst/>
-          </a:prstGeom>
-          <a:noFill/>
-          <a:ln>
-            <a:noFill/>
-          </a:ln>
-        </p:spPr>
-        <p:txBody>
-          <a:bodyPr lIns="91425" tIns="45700" rIns="91425" bIns="45700" anchor="ctr" anchorCtr="0">
-            <a:noAutofit/>
-          </a:bodyPr>
-          <a:lstStyle/>
-          <a:p>
-            <a:pPr marL="0" marR="0" lvl="0" indent="0" algn="r" rtl="0">
-              <a:spcBef>
-                <a:spcPts val="0"/>
-              </a:spcBef>
-              <a:buSzPct val="25000"/>
-              <a:buNone/>
-            </a:pPr>
-            <a:fld id="{00000000-1234-1234-1234-123412341234}" type="slidenum">
-              <a:rPr lang="en-US" sz="1200" b="0" i="0" u="none" strike="noStrike" cap="none">
-                <a:solidFill>
-                  <a:srgbClr val="888888"/>
-                </a:solidFill>
-                <a:latin typeface="Calibri"/>
-                <a:ea typeface="Calibri"/>
-                <a:cs typeface="Calibri"/>
-                <a:sym typeface="Calibri"/>
-              </a:rPr>
-              <a:t>‹#›</a:t>
-            </a:fld>
-            <a:endParaRPr lang="en-US" sz="1200" b="0" i="0" u="none" strike="noStrike" cap="none">
-              <a:solidFill>
-                <a:srgbClr val="888888"/>
-              </a:solidFill>
-              <a:latin typeface="Calibri"/>
-              <a:ea typeface="Calibri"/>
-              <a:cs typeface="Calibri"/>
-              <a:sym typeface="Calibri"/>
-            </a:endParaRPr>
-          </a:p>
-        </p:txBody>
-      </p:sp>
-    </p:spTree>
-  </p:cSld>
-  <p:clrMapOvr>
-    <a:masterClrMapping/>
-  </p:clrMapOvr>
-</p:sldLayout>
-</file>
-
-<file path=ppt/slideLayouts/slideLayout17.xml><?xml version="1.0" encoding="utf-8"?>
-<p:sldLayout xmlns:a="http://schemas.openxmlformats.org/drawingml/2006/main" xmlns:r="http://schemas.openxmlformats.org/officeDocument/2006/relationships" xmlns:p="http://schemas.openxmlformats.org/presentationml/2006/main" type="blank">
-  <p:cSld name="Blank">
-    <p:spTree>
-      <p:nvGrpSpPr>
-        <p:cNvPr id="1" name="Shape 129"/>
-        <p:cNvGrpSpPr/>
-        <p:nvPr/>
-      </p:nvGrpSpPr>
-      <p:grpSpPr>
-        <a:xfrm>
-          <a:off x="0" y="0"/>
-          <a:ext cx="0" cy="0"/>
-          <a:chOff x="0" y="0"/>
-          <a:chExt cx="0" cy="0"/>
-        </a:xfrm>
-      </p:grpSpPr>
-      <p:sp>
-        <p:nvSpPr>
-          <p:cNvPr id="130" name="Shape 130"/>
-          <p:cNvSpPr txBox="1">
-            <a:spLocks noGrp="1"/>
-          </p:cNvSpPr>
-          <p:nvPr>
-            <p:ph type="dt" idx="10"/>
-          </p:nvPr>
-        </p:nvSpPr>
-        <p:spPr>
-          <a:xfrm>
-            <a:off x="457200" y="6356350"/>
-            <a:ext cx="2133600" cy="365100"/>
-          </a:xfrm>
-          <a:prstGeom prst="rect">
-            <a:avLst/>
-          </a:prstGeom>
-          <a:noFill/>
-          <a:ln>
-            <a:noFill/>
-          </a:ln>
-        </p:spPr>
-        <p:txBody>
-          <a:bodyPr lIns="91425" tIns="91425" rIns="91425" bIns="91425" anchor="ctr" anchorCtr="0"/>
-          <a:lstStyle>
-            <a:lvl1pPr marL="0" marR="0" lvl="0" indent="0" algn="l" rtl="0">
-              <a:spcBef>
-                <a:spcPts val="0"/>
-              </a:spcBef>
-              <a:defRPr sz="1200" b="0" i="0" u="none" strike="noStrike" cap="none">
-                <a:solidFill>
-                  <a:srgbClr val="888888"/>
-                </a:solidFill>
-                <a:latin typeface="Calibri"/>
-                <a:ea typeface="Calibri"/>
-                <a:cs typeface="Calibri"/>
-                <a:sym typeface="Calibri"/>
-              </a:defRPr>
-            </a:lvl1pPr>
-            <a:lvl2pPr marL="457200" marR="0" lvl="1" indent="0" algn="l" rtl="0">
-              <a:spcBef>
-                <a:spcPts val="0"/>
-              </a:spcBef>
-              <a:defRPr sz="1800" b="0" i="0" u="none" strike="noStrike" cap="none">
-                <a:solidFill>
-                  <a:schemeClr val="dk1"/>
-                </a:solidFill>
-                <a:latin typeface="Calibri"/>
-                <a:ea typeface="Calibri"/>
-                <a:cs typeface="Calibri"/>
-                <a:sym typeface="Calibri"/>
-              </a:defRPr>
-            </a:lvl2pPr>
-            <a:lvl3pPr marL="914400" marR="0" lvl="2" indent="0" algn="l" rtl="0">
-              <a:spcBef>
-                <a:spcPts val="0"/>
-              </a:spcBef>
-              <a:defRPr sz="1800" b="0" i="0" u="none" strike="noStrike" cap="none">
-                <a:solidFill>
-                  <a:schemeClr val="dk1"/>
-                </a:solidFill>
-                <a:latin typeface="Calibri"/>
-                <a:ea typeface="Calibri"/>
-                <a:cs typeface="Calibri"/>
-                <a:sym typeface="Calibri"/>
-              </a:defRPr>
-            </a:lvl3pPr>
-            <a:lvl4pPr marL="1371600" marR="0" lvl="3" indent="0" algn="l" rtl="0">
-              <a:spcBef>
-                <a:spcPts val="0"/>
-              </a:spcBef>
-              <a:defRPr sz="1800" b="0" i="0" u="none" strike="noStrike" cap="none">
-                <a:solidFill>
-                  <a:schemeClr val="dk1"/>
-                </a:solidFill>
-                <a:latin typeface="Calibri"/>
-                <a:ea typeface="Calibri"/>
-                <a:cs typeface="Calibri"/>
-                <a:sym typeface="Calibri"/>
-              </a:defRPr>
-            </a:lvl4pPr>
-            <a:lvl5pPr marL="1828800" marR="0" lvl="4" indent="0" algn="l" rtl="0">
-              <a:spcBef>
-                <a:spcPts val="0"/>
-              </a:spcBef>
-              <a:defRPr sz="1800" b="0" i="0" u="none" strike="noStrike" cap="none">
-                <a:solidFill>
-                  <a:schemeClr val="dk1"/>
-                </a:solidFill>
-                <a:latin typeface="Calibri"/>
-                <a:ea typeface="Calibri"/>
-                <a:cs typeface="Calibri"/>
-                <a:sym typeface="Calibri"/>
-              </a:defRPr>
-            </a:lvl5pPr>
-            <a:lvl6pPr marL="2286000" marR="0" lvl="5" indent="0" algn="l" rtl="0">
-              <a:spcBef>
-                <a:spcPts val="0"/>
-              </a:spcBef>
-              <a:defRPr sz="1800" b="0" i="0" u="none" strike="noStrike" cap="none">
-                <a:solidFill>
-                  <a:schemeClr val="dk1"/>
-                </a:solidFill>
-                <a:latin typeface="Calibri"/>
-                <a:ea typeface="Calibri"/>
-                <a:cs typeface="Calibri"/>
-                <a:sym typeface="Calibri"/>
-              </a:defRPr>
-            </a:lvl6pPr>
-            <a:lvl7pPr marL="2743200" marR="0" lvl="6" indent="0" algn="l" rtl="0">
-              <a:spcBef>
-                <a:spcPts val="0"/>
-              </a:spcBef>
-              <a:defRPr sz="1800" b="0" i="0" u="none" strike="noStrike" cap="none">
-                <a:solidFill>
-                  <a:schemeClr val="dk1"/>
-                </a:solidFill>
-                <a:latin typeface="Calibri"/>
-                <a:ea typeface="Calibri"/>
-                <a:cs typeface="Calibri"/>
-                <a:sym typeface="Calibri"/>
-              </a:defRPr>
-            </a:lvl7pPr>
-            <a:lvl8pPr marL="3200400" marR="0" lvl="7" indent="0" algn="l" rtl="0">
-              <a:spcBef>
-                <a:spcPts val="0"/>
-              </a:spcBef>
-              <a:defRPr sz="1800" b="0" i="0" u="none" strike="noStrike" cap="none">
-                <a:solidFill>
-                  <a:schemeClr val="dk1"/>
-                </a:solidFill>
-                <a:latin typeface="Calibri"/>
-                <a:ea typeface="Calibri"/>
-                <a:cs typeface="Calibri"/>
-                <a:sym typeface="Calibri"/>
-              </a:defRPr>
-            </a:lvl8pPr>
-            <a:lvl9pPr marL="3657600" marR="0" lvl="8" indent="0" algn="l" rtl="0">
-              <a:spcBef>
-                <a:spcPts val="0"/>
-              </a:spcBef>
-              <a:defRPr sz="1800" b="0" i="0" u="none" strike="noStrike" cap="none">
-                <a:solidFill>
-                  <a:schemeClr val="dk1"/>
-                </a:solidFill>
-                <a:latin typeface="Calibri"/>
-                <a:ea typeface="Calibri"/>
-                <a:cs typeface="Calibri"/>
-                <a:sym typeface="Calibri"/>
-              </a:defRPr>
-            </a:lvl9pPr>
-          </a:lstStyle>
-          <a:p>
-            <a:endParaRPr/>
-          </a:p>
-        </p:txBody>
-      </p:sp>
-      <p:sp>
-        <p:nvSpPr>
-          <p:cNvPr id="131" name="Shape 131"/>
-          <p:cNvSpPr txBox="1">
-            <a:spLocks noGrp="1"/>
-          </p:cNvSpPr>
-          <p:nvPr>
-            <p:ph type="ftr" idx="11"/>
-          </p:nvPr>
-        </p:nvSpPr>
-        <p:spPr>
-          <a:xfrm>
-            <a:off x="3124200" y="6356350"/>
-            <a:ext cx="2895600" cy="365100"/>
-          </a:xfrm>
-          <a:prstGeom prst="rect">
-            <a:avLst/>
-          </a:prstGeom>
-          <a:noFill/>
-          <a:ln>
-            <a:noFill/>
-          </a:ln>
-        </p:spPr>
-        <p:txBody>
-          <a:bodyPr lIns="91425" tIns="91425" rIns="91425" bIns="91425" anchor="ctr" anchorCtr="0"/>
-          <a:lstStyle>
-            <a:lvl1pPr marL="0" marR="0" lvl="0" indent="0" algn="ctr" rtl="0">
-              <a:spcBef>
-                <a:spcPts val="0"/>
-              </a:spcBef>
-              <a:defRPr sz="1200" b="0" i="0" u="none" strike="noStrike" cap="none">
-                <a:solidFill>
-                  <a:srgbClr val="888888"/>
-                </a:solidFill>
-                <a:latin typeface="Calibri"/>
-                <a:ea typeface="Calibri"/>
-                <a:cs typeface="Calibri"/>
-                <a:sym typeface="Calibri"/>
-              </a:defRPr>
-            </a:lvl1pPr>
-            <a:lvl2pPr marL="457200" marR="0" lvl="1" indent="0" algn="l" rtl="0">
-              <a:spcBef>
-                <a:spcPts val="0"/>
-              </a:spcBef>
-              <a:defRPr sz="1800" b="0" i="0" u="none" strike="noStrike" cap="none">
-                <a:solidFill>
-                  <a:schemeClr val="dk1"/>
-                </a:solidFill>
-                <a:latin typeface="Calibri"/>
-                <a:ea typeface="Calibri"/>
-                <a:cs typeface="Calibri"/>
-                <a:sym typeface="Calibri"/>
-              </a:defRPr>
-            </a:lvl2pPr>
-            <a:lvl3pPr marL="914400" marR="0" lvl="2" indent="0" algn="l" rtl="0">
-              <a:spcBef>
-                <a:spcPts val="0"/>
-              </a:spcBef>
-              <a:defRPr sz="1800" b="0" i="0" u="none" strike="noStrike" cap="none">
-                <a:solidFill>
-                  <a:schemeClr val="dk1"/>
-                </a:solidFill>
-                <a:latin typeface="Calibri"/>
-                <a:ea typeface="Calibri"/>
-                <a:cs typeface="Calibri"/>
-                <a:sym typeface="Calibri"/>
-              </a:defRPr>
-            </a:lvl3pPr>
-            <a:lvl4pPr marL="1371600" marR="0" lvl="3" indent="0" algn="l" rtl="0">
-              <a:spcBef>
-                <a:spcPts val="0"/>
-              </a:spcBef>
-              <a:defRPr sz="1800" b="0" i="0" u="none" strike="noStrike" cap="none">
-                <a:solidFill>
-                  <a:schemeClr val="dk1"/>
-                </a:solidFill>
-                <a:latin typeface="Calibri"/>
-                <a:ea typeface="Calibri"/>
-                <a:cs typeface="Calibri"/>
-                <a:sym typeface="Calibri"/>
-              </a:defRPr>
-            </a:lvl4pPr>
-            <a:lvl5pPr marL="1828800" marR="0" lvl="4" indent="0" algn="l" rtl="0">
-              <a:spcBef>
-                <a:spcPts val="0"/>
-              </a:spcBef>
-              <a:defRPr sz="1800" b="0" i="0" u="none" strike="noStrike" cap="none">
-                <a:solidFill>
-                  <a:schemeClr val="dk1"/>
-                </a:solidFill>
-                <a:latin typeface="Calibri"/>
-                <a:ea typeface="Calibri"/>
-                <a:cs typeface="Calibri"/>
-                <a:sym typeface="Calibri"/>
-              </a:defRPr>
-            </a:lvl5pPr>
-            <a:lvl6pPr marL="2286000" marR="0" lvl="5" indent="0" algn="l" rtl="0">
-              <a:spcBef>
-                <a:spcPts val="0"/>
-              </a:spcBef>
-              <a:defRPr sz="1800" b="0" i="0" u="none" strike="noStrike" cap="none">
-                <a:solidFill>
-                  <a:schemeClr val="dk1"/>
-                </a:solidFill>
-                <a:latin typeface="Calibri"/>
-                <a:ea typeface="Calibri"/>
-                <a:cs typeface="Calibri"/>
-                <a:sym typeface="Calibri"/>
-              </a:defRPr>
-            </a:lvl6pPr>
-            <a:lvl7pPr marL="2743200" marR="0" lvl="6" indent="0" algn="l" rtl="0">
-              <a:spcBef>
-                <a:spcPts val="0"/>
-              </a:spcBef>
-              <a:defRPr sz="1800" b="0" i="0" u="none" strike="noStrike" cap="none">
-                <a:solidFill>
-                  <a:schemeClr val="dk1"/>
-                </a:solidFill>
-                <a:latin typeface="Calibri"/>
-                <a:ea typeface="Calibri"/>
-                <a:cs typeface="Calibri"/>
-                <a:sym typeface="Calibri"/>
-              </a:defRPr>
-            </a:lvl7pPr>
-            <a:lvl8pPr marL="3200400" marR="0" lvl="7" indent="0" algn="l" rtl="0">
-              <a:spcBef>
-                <a:spcPts val="0"/>
-              </a:spcBef>
-              <a:defRPr sz="1800" b="0" i="0" u="none" strike="noStrike" cap="none">
-                <a:solidFill>
-                  <a:schemeClr val="dk1"/>
-                </a:solidFill>
-                <a:latin typeface="Calibri"/>
-                <a:ea typeface="Calibri"/>
-                <a:cs typeface="Calibri"/>
-                <a:sym typeface="Calibri"/>
-              </a:defRPr>
-            </a:lvl8pPr>
-            <a:lvl9pPr marL="3657600" marR="0" lvl="8" indent="0" algn="l" rtl="0">
-              <a:spcBef>
-                <a:spcPts val="0"/>
-              </a:spcBef>
-              <a:defRPr sz="1800" b="0" i="0" u="none" strike="noStrike" cap="none">
-                <a:solidFill>
-                  <a:schemeClr val="dk1"/>
-                </a:solidFill>
-                <a:latin typeface="Calibri"/>
-                <a:ea typeface="Calibri"/>
-                <a:cs typeface="Calibri"/>
-                <a:sym typeface="Calibri"/>
-              </a:defRPr>
-            </a:lvl9pPr>
-          </a:lstStyle>
-          <a:p>
-            <a:endParaRPr/>
-          </a:p>
-        </p:txBody>
-      </p:sp>
-      <p:sp>
-        <p:nvSpPr>
-          <p:cNvPr id="132" name="Shape 132"/>
-          <p:cNvSpPr txBox="1">
-            <a:spLocks noGrp="1"/>
-          </p:cNvSpPr>
-          <p:nvPr>
-            <p:ph type="sldNum" idx="12"/>
-          </p:nvPr>
-        </p:nvSpPr>
-        <p:spPr>
-          <a:xfrm>
-            <a:off x="6553200" y="6356350"/>
-            <a:ext cx="2133600" cy="365100"/>
-          </a:xfrm>
-          <a:prstGeom prst="rect">
-            <a:avLst/>
-          </a:prstGeom>
-          <a:noFill/>
-          <a:ln>
-            <a:noFill/>
-          </a:ln>
-        </p:spPr>
-        <p:txBody>
-          <a:bodyPr lIns="91425" tIns="45700" rIns="91425" bIns="45700" anchor="ctr" anchorCtr="0">
-            <a:noAutofit/>
-          </a:bodyPr>
-          <a:lstStyle/>
-          <a:p>
-            <a:pPr marL="0" marR="0" lvl="0" indent="0" algn="r" rtl="0">
-              <a:spcBef>
-                <a:spcPts val="0"/>
-              </a:spcBef>
-              <a:buSzPct val="25000"/>
-              <a:buNone/>
-            </a:pPr>
-            <a:fld id="{00000000-1234-1234-1234-123412341234}" type="slidenum">
-              <a:rPr lang="en-US" sz="1200" b="0" i="0" u="none" strike="noStrike" cap="none">
-                <a:solidFill>
-                  <a:srgbClr val="888888"/>
-                </a:solidFill>
-                <a:latin typeface="Calibri"/>
-                <a:ea typeface="Calibri"/>
-                <a:cs typeface="Calibri"/>
-                <a:sym typeface="Calibri"/>
-              </a:rPr>
-              <a:t>‹#›</a:t>
-            </a:fld>
-            <a:endParaRPr lang="en-US" sz="1200" b="0" i="0" u="none" strike="noStrike" cap="none">
-              <a:solidFill>
-                <a:srgbClr val="888888"/>
-              </a:solidFill>
-              <a:latin typeface="Calibri"/>
-              <a:ea typeface="Calibri"/>
-              <a:cs typeface="Calibri"/>
-              <a:sym typeface="Calibri"/>
-            </a:endParaRPr>
-          </a:p>
-        </p:txBody>
-      </p:sp>
-    </p:spTree>
-  </p:cSld>
-  <p:clrMapOvr>
-    <a:masterClrMapping/>
-  </p:clrMapOvr>
-</p:sldLayout>
-</file>
-
-<file path=ppt/slideLayouts/slideLayout18.xml><?xml version="1.0" encoding="utf-8"?>
-<p:sldLayout xmlns:a="http://schemas.openxmlformats.org/drawingml/2006/main" xmlns:r="http://schemas.openxmlformats.org/officeDocument/2006/relationships" xmlns:p="http://schemas.openxmlformats.org/presentationml/2006/main" type="objTx">
-  <p:cSld name="Content with Caption">
-    <p:spTree>
-      <p:nvGrpSpPr>
-        <p:cNvPr id="1" name="Shape 133"/>
-        <p:cNvGrpSpPr/>
-        <p:nvPr/>
-      </p:nvGrpSpPr>
-      <p:grpSpPr>
-        <a:xfrm>
-          <a:off x="0" y="0"/>
-          <a:ext cx="0" cy="0"/>
-          <a:chOff x="0" y="0"/>
-          <a:chExt cx="0" cy="0"/>
-        </a:xfrm>
-      </p:grpSpPr>
-      <p:sp>
-        <p:nvSpPr>
-          <p:cNvPr id="134" name="Shape 134"/>
-          <p:cNvSpPr txBox="1">
-            <a:spLocks noGrp="1"/>
-          </p:cNvSpPr>
-          <p:nvPr>
-            <p:ph type="title"/>
-          </p:nvPr>
-        </p:nvSpPr>
-        <p:spPr>
-          <a:xfrm>
-            <a:off x="457200" y="273050"/>
-            <a:ext cx="3008400" cy="1161900"/>
-          </a:xfrm>
-          <a:prstGeom prst="rect">
-            <a:avLst/>
-          </a:prstGeom>
-          <a:noFill/>
-          <a:ln>
-            <a:noFill/>
-          </a:ln>
-        </p:spPr>
-        <p:txBody>
-          <a:bodyPr lIns="91425" tIns="91425" rIns="91425" bIns="91425" anchor="b" anchorCtr="0"/>
-          <a:lstStyle>
-            <a:lvl1pPr lvl="0" algn="l" rtl="0">
-              <a:spcBef>
-                <a:spcPts val="0"/>
-              </a:spcBef>
-              <a:defRPr sz="2000" b="1"/>
-            </a:lvl1pPr>
-            <a:lvl2pPr lvl="1" rtl="0">
-              <a:spcBef>
-                <a:spcPts val="0"/>
-              </a:spcBef>
-              <a:defRPr/>
-            </a:lvl2pPr>
-            <a:lvl3pPr lvl="2" rtl="0">
-              <a:spcBef>
-                <a:spcPts val="0"/>
-              </a:spcBef>
-              <a:defRPr/>
-            </a:lvl3pPr>
-            <a:lvl4pPr lvl="3" rtl="0">
-              <a:spcBef>
-                <a:spcPts val="0"/>
-              </a:spcBef>
-              <a:defRPr/>
-            </a:lvl4pPr>
-            <a:lvl5pPr lvl="4" rtl="0">
-              <a:spcBef>
-                <a:spcPts val="0"/>
-              </a:spcBef>
-              <a:defRPr/>
-            </a:lvl5pPr>
-            <a:lvl6pPr lvl="5" rtl="0">
-              <a:spcBef>
-                <a:spcPts val="0"/>
-              </a:spcBef>
-              <a:defRPr/>
-            </a:lvl6pPr>
-            <a:lvl7pPr lvl="6" rtl="0">
-              <a:spcBef>
-                <a:spcPts val="0"/>
-              </a:spcBef>
-              <a:defRPr/>
-            </a:lvl7pPr>
-            <a:lvl8pPr lvl="7" rtl="0">
-              <a:spcBef>
-                <a:spcPts val="0"/>
-              </a:spcBef>
-              <a:defRPr/>
-            </a:lvl8pPr>
-            <a:lvl9pPr lvl="8" rtl="0">
-              <a:spcBef>
-                <a:spcPts val="0"/>
-              </a:spcBef>
-              <a:defRPr/>
-            </a:lvl9pPr>
-          </a:lstStyle>
-          <a:p>
-            <a:endParaRPr/>
-          </a:p>
-        </p:txBody>
-      </p:sp>
-      <p:sp>
-        <p:nvSpPr>
-          <p:cNvPr id="135" name="Shape 135"/>
-          <p:cNvSpPr txBox="1">
-            <a:spLocks noGrp="1"/>
-          </p:cNvSpPr>
-          <p:nvPr>
-            <p:ph type="body" idx="1"/>
-          </p:nvPr>
-        </p:nvSpPr>
-        <p:spPr>
-          <a:xfrm>
-            <a:off x="3575050" y="273050"/>
-            <a:ext cx="5111700" cy="5853000"/>
-          </a:xfrm>
-          <a:prstGeom prst="rect">
-            <a:avLst/>
-          </a:prstGeom>
-          <a:noFill/>
-          <a:ln>
-            <a:noFill/>
-          </a:ln>
-        </p:spPr>
-        <p:txBody>
-          <a:bodyPr lIns="91425" tIns="91425" rIns="91425" bIns="91425" anchor="t" anchorCtr="0"/>
-          <a:lstStyle>
-            <a:lvl1pPr lvl="0" rtl="0">
-              <a:spcBef>
-                <a:spcPts val="0"/>
-              </a:spcBef>
-              <a:defRPr sz="3200"/>
-            </a:lvl1pPr>
-            <a:lvl2pPr lvl="1" rtl="0">
-              <a:spcBef>
-                <a:spcPts val="0"/>
-              </a:spcBef>
-              <a:defRPr sz="2800"/>
-            </a:lvl2pPr>
-            <a:lvl3pPr lvl="2" rtl="0">
-              <a:spcBef>
-                <a:spcPts val="0"/>
-              </a:spcBef>
-              <a:defRPr sz="2400"/>
-            </a:lvl3pPr>
-            <a:lvl4pPr lvl="3" rtl="0">
-              <a:spcBef>
-                <a:spcPts val="0"/>
-              </a:spcBef>
-              <a:defRPr sz="2000"/>
-            </a:lvl4pPr>
-            <a:lvl5pPr lvl="4" rtl="0">
-              <a:spcBef>
-                <a:spcPts val="0"/>
-              </a:spcBef>
-              <a:defRPr sz="2000"/>
-            </a:lvl5pPr>
-            <a:lvl6pPr lvl="5" rtl="0">
-              <a:spcBef>
-                <a:spcPts val="0"/>
-              </a:spcBef>
-              <a:defRPr sz="2000"/>
-            </a:lvl6pPr>
-            <a:lvl7pPr lvl="6" rtl="0">
-              <a:spcBef>
-                <a:spcPts val="0"/>
-              </a:spcBef>
-              <a:defRPr sz="2000"/>
-            </a:lvl7pPr>
-            <a:lvl8pPr lvl="7" rtl="0">
-              <a:spcBef>
-                <a:spcPts val="0"/>
-              </a:spcBef>
-              <a:defRPr sz="2000"/>
-            </a:lvl8pPr>
-            <a:lvl9pPr lvl="8" rtl="0">
-              <a:spcBef>
-                <a:spcPts val="0"/>
-              </a:spcBef>
-              <a:defRPr sz="2000"/>
-            </a:lvl9pPr>
-          </a:lstStyle>
-          <a:p>
-            <a:endParaRPr/>
-          </a:p>
-        </p:txBody>
-      </p:sp>
-      <p:sp>
-        <p:nvSpPr>
-          <p:cNvPr id="136" name="Shape 136"/>
-          <p:cNvSpPr txBox="1">
-            <a:spLocks noGrp="1"/>
-          </p:cNvSpPr>
-          <p:nvPr>
-            <p:ph type="body" idx="2"/>
-          </p:nvPr>
-        </p:nvSpPr>
-        <p:spPr>
-          <a:xfrm>
-            <a:off x="457200" y="1435100"/>
-            <a:ext cx="3008400" cy="4691100"/>
-          </a:xfrm>
-          <a:prstGeom prst="rect">
-            <a:avLst/>
-          </a:prstGeom>
-          <a:noFill/>
-          <a:ln>
-            <a:noFill/>
-          </a:ln>
-        </p:spPr>
-        <p:txBody>
-          <a:bodyPr lIns="91425" tIns="91425" rIns="91425" bIns="91425" anchor="t" anchorCtr="0"/>
-          <a:lstStyle>
-            <a:lvl1pPr marL="0" lvl="0" indent="0" rtl="0">
-              <a:spcBef>
-                <a:spcPts val="0"/>
-              </a:spcBef>
-              <a:buFont typeface="Calibri"/>
-              <a:buNone/>
-              <a:defRPr sz="1400"/>
-            </a:lvl1pPr>
-            <a:lvl2pPr marL="457200" lvl="1" indent="0" rtl="0">
-              <a:spcBef>
-                <a:spcPts val="0"/>
-              </a:spcBef>
-              <a:buFont typeface="Calibri"/>
-              <a:buNone/>
-              <a:defRPr sz="1200"/>
-            </a:lvl2pPr>
-            <a:lvl3pPr marL="914400" lvl="2" indent="0" rtl="0">
-              <a:spcBef>
-                <a:spcPts val="0"/>
-              </a:spcBef>
-              <a:buFont typeface="Calibri"/>
-              <a:buNone/>
-              <a:defRPr sz="1000"/>
-            </a:lvl3pPr>
-            <a:lvl4pPr marL="1371600" lvl="3" indent="0" rtl="0">
-              <a:spcBef>
-                <a:spcPts val="0"/>
-              </a:spcBef>
-              <a:buFont typeface="Calibri"/>
-              <a:buNone/>
-              <a:defRPr sz="900"/>
-            </a:lvl4pPr>
-            <a:lvl5pPr marL="1828800" lvl="4" indent="0" rtl="0">
-              <a:spcBef>
-                <a:spcPts val="0"/>
-              </a:spcBef>
-              <a:buFont typeface="Calibri"/>
-              <a:buNone/>
-              <a:defRPr sz="900"/>
-            </a:lvl5pPr>
-            <a:lvl6pPr marL="2286000" lvl="5" indent="0" rtl="0">
-              <a:spcBef>
-                <a:spcPts val="0"/>
-              </a:spcBef>
-              <a:buFont typeface="Calibri"/>
-              <a:buNone/>
-              <a:defRPr sz="900"/>
-            </a:lvl6pPr>
-            <a:lvl7pPr marL="2743200" lvl="6" indent="0" rtl="0">
-              <a:spcBef>
-                <a:spcPts val="0"/>
-              </a:spcBef>
-              <a:buFont typeface="Calibri"/>
-              <a:buNone/>
-              <a:defRPr sz="900"/>
-            </a:lvl7pPr>
-            <a:lvl8pPr marL="3200400" lvl="7" indent="0" rtl="0">
-              <a:spcBef>
-                <a:spcPts val="0"/>
-              </a:spcBef>
-              <a:buFont typeface="Calibri"/>
-              <a:buNone/>
-              <a:defRPr sz="900"/>
-            </a:lvl8pPr>
-            <a:lvl9pPr marL="3657600" lvl="8" indent="0" rtl="0">
-              <a:spcBef>
-                <a:spcPts val="0"/>
-              </a:spcBef>
-              <a:buFont typeface="Calibri"/>
-              <a:buNone/>
-              <a:defRPr sz="900"/>
-            </a:lvl9pPr>
-          </a:lstStyle>
-          <a:p>
-            <a:endParaRPr/>
-          </a:p>
-        </p:txBody>
-      </p:sp>
-      <p:sp>
-        <p:nvSpPr>
-          <p:cNvPr id="137" name="Shape 137"/>
-          <p:cNvSpPr txBox="1">
-            <a:spLocks noGrp="1"/>
-          </p:cNvSpPr>
-          <p:nvPr>
-            <p:ph type="dt" idx="10"/>
-          </p:nvPr>
-        </p:nvSpPr>
-        <p:spPr>
-          <a:xfrm>
-            <a:off x="457200" y="6356350"/>
-            <a:ext cx="2133600" cy="365100"/>
-          </a:xfrm>
-          <a:prstGeom prst="rect">
-            <a:avLst/>
-          </a:prstGeom>
-          <a:noFill/>
-          <a:ln>
-            <a:noFill/>
-          </a:ln>
-        </p:spPr>
-        <p:txBody>
-          <a:bodyPr lIns="91425" tIns="91425" rIns="91425" bIns="91425" anchor="ctr" anchorCtr="0"/>
-          <a:lstStyle>
-            <a:lvl1pPr marL="0" marR="0" lvl="0" indent="0" algn="l" rtl="0">
-              <a:spcBef>
-                <a:spcPts val="0"/>
-              </a:spcBef>
-              <a:defRPr sz="1200" b="0" i="0" u="none" strike="noStrike" cap="none">
-                <a:solidFill>
-                  <a:srgbClr val="888888"/>
-                </a:solidFill>
-                <a:latin typeface="Calibri"/>
-                <a:ea typeface="Calibri"/>
-                <a:cs typeface="Calibri"/>
-                <a:sym typeface="Calibri"/>
-              </a:defRPr>
-            </a:lvl1pPr>
-            <a:lvl2pPr marL="457200" marR="0" lvl="1" indent="0" algn="l" rtl="0">
-              <a:spcBef>
-                <a:spcPts val="0"/>
-              </a:spcBef>
-              <a:defRPr sz="1800" b="0" i="0" u="none" strike="noStrike" cap="none">
-                <a:solidFill>
-                  <a:schemeClr val="dk1"/>
-                </a:solidFill>
-                <a:latin typeface="Calibri"/>
-                <a:ea typeface="Calibri"/>
-                <a:cs typeface="Calibri"/>
-                <a:sym typeface="Calibri"/>
-              </a:defRPr>
-            </a:lvl2pPr>
-            <a:lvl3pPr marL="914400" marR="0" lvl="2" indent="0" algn="l" rtl="0">
-              <a:spcBef>
-                <a:spcPts val="0"/>
-              </a:spcBef>
-              <a:defRPr sz="1800" b="0" i="0" u="none" strike="noStrike" cap="none">
-                <a:solidFill>
-                  <a:schemeClr val="dk1"/>
-                </a:solidFill>
-                <a:latin typeface="Calibri"/>
-                <a:ea typeface="Calibri"/>
-                <a:cs typeface="Calibri"/>
-                <a:sym typeface="Calibri"/>
-              </a:defRPr>
-            </a:lvl3pPr>
-            <a:lvl4pPr marL="1371600" marR="0" lvl="3" indent="0" algn="l" rtl="0">
-              <a:spcBef>
-                <a:spcPts val="0"/>
-              </a:spcBef>
-              <a:defRPr sz="1800" b="0" i="0" u="none" strike="noStrike" cap="none">
-                <a:solidFill>
-                  <a:schemeClr val="dk1"/>
-                </a:solidFill>
-                <a:latin typeface="Calibri"/>
-                <a:ea typeface="Calibri"/>
-                <a:cs typeface="Calibri"/>
-                <a:sym typeface="Calibri"/>
-              </a:defRPr>
-            </a:lvl4pPr>
-            <a:lvl5pPr marL="1828800" marR="0" lvl="4" indent="0" algn="l" rtl="0">
-              <a:spcBef>
-                <a:spcPts val="0"/>
-              </a:spcBef>
-              <a:defRPr sz="1800" b="0" i="0" u="none" strike="noStrike" cap="none">
-                <a:solidFill>
-                  <a:schemeClr val="dk1"/>
-                </a:solidFill>
-                <a:latin typeface="Calibri"/>
-                <a:ea typeface="Calibri"/>
-                <a:cs typeface="Calibri"/>
-                <a:sym typeface="Calibri"/>
-              </a:defRPr>
-            </a:lvl5pPr>
-            <a:lvl6pPr marL="2286000" marR="0" lvl="5" indent="0" algn="l" rtl="0">
-              <a:spcBef>
-                <a:spcPts val="0"/>
-              </a:spcBef>
-              <a:defRPr sz="1800" b="0" i="0" u="none" strike="noStrike" cap="none">
-                <a:solidFill>
-                  <a:schemeClr val="dk1"/>
-                </a:solidFill>
-                <a:latin typeface="Calibri"/>
-                <a:ea typeface="Calibri"/>
-                <a:cs typeface="Calibri"/>
-                <a:sym typeface="Calibri"/>
-              </a:defRPr>
-            </a:lvl6pPr>
-            <a:lvl7pPr marL="2743200" marR="0" lvl="6" indent="0" algn="l" rtl="0">
-              <a:spcBef>
-                <a:spcPts val="0"/>
-              </a:spcBef>
-              <a:defRPr sz="1800" b="0" i="0" u="none" strike="noStrike" cap="none">
-                <a:solidFill>
-                  <a:schemeClr val="dk1"/>
-                </a:solidFill>
-                <a:latin typeface="Calibri"/>
-                <a:ea typeface="Calibri"/>
-                <a:cs typeface="Calibri"/>
-                <a:sym typeface="Calibri"/>
-              </a:defRPr>
-            </a:lvl7pPr>
-            <a:lvl8pPr marL="3200400" marR="0" lvl="7" indent="0" algn="l" rtl="0">
-              <a:spcBef>
-                <a:spcPts val="0"/>
-              </a:spcBef>
-              <a:defRPr sz="1800" b="0" i="0" u="none" strike="noStrike" cap="none">
-                <a:solidFill>
-                  <a:schemeClr val="dk1"/>
-                </a:solidFill>
-                <a:latin typeface="Calibri"/>
-                <a:ea typeface="Calibri"/>
-                <a:cs typeface="Calibri"/>
-                <a:sym typeface="Calibri"/>
-              </a:defRPr>
-            </a:lvl8pPr>
-            <a:lvl9pPr marL="3657600" marR="0" lvl="8" indent="0" algn="l" rtl="0">
-              <a:spcBef>
-                <a:spcPts val="0"/>
-              </a:spcBef>
-              <a:defRPr sz="1800" b="0" i="0" u="none" strike="noStrike" cap="none">
-                <a:solidFill>
-                  <a:schemeClr val="dk1"/>
-                </a:solidFill>
-                <a:latin typeface="Calibri"/>
-                <a:ea typeface="Calibri"/>
-                <a:cs typeface="Calibri"/>
-                <a:sym typeface="Calibri"/>
-              </a:defRPr>
-            </a:lvl9pPr>
-          </a:lstStyle>
-          <a:p>
-            <a:endParaRPr/>
-          </a:p>
-        </p:txBody>
-      </p:sp>
-      <p:sp>
-        <p:nvSpPr>
-          <p:cNvPr id="138" name="Shape 138"/>
-          <p:cNvSpPr txBox="1">
-            <a:spLocks noGrp="1"/>
-          </p:cNvSpPr>
-          <p:nvPr>
-            <p:ph type="ftr" idx="11"/>
-          </p:nvPr>
-        </p:nvSpPr>
-        <p:spPr>
-          <a:xfrm>
-            <a:off x="3124200" y="6356350"/>
-            <a:ext cx="2895600" cy="365100"/>
-          </a:xfrm>
-          <a:prstGeom prst="rect">
-            <a:avLst/>
-          </a:prstGeom>
-          <a:noFill/>
-          <a:ln>
-            <a:noFill/>
-          </a:ln>
-        </p:spPr>
-        <p:txBody>
-          <a:bodyPr lIns="91425" tIns="91425" rIns="91425" bIns="91425" anchor="ctr" anchorCtr="0"/>
-          <a:lstStyle>
-            <a:lvl1pPr marL="0" marR="0" lvl="0" indent="0" algn="ctr" rtl="0">
-              <a:spcBef>
-                <a:spcPts val="0"/>
-              </a:spcBef>
-              <a:defRPr sz="1200" b="0" i="0" u="none" strike="noStrike" cap="none">
-                <a:solidFill>
-                  <a:srgbClr val="888888"/>
-                </a:solidFill>
-                <a:latin typeface="Calibri"/>
-                <a:ea typeface="Calibri"/>
-                <a:cs typeface="Calibri"/>
-                <a:sym typeface="Calibri"/>
-              </a:defRPr>
-            </a:lvl1pPr>
-            <a:lvl2pPr marL="457200" marR="0" lvl="1" indent="0" algn="l" rtl="0">
-              <a:spcBef>
-                <a:spcPts val="0"/>
-              </a:spcBef>
-              <a:defRPr sz="1800" b="0" i="0" u="none" strike="noStrike" cap="none">
-                <a:solidFill>
-                  <a:schemeClr val="dk1"/>
-                </a:solidFill>
-                <a:latin typeface="Calibri"/>
-                <a:ea typeface="Calibri"/>
-                <a:cs typeface="Calibri"/>
-                <a:sym typeface="Calibri"/>
-              </a:defRPr>
-            </a:lvl2pPr>
-            <a:lvl3pPr marL="914400" marR="0" lvl="2" indent="0" algn="l" rtl="0">
-              <a:spcBef>
-                <a:spcPts val="0"/>
-              </a:spcBef>
-              <a:defRPr sz="1800" b="0" i="0" u="none" strike="noStrike" cap="none">
-                <a:solidFill>
-                  <a:schemeClr val="dk1"/>
-                </a:solidFill>
-                <a:latin typeface="Calibri"/>
-                <a:ea typeface="Calibri"/>
-                <a:cs typeface="Calibri"/>
-                <a:sym typeface="Calibri"/>
-              </a:defRPr>
-            </a:lvl3pPr>
-            <a:lvl4pPr marL="1371600" marR="0" lvl="3" indent="0" algn="l" rtl="0">
-              <a:spcBef>
-                <a:spcPts val="0"/>
-              </a:spcBef>
-              <a:defRPr sz="1800" b="0" i="0" u="none" strike="noStrike" cap="none">
-                <a:solidFill>
-                  <a:schemeClr val="dk1"/>
-                </a:solidFill>
-                <a:latin typeface="Calibri"/>
-                <a:ea typeface="Calibri"/>
-                <a:cs typeface="Calibri"/>
-                <a:sym typeface="Calibri"/>
-              </a:defRPr>
-            </a:lvl4pPr>
-            <a:lvl5pPr marL="1828800" marR="0" lvl="4" indent="0" algn="l" rtl="0">
-              <a:spcBef>
-                <a:spcPts val="0"/>
-              </a:spcBef>
-              <a:defRPr sz="1800" b="0" i="0" u="none" strike="noStrike" cap="none">
-                <a:solidFill>
-                  <a:schemeClr val="dk1"/>
-                </a:solidFill>
-                <a:latin typeface="Calibri"/>
-                <a:ea typeface="Calibri"/>
-                <a:cs typeface="Calibri"/>
-                <a:sym typeface="Calibri"/>
-              </a:defRPr>
-            </a:lvl5pPr>
-            <a:lvl6pPr marL="2286000" marR="0" lvl="5" indent="0" algn="l" rtl="0">
-              <a:spcBef>
-                <a:spcPts val="0"/>
-              </a:spcBef>
-              <a:defRPr sz="1800" b="0" i="0" u="none" strike="noStrike" cap="none">
-                <a:solidFill>
-                  <a:schemeClr val="dk1"/>
-                </a:solidFill>
-                <a:latin typeface="Calibri"/>
-                <a:ea typeface="Calibri"/>
-                <a:cs typeface="Calibri"/>
-                <a:sym typeface="Calibri"/>
-              </a:defRPr>
-            </a:lvl6pPr>
-            <a:lvl7pPr marL="2743200" marR="0" lvl="6" indent="0" algn="l" rtl="0">
-              <a:spcBef>
-                <a:spcPts val="0"/>
-              </a:spcBef>
-              <a:defRPr sz="1800" b="0" i="0" u="none" strike="noStrike" cap="none">
-                <a:solidFill>
-                  <a:schemeClr val="dk1"/>
-                </a:solidFill>
-                <a:latin typeface="Calibri"/>
-                <a:ea typeface="Calibri"/>
-                <a:cs typeface="Calibri"/>
-                <a:sym typeface="Calibri"/>
-              </a:defRPr>
-            </a:lvl7pPr>
-            <a:lvl8pPr marL="3200400" marR="0" lvl="7" indent="0" algn="l" rtl="0">
-              <a:spcBef>
-                <a:spcPts val="0"/>
-              </a:spcBef>
-              <a:defRPr sz="1800" b="0" i="0" u="none" strike="noStrike" cap="none">
-                <a:solidFill>
-                  <a:schemeClr val="dk1"/>
-                </a:solidFill>
-                <a:latin typeface="Calibri"/>
-                <a:ea typeface="Calibri"/>
-                <a:cs typeface="Calibri"/>
-                <a:sym typeface="Calibri"/>
-              </a:defRPr>
-            </a:lvl8pPr>
-            <a:lvl9pPr marL="3657600" marR="0" lvl="8" indent="0" algn="l" rtl="0">
-              <a:spcBef>
-                <a:spcPts val="0"/>
-              </a:spcBef>
-              <a:defRPr sz="1800" b="0" i="0" u="none" strike="noStrike" cap="none">
-                <a:solidFill>
-                  <a:schemeClr val="dk1"/>
-                </a:solidFill>
-                <a:latin typeface="Calibri"/>
-                <a:ea typeface="Calibri"/>
-                <a:cs typeface="Calibri"/>
-                <a:sym typeface="Calibri"/>
-              </a:defRPr>
-            </a:lvl9pPr>
-          </a:lstStyle>
-          <a:p>
-            <a:endParaRPr/>
-          </a:p>
-        </p:txBody>
-      </p:sp>
-      <p:sp>
-        <p:nvSpPr>
-          <p:cNvPr id="139" name="Shape 139"/>
-          <p:cNvSpPr txBox="1">
-            <a:spLocks noGrp="1"/>
-          </p:cNvSpPr>
-          <p:nvPr>
-            <p:ph type="sldNum" idx="12"/>
-          </p:nvPr>
-        </p:nvSpPr>
-        <p:spPr>
-          <a:xfrm>
-            <a:off x="6553200" y="6356350"/>
-            <a:ext cx="2133600" cy="365100"/>
-          </a:xfrm>
-          <a:prstGeom prst="rect">
-            <a:avLst/>
-          </a:prstGeom>
-          <a:noFill/>
-          <a:ln>
-            <a:noFill/>
-          </a:ln>
-        </p:spPr>
-        <p:txBody>
-          <a:bodyPr lIns="91425" tIns="45700" rIns="91425" bIns="45700" anchor="ctr" anchorCtr="0">
-            <a:noAutofit/>
-          </a:bodyPr>
-          <a:lstStyle/>
-          <a:p>
-            <a:pPr marL="0" marR="0" lvl="0" indent="0" algn="r" rtl="0">
-              <a:spcBef>
-                <a:spcPts val="0"/>
-              </a:spcBef>
-              <a:buSzPct val="25000"/>
-              <a:buNone/>
-            </a:pPr>
-            <a:fld id="{00000000-1234-1234-1234-123412341234}" type="slidenum">
-              <a:rPr lang="en-US" sz="1200" b="0" i="0" u="none" strike="noStrike" cap="none">
-                <a:solidFill>
-                  <a:srgbClr val="888888"/>
-                </a:solidFill>
-                <a:latin typeface="Calibri"/>
-                <a:ea typeface="Calibri"/>
-                <a:cs typeface="Calibri"/>
-                <a:sym typeface="Calibri"/>
-              </a:rPr>
-              <a:t>‹#›</a:t>
-            </a:fld>
-            <a:endParaRPr lang="en-US" sz="1200" b="0" i="0" u="none" strike="noStrike" cap="none">
-              <a:solidFill>
-                <a:srgbClr val="888888"/>
-              </a:solidFill>
-              <a:latin typeface="Calibri"/>
-              <a:ea typeface="Calibri"/>
-              <a:cs typeface="Calibri"/>
-              <a:sym typeface="Calibri"/>
-            </a:endParaRPr>
-          </a:p>
-        </p:txBody>
-      </p:sp>
-    </p:spTree>
-  </p:cSld>
-  <p:clrMapOvr>
-    <a:masterClrMapping/>
-  </p:clrMapOvr>
-</p:sldLayout>
-</file>
-
-<file path=ppt/slideLayouts/slideLayout19.xml><?xml version="1.0" encoding="utf-8"?>
-<p:sldLayout xmlns:a="http://schemas.openxmlformats.org/drawingml/2006/main" xmlns:r="http://schemas.openxmlformats.org/officeDocument/2006/relationships" xmlns:p="http://schemas.openxmlformats.org/presentationml/2006/main" type="picTx">
-  <p:cSld name="Picture with Caption">
-    <p:spTree>
-      <p:nvGrpSpPr>
-        <p:cNvPr id="1" name="Shape 140"/>
-        <p:cNvGrpSpPr/>
-        <p:nvPr/>
-      </p:nvGrpSpPr>
-      <p:grpSpPr>
-        <a:xfrm>
-          <a:off x="0" y="0"/>
-          <a:ext cx="0" cy="0"/>
-          <a:chOff x="0" y="0"/>
-          <a:chExt cx="0" cy="0"/>
-        </a:xfrm>
-      </p:grpSpPr>
-      <p:sp>
-        <p:nvSpPr>
-          <p:cNvPr id="141" name="Shape 141"/>
-          <p:cNvSpPr txBox="1">
-            <a:spLocks noGrp="1"/>
-          </p:cNvSpPr>
-          <p:nvPr>
-            <p:ph type="title"/>
-          </p:nvPr>
-        </p:nvSpPr>
-        <p:spPr>
-          <a:xfrm>
-            <a:off x="1792288" y="4800600"/>
-            <a:ext cx="5486400" cy="566700"/>
-          </a:xfrm>
-          <a:prstGeom prst="rect">
-            <a:avLst/>
-          </a:prstGeom>
-          <a:noFill/>
-          <a:ln>
-            <a:noFill/>
-          </a:ln>
-        </p:spPr>
-        <p:txBody>
-          <a:bodyPr lIns="91425" tIns="91425" rIns="91425" bIns="91425" anchor="b" anchorCtr="0"/>
-          <a:lstStyle>
-            <a:lvl1pPr lvl="0" algn="l" rtl="0">
-              <a:spcBef>
-                <a:spcPts val="0"/>
-              </a:spcBef>
-              <a:defRPr sz="2000" b="1"/>
-            </a:lvl1pPr>
-            <a:lvl2pPr lvl="1" rtl="0">
-              <a:spcBef>
-                <a:spcPts val="0"/>
-              </a:spcBef>
-              <a:defRPr/>
-            </a:lvl2pPr>
-            <a:lvl3pPr lvl="2" rtl="0">
-              <a:spcBef>
-                <a:spcPts val="0"/>
-              </a:spcBef>
-              <a:defRPr/>
-            </a:lvl3pPr>
-            <a:lvl4pPr lvl="3" rtl="0">
-              <a:spcBef>
-                <a:spcPts val="0"/>
-              </a:spcBef>
-              <a:defRPr/>
-            </a:lvl4pPr>
-            <a:lvl5pPr lvl="4" rtl="0">
-              <a:spcBef>
-                <a:spcPts val="0"/>
-              </a:spcBef>
-              <a:defRPr/>
-            </a:lvl5pPr>
-            <a:lvl6pPr lvl="5" rtl="0">
-              <a:spcBef>
-                <a:spcPts val="0"/>
-              </a:spcBef>
-              <a:defRPr/>
-            </a:lvl6pPr>
-            <a:lvl7pPr lvl="6" rtl="0">
-              <a:spcBef>
-                <a:spcPts val="0"/>
-              </a:spcBef>
-              <a:defRPr/>
-            </a:lvl7pPr>
-            <a:lvl8pPr lvl="7" rtl="0">
-              <a:spcBef>
-                <a:spcPts val="0"/>
-              </a:spcBef>
-              <a:defRPr/>
-            </a:lvl8pPr>
-            <a:lvl9pPr lvl="8" rtl="0">
-              <a:spcBef>
-                <a:spcPts val="0"/>
-              </a:spcBef>
-              <a:defRPr/>
-            </a:lvl9pPr>
-          </a:lstStyle>
-          <a:p>
-            <a:endParaRPr/>
-          </a:p>
-        </p:txBody>
-      </p:sp>
-      <p:sp>
-        <p:nvSpPr>
-          <p:cNvPr id="142" name="Shape 142"/>
-          <p:cNvSpPr>
-            <a:spLocks noGrp="1"/>
-          </p:cNvSpPr>
-          <p:nvPr>
-            <p:ph type="pic" idx="2"/>
-          </p:nvPr>
-        </p:nvSpPr>
-        <p:spPr>
-          <a:xfrm>
-            <a:off x="1792288" y="612775"/>
-            <a:ext cx="5486400" cy="4114800"/>
-          </a:xfrm>
-          <a:prstGeom prst="rect">
-            <a:avLst/>
-          </a:prstGeom>
-          <a:noFill/>
-          <a:ln>
-            <a:noFill/>
-          </a:ln>
-        </p:spPr>
-        <p:txBody>
-          <a:bodyPr lIns="91425" tIns="91425" rIns="91425" bIns="91425" anchor="ctr" anchorCtr="0"/>
-          <a:lstStyle>
-            <a:lvl1pPr marL="0" marR="0" lvl="0" indent="0" algn="l" rtl="0">
-              <a:spcBef>
-                <a:spcPts val="0"/>
-              </a:spcBef>
-              <a:buClr>
-                <a:srgbClr val="888888"/>
-              </a:buClr>
-              <a:buFont typeface="Calibri"/>
-              <a:buNone/>
-              <a:defRPr sz="3200" b="0" i="0" u="none" strike="noStrike" cap="none">
-                <a:solidFill>
-                  <a:srgbClr val="888888"/>
-                </a:solidFill>
-                <a:latin typeface="Calibri"/>
-                <a:ea typeface="Calibri"/>
-                <a:cs typeface="Calibri"/>
-                <a:sym typeface="Calibri"/>
-              </a:defRPr>
-            </a:lvl1pPr>
-            <a:lvl2pPr marL="457200" marR="0" lvl="1" indent="0" algn="l" rtl="0">
-              <a:spcBef>
-                <a:spcPts val="0"/>
-              </a:spcBef>
-              <a:buClr>
-                <a:schemeClr val="dk1"/>
-              </a:buClr>
-              <a:buFont typeface="Calibri"/>
-              <a:buNone/>
-              <a:defRPr sz="2800" b="0" i="0" u="none" strike="noStrike" cap="none">
-                <a:solidFill>
-                  <a:schemeClr val="dk1"/>
-                </a:solidFill>
-                <a:latin typeface="Calibri"/>
-                <a:ea typeface="Calibri"/>
-                <a:cs typeface="Calibri"/>
-                <a:sym typeface="Calibri"/>
-              </a:defRPr>
-            </a:lvl2pPr>
-            <a:lvl3pPr marL="914400" marR="0" lvl="2" indent="0" algn="l" rtl="0">
-              <a:spcBef>
-                <a:spcPts val="0"/>
-              </a:spcBef>
-              <a:buClr>
-                <a:schemeClr val="dk1"/>
-              </a:buClr>
-              <a:buFont typeface="Calibri"/>
-              <a:buNone/>
-              <a:defRPr sz="2400" b="0" i="0" u="none" strike="noStrike" cap="none">
-                <a:solidFill>
-                  <a:schemeClr val="dk1"/>
-                </a:solidFill>
-                <a:latin typeface="Calibri"/>
-                <a:ea typeface="Calibri"/>
-                <a:cs typeface="Calibri"/>
-                <a:sym typeface="Calibri"/>
-              </a:defRPr>
-            </a:lvl3pPr>
-            <a:lvl4pPr marL="1371600" marR="0" lvl="3" indent="0" algn="l" rtl="0">
-              <a:spcBef>
-                <a:spcPts val="0"/>
-              </a:spcBef>
-              <a:buClr>
-                <a:schemeClr val="dk1"/>
-              </a:buClr>
-              <a:buFont typeface="Calibri"/>
-              <a:buNone/>
-              <a:defRPr sz="2000" b="0" i="0" u="none" strike="noStrike" cap="none">
-                <a:solidFill>
-                  <a:schemeClr val="dk1"/>
-                </a:solidFill>
-                <a:latin typeface="Calibri"/>
-                <a:ea typeface="Calibri"/>
-                <a:cs typeface="Calibri"/>
-                <a:sym typeface="Calibri"/>
-              </a:defRPr>
-            </a:lvl4pPr>
-            <a:lvl5pPr marL="1828800" marR="0" lvl="4" indent="0" algn="l" rtl="0">
-              <a:spcBef>
-                <a:spcPts val="0"/>
-              </a:spcBef>
-              <a:buClr>
-                <a:schemeClr val="dk1"/>
-              </a:buClr>
-              <a:buFont typeface="Calibri"/>
-              <a:buNone/>
-              <a:defRPr sz="2000" b="0" i="0" u="none" strike="noStrike" cap="none">
-                <a:solidFill>
-                  <a:schemeClr val="dk1"/>
-                </a:solidFill>
-                <a:latin typeface="Calibri"/>
-                <a:ea typeface="Calibri"/>
-                <a:cs typeface="Calibri"/>
-                <a:sym typeface="Calibri"/>
-              </a:defRPr>
-            </a:lvl5pPr>
-            <a:lvl6pPr marL="2286000" marR="0" lvl="5" indent="0" algn="l" rtl="0">
-              <a:spcBef>
-                <a:spcPts val="0"/>
-              </a:spcBef>
-              <a:buClr>
-                <a:schemeClr val="dk1"/>
-              </a:buClr>
-              <a:buFont typeface="Calibri"/>
-              <a:buNone/>
-              <a:defRPr sz="2000" b="0" i="0" u="none" strike="noStrike" cap="none">
-                <a:solidFill>
-                  <a:schemeClr val="dk1"/>
-                </a:solidFill>
-                <a:latin typeface="Calibri"/>
-                <a:ea typeface="Calibri"/>
-                <a:cs typeface="Calibri"/>
-                <a:sym typeface="Calibri"/>
-              </a:defRPr>
-            </a:lvl6pPr>
-            <a:lvl7pPr marL="2743200" marR="0" lvl="6" indent="0" algn="l" rtl="0">
-              <a:spcBef>
-                <a:spcPts val="0"/>
-              </a:spcBef>
-              <a:buClr>
-                <a:schemeClr val="dk1"/>
-              </a:buClr>
-              <a:buFont typeface="Calibri"/>
-              <a:buNone/>
-              <a:defRPr sz="2000" b="0" i="0" u="none" strike="noStrike" cap="none">
-                <a:solidFill>
-                  <a:schemeClr val="dk1"/>
-                </a:solidFill>
-                <a:latin typeface="Calibri"/>
-                <a:ea typeface="Calibri"/>
-                <a:cs typeface="Calibri"/>
-                <a:sym typeface="Calibri"/>
-              </a:defRPr>
-            </a:lvl7pPr>
-            <a:lvl8pPr marL="3200400" marR="0" lvl="7" indent="0" algn="l" rtl="0">
-              <a:spcBef>
-                <a:spcPts val="0"/>
-              </a:spcBef>
-              <a:buClr>
-                <a:schemeClr val="dk1"/>
-              </a:buClr>
-              <a:buFont typeface="Calibri"/>
-              <a:buNone/>
-              <a:defRPr sz="2000" b="0" i="0" u="none" strike="noStrike" cap="none">
-                <a:solidFill>
-                  <a:schemeClr val="dk1"/>
-                </a:solidFill>
-                <a:latin typeface="Calibri"/>
-                <a:ea typeface="Calibri"/>
-                <a:cs typeface="Calibri"/>
-                <a:sym typeface="Calibri"/>
-              </a:defRPr>
-            </a:lvl8pPr>
-            <a:lvl9pPr marL="3657600" marR="0" lvl="8" indent="0" algn="l" rtl="0">
-              <a:spcBef>
-                <a:spcPts val="0"/>
-              </a:spcBef>
-              <a:buClr>
-                <a:schemeClr val="dk1"/>
-              </a:buClr>
-              <a:buFont typeface="Calibri"/>
-              <a:buNone/>
-              <a:defRPr sz="2000" b="0" i="0" u="none" strike="noStrike" cap="none">
-                <a:solidFill>
-                  <a:schemeClr val="dk1"/>
-                </a:solidFill>
-                <a:latin typeface="Calibri"/>
-                <a:ea typeface="Calibri"/>
-                <a:cs typeface="Calibri"/>
-                <a:sym typeface="Calibri"/>
-              </a:defRPr>
-            </a:lvl9pPr>
-          </a:lstStyle>
-          <a:p>
-            <a:endParaRPr/>
-          </a:p>
-        </p:txBody>
-      </p:sp>
-      <p:sp>
-        <p:nvSpPr>
-          <p:cNvPr id="143" name="Shape 143"/>
-          <p:cNvSpPr txBox="1">
-            <a:spLocks noGrp="1"/>
-          </p:cNvSpPr>
-          <p:nvPr>
-            <p:ph type="body" idx="1"/>
-          </p:nvPr>
-        </p:nvSpPr>
-        <p:spPr>
-          <a:xfrm>
-            <a:off x="1792288" y="5367337"/>
-            <a:ext cx="5486400" cy="804900"/>
-          </a:xfrm>
-          <a:prstGeom prst="rect">
-            <a:avLst/>
-          </a:prstGeom>
-          <a:noFill/>
-          <a:ln>
-            <a:noFill/>
-          </a:ln>
-        </p:spPr>
-        <p:txBody>
-          <a:bodyPr lIns="91425" tIns="91425" rIns="91425" bIns="91425" anchor="t" anchorCtr="0"/>
-          <a:lstStyle>
-            <a:lvl1pPr marL="0" lvl="0" indent="0" rtl="0">
-              <a:spcBef>
-                <a:spcPts val="0"/>
-              </a:spcBef>
-              <a:buFont typeface="Calibri"/>
-              <a:buNone/>
-              <a:defRPr sz="1400"/>
-            </a:lvl1pPr>
-            <a:lvl2pPr marL="457200" lvl="1" indent="0" rtl="0">
-              <a:spcBef>
-                <a:spcPts val="0"/>
-              </a:spcBef>
-              <a:buFont typeface="Calibri"/>
-              <a:buNone/>
-              <a:defRPr sz="1200"/>
-            </a:lvl2pPr>
-            <a:lvl3pPr marL="914400" lvl="2" indent="0" rtl="0">
-              <a:spcBef>
-                <a:spcPts val="0"/>
-              </a:spcBef>
-              <a:buFont typeface="Calibri"/>
-              <a:buNone/>
-              <a:defRPr sz="1000"/>
-            </a:lvl3pPr>
-            <a:lvl4pPr marL="1371600" lvl="3" indent="0" rtl="0">
-              <a:spcBef>
-                <a:spcPts val="0"/>
-              </a:spcBef>
-              <a:buFont typeface="Calibri"/>
-              <a:buNone/>
-              <a:defRPr sz="900"/>
-            </a:lvl4pPr>
-            <a:lvl5pPr marL="1828800" lvl="4" indent="0" rtl="0">
-              <a:spcBef>
-                <a:spcPts val="0"/>
-              </a:spcBef>
-              <a:buFont typeface="Calibri"/>
-              <a:buNone/>
-              <a:defRPr sz="900"/>
-            </a:lvl5pPr>
-            <a:lvl6pPr marL="2286000" lvl="5" indent="0" rtl="0">
-              <a:spcBef>
-                <a:spcPts val="0"/>
-              </a:spcBef>
-              <a:buFont typeface="Calibri"/>
-              <a:buNone/>
-              <a:defRPr sz="900"/>
-            </a:lvl6pPr>
-            <a:lvl7pPr marL="2743200" lvl="6" indent="0" rtl="0">
-              <a:spcBef>
-                <a:spcPts val="0"/>
-              </a:spcBef>
-              <a:buFont typeface="Calibri"/>
-              <a:buNone/>
-              <a:defRPr sz="900"/>
-            </a:lvl7pPr>
-            <a:lvl8pPr marL="3200400" lvl="7" indent="0" rtl="0">
-              <a:spcBef>
-                <a:spcPts val="0"/>
-              </a:spcBef>
-              <a:buFont typeface="Calibri"/>
-              <a:buNone/>
-              <a:defRPr sz="900"/>
-            </a:lvl8pPr>
-            <a:lvl9pPr marL="3657600" lvl="8" indent="0" rtl="0">
-              <a:spcBef>
-                <a:spcPts val="0"/>
-              </a:spcBef>
-              <a:buFont typeface="Calibri"/>
-              <a:buNone/>
-              <a:defRPr sz="900"/>
-            </a:lvl9pPr>
-          </a:lstStyle>
-          <a:p>
-            <a:endParaRPr/>
-          </a:p>
-        </p:txBody>
-      </p:sp>
-      <p:sp>
-        <p:nvSpPr>
-          <p:cNvPr id="144" name="Shape 144"/>
-          <p:cNvSpPr txBox="1">
-            <a:spLocks noGrp="1"/>
-          </p:cNvSpPr>
-          <p:nvPr>
-            <p:ph type="dt" idx="10"/>
-          </p:nvPr>
-        </p:nvSpPr>
-        <p:spPr>
-          <a:xfrm>
-            <a:off x="457200" y="6356350"/>
-            <a:ext cx="2133600" cy="365100"/>
-          </a:xfrm>
-          <a:prstGeom prst="rect">
-            <a:avLst/>
-          </a:prstGeom>
-          <a:noFill/>
-          <a:ln>
-            <a:noFill/>
-          </a:ln>
-        </p:spPr>
-        <p:txBody>
-          <a:bodyPr lIns="91425" tIns="91425" rIns="91425" bIns="91425" anchor="ctr" anchorCtr="0"/>
-          <a:lstStyle>
-            <a:lvl1pPr marL="0" marR="0" lvl="0" indent="0" algn="l" rtl="0">
-              <a:spcBef>
-                <a:spcPts val="0"/>
-              </a:spcBef>
-              <a:defRPr sz="1200" b="0" i="0" u="none" strike="noStrike" cap="none">
-                <a:solidFill>
-                  <a:srgbClr val="888888"/>
-                </a:solidFill>
-                <a:latin typeface="Calibri"/>
-                <a:ea typeface="Calibri"/>
-                <a:cs typeface="Calibri"/>
-                <a:sym typeface="Calibri"/>
-              </a:defRPr>
-            </a:lvl1pPr>
-            <a:lvl2pPr marL="457200" marR="0" lvl="1" indent="0" algn="l" rtl="0">
-              <a:spcBef>
-                <a:spcPts val="0"/>
-              </a:spcBef>
-              <a:defRPr sz="1800" b="0" i="0" u="none" strike="noStrike" cap="none">
-                <a:solidFill>
-                  <a:schemeClr val="dk1"/>
-                </a:solidFill>
-                <a:latin typeface="Calibri"/>
-                <a:ea typeface="Calibri"/>
-                <a:cs typeface="Calibri"/>
-                <a:sym typeface="Calibri"/>
-              </a:defRPr>
-            </a:lvl2pPr>
-            <a:lvl3pPr marL="914400" marR="0" lvl="2" indent="0" algn="l" rtl="0">
-              <a:spcBef>
-                <a:spcPts val="0"/>
-              </a:spcBef>
-              <a:defRPr sz="1800" b="0" i="0" u="none" strike="noStrike" cap="none">
-                <a:solidFill>
-                  <a:schemeClr val="dk1"/>
-                </a:solidFill>
-                <a:latin typeface="Calibri"/>
-                <a:ea typeface="Calibri"/>
-                <a:cs typeface="Calibri"/>
-                <a:sym typeface="Calibri"/>
-              </a:defRPr>
-            </a:lvl3pPr>
-            <a:lvl4pPr marL="1371600" marR="0" lvl="3" indent="0" algn="l" rtl="0">
-              <a:spcBef>
-                <a:spcPts val="0"/>
-              </a:spcBef>
-              <a:defRPr sz="1800" b="0" i="0" u="none" strike="noStrike" cap="none">
-                <a:solidFill>
-                  <a:schemeClr val="dk1"/>
-                </a:solidFill>
-                <a:latin typeface="Calibri"/>
-                <a:ea typeface="Calibri"/>
-                <a:cs typeface="Calibri"/>
-                <a:sym typeface="Calibri"/>
-              </a:defRPr>
-            </a:lvl4pPr>
-            <a:lvl5pPr marL="1828800" marR="0" lvl="4" indent="0" algn="l" rtl="0">
-              <a:spcBef>
-                <a:spcPts val="0"/>
-              </a:spcBef>
-              <a:defRPr sz="1800" b="0" i="0" u="none" strike="noStrike" cap="none">
-                <a:solidFill>
-                  <a:schemeClr val="dk1"/>
-                </a:solidFill>
-                <a:latin typeface="Calibri"/>
-                <a:ea typeface="Calibri"/>
-                <a:cs typeface="Calibri"/>
-                <a:sym typeface="Calibri"/>
-              </a:defRPr>
-            </a:lvl5pPr>
-            <a:lvl6pPr marL="2286000" marR="0" lvl="5" indent="0" algn="l" rtl="0">
-              <a:spcBef>
-                <a:spcPts val="0"/>
-              </a:spcBef>
-              <a:defRPr sz="1800" b="0" i="0" u="none" strike="noStrike" cap="none">
-                <a:solidFill>
-                  <a:schemeClr val="dk1"/>
-                </a:solidFill>
-                <a:latin typeface="Calibri"/>
-                <a:ea typeface="Calibri"/>
-                <a:cs typeface="Calibri"/>
-                <a:sym typeface="Calibri"/>
-              </a:defRPr>
-            </a:lvl6pPr>
-            <a:lvl7pPr marL="2743200" marR="0" lvl="6" indent="0" algn="l" rtl="0">
-              <a:spcBef>
-                <a:spcPts val="0"/>
-              </a:spcBef>
-              <a:defRPr sz="1800" b="0" i="0" u="none" strike="noStrike" cap="none">
-                <a:solidFill>
-                  <a:schemeClr val="dk1"/>
-                </a:solidFill>
-                <a:latin typeface="Calibri"/>
-                <a:ea typeface="Calibri"/>
-                <a:cs typeface="Calibri"/>
-                <a:sym typeface="Calibri"/>
-              </a:defRPr>
-            </a:lvl7pPr>
-            <a:lvl8pPr marL="3200400" marR="0" lvl="7" indent="0" algn="l" rtl="0">
-              <a:spcBef>
-                <a:spcPts val="0"/>
-              </a:spcBef>
-              <a:defRPr sz="1800" b="0" i="0" u="none" strike="noStrike" cap="none">
-                <a:solidFill>
-                  <a:schemeClr val="dk1"/>
-                </a:solidFill>
-                <a:latin typeface="Calibri"/>
-                <a:ea typeface="Calibri"/>
-                <a:cs typeface="Calibri"/>
-                <a:sym typeface="Calibri"/>
-              </a:defRPr>
-            </a:lvl8pPr>
-            <a:lvl9pPr marL="3657600" marR="0" lvl="8" indent="0" algn="l" rtl="0">
-              <a:spcBef>
-                <a:spcPts val="0"/>
-              </a:spcBef>
-              <a:defRPr sz="1800" b="0" i="0" u="none" strike="noStrike" cap="none">
-                <a:solidFill>
-                  <a:schemeClr val="dk1"/>
-                </a:solidFill>
-                <a:latin typeface="Calibri"/>
-                <a:ea typeface="Calibri"/>
-                <a:cs typeface="Calibri"/>
-                <a:sym typeface="Calibri"/>
-              </a:defRPr>
-            </a:lvl9pPr>
-          </a:lstStyle>
-          <a:p>
-            <a:endParaRPr/>
-          </a:p>
-        </p:txBody>
-      </p:sp>
-      <p:sp>
-        <p:nvSpPr>
-          <p:cNvPr id="145" name="Shape 145"/>
-          <p:cNvSpPr txBox="1">
-            <a:spLocks noGrp="1"/>
-          </p:cNvSpPr>
-          <p:nvPr>
-            <p:ph type="ftr" idx="11"/>
-          </p:nvPr>
-        </p:nvSpPr>
-        <p:spPr>
-          <a:xfrm>
-            <a:off x="3124200" y="6356350"/>
-            <a:ext cx="2895600" cy="365100"/>
-          </a:xfrm>
-          <a:prstGeom prst="rect">
-            <a:avLst/>
-          </a:prstGeom>
-          <a:noFill/>
-          <a:ln>
-            <a:noFill/>
-          </a:ln>
-        </p:spPr>
-        <p:txBody>
-          <a:bodyPr lIns="91425" tIns="91425" rIns="91425" bIns="91425" anchor="ctr" anchorCtr="0"/>
-          <a:lstStyle>
-            <a:lvl1pPr marL="0" marR="0" lvl="0" indent="0" algn="ctr" rtl="0">
-              <a:spcBef>
-                <a:spcPts val="0"/>
-              </a:spcBef>
-              <a:defRPr sz="1200" b="0" i="0" u="none" strike="noStrike" cap="none">
-                <a:solidFill>
-                  <a:srgbClr val="888888"/>
-                </a:solidFill>
-                <a:latin typeface="Calibri"/>
-                <a:ea typeface="Calibri"/>
-                <a:cs typeface="Calibri"/>
-                <a:sym typeface="Calibri"/>
-              </a:defRPr>
-            </a:lvl1pPr>
-            <a:lvl2pPr marL="457200" marR="0" lvl="1" indent="0" algn="l" rtl="0">
-              <a:spcBef>
-                <a:spcPts val="0"/>
-              </a:spcBef>
-              <a:defRPr sz="1800" b="0" i="0" u="none" strike="noStrike" cap="none">
-                <a:solidFill>
-                  <a:schemeClr val="dk1"/>
-                </a:solidFill>
-                <a:latin typeface="Calibri"/>
-                <a:ea typeface="Calibri"/>
-                <a:cs typeface="Calibri"/>
-                <a:sym typeface="Calibri"/>
-              </a:defRPr>
-            </a:lvl2pPr>
-            <a:lvl3pPr marL="914400" marR="0" lvl="2" indent="0" algn="l" rtl="0">
-              <a:spcBef>
-                <a:spcPts val="0"/>
-              </a:spcBef>
-              <a:defRPr sz="1800" b="0" i="0" u="none" strike="noStrike" cap="none">
-                <a:solidFill>
-                  <a:schemeClr val="dk1"/>
-                </a:solidFill>
-                <a:latin typeface="Calibri"/>
-                <a:ea typeface="Calibri"/>
-                <a:cs typeface="Calibri"/>
-                <a:sym typeface="Calibri"/>
-              </a:defRPr>
-            </a:lvl3pPr>
-            <a:lvl4pPr marL="1371600" marR="0" lvl="3" indent="0" algn="l" rtl="0">
-              <a:spcBef>
-                <a:spcPts val="0"/>
-              </a:spcBef>
-              <a:defRPr sz="1800" b="0" i="0" u="none" strike="noStrike" cap="none">
-                <a:solidFill>
-                  <a:schemeClr val="dk1"/>
-                </a:solidFill>
-                <a:latin typeface="Calibri"/>
-                <a:ea typeface="Calibri"/>
-                <a:cs typeface="Calibri"/>
-                <a:sym typeface="Calibri"/>
-              </a:defRPr>
-            </a:lvl4pPr>
-            <a:lvl5pPr marL="1828800" marR="0" lvl="4" indent="0" algn="l" rtl="0">
-              <a:spcBef>
-                <a:spcPts val="0"/>
-              </a:spcBef>
-              <a:defRPr sz="1800" b="0" i="0" u="none" strike="noStrike" cap="none">
-                <a:solidFill>
-                  <a:schemeClr val="dk1"/>
-                </a:solidFill>
-                <a:latin typeface="Calibri"/>
-                <a:ea typeface="Calibri"/>
-                <a:cs typeface="Calibri"/>
-                <a:sym typeface="Calibri"/>
-              </a:defRPr>
-            </a:lvl5pPr>
-            <a:lvl6pPr marL="2286000" marR="0" lvl="5" indent="0" algn="l" rtl="0">
-              <a:spcBef>
-                <a:spcPts val="0"/>
-              </a:spcBef>
-              <a:defRPr sz="1800" b="0" i="0" u="none" strike="noStrike" cap="none">
-                <a:solidFill>
-                  <a:schemeClr val="dk1"/>
-                </a:solidFill>
-                <a:latin typeface="Calibri"/>
-                <a:ea typeface="Calibri"/>
-                <a:cs typeface="Calibri"/>
-                <a:sym typeface="Calibri"/>
-              </a:defRPr>
-            </a:lvl6pPr>
-            <a:lvl7pPr marL="2743200" marR="0" lvl="6" indent="0" algn="l" rtl="0">
-              <a:spcBef>
-                <a:spcPts val="0"/>
-              </a:spcBef>
-              <a:defRPr sz="1800" b="0" i="0" u="none" strike="noStrike" cap="none">
-                <a:solidFill>
-                  <a:schemeClr val="dk1"/>
-                </a:solidFill>
-                <a:latin typeface="Calibri"/>
-                <a:ea typeface="Calibri"/>
-                <a:cs typeface="Calibri"/>
-                <a:sym typeface="Calibri"/>
-              </a:defRPr>
-            </a:lvl7pPr>
-            <a:lvl8pPr marL="3200400" marR="0" lvl="7" indent="0" algn="l" rtl="0">
-              <a:spcBef>
-                <a:spcPts val="0"/>
-              </a:spcBef>
-              <a:defRPr sz="1800" b="0" i="0" u="none" strike="noStrike" cap="none">
-                <a:solidFill>
-                  <a:schemeClr val="dk1"/>
-                </a:solidFill>
-                <a:latin typeface="Calibri"/>
-                <a:ea typeface="Calibri"/>
-                <a:cs typeface="Calibri"/>
-                <a:sym typeface="Calibri"/>
-              </a:defRPr>
-            </a:lvl8pPr>
-            <a:lvl9pPr marL="3657600" marR="0" lvl="8" indent="0" algn="l" rtl="0">
-              <a:spcBef>
-                <a:spcPts val="0"/>
-              </a:spcBef>
-              <a:defRPr sz="1800" b="0" i="0" u="none" strike="noStrike" cap="none">
-                <a:solidFill>
-                  <a:schemeClr val="dk1"/>
-                </a:solidFill>
-                <a:latin typeface="Calibri"/>
-                <a:ea typeface="Calibri"/>
-                <a:cs typeface="Calibri"/>
-                <a:sym typeface="Calibri"/>
-              </a:defRPr>
-            </a:lvl9pPr>
-          </a:lstStyle>
-          <a:p>
-            <a:endParaRPr/>
-          </a:p>
-        </p:txBody>
-      </p:sp>
-      <p:sp>
-        <p:nvSpPr>
-          <p:cNvPr id="146" name="Shape 146"/>
-          <p:cNvSpPr txBox="1">
-            <a:spLocks noGrp="1"/>
-          </p:cNvSpPr>
-          <p:nvPr>
-            <p:ph type="sldNum" idx="12"/>
-          </p:nvPr>
-        </p:nvSpPr>
-        <p:spPr>
-          <a:xfrm>
-            <a:off x="6553200" y="6356350"/>
-            <a:ext cx="2133600" cy="365100"/>
-          </a:xfrm>
-          <a:prstGeom prst="rect">
-            <a:avLst/>
-          </a:prstGeom>
-          <a:noFill/>
-          <a:ln>
-            <a:noFill/>
-          </a:ln>
-        </p:spPr>
-        <p:txBody>
-          <a:bodyPr lIns="91425" tIns="45700" rIns="91425" bIns="45700" anchor="ctr" anchorCtr="0">
-            <a:noAutofit/>
-          </a:bodyPr>
-          <a:lstStyle/>
-          <a:p>
-            <a:pPr marL="0" marR="0" lvl="0" indent="0" algn="r" rtl="0">
-              <a:spcBef>
-                <a:spcPts val="0"/>
-              </a:spcBef>
-              <a:buSzPct val="25000"/>
-              <a:buNone/>
-            </a:pPr>
-            <a:fld id="{00000000-1234-1234-1234-123412341234}" type="slidenum">
-              <a:rPr lang="en-US" sz="1200" b="0" i="0" u="none" strike="noStrike" cap="none">
-                <a:solidFill>
-                  <a:srgbClr val="888888"/>
-                </a:solidFill>
-                <a:latin typeface="Calibri"/>
-                <a:ea typeface="Calibri"/>
-                <a:cs typeface="Calibri"/>
-                <a:sym typeface="Calibri"/>
-              </a:rPr>
-              <a:t>‹#›</a:t>
-            </a:fld>
-            <a:endParaRPr lang="en-US" sz="1200" b="0" i="0" u="none" strike="noStrike" cap="none">
-              <a:solidFill>
-                <a:srgbClr val="888888"/>
-              </a:solidFill>
-              <a:latin typeface="Calibri"/>
-              <a:ea typeface="Calibri"/>
-              <a:cs typeface="Calibri"/>
-              <a:sym typeface="Calibri"/>
-            </a:endParaRPr>
-          </a:p>
-        </p:txBody>
-      </p:sp>
-    </p:spTree>
-  </p:cSld>
-  <p:clrMapOvr>
-    <a:masterClrMapping/>
-  </p:clrMapOvr>
-</p:sldLayout>
-</file>
-
 <file path=ppt/slideLayouts/slideLayout2.xml><?xml version="1.0" encoding="utf-8"?>
 <p:sldLayout xmlns:a="http://schemas.openxmlformats.org/drawingml/2006/main" xmlns:r="http://schemas.openxmlformats.org/officeDocument/2006/relationships" xmlns:p="http://schemas.openxmlformats.org/presentationml/2006/main" type="obj">
   <p:cSld name="Title and Content">
@@ -9540,1412 +4086,6 @@
           <a:xfrm>
             <a:off x="6553200" y="6356350"/>
             <a:ext cx="2133599" cy="365125"/>
-          </a:xfrm>
-          <a:prstGeom prst="rect">
-            <a:avLst/>
-          </a:prstGeom>
-          <a:noFill/>
-          <a:ln>
-            <a:noFill/>
-          </a:ln>
-        </p:spPr>
-        <p:txBody>
-          <a:bodyPr lIns="91425" tIns="45700" rIns="91425" bIns="45700" anchor="ctr" anchorCtr="0">
-            <a:noAutofit/>
-          </a:bodyPr>
-          <a:lstStyle/>
-          <a:p>
-            <a:pPr marL="0" marR="0" lvl="0" indent="0" algn="r" rtl="0">
-              <a:spcBef>
-                <a:spcPts val="0"/>
-              </a:spcBef>
-              <a:buSzPct val="25000"/>
-              <a:buNone/>
-            </a:pPr>
-            <a:fld id="{00000000-1234-1234-1234-123412341234}" type="slidenum">
-              <a:rPr lang="en-US" sz="1200" b="0" i="0" u="none" strike="noStrike" cap="none">
-                <a:solidFill>
-                  <a:srgbClr val="888888"/>
-                </a:solidFill>
-                <a:latin typeface="Calibri"/>
-                <a:ea typeface="Calibri"/>
-                <a:cs typeface="Calibri"/>
-                <a:sym typeface="Calibri"/>
-              </a:rPr>
-              <a:t>‹#›</a:t>
-            </a:fld>
-            <a:endParaRPr lang="en-US" sz="1200" b="0" i="0" u="none" strike="noStrike" cap="none">
-              <a:solidFill>
-                <a:srgbClr val="888888"/>
-              </a:solidFill>
-              <a:latin typeface="Calibri"/>
-              <a:ea typeface="Calibri"/>
-              <a:cs typeface="Calibri"/>
-              <a:sym typeface="Calibri"/>
-            </a:endParaRPr>
-          </a:p>
-        </p:txBody>
-      </p:sp>
-    </p:spTree>
-  </p:cSld>
-  <p:clrMapOvr>
-    <a:masterClrMapping/>
-  </p:clrMapOvr>
-</p:sldLayout>
-</file>
-
-<file path=ppt/slideLayouts/slideLayout20.xml><?xml version="1.0" encoding="utf-8"?>
-<p:sldLayout xmlns:a="http://schemas.openxmlformats.org/drawingml/2006/main" xmlns:r="http://schemas.openxmlformats.org/officeDocument/2006/relationships" xmlns:p="http://schemas.openxmlformats.org/presentationml/2006/main" type="vertTx">
-  <p:cSld name="Title and Vertical Text">
-    <p:spTree>
-      <p:nvGrpSpPr>
-        <p:cNvPr id="1" name="Shape 147"/>
-        <p:cNvGrpSpPr/>
-        <p:nvPr/>
-      </p:nvGrpSpPr>
-      <p:grpSpPr>
-        <a:xfrm>
-          <a:off x="0" y="0"/>
-          <a:ext cx="0" cy="0"/>
-          <a:chOff x="0" y="0"/>
-          <a:chExt cx="0" cy="0"/>
-        </a:xfrm>
-      </p:grpSpPr>
-      <p:sp>
-        <p:nvSpPr>
-          <p:cNvPr id="148" name="Shape 148"/>
-          <p:cNvSpPr txBox="1">
-            <a:spLocks noGrp="1"/>
-          </p:cNvSpPr>
-          <p:nvPr>
-            <p:ph type="title"/>
-          </p:nvPr>
-        </p:nvSpPr>
-        <p:spPr>
-          <a:xfrm>
-            <a:off x="457200" y="274637"/>
-            <a:ext cx="8229600" cy="1143000"/>
-          </a:xfrm>
-          <a:prstGeom prst="rect">
-            <a:avLst/>
-          </a:prstGeom>
-          <a:noFill/>
-          <a:ln>
-            <a:noFill/>
-          </a:ln>
-        </p:spPr>
-        <p:txBody>
-          <a:bodyPr lIns="91425" tIns="91425" rIns="91425" bIns="91425" anchor="ctr" anchorCtr="0"/>
-          <a:lstStyle>
-            <a:lvl1pPr lvl="0" algn="ctr" rtl="0">
-              <a:spcBef>
-                <a:spcPts val="0"/>
-              </a:spcBef>
-              <a:buClr>
-                <a:schemeClr val="dk1"/>
-              </a:buClr>
-              <a:buFont typeface="Calibri"/>
-              <a:buNone/>
-              <a:defRPr sz="4400">
-                <a:solidFill>
-                  <a:schemeClr val="dk1"/>
-                </a:solidFill>
-                <a:latin typeface="Calibri"/>
-                <a:ea typeface="Calibri"/>
-                <a:cs typeface="Calibri"/>
-                <a:sym typeface="Calibri"/>
-              </a:defRPr>
-            </a:lvl1pPr>
-            <a:lvl2pPr lvl="1" rtl="0">
-              <a:spcBef>
-                <a:spcPts val="0"/>
-              </a:spcBef>
-              <a:defRPr/>
-            </a:lvl2pPr>
-            <a:lvl3pPr lvl="2" rtl="0">
-              <a:spcBef>
-                <a:spcPts val="0"/>
-              </a:spcBef>
-              <a:defRPr/>
-            </a:lvl3pPr>
-            <a:lvl4pPr lvl="3" rtl="0">
-              <a:spcBef>
-                <a:spcPts val="0"/>
-              </a:spcBef>
-              <a:defRPr/>
-            </a:lvl4pPr>
-            <a:lvl5pPr lvl="4" rtl="0">
-              <a:spcBef>
-                <a:spcPts val="0"/>
-              </a:spcBef>
-              <a:defRPr/>
-            </a:lvl5pPr>
-            <a:lvl6pPr lvl="5" rtl="0">
-              <a:spcBef>
-                <a:spcPts val="0"/>
-              </a:spcBef>
-              <a:defRPr/>
-            </a:lvl6pPr>
-            <a:lvl7pPr lvl="6" rtl="0">
-              <a:spcBef>
-                <a:spcPts val="0"/>
-              </a:spcBef>
-              <a:defRPr/>
-            </a:lvl7pPr>
-            <a:lvl8pPr lvl="7" rtl="0">
-              <a:spcBef>
-                <a:spcPts val="0"/>
-              </a:spcBef>
-              <a:defRPr/>
-            </a:lvl8pPr>
-            <a:lvl9pPr lvl="8" rtl="0">
-              <a:spcBef>
-                <a:spcPts val="0"/>
-              </a:spcBef>
-              <a:defRPr/>
-            </a:lvl9pPr>
-          </a:lstStyle>
-          <a:p>
-            <a:endParaRPr/>
-          </a:p>
-        </p:txBody>
-      </p:sp>
-      <p:sp>
-        <p:nvSpPr>
-          <p:cNvPr id="149" name="Shape 149"/>
-          <p:cNvSpPr txBox="1">
-            <a:spLocks noGrp="1"/>
-          </p:cNvSpPr>
-          <p:nvPr>
-            <p:ph type="body" idx="1"/>
-          </p:nvPr>
-        </p:nvSpPr>
-        <p:spPr>
-          <a:xfrm rot="5400000">
-            <a:off x="2308950" y="-251550"/>
-            <a:ext cx="4526100" cy="8229600"/>
-          </a:xfrm>
-          <a:prstGeom prst="rect">
-            <a:avLst/>
-          </a:prstGeom>
-          <a:noFill/>
-          <a:ln>
-            <a:noFill/>
-          </a:ln>
-        </p:spPr>
-        <p:txBody>
-          <a:bodyPr lIns="91425" tIns="91425" rIns="91425" bIns="91425" anchor="t" anchorCtr="0"/>
-          <a:lstStyle>
-            <a:lvl1pPr marL="342900" lvl="0" indent="-139700" algn="l" rtl="0">
-              <a:spcBef>
-                <a:spcPts val="640"/>
-              </a:spcBef>
-              <a:buClr>
-                <a:schemeClr val="dk1"/>
-              </a:buClr>
-              <a:buFont typeface="Arial"/>
-              <a:buChar char="•"/>
-              <a:defRPr sz="3200">
-                <a:solidFill>
-                  <a:schemeClr val="dk1"/>
-                </a:solidFill>
-                <a:latin typeface="Calibri"/>
-                <a:ea typeface="Calibri"/>
-                <a:cs typeface="Calibri"/>
-                <a:sym typeface="Calibri"/>
-              </a:defRPr>
-            </a:lvl1pPr>
-            <a:lvl2pPr marL="742950" lvl="1" indent="-107950" algn="l" rtl="0">
-              <a:spcBef>
-                <a:spcPts val="560"/>
-              </a:spcBef>
-              <a:buClr>
-                <a:schemeClr val="dk1"/>
-              </a:buClr>
-              <a:buFont typeface="Arial"/>
-              <a:buChar char="–"/>
-              <a:defRPr sz="2800">
-                <a:solidFill>
-                  <a:schemeClr val="dk1"/>
-                </a:solidFill>
-                <a:latin typeface="Calibri"/>
-                <a:ea typeface="Calibri"/>
-                <a:cs typeface="Calibri"/>
-                <a:sym typeface="Calibri"/>
-              </a:defRPr>
-            </a:lvl2pPr>
-            <a:lvl3pPr marL="1143000" lvl="2" indent="-76200" algn="l" rtl="0">
-              <a:spcBef>
-                <a:spcPts val="480"/>
-              </a:spcBef>
-              <a:buClr>
-                <a:schemeClr val="dk1"/>
-              </a:buClr>
-              <a:buFont typeface="Arial"/>
-              <a:buChar char="•"/>
-              <a:defRPr sz="2400">
-                <a:solidFill>
-                  <a:schemeClr val="dk1"/>
-                </a:solidFill>
-                <a:latin typeface="Calibri"/>
-                <a:ea typeface="Calibri"/>
-                <a:cs typeface="Calibri"/>
-                <a:sym typeface="Calibri"/>
-              </a:defRPr>
-            </a:lvl3pPr>
-            <a:lvl4pPr marL="1600200" lvl="3" indent="-101600" algn="l" rtl="0">
-              <a:spcBef>
-                <a:spcPts val="400"/>
-              </a:spcBef>
-              <a:buClr>
-                <a:schemeClr val="dk1"/>
-              </a:buClr>
-              <a:buFont typeface="Arial"/>
-              <a:buChar char="–"/>
-              <a:defRPr sz="2000">
-                <a:solidFill>
-                  <a:schemeClr val="dk1"/>
-                </a:solidFill>
-                <a:latin typeface="Calibri"/>
-                <a:ea typeface="Calibri"/>
-                <a:cs typeface="Calibri"/>
-                <a:sym typeface="Calibri"/>
-              </a:defRPr>
-            </a:lvl4pPr>
-            <a:lvl5pPr marL="2057400" lvl="4" indent="-101600" algn="l" rtl="0">
-              <a:spcBef>
-                <a:spcPts val="400"/>
-              </a:spcBef>
-              <a:buClr>
-                <a:schemeClr val="dk1"/>
-              </a:buClr>
-              <a:buFont typeface="Arial"/>
-              <a:buChar char="»"/>
-              <a:defRPr sz="2000">
-                <a:solidFill>
-                  <a:schemeClr val="dk1"/>
-                </a:solidFill>
-                <a:latin typeface="Calibri"/>
-                <a:ea typeface="Calibri"/>
-                <a:cs typeface="Calibri"/>
-                <a:sym typeface="Calibri"/>
-              </a:defRPr>
-            </a:lvl5pPr>
-            <a:lvl6pPr marL="2514600" lvl="5" indent="-101600" algn="l" rtl="0">
-              <a:spcBef>
-                <a:spcPts val="400"/>
-              </a:spcBef>
-              <a:buClr>
-                <a:schemeClr val="dk1"/>
-              </a:buClr>
-              <a:buFont typeface="Arial"/>
-              <a:buChar char="•"/>
-              <a:defRPr sz="2000">
-                <a:solidFill>
-                  <a:schemeClr val="dk1"/>
-                </a:solidFill>
-                <a:latin typeface="Calibri"/>
-                <a:ea typeface="Calibri"/>
-                <a:cs typeface="Calibri"/>
-                <a:sym typeface="Calibri"/>
-              </a:defRPr>
-            </a:lvl6pPr>
-            <a:lvl7pPr marL="2971800" lvl="6" indent="-101600" algn="l" rtl="0">
-              <a:spcBef>
-                <a:spcPts val="400"/>
-              </a:spcBef>
-              <a:buClr>
-                <a:schemeClr val="dk1"/>
-              </a:buClr>
-              <a:buFont typeface="Arial"/>
-              <a:buChar char="•"/>
-              <a:defRPr sz="2000">
-                <a:solidFill>
-                  <a:schemeClr val="dk1"/>
-                </a:solidFill>
-                <a:latin typeface="Calibri"/>
-                <a:ea typeface="Calibri"/>
-                <a:cs typeface="Calibri"/>
-                <a:sym typeface="Calibri"/>
-              </a:defRPr>
-            </a:lvl7pPr>
-            <a:lvl8pPr marL="3429000" lvl="7" indent="-101600" algn="l" rtl="0">
-              <a:spcBef>
-                <a:spcPts val="400"/>
-              </a:spcBef>
-              <a:buClr>
-                <a:schemeClr val="dk1"/>
-              </a:buClr>
-              <a:buFont typeface="Arial"/>
-              <a:buChar char="•"/>
-              <a:defRPr sz="2000">
-                <a:solidFill>
-                  <a:schemeClr val="dk1"/>
-                </a:solidFill>
-                <a:latin typeface="Calibri"/>
-                <a:ea typeface="Calibri"/>
-                <a:cs typeface="Calibri"/>
-                <a:sym typeface="Calibri"/>
-              </a:defRPr>
-            </a:lvl8pPr>
-            <a:lvl9pPr marL="3886200" lvl="8" indent="-101600" algn="l" rtl="0">
-              <a:spcBef>
-                <a:spcPts val="400"/>
-              </a:spcBef>
-              <a:buClr>
-                <a:schemeClr val="dk1"/>
-              </a:buClr>
-              <a:buFont typeface="Arial"/>
-              <a:buChar char="•"/>
-              <a:defRPr sz="2000">
-                <a:solidFill>
-                  <a:schemeClr val="dk1"/>
-                </a:solidFill>
-                <a:latin typeface="Calibri"/>
-                <a:ea typeface="Calibri"/>
-                <a:cs typeface="Calibri"/>
-                <a:sym typeface="Calibri"/>
-              </a:defRPr>
-            </a:lvl9pPr>
-          </a:lstStyle>
-          <a:p>
-            <a:endParaRPr/>
-          </a:p>
-        </p:txBody>
-      </p:sp>
-      <p:sp>
-        <p:nvSpPr>
-          <p:cNvPr id="150" name="Shape 150"/>
-          <p:cNvSpPr txBox="1">
-            <a:spLocks noGrp="1"/>
-          </p:cNvSpPr>
-          <p:nvPr>
-            <p:ph type="dt" idx="10"/>
-          </p:nvPr>
-        </p:nvSpPr>
-        <p:spPr>
-          <a:xfrm>
-            <a:off x="457200" y="6356350"/>
-            <a:ext cx="2133600" cy="365100"/>
-          </a:xfrm>
-          <a:prstGeom prst="rect">
-            <a:avLst/>
-          </a:prstGeom>
-          <a:noFill/>
-          <a:ln>
-            <a:noFill/>
-          </a:ln>
-        </p:spPr>
-        <p:txBody>
-          <a:bodyPr lIns="91425" tIns="91425" rIns="91425" bIns="91425" anchor="ctr" anchorCtr="0"/>
-          <a:lstStyle>
-            <a:lvl1pPr marL="0" marR="0" lvl="0" indent="0" algn="l" rtl="0">
-              <a:spcBef>
-                <a:spcPts val="0"/>
-              </a:spcBef>
-              <a:defRPr sz="1200" b="0" i="0" u="none" strike="noStrike" cap="none">
-                <a:solidFill>
-                  <a:srgbClr val="888888"/>
-                </a:solidFill>
-                <a:latin typeface="Calibri"/>
-                <a:ea typeface="Calibri"/>
-                <a:cs typeface="Calibri"/>
-                <a:sym typeface="Calibri"/>
-              </a:defRPr>
-            </a:lvl1pPr>
-            <a:lvl2pPr marL="457200" marR="0" lvl="1" indent="0" algn="l" rtl="0">
-              <a:spcBef>
-                <a:spcPts val="0"/>
-              </a:spcBef>
-              <a:defRPr sz="1800" b="0" i="0" u="none" strike="noStrike" cap="none">
-                <a:solidFill>
-                  <a:schemeClr val="dk1"/>
-                </a:solidFill>
-                <a:latin typeface="Calibri"/>
-                <a:ea typeface="Calibri"/>
-                <a:cs typeface="Calibri"/>
-                <a:sym typeface="Calibri"/>
-              </a:defRPr>
-            </a:lvl2pPr>
-            <a:lvl3pPr marL="914400" marR="0" lvl="2" indent="0" algn="l" rtl="0">
-              <a:spcBef>
-                <a:spcPts val="0"/>
-              </a:spcBef>
-              <a:defRPr sz="1800" b="0" i="0" u="none" strike="noStrike" cap="none">
-                <a:solidFill>
-                  <a:schemeClr val="dk1"/>
-                </a:solidFill>
-                <a:latin typeface="Calibri"/>
-                <a:ea typeface="Calibri"/>
-                <a:cs typeface="Calibri"/>
-                <a:sym typeface="Calibri"/>
-              </a:defRPr>
-            </a:lvl3pPr>
-            <a:lvl4pPr marL="1371600" marR="0" lvl="3" indent="0" algn="l" rtl="0">
-              <a:spcBef>
-                <a:spcPts val="0"/>
-              </a:spcBef>
-              <a:defRPr sz="1800" b="0" i="0" u="none" strike="noStrike" cap="none">
-                <a:solidFill>
-                  <a:schemeClr val="dk1"/>
-                </a:solidFill>
-                <a:latin typeface="Calibri"/>
-                <a:ea typeface="Calibri"/>
-                <a:cs typeface="Calibri"/>
-                <a:sym typeface="Calibri"/>
-              </a:defRPr>
-            </a:lvl4pPr>
-            <a:lvl5pPr marL="1828800" marR="0" lvl="4" indent="0" algn="l" rtl="0">
-              <a:spcBef>
-                <a:spcPts val="0"/>
-              </a:spcBef>
-              <a:defRPr sz="1800" b="0" i="0" u="none" strike="noStrike" cap="none">
-                <a:solidFill>
-                  <a:schemeClr val="dk1"/>
-                </a:solidFill>
-                <a:latin typeface="Calibri"/>
-                <a:ea typeface="Calibri"/>
-                <a:cs typeface="Calibri"/>
-                <a:sym typeface="Calibri"/>
-              </a:defRPr>
-            </a:lvl5pPr>
-            <a:lvl6pPr marL="2286000" marR="0" lvl="5" indent="0" algn="l" rtl="0">
-              <a:spcBef>
-                <a:spcPts val="0"/>
-              </a:spcBef>
-              <a:defRPr sz="1800" b="0" i="0" u="none" strike="noStrike" cap="none">
-                <a:solidFill>
-                  <a:schemeClr val="dk1"/>
-                </a:solidFill>
-                <a:latin typeface="Calibri"/>
-                <a:ea typeface="Calibri"/>
-                <a:cs typeface="Calibri"/>
-                <a:sym typeface="Calibri"/>
-              </a:defRPr>
-            </a:lvl6pPr>
-            <a:lvl7pPr marL="2743200" marR="0" lvl="6" indent="0" algn="l" rtl="0">
-              <a:spcBef>
-                <a:spcPts val="0"/>
-              </a:spcBef>
-              <a:defRPr sz="1800" b="0" i="0" u="none" strike="noStrike" cap="none">
-                <a:solidFill>
-                  <a:schemeClr val="dk1"/>
-                </a:solidFill>
-                <a:latin typeface="Calibri"/>
-                <a:ea typeface="Calibri"/>
-                <a:cs typeface="Calibri"/>
-                <a:sym typeface="Calibri"/>
-              </a:defRPr>
-            </a:lvl7pPr>
-            <a:lvl8pPr marL="3200400" marR="0" lvl="7" indent="0" algn="l" rtl="0">
-              <a:spcBef>
-                <a:spcPts val="0"/>
-              </a:spcBef>
-              <a:defRPr sz="1800" b="0" i="0" u="none" strike="noStrike" cap="none">
-                <a:solidFill>
-                  <a:schemeClr val="dk1"/>
-                </a:solidFill>
-                <a:latin typeface="Calibri"/>
-                <a:ea typeface="Calibri"/>
-                <a:cs typeface="Calibri"/>
-                <a:sym typeface="Calibri"/>
-              </a:defRPr>
-            </a:lvl8pPr>
-            <a:lvl9pPr marL="3657600" marR="0" lvl="8" indent="0" algn="l" rtl="0">
-              <a:spcBef>
-                <a:spcPts val="0"/>
-              </a:spcBef>
-              <a:defRPr sz="1800" b="0" i="0" u="none" strike="noStrike" cap="none">
-                <a:solidFill>
-                  <a:schemeClr val="dk1"/>
-                </a:solidFill>
-                <a:latin typeface="Calibri"/>
-                <a:ea typeface="Calibri"/>
-                <a:cs typeface="Calibri"/>
-                <a:sym typeface="Calibri"/>
-              </a:defRPr>
-            </a:lvl9pPr>
-          </a:lstStyle>
-          <a:p>
-            <a:endParaRPr/>
-          </a:p>
-        </p:txBody>
-      </p:sp>
-      <p:sp>
-        <p:nvSpPr>
-          <p:cNvPr id="151" name="Shape 151"/>
-          <p:cNvSpPr txBox="1">
-            <a:spLocks noGrp="1"/>
-          </p:cNvSpPr>
-          <p:nvPr>
-            <p:ph type="ftr" idx="11"/>
-          </p:nvPr>
-        </p:nvSpPr>
-        <p:spPr>
-          <a:xfrm>
-            <a:off x="3124200" y="6356350"/>
-            <a:ext cx="2895600" cy="365100"/>
-          </a:xfrm>
-          <a:prstGeom prst="rect">
-            <a:avLst/>
-          </a:prstGeom>
-          <a:noFill/>
-          <a:ln>
-            <a:noFill/>
-          </a:ln>
-        </p:spPr>
-        <p:txBody>
-          <a:bodyPr lIns="91425" tIns="91425" rIns="91425" bIns="91425" anchor="ctr" anchorCtr="0"/>
-          <a:lstStyle>
-            <a:lvl1pPr marL="0" marR="0" lvl="0" indent="0" algn="ctr" rtl="0">
-              <a:spcBef>
-                <a:spcPts val="0"/>
-              </a:spcBef>
-              <a:defRPr sz="1200" b="0" i="0" u="none" strike="noStrike" cap="none">
-                <a:solidFill>
-                  <a:srgbClr val="888888"/>
-                </a:solidFill>
-                <a:latin typeface="Calibri"/>
-                <a:ea typeface="Calibri"/>
-                <a:cs typeface="Calibri"/>
-                <a:sym typeface="Calibri"/>
-              </a:defRPr>
-            </a:lvl1pPr>
-            <a:lvl2pPr marL="457200" marR="0" lvl="1" indent="0" algn="l" rtl="0">
-              <a:spcBef>
-                <a:spcPts val="0"/>
-              </a:spcBef>
-              <a:defRPr sz="1800" b="0" i="0" u="none" strike="noStrike" cap="none">
-                <a:solidFill>
-                  <a:schemeClr val="dk1"/>
-                </a:solidFill>
-                <a:latin typeface="Calibri"/>
-                <a:ea typeface="Calibri"/>
-                <a:cs typeface="Calibri"/>
-                <a:sym typeface="Calibri"/>
-              </a:defRPr>
-            </a:lvl2pPr>
-            <a:lvl3pPr marL="914400" marR="0" lvl="2" indent="0" algn="l" rtl="0">
-              <a:spcBef>
-                <a:spcPts val="0"/>
-              </a:spcBef>
-              <a:defRPr sz="1800" b="0" i="0" u="none" strike="noStrike" cap="none">
-                <a:solidFill>
-                  <a:schemeClr val="dk1"/>
-                </a:solidFill>
-                <a:latin typeface="Calibri"/>
-                <a:ea typeface="Calibri"/>
-                <a:cs typeface="Calibri"/>
-                <a:sym typeface="Calibri"/>
-              </a:defRPr>
-            </a:lvl3pPr>
-            <a:lvl4pPr marL="1371600" marR="0" lvl="3" indent="0" algn="l" rtl="0">
-              <a:spcBef>
-                <a:spcPts val="0"/>
-              </a:spcBef>
-              <a:defRPr sz="1800" b="0" i="0" u="none" strike="noStrike" cap="none">
-                <a:solidFill>
-                  <a:schemeClr val="dk1"/>
-                </a:solidFill>
-                <a:latin typeface="Calibri"/>
-                <a:ea typeface="Calibri"/>
-                <a:cs typeface="Calibri"/>
-                <a:sym typeface="Calibri"/>
-              </a:defRPr>
-            </a:lvl4pPr>
-            <a:lvl5pPr marL="1828800" marR="0" lvl="4" indent="0" algn="l" rtl="0">
-              <a:spcBef>
-                <a:spcPts val="0"/>
-              </a:spcBef>
-              <a:defRPr sz="1800" b="0" i="0" u="none" strike="noStrike" cap="none">
-                <a:solidFill>
-                  <a:schemeClr val="dk1"/>
-                </a:solidFill>
-                <a:latin typeface="Calibri"/>
-                <a:ea typeface="Calibri"/>
-                <a:cs typeface="Calibri"/>
-                <a:sym typeface="Calibri"/>
-              </a:defRPr>
-            </a:lvl5pPr>
-            <a:lvl6pPr marL="2286000" marR="0" lvl="5" indent="0" algn="l" rtl="0">
-              <a:spcBef>
-                <a:spcPts val="0"/>
-              </a:spcBef>
-              <a:defRPr sz="1800" b="0" i="0" u="none" strike="noStrike" cap="none">
-                <a:solidFill>
-                  <a:schemeClr val="dk1"/>
-                </a:solidFill>
-                <a:latin typeface="Calibri"/>
-                <a:ea typeface="Calibri"/>
-                <a:cs typeface="Calibri"/>
-                <a:sym typeface="Calibri"/>
-              </a:defRPr>
-            </a:lvl6pPr>
-            <a:lvl7pPr marL="2743200" marR="0" lvl="6" indent="0" algn="l" rtl="0">
-              <a:spcBef>
-                <a:spcPts val="0"/>
-              </a:spcBef>
-              <a:defRPr sz="1800" b="0" i="0" u="none" strike="noStrike" cap="none">
-                <a:solidFill>
-                  <a:schemeClr val="dk1"/>
-                </a:solidFill>
-                <a:latin typeface="Calibri"/>
-                <a:ea typeface="Calibri"/>
-                <a:cs typeface="Calibri"/>
-                <a:sym typeface="Calibri"/>
-              </a:defRPr>
-            </a:lvl7pPr>
-            <a:lvl8pPr marL="3200400" marR="0" lvl="7" indent="0" algn="l" rtl="0">
-              <a:spcBef>
-                <a:spcPts val="0"/>
-              </a:spcBef>
-              <a:defRPr sz="1800" b="0" i="0" u="none" strike="noStrike" cap="none">
-                <a:solidFill>
-                  <a:schemeClr val="dk1"/>
-                </a:solidFill>
-                <a:latin typeface="Calibri"/>
-                <a:ea typeface="Calibri"/>
-                <a:cs typeface="Calibri"/>
-                <a:sym typeface="Calibri"/>
-              </a:defRPr>
-            </a:lvl8pPr>
-            <a:lvl9pPr marL="3657600" marR="0" lvl="8" indent="0" algn="l" rtl="0">
-              <a:spcBef>
-                <a:spcPts val="0"/>
-              </a:spcBef>
-              <a:defRPr sz="1800" b="0" i="0" u="none" strike="noStrike" cap="none">
-                <a:solidFill>
-                  <a:schemeClr val="dk1"/>
-                </a:solidFill>
-                <a:latin typeface="Calibri"/>
-                <a:ea typeface="Calibri"/>
-                <a:cs typeface="Calibri"/>
-                <a:sym typeface="Calibri"/>
-              </a:defRPr>
-            </a:lvl9pPr>
-          </a:lstStyle>
-          <a:p>
-            <a:endParaRPr/>
-          </a:p>
-        </p:txBody>
-      </p:sp>
-      <p:sp>
-        <p:nvSpPr>
-          <p:cNvPr id="152" name="Shape 152"/>
-          <p:cNvSpPr txBox="1">
-            <a:spLocks noGrp="1"/>
-          </p:cNvSpPr>
-          <p:nvPr>
-            <p:ph type="sldNum" idx="12"/>
-          </p:nvPr>
-        </p:nvSpPr>
-        <p:spPr>
-          <a:xfrm>
-            <a:off x="6553200" y="6356350"/>
-            <a:ext cx="2133600" cy="365100"/>
-          </a:xfrm>
-          <a:prstGeom prst="rect">
-            <a:avLst/>
-          </a:prstGeom>
-          <a:noFill/>
-          <a:ln>
-            <a:noFill/>
-          </a:ln>
-        </p:spPr>
-        <p:txBody>
-          <a:bodyPr lIns="91425" tIns="45700" rIns="91425" bIns="45700" anchor="ctr" anchorCtr="0">
-            <a:noAutofit/>
-          </a:bodyPr>
-          <a:lstStyle/>
-          <a:p>
-            <a:pPr marL="0" marR="0" lvl="0" indent="0" algn="r" rtl="0">
-              <a:spcBef>
-                <a:spcPts val="0"/>
-              </a:spcBef>
-              <a:buSzPct val="25000"/>
-              <a:buNone/>
-            </a:pPr>
-            <a:fld id="{00000000-1234-1234-1234-123412341234}" type="slidenum">
-              <a:rPr lang="en-US" sz="1200" b="0" i="0" u="none" strike="noStrike" cap="none">
-                <a:solidFill>
-                  <a:srgbClr val="888888"/>
-                </a:solidFill>
-                <a:latin typeface="Calibri"/>
-                <a:ea typeface="Calibri"/>
-                <a:cs typeface="Calibri"/>
-                <a:sym typeface="Calibri"/>
-              </a:rPr>
-              <a:t>‹#›</a:t>
-            </a:fld>
-            <a:endParaRPr lang="en-US" sz="1200" b="0" i="0" u="none" strike="noStrike" cap="none">
-              <a:solidFill>
-                <a:srgbClr val="888888"/>
-              </a:solidFill>
-              <a:latin typeface="Calibri"/>
-              <a:ea typeface="Calibri"/>
-              <a:cs typeface="Calibri"/>
-              <a:sym typeface="Calibri"/>
-            </a:endParaRPr>
-          </a:p>
-        </p:txBody>
-      </p:sp>
-    </p:spTree>
-  </p:cSld>
-  <p:clrMapOvr>
-    <a:masterClrMapping/>
-  </p:clrMapOvr>
-</p:sldLayout>
-</file>
-
-<file path=ppt/slideLayouts/slideLayout21.xml><?xml version="1.0" encoding="utf-8"?>
-<p:sldLayout xmlns:a="http://schemas.openxmlformats.org/drawingml/2006/main" xmlns:r="http://schemas.openxmlformats.org/officeDocument/2006/relationships" xmlns:p="http://schemas.openxmlformats.org/presentationml/2006/main" type="vertTitleAndTx">
-  <p:cSld name="Vertical Title and Text">
-    <p:spTree>
-      <p:nvGrpSpPr>
-        <p:cNvPr id="1" name="Shape 153"/>
-        <p:cNvGrpSpPr/>
-        <p:nvPr/>
-      </p:nvGrpSpPr>
-      <p:grpSpPr>
-        <a:xfrm>
-          <a:off x="0" y="0"/>
-          <a:ext cx="0" cy="0"/>
-          <a:chOff x="0" y="0"/>
-          <a:chExt cx="0" cy="0"/>
-        </a:xfrm>
-      </p:grpSpPr>
-      <p:sp>
-        <p:nvSpPr>
-          <p:cNvPr id="154" name="Shape 154"/>
-          <p:cNvSpPr txBox="1">
-            <a:spLocks noGrp="1"/>
-          </p:cNvSpPr>
-          <p:nvPr>
-            <p:ph type="title"/>
-          </p:nvPr>
-        </p:nvSpPr>
-        <p:spPr>
-          <a:xfrm rot="5400000">
-            <a:off x="4732350" y="2171687"/>
-            <a:ext cx="5851500" cy="2057400"/>
-          </a:xfrm>
-          <a:prstGeom prst="rect">
-            <a:avLst/>
-          </a:prstGeom>
-          <a:noFill/>
-          <a:ln>
-            <a:noFill/>
-          </a:ln>
-        </p:spPr>
-        <p:txBody>
-          <a:bodyPr lIns="91425" tIns="91425" rIns="91425" bIns="91425" anchor="ctr" anchorCtr="0"/>
-          <a:lstStyle>
-            <a:lvl1pPr lvl="0" algn="ctr" rtl="0">
-              <a:spcBef>
-                <a:spcPts val="0"/>
-              </a:spcBef>
-              <a:buClr>
-                <a:schemeClr val="dk1"/>
-              </a:buClr>
-              <a:buFont typeface="Calibri"/>
-              <a:buNone/>
-              <a:defRPr sz="4400">
-                <a:solidFill>
-                  <a:schemeClr val="dk1"/>
-                </a:solidFill>
-                <a:latin typeface="Calibri"/>
-                <a:ea typeface="Calibri"/>
-                <a:cs typeface="Calibri"/>
-                <a:sym typeface="Calibri"/>
-              </a:defRPr>
-            </a:lvl1pPr>
-            <a:lvl2pPr lvl="1" rtl="0">
-              <a:spcBef>
-                <a:spcPts val="0"/>
-              </a:spcBef>
-              <a:defRPr/>
-            </a:lvl2pPr>
-            <a:lvl3pPr lvl="2" rtl="0">
-              <a:spcBef>
-                <a:spcPts val="0"/>
-              </a:spcBef>
-              <a:defRPr/>
-            </a:lvl3pPr>
-            <a:lvl4pPr lvl="3" rtl="0">
-              <a:spcBef>
-                <a:spcPts val="0"/>
-              </a:spcBef>
-              <a:defRPr/>
-            </a:lvl4pPr>
-            <a:lvl5pPr lvl="4" rtl="0">
-              <a:spcBef>
-                <a:spcPts val="0"/>
-              </a:spcBef>
-              <a:defRPr/>
-            </a:lvl5pPr>
-            <a:lvl6pPr lvl="5" rtl="0">
-              <a:spcBef>
-                <a:spcPts val="0"/>
-              </a:spcBef>
-              <a:defRPr/>
-            </a:lvl6pPr>
-            <a:lvl7pPr lvl="6" rtl="0">
-              <a:spcBef>
-                <a:spcPts val="0"/>
-              </a:spcBef>
-              <a:defRPr/>
-            </a:lvl7pPr>
-            <a:lvl8pPr lvl="7" rtl="0">
-              <a:spcBef>
-                <a:spcPts val="0"/>
-              </a:spcBef>
-              <a:defRPr/>
-            </a:lvl8pPr>
-            <a:lvl9pPr lvl="8" rtl="0">
-              <a:spcBef>
-                <a:spcPts val="0"/>
-              </a:spcBef>
-              <a:defRPr/>
-            </a:lvl9pPr>
-          </a:lstStyle>
-          <a:p>
-            <a:endParaRPr/>
-          </a:p>
-        </p:txBody>
-      </p:sp>
-      <p:sp>
-        <p:nvSpPr>
-          <p:cNvPr id="155" name="Shape 155"/>
-          <p:cNvSpPr txBox="1">
-            <a:spLocks noGrp="1"/>
-          </p:cNvSpPr>
-          <p:nvPr>
-            <p:ph type="body" idx="1"/>
-          </p:nvPr>
-        </p:nvSpPr>
-        <p:spPr>
-          <a:xfrm rot="5400000">
-            <a:off x="541350" y="190487"/>
-            <a:ext cx="5851500" cy="6019800"/>
-          </a:xfrm>
-          <a:prstGeom prst="rect">
-            <a:avLst/>
-          </a:prstGeom>
-          <a:noFill/>
-          <a:ln>
-            <a:noFill/>
-          </a:ln>
-        </p:spPr>
-        <p:txBody>
-          <a:bodyPr lIns="91425" tIns="91425" rIns="91425" bIns="91425" anchor="t" anchorCtr="0"/>
-          <a:lstStyle>
-            <a:lvl1pPr marL="342900" lvl="0" indent="-139700" algn="l" rtl="0">
-              <a:spcBef>
-                <a:spcPts val="640"/>
-              </a:spcBef>
-              <a:buClr>
-                <a:schemeClr val="dk1"/>
-              </a:buClr>
-              <a:buFont typeface="Arial"/>
-              <a:buChar char="•"/>
-              <a:defRPr sz="3200">
-                <a:solidFill>
-                  <a:schemeClr val="dk1"/>
-                </a:solidFill>
-                <a:latin typeface="Calibri"/>
-                <a:ea typeface="Calibri"/>
-                <a:cs typeface="Calibri"/>
-                <a:sym typeface="Calibri"/>
-              </a:defRPr>
-            </a:lvl1pPr>
-            <a:lvl2pPr marL="742950" lvl="1" indent="-107950" algn="l" rtl="0">
-              <a:spcBef>
-                <a:spcPts val="560"/>
-              </a:spcBef>
-              <a:buClr>
-                <a:schemeClr val="dk1"/>
-              </a:buClr>
-              <a:buFont typeface="Arial"/>
-              <a:buChar char="–"/>
-              <a:defRPr sz="2800">
-                <a:solidFill>
-                  <a:schemeClr val="dk1"/>
-                </a:solidFill>
-                <a:latin typeface="Calibri"/>
-                <a:ea typeface="Calibri"/>
-                <a:cs typeface="Calibri"/>
-                <a:sym typeface="Calibri"/>
-              </a:defRPr>
-            </a:lvl2pPr>
-            <a:lvl3pPr marL="1143000" lvl="2" indent="-76200" algn="l" rtl="0">
-              <a:spcBef>
-                <a:spcPts val="480"/>
-              </a:spcBef>
-              <a:buClr>
-                <a:schemeClr val="dk1"/>
-              </a:buClr>
-              <a:buFont typeface="Arial"/>
-              <a:buChar char="•"/>
-              <a:defRPr sz="2400">
-                <a:solidFill>
-                  <a:schemeClr val="dk1"/>
-                </a:solidFill>
-                <a:latin typeface="Calibri"/>
-                <a:ea typeface="Calibri"/>
-                <a:cs typeface="Calibri"/>
-                <a:sym typeface="Calibri"/>
-              </a:defRPr>
-            </a:lvl3pPr>
-            <a:lvl4pPr marL="1600200" lvl="3" indent="-101600" algn="l" rtl="0">
-              <a:spcBef>
-                <a:spcPts val="400"/>
-              </a:spcBef>
-              <a:buClr>
-                <a:schemeClr val="dk1"/>
-              </a:buClr>
-              <a:buFont typeface="Arial"/>
-              <a:buChar char="–"/>
-              <a:defRPr sz="2000">
-                <a:solidFill>
-                  <a:schemeClr val="dk1"/>
-                </a:solidFill>
-                <a:latin typeface="Calibri"/>
-                <a:ea typeface="Calibri"/>
-                <a:cs typeface="Calibri"/>
-                <a:sym typeface="Calibri"/>
-              </a:defRPr>
-            </a:lvl4pPr>
-            <a:lvl5pPr marL="2057400" lvl="4" indent="-101600" algn="l" rtl="0">
-              <a:spcBef>
-                <a:spcPts val="400"/>
-              </a:spcBef>
-              <a:buClr>
-                <a:schemeClr val="dk1"/>
-              </a:buClr>
-              <a:buFont typeface="Arial"/>
-              <a:buChar char="»"/>
-              <a:defRPr sz="2000">
-                <a:solidFill>
-                  <a:schemeClr val="dk1"/>
-                </a:solidFill>
-                <a:latin typeface="Calibri"/>
-                <a:ea typeface="Calibri"/>
-                <a:cs typeface="Calibri"/>
-                <a:sym typeface="Calibri"/>
-              </a:defRPr>
-            </a:lvl5pPr>
-            <a:lvl6pPr marL="2514600" lvl="5" indent="-101600" algn="l" rtl="0">
-              <a:spcBef>
-                <a:spcPts val="400"/>
-              </a:spcBef>
-              <a:buClr>
-                <a:schemeClr val="dk1"/>
-              </a:buClr>
-              <a:buFont typeface="Arial"/>
-              <a:buChar char="•"/>
-              <a:defRPr sz="2000">
-                <a:solidFill>
-                  <a:schemeClr val="dk1"/>
-                </a:solidFill>
-                <a:latin typeface="Calibri"/>
-                <a:ea typeface="Calibri"/>
-                <a:cs typeface="Calibri"/>
-                <a:sym typeface="Calibri"/>
-              </a:defRPr>
-            </a:lvl6pPr>
-            <a:lvl7pPr marL="2971800" lvl="6" indent="-101600" algn="l" rtl="0">
-              <a:spcBef>
-                <a:spcPts val="400"/>
-              </a:spcBef>
-              <a:buClr>
-                <a:schemeClr val="dk1"/>
-              </a:buClr>
-              <a:buFont typeface="Arial"/>
-              <a:buChar char="•"/>
-              <a:defRPr sz="2000">
-                <a:solidFill>
-                  <a:schemeClr val="dk1"/>
-                </a:solidFill>
-                <a:latin typeface="Calibri"/>
-                <a:ea typeface="Calibri"/>
-                <a:cs typeface="Calibri"/>
-                <a:sym typeface="Calibri"/>
-              </a:defRPr>
-            </a:lvl7pPr>
-            <a:lvl8pPr marL="3429000" lvl="7" indent="-101600" algn="l" rtl="0">
-              <a:spcBef>
-                <a:spcPts val="400"/>
-              </a:spcBef>
-              <a:buClr>
-                <a:schemeClr val="dk1"/>
-              </a:buClr>
-              <a:buFont typeface="Arial"/>
-              <a:buChar char="•"/>
-              <a:defRPr sz="2000">
-                <a:solidFill>
-                  <a:schemeClr val="dk1"/>
-                </a:solidFill>
-                <a:latin typeface="Calibri"/>
-                <a:ea typeface="Calibri"/>
-                <a:cs typeface="Calibri"/>
-                <a:sym typeface="Calibri"/>
-              </a:defRPr>
-            </a:lvl8pPr>
-            <a:lvl9pPr marL="3886200" lvl="8" indent="-101600" algn="l" rtl="0">
-              <a:spcBef>
-                <a:spcPts val="400"/>
-              </a:spcBef>
-              <a:buClr>
-                <a:schemeClr val="dk1"/>
-              </a:buClr>
-              <a:buFont typeface="Arial"/>
-              <a:buChar char="•"/>
-              <a:defRPr sz="2000">
-                <a:solidFill>
-                  <a:schemeClr val="dk1"/>
-                </a:solidFill>
-                <a:latin typeface="Calibri"/>
-                <a:ea typeface="Calibri"/>
-                <a:cs typeface="Calibri"/>
-                <a:sym typeface="Calibri"/>
-              </a:defRPr>
-            </a:lvl9pPr>
-          </a:lstStyle>
-          <a:p>
-            <a:endParaRPr/>
-          </a:p>
-        </p:txBody>
-      </p:sp>
-      <p:sp>
-        <p:nvSpPr>
-          <p:cNvPr id="156" name="Shape 156"/>
-          <p:cNvSpPr txBox="1">
-            <a:spLocks noGrp="1"/>
-          </p:cNvSpPr>
-          <p:nvPr>
-            <p:ph type="dt" idx="10"/>
-          </p:nvPr>
-        </p:nvSpPr>
-        <p:spPr>
-          <a:xfrm>
-            <a:off x="457200" y="6356350"/>
-            <a:ext cx="2133600" cy="365100"/>
-          </a:xfrm>
-          <a:prstGeom prst="rect">
-            <a:avLst/>
-          </a:prstGeom>
-          <a:noFill/>
-          <a:ln>
-            <a:noFill/>
-          </a:ln>
-        </p:spPr>
-        <p:txBody>
-          <a:bodyPr lIns="91425" tIns="91425" rIns="91425" bIns="91425" anchor="ctr" anchorCtr="0"/>
-          <a:lstStyle>
-            <a:lvl1pPr marL="0" marR="0" lvl="0" indent="0" algn="l" rtl="0">
-              <a:spcBef>
-                <a:spcPts val="0"/>
-              </a:spcBef>
-              <a:defRPr sz="1200" b="0" i="0" u="none" strike="noStrike" cap="none">
-                <a:solidFill>
-                  <a:srgbClr val="888888"/>
-                </a:solidFill>
-                <a:latin typeface="Calibri"/>
-                <a:ea typeface="Calibri"/>
-                <a:cs typeface="Calibri"/>
-                <a:sym typeface="Calibri"/>
-              </a:defRPr>
-            </a:lvl1pPr>
-            <a:lvl2pPr marL="457200" marR="0" lvl="1" indent="0" algn="l" rtl="0">
-              <a:spcBef>
-                <a:spcPts val="0"/>
-              </a:spcBef>
-              <a:defRPr sz="1800" b="0" i="0" u="none" strike="noStrike" cap="none">
-                <a:solidFill>
-                  <a:schemeClr val="dk1"/>
-                </a:solidFill>
-                <a:latin typeface="Calibri"/>
-                <a:ea typeface="Calibri"/>
-                <a:cs typeface="Calibri"/>
-                <a:sym typeface="Calibri"/>
-              </a:defRPr>
-            </a:lvl2pPr>
-            <a:lvl3pPr marL="914400" marR="0" lvl="2" indent="0" algn="l" rtl="0">
-              <a:spcBef>
-                <a:spcPts val="0"/>
-              </a:spcBef>
-              <a:defRPr sz="1800" b="0" i="0" u="none" strike="noStrike" cap="none">
-                <a:solidFill>
-                  <a:schemeClr val="dk1"/>
-                </a:solidFill>
-                <a:latin typeface="Calibri"/>
-                <a:ea typeface="Calibri"/>
-                <a:cs typeface="Calibri"/>
-                <a:sym typeface="Calibri"/>
-              </a:defRPr>
-            </a:lvl3pPr>
-            <a:lvl4pPr marL="1371600" marR="0" lvl="3" indent="0" algn="l" rtl="0">
-              <a:spcBef>
-                <a:spcPts val="0"/>
-              </a:spcBef>
-              <a:defRPr sz="1800" b="0" i="0" u="none" strike="noStrike" cap="none">
-                <a:solidFill>
-                  <a:schemeClr val="dk1"/>
-                </a:solidFill>
-                <a:latin typeface="Calibri"/>
-                <a:ea typeface="Calibri"/>
-                <a:cs typeface="Calibri"/>
-                <a:sym typeface="Calibri"/>
-              </a:defRPr>
-            </a:lvl4pPr>
-            <a:lvl5pPr marL="1828800" marR="0" lvl="4" indent="0" algn="l" rtl="0">
-              <a:spcBef>
-                <a:spcPts val="0"/>
-              </a:spcBef>
-              <a:defRPr sz="1800" b="0" i="0" u="none" strike="noStrike" cap="none">
-                <a:solidFill>
-                  <a:schemeClr val="dk1"/>
-                </a:solidFill>
-                <a:latin typeface="Calibri"/>
-                <a:ea typeface="Calibri"/>
-                <a:cs typeface="Calibri"/>
-                <a:sym typeface="Calibri"/>
-              </a:defRPr>
-            </a:lvl5pPr>
-            <a:lvl6pPr marL="2286000" marR="0" lvl="5" indent="0" algn="l" rtl="0">
-              <a:spcBef>
-                <a:spcPts val="0"/>
-              </a:spcBef>
-              <a:defRPr sz="1800" b="0" i="0" u="none" strike="noStrike" cap="none">
-                <a:solidFill>
-                  <a:schemeClr val="dk1"/>
-                </a:solidFill>
-                <a:latin typeface="Calibri"/>
-                <a:ea typeface="Calibri"/>
-                <a:cs typeface="Calibri"/>
-                <a:sym typeface="Calibri"/>
-              </a:defRPr>
-            </a:lvl6pPr>
-            <a:lvl7pPr marL="2743200" marR="0" lvl="6" indent="0" algn="l" rtl="0">
-              <a:spcBef>
-                <a:spcPts val="0"/>
-              </a:spcBef>
-              <a:defRPr sz="1800" b="0" i="0" u="none" strike="noStrike" cap="none">
-                <a:solidFill>
-                  <a:schemeClr val="dk1"/>
-                </a:solidFill>
-                <a:latin typeface="Calibri"/>
-                <a:ea typeface="Calibri"/>
-                <a:cs typeface="Calibri"/>
-                <a:sym typeface="Calibri"/>
-              </a:defRPr>
-            </a:lvl7pPr>
-            <a:lvl8pPr marL="3200400" marR="0" lvl="7" indent="0" algn="l" rtl="0">
-              <a:spcBef>
-                <a:spcPts val="0"/>
-              </a:spcBef>
-              <a:defRPr sz="1800" b="0" i="0" u="none" strike="noStrike" cap="none">
-                <a:solidFill>
-                  <a:schemeClr val="dk1"/>
-                </a:solidFill>
-                <a:latin typeface="Calibri"/>
-                <a:ea typeface="Calibri"/>
-                <a:cs typeface="Calibri"/>
-                <a:sym typeface="Calibri"/>
-              </a:defRPr>
-            </a:lvl8pPr>
-            <a:lvl9pPr marL="3657600" marR="0" lvl="8" indent="0" algn="l" rtl="0">
-              <a:spcBef>
-                <a:spcPts val="0"/>
-              </a:spcBef>
-              <a:defRPr sz="1800" b="0" i="0" u="none" strike="noStrike" cap="none">
-                <a:solidFill>
-                  <a:schemeClr val="dk1"/>
-                </a:solidFill>
-                <a:latin typeface="Calibri"/>
-                <a:ea typeface="Calibri"/>
-                <a:cs typeface="Calibri"/>
-                <a:sym typeface="Calibri"/>
-              </a:defRPr>
-            </a:lvl9pPr>
-          </a:lstStyle>
-          <a:p>
-            <a:endParaRPr/>
-          </a:p>
-        </p:txBody>
-      </p:sp>
-      <p:sp>
-        <p:nvSpPr>
-          <p:cNvPr id="157" name="Shape 157"/>
-          <p:cNvSpPr txBox="1">
-            <a:spLocks noGrp="1"/>
-          </p:cNvSpPr>
-          <p:nvPr>
-            <p:ph type="ftr" idx="11"/>
-          </p:nvPr>
-        </p:nvSpPr>
-        <p:spPr>
-          <a:xfrm>
-            <a:off x="3124200" y="6356350"/>
-            <a:ext cx="2895600" cy="365100"/>
-          </a:xfrm>
-          <a:prstGeom prst="rect">
-            <a:avLst/>
-          </a:prstGeom>
-          <a:noFill/>
-          <a:ln>
-            <a:noFill/>
-          </a:ln>
-        </p:spPr>
-        <p:txBody>
-          <a:bodyPr lIns="91425" tIns="91425" rIns="91425" bIns="91425" anchor="ctr" anchorCtr="0"/>
-          <a:lstStyle>
-            <a:lvl1pPr marL="0" marR="0" lvl="0" indent="0" algn="ctr" rtl="0">
-              <a:spcBef>
-                <a:spcPts val="0"/>
-              </a:spcBef>
-              <a:defRPr sz="1200" b="0" i="0" u="none" strike="noStrike" cap="none">
-                <a:solidFill>
-                  <a:srgbClr val="888888"/>
-                </a:solidFill>
-                <a:latin typeface="Calibri"/>
-                <a:ea typeface="Calibri"/>
-                <a:cs typeface="Calibri"/>
-                <a:sym typeface="Calibri"/>
-              </a:defRPr>
-            </a:lvl1pPr>
-            <a:lvl2pPr marL="457200" marR="0" lvl="1" indent="0" algn="l" rtl="0">
-              <a:spcBef>
-                <a:spcPts val="0"/>
-              </a:spcBef>
-              <a:defRPr sz="1800" b="0" i="0" u="none" strike="noStrike" cap="none">
-                <a:solidFill>
-                  <a:schemeClr val="dk1"/>
-                </a:solidFill>
-                <a:latin typeface="Calibri"/>
-                <a:ea typeface="Calibri"/>
-                <a:cs typeface="Calibri"/>
-                <a:sym typeface="Calibri"/>
-              </a:defRPr>
-            </a:lvl2pPr>
-            <a:lvl3pPr marL="914400" marR="0" lvl="2" indent="0" algn="l" rtl="0">
-              <a:spcBef>
-                <a:spcPts val="0"/>
-              </a:spcBef>
-              <a:defRPr sz="1800" b="0" i="0" u="none" strike="noStrike" cap="none">
-                <a:solidFill>
-                  <a:schemeClr val="dk1"/>
-                </a:solidFill>
-                <a:latin typeface="Calibri"/>
-                <a:ea typeface="Calibri"/>
-                <a:cs typeface="Calibri"/>
-                <a:sym typeface="Calibri"/>
-              </a:defRPr>
-            </a:lvl3pPr>
-            <a:lvl4pPr marL="1371600" marR="0" lvl="3" indent="0" algn="l" rtl="0">
-              <a:spcBef>
-                <a:spcPts val="0"/>
-              </a:spcBef>
-              <a:defRPr sz="1800" b="0" i="0" u="none" strike="noStrike" cap="none">
-                <a:solidFill>
-                  <a:schemeClr val="dk1"/>
-                </a:solidFill>
-                <a:latin typeface="Calibri"/>
-                <a:ea typeface="Calibri"/>
-                <a:cs typeface="Calibri"/>
-                <a:sym typeface="Calibri"/>
-              </a:defRPr>
-            </a:lvl4pPr>
-            <a:lvl5pPr marL="1828800" marR="0" lvl="4" indent="0" algn="l" rtl="0">
-              <a:spcBef>
-                <a:spcPts val="0"/>
-              </a:spcBef>
-              <a:defRPr sz="1800" b="0" i="0" u="none" strike="noStrike" cap="none">
-                <a:solidFill>
-                  <a:schemeClr val="dk1"/>
-                </a:solidFill>
-                <a:latin typeface="Calibri"/>
-                <a:ea typeface="Calibri"/>
-                <a:cs typeface="Calibri"/>
-                <a:sym typeface="Calibri"/>
-              </a:defRPr>
-            </a:lvl5pPr>
-            <a:lvl6pPr marL="2286000" marR="0" lvl="5" indent="0" algn="l" rtl="0">
-              <a:spcBef>
-                <a:spcPts val="0"/>
-              </a:spcBef>
-              <a:defRPr sz="1800" b="0" i="0" u="none" strike="noStrike" cap="none">
-                <a:solidFill>
-                  <a:schemeClr val="dk1"/>
-                </a:solidFill>
-                <a:latin typeface="Calibri"/>
-                <a:ea typeface="Calibri"/>
-                <a:cs typeface="Calibri"/>
-                <a:sym typeface="Calibri"/>
-              </a:defRPr>
-            </a:lvl6pPr>
-            <a:lvl7pPr marL="2743200" marR="0" lvl="6" indent="0" algn="l" rtl="0">
-              <a:spcBef>
-                <a:spcPts val="0"/>
-              </a:spcBef>
-              <a:defRPr sz="1800" b="0" i="0" u="none" strike="noStrike" cap="none">
-                <a:solidFill>
-                  <a:schemeClr val="dk1"/>
-                </a:solidFill>
-                <a:latin typeface="Calibri"/>
-                <a:ea typeface="Calibri"/>
-                <a:cs typeface="Calibri"/>
-                <a:sym typeface="Calibri"/>
-              </a:defRPr>
-            </a:lvl7pPr>
-            <a:lvl8pPr marL="3200400" marR="0" lvl="7" indent="0" algn="l" rtl="0">
-              <a:spcBef>
-                <a:spcPts val="0"/>
-              </a:spcBef>
-              <a:defRPr sz="1800" b="0" i="0" u="none" strike="noStrike" cap="none">
-                <a:solidFill>
-                  <a:schemeClr val="dk1"/>
-                </a:solidFill>
-                <a:latin typeface="Calibri"/>
-                <a:ea typeface="Calibri"/>
-                <a:cs typeface="Calibri"/>
-                <a:sym typeface="Calibri"/>
-              </a:defRPr>
-            </a:lvl8pPr>
-            <a:lvl9pPr marL="3657600" marR="0" lvl="8" indent="0" algn="l" rtl="0">
-              <a:spcBef>
-                <a:spcPts val="0"/>
-              </a:spcBef>
-              <a:defRPr sz="1800" b="0" i="0" u="none" strike="noStrike" cap="none">
-                <a:solidFill>
-                  <a:schemeClr val="dk1"/>
-                </a:solidFill>
-                <a:latin typeface="Calibri"/>
-                <a:ea typeface="Calibri"/>
-                <a:cs typeface="Calibri"/>
-                <a:sym typeface="Calibri"/>
-              </a:defRPr>
-            </a:lvl9pPr>
-          </a:lstStyle>
-          <a:p>
-            <a:endParaRPr/>
-          </a:p>
-        </p:txBody>
-      </p:sp>
-      <p:sp>
-        <p:nvSpPr>
-          <p:cNvPr id="158" name="Shape 158"/>
-          <p:cNvSpPr txBox="1">
-            <a:spLocks noGrp="1"/>
-          </p:cNvSpPr>
-          <p:nvPr>
-            <p:ph type="sldNum" idx="12"/>
-          </p:nvPr>
-        </p:nvSpPr>
-        <p:spPr>
-          <a:xfrm>
-            <a:off x="6553200" y="6356350"/>
-            <a:ext cx="2133600" cy="365100"/>
           </a:xfrm>
           <a:prstGeom prst="rect">
             <a:avLst/>
@@ -16283,1168 +9423,6 @@
     <p:sldLayoutId id="2147483656" r:id="rId9"/>
     <p:sldLayoutId id="2147483657" r:id="rId10"/>
     <p:sldLayoutId id="2147483658" r:id="rId11"/>
-  </p:sldLayoutIdLst>
-  <p:hf sldNum="0" hdr="0" ftr="0" dt="0"/>
-  <p:txStyles>
-    <p:titleStyle>
-      <a:defPPr marR="0" lvl="0" algn="l" rtl="0">
-        <a:lnSpc>
-          <a:spcPct val="100000"/>
-        </a:lnSpc>
-        <a:spcBef>
-          <a:spcPts val="0"/>
-        </a:spcBef>
-        <a:spcAft>
-          <a:spcPts val="0"/>
-        </a:spcAft>
-      </a:defPPr>
-      <a:lvl1pPr marR="0" lvl="0" algn="l" rtl="0">
-        <a:lnSpc>
-          <a:spcPct val="100000"/>
-        </a:lnSpc>
-        <a:spcBef>
-          <a:spcPts val="0"/>
-        </a:spcBef>
-        <a:spcAft>
-          <a:spcPts val="0"/>
-        </a:spcAft>
-        <a:buNone/>
-        <a:defRPr sz="1400" b="0" i="0" u="none" strike="noStrike" cap="none">
-          <a:solidFill>
-            <a:srgbClr val="000000"/>
-          </a:solidFill>
-          <a:latin typeface="Arial"/>
-          <a:ea typeface="Arial"/>
-          <a:cs typeface="Arial"/>
-          <a:sym typeface="Arial"/>
-        </a:defRPr>
-      </a:lvl1pPr>
-    </p:titleStyle>
-    <p:bodyStyle>
-      <a:defPPr marR="0" lvl="0" algn="l" rtl="0">
-        <a:lnSpc>
-          <a:spcPct val="100000"/>
-        </a:lnSpc>
-        <a:spcBef>
-          <a:spcPts val="0"/>
-        </a:spcBef>
-        <a:spcAft>
-          <a:spcPts val="0"/>
-        </a:spcAft>
-      </a:defPPr>
-      <a:lvl1pPr marR="0" lvl="0" algn="l" rtl="0">
-        <a:lnSpc>
-          <a:spcPct val="100000"/>
-        </a:lnSpc>
-        <a:spcBef>
-          <a:spcPts val="0"/>
-        </a:spcBef>
-        <a:spcAft>
-          <a:spcPts val="0"/>
-        </a:spcAft>
-        <a:buNone/>
-        <a:defRPr sz="1400" b="0" i="0" u="none" strike="noStrike" cap="none">
-          <a:solidFill>
-            <a:srgbClr val="000000"/>
-          </a:solidFill>
-          <a:latin typeface="Arial"/>
-          <a:ea typeface="Arial"/>
-          <a:cs typeface="Arial"/>
-          <a:sym typeface="Arial"/>
-        </a:defRPr>
-      </a:lvl1pPr>
-      <a:lvl2pPr marR="0" lvl="1" algn="l" rtl="0">
-        <a:lnSpc>
-          <a:spcPct val="100000"/>
-        </a:lnSpc>
-        <a:spcBef>
-          <a:spcPts val="0"/>
-        </a:spcBef>
-        <a:spcAft>
-          <a:spcPts val="0"/>
-        </a:spcAft>
-        <a:buNone/>
-        <a:defRPr sz="1400" b="0" i="0" u="none" strike="noStrike" cap="none">
-          <a:solidFill>
-            <a:srgbClr val="000000"/>
-          </a:solidFill>
-          <a:latin typeface="Arial"/>
-          <a:ea typeface="Arial"/>
-          <a:cs typeface="Arial"/>
-          <a:sym typeface="Arial"/>
-        </a:defRPr>
-      </a:lvl2pPr>
-      <a:lvl3pPr marR="0" lvl="2" algn="l" rtl="0">
-        <a:lnSpc>
-          <a:spcPct val="100000"/>
-        </a:lnSpc>
-        <a:spcBef>
-          <a:spcPts val="0"/>
-        </a:spcBef>
-        <a:spcAft>
-          <a:spcPts val="0"/>
-        </a:spcAft>
-        <a:buNone/>
-        <a:defRPr sz="1400" b="0" i="0" u="none" strike="noStrike" cap="none">
-          <a:solidFill>
-            <a:srgbClr val="000000"/>
-          </a:solidFill>
-          <a:latin typeface="Arial"/>
-          <a:ea typeface="Arial"/>
-          <a:cs typeface="Arial"/>
-          <a:sym typeface="Arial"/>
-        </a:defRPr>
-      </a:lvl3pPr>
-      <a:lvl4pPr marR="0" lvl="3" algn="l" rtl="0">
-        <a:lnSpc>
-          <a:spcPct val="100000"/>
-        </a:lnSpc>
-        <a:spcBef>
-          <a:spcPts val="0"/>
-        </a:spcBef>
-        <a:spcAft>
-          <a:spcPts val="0"/>
-        </a:spcAft>
-        <a:buNone/>
-        <a:defRPr sz="1400" b="0" i="0" u="none" strike="noStrike" cap="none">
-          <a:solidFill>
-            <a:srgbClr val="000000"/>
-          </a:solidFill>
-          <a:latin typeface="Arial"/>
-          <a:ea typeface="Arial"/>
-          <a:cs typeface="Arial"/>
-          <a:sym typeface="Arial"/>
-        </a:defRPr>
-      </a:lvl4pPr>
-      <a:lvl5pPr marR="0" lvl="4" algn="l" rtl="0">
-        <a:lnSpc>
-          <a:spcPct val="100000"/>
-        </a:lnSpc>
-        <a:spcBef>
-          <a:spcPts val="0"/>
-        </a:spcBef>
-        <a:spcAft>
-          <a:spcPts val="0"/>
-        </a:spcAft>
-        <a:buNone/>
-        <a:defRPr sz="1400" b="0" i="0" u="none" strike="noStrike" cap="none">
-          <a:solidFill>
-            <a:srgbClr val="000000"/>
-          </a:solidFill>
-          <a:latin typeface="Arial"/>
-          <a:ea typeface="Arial"/>
-          <a:cs typeface="Arial"/>
-          <a:sym typeface="Arial"/>
-        </a:defRPr>
-      </a:lvl5pPr>
-      <a:lvl6pPr marR="0" lvl="5" algn="l" rtl="0">
-        <a:lnSpc>
-          <a:spcPct val="100000"/>
-        </a:lnSpc>
-        <a:spcBef>
-          <a:spcPts val="0"/>
-        </a:spcBef>
-        <a:spcAft>
-          <a:spcPts val="0"/>
-        </a:spcAft>
-        <a:buNone/>
-        <a:defRPr sz="1400" b="0" i="0" u="none" strike="noStrike" cap="none">
-          <a:solidFill>
-            <a:srgbClr val="000000"/>
-          </a:solidFill>
-          <a:latin typeface="Arial"/>
-          <a:ea typeface="Arial"/>
-          <a:cs typeface="Arial"/>
-          <a:sym typeface="Arial"/>
-        </a:defRPr>
-      </a:lvl6pPr>
-      <a:lvl7pPr marR="0" lvl="6" algn="l" rtl="0">
-        <a:lnSpc>
-          <a:spcPct val="100000"/>
-        </a:lnSpc>
-        <a:spcBef>
-          <a:spcPts val="0"/>
-        </a:spcBef>
-        <a:spcAft>
-          <a:spcPts val="0"/>
-        </a:spcAft>
-        <a:buNone/>
-        <a:defRPr sz="1400" b="0" i="0" u="none" strike="noStrike" cap="none">
-          <a:solidFill>
-            <a:srgbClr val="000000"/>
-          </a:solidFill>
-          <a:latin typeface="Arial"/>
-          <a:ea typeface="Arial"/>
-          <a:cs typeface="Arial"/>
-          <a:sym typeface="Arial"/>
-        </a:defRPr>
-      </a:lvl7pPr>
-      <a:lvl8pPr marR="0" lvl="7" algn="l" rtl="0">
-        <a:lnSpc>
-          <a:spcPct val="100000"/>
-        </a:lnSpc>
-        <a:spcBef>
-          <a:spcPts val="0"/>
-        </a:spcBef>
-        <a:spcAft>
-          <a:spcPts val="0"/>
-        </a:spcAft>
-        <a:buNone/>
-        <a:defRPr sz="1400" b="0" i="0" u="none" strike="noStrike" cap="none">
-          <a:solidFill>
-            <a:srgbClr val="000000"/>
-          </a:solidFill>
-          <a:latin typeface="Arial"/>
-          <a:ea typeface="Arial"/>
-          <a:cs typeface="Arial"/>
-          <a:sym typeface="Arial"/>
-        </a:defRPr>
-      </a:lvl8pPr>
-      <a:lvl9pPr marR="0" lvl="8" algn="l" rtl="0">
-        <a:lnSpc>
-          <a:spcPct val="100000"/>
-        </a:lnSpc>
-        <a:spcBef>
-          <a:spcPts val="0"/>
-        </a:spcBef>
-        <a:spcAft>
-          <a:spcPts val="0"/>
-        </a:spcAft>
-        <a:buNone/>
-        <a:defRPr sz="1400" b="0" i="0" u="none" strike="noStrike" cap="none">
-          <a:solidFill>
-            <a:srgbClr val="000000"/>
-          </a:solidFill>
-          <a:latin typeface="Arial"/>
-          <a:ea typeface="Arial"/>
-          <a:cs typeface="Arial"/>
-          <a:sym typeface="Arial"/>
-        </a:defRPr>
-      </a:lvl9pPr>
-    </p:bodyStyle>
-    <p:otherStyle>
-      <a:defPPr marR="0" lvl="0" algn="l" rtl="0">
-        <a:lnSpc>
-          <a:spcPct val="100000"/>
-        </a:lnSpc>
-        <a:spcBef>
-          <a:spcPts val="0"/>
-        </a:spcBef>
-        <a:spcAft>
-          <a:spcPts val="0"/>
-        </a:spcAft>
-      </a:defPPr>
-      <a:lvl1pPr marR="0" lvl="0" algn="l" rtl="0">
-        <a:lnSpc>
-          <a:spcPct val="100000"/>
-        </a:lnSpc>
-        <a:spcBef>
-          <a:spcPts val="0"/>
-        </a:spcBef>
-        <a:spcAft>
-          <a:spcPts val="0"/>
-        </a:spcAft>
-        <a:buNone/>
-        <a:defRPr sz="1400" b="0" i="0" u="none" strike="noStrike" cap="none">
-          <a:solidFill>
-            <a:srgbClr val="000000"/>
-          </a:solidFill>
-          <a:latin typeface="Arial"/>
-          <a:ea typeface="Arial"/>
-          <a:cs typeface="Arial"/>
-          <a:sym typeface="Arial"/>
-        </a:defRPr>
-      </a:lvl1pPr>
-      <a:lvl2pPr marR="0" lvl="1" algn="l" rtl="0">
-        <a:lnSpc>
-          <a:spcPct val="100000"/>
-        </a:lnSpc>
-        <a:spcBef>
-          <a:spcPts val="0"/>
-        </a:spcBef>
-        <a:spcAft>
-          <a:spcPts val="0"/>
-        </a:spcAft>
-        <a:buNone/>
-        <a:defRPr sz="1400" b="0" i="0" u="none" strike="noStrike" cap="none">
-          <a:solidFill>
-            <a:srgbClr val="000000"/>
-          </a:solidFill>
-          <a:latin typeface="Arial"/>
-          <a:ea typeface="Arial"/>
-          <a:cs typeface="Arial"/>
-          <a:sym typeface="Arial"/>
-        </a:defRPr>
-      </a:lvl2pPr>
-      <a:lvl3pPr marR="0" lvl="2" algn="l" rtl="0">
-        <a:lnSpc>
-          <a:spcPct val="100000"/>
-        </a:lnSpc>
-        <a:spcBef>
-          <a:spcPts val="0"/>
-        </a:spcBef>
-        <a:spcAft>
-          <a:spcPts val="0"/>
-        </a:spcAft>
-        <a:buNone/>
-        <a:defRPr sz="1400" b="0" i="0" u="none" strike="noStrike" cap="none">
-          <a:solidFill>
-            <a:srgbClr val="000000"/>
-          </a:solidFill>
-          <a:latin typeface="Arial"/>
-          <a:ea typeface="Arial"/>
-          <a:cs typeface="Arial"/>
-          <a:sym typeface="Arial"/>
-        </a:defRPr>
-      </a:lvl3pPr>
-      <a:lvl4pPr marR="0" lvl="3" algn="l" rtl="0">
-        <a:lnSpc>
-          <a:spcPct val="100000"/>
-        </a:lnSpc>
-        <a:spcBef>
-          <a:spcPts val="0"/>
-        </a:spcBef>
-        <a:spcAft>
-          <a:spcPts val="0"/>
-        </a:spcAft>
-        <a:buNone/>
-        <a:defRPr sz="1400" b="0" i="0" u="none" strike="noStrike" cap="none">
-          <a:solidFill>
-            <a:srgbClr val="000000"/>
-          </a:solidFill>
-          <a:latin typeface="Arial"/>
-          <a:ea typeface="Arial"/>
-          <a:cs typeface="Arial"/>
-          <a:sym typeface="Arial"/>
-        </a:defRPr>
-      </a:lvl4pPr>
-      <a:lvl5pPr marR="0" lvl="4" algn="l" rtl="0">
-        <a:lnSpc>
-          <a:spcPct val="100000"/>
-        </a:lnSpc>
-        <a:spcBef>
-          <a:spcPts val="0"/>
-        </a:spcBef>
-        <a:spcAft>
-          <a:spcPts val="0"/>
-        </a:spcAft>
-        <a:buNone/>
-        <a:defRPr sz="1400" b="0" i="0" u="none" strike="noStrike" cap="none">
-          <a:solidFill>
-            <a:srgbClr val="000000"/>
-          </a:solidFill>
-          <a:latin typeface="Arial"/>
-          <a:ea typeface="Arial"/>
-          <a:cs typeface="Arial"/>
-          <a:sym typeface="Arial"/>
-        </a:defRPr>
-      </a:lvl5pPr>
-      <a:lvl6pPr marR="0" lvl="5" algn="l" rtl="0">
-        <a:lnSpc>
-          <a:spcPct val="100000"/>
-        </a:lnSpc>
-        <a:spcBef>
-          <a:spcPts val="0"/>
-        </a:spcBef>
-        <a:spcAft>
-          <a:spcPts val="0"/>
-        </a:spcAft>
-        <a:buNone/>
-        <a:defRPr sz="1400" b="0" i="0" u="none" strike="noStrike" cap="none">
-          <a:solidFill>
-            <a:srgbClr val="000000"/>
-          </a:solidFill>
-          <a:latin typeface="Arial"/>
-          <a:ea typeface="Arial"/>
-          <a:cs typeface="Arial"/>
-          <a:sym typeface="Arial"/>
-        </a:defRPr>
-      </a:lvl6pPr>
-      <a:lvl7pPr marR="0" lvl="6" algn="l" rtl="0">
-        <a:lnSpc>
-          <a:spcPct val="100000"/>
-        </a:lnSpc>
-        <a:spcBef>
-          <a:spcPts val="0"/>
-        </a:spcBef>
-        <a:spcAft>
-          <a:spcPts val="0"/>
-        </a:spcAft>
-        <a:buNone/>
-        <a:defRPr sz="1400" b="0" i="0" u="none" strike="noStrike" cap="none">
-          <a:solidFill>
-            <a:srgbClr val="000000"/>
-          </a:solidFill>
-          <a:latin typeface="Arial"/>
-          <a:ea typeface="Arial"/>
-          <a:cs typeface="Arial"/>
-          <a:sym typeface="Arial"/>
-        </a:defRPr>
-      </a:lvl7pPr>
-      <a:lvl8pPr marR="0" lvl="7" algn="l" rtl="0">
-        <a:lnSpc>
-          <a:spcPct val="100000"/>
-        </a:lnSpc>
-        <a:spcBef>
-          <a:spcPts val="0"/>
-        </a:spcBef>
-        <a:spcAft>
-          <a:spcPts val="0"/>
-        </a:spcAft>
-        <a:buNone/>
-        <a:defRPr sz="1400" b="0" i="0" u="none" strike="noStrike" cap="none">
-          <a:solidFill>
-            <a:srgbClr val="000000"/>
-          </a:solidFill>
-          <a:latin typeface="Arial"/>
-          <a:ea typeface="Arial"/>
-          <a:cs typeface="Arial"/>
-          <a:sym typeface="Arial"/>
-        </a:defRPr>
-      </a:lvl8pPr>
-      <a:lvl9pPr marR="0" lvl="8" algn="l" rtl="0">
-        <a:lnSpc>
-          <a:spcPct val="100000"/>
-        </a:lnSpc>
-        <a:spcBef>
-          <a:spcPts val="0"/>
-        </a:spcBef>
-        <a:spcAft>
-          <a:spcPts val="0"/>
-        </a:spcAft>
-        <a:buNone/>
-        <a:defRPr sz="1400" b="0" i="0" u="none" strike="noStrike" cap="none">
-          <a:solidFill>
-            <a:srgbClr val="000000"/>
-          </a:solidFill>
-          <a:latin typeface="Arial"/>
-          <a:ea typeface="Arial"/>
-          <a:cs typeface="Arial"/>
-          <a:sym typeface="Arial"/>
-        </a:defRPr>
-      </a:lvl9pPr>
-    </p:otherStyle>
-  </p:txStyles>
-</p:sldMaster>
-</file>
-
-<file path=ppt/slideMasters/slideMaster2.xml><?xml version="1.0" encoding="utf-8"?>
-<p:sldMaster xmlns:a="http://schemas.openxmlformats.org/drawingml/2006/main" xmlns:r="http://schemas.openxmlformats.org/officeDocument/2006/relationships" xmlns:p="http://schemas.openxmlformats.org/presentationml/2006/main">
-  <p:cSld>
-    <p:bg>
-      <p:bgPr>
-        <a:solidFill>
-          <a:schemeClr val="lt1"/>
-        </a:solidFill>
-        <a:effectLst/>
-      </p:bgPr>
-    </p:bg>
-    <p:spTree>
-      <p:nvGrpSpPr>
-        <p:cNvPr id="1" name="Shape 84"/>
-        <p:cNvGrpSpPr/>
-        <p:nvPr/>
-      </p:nvGrpSpPr>
-      <p:grpSpPr>
-        <a:xfrm>
-          <a:off x="0" y="0"/>
-          <a:ext cx="0" cy="0"/>
-          <a:chOff x="0" y="0"/>
-          <a:chExt cx="0" cy="0"/>
-        </a:xfrm>
-      </p:grpSpPr>
-      <p:sp>
-        <p:nvSpPr>
-          <p:cNvPr id="85" name="Shape 85"/>
-          <p:cNvSpPr txBox="1">
-            <a:spLocks noGrp="1"/>
-          </p:cNvSpPr>
-          <p:nvPr>
-            <p:ph type="title"/>
-          </p:nvPr>
-        </p:nvSpPr>
-        <p:spPr>
-          <a:xfrm>
-            <a:off x="457200" y="274637"/>
-            <a:ext cx="8229600" cy="1143000"/>
-          </a:xfrm>
-          <a:prstGeom prst="rect">
-            <a:avLst/>
-          </a:prstGeom>
-          <a:noFill/>
-          <a:ln>
-            <a:noFill/>
-          </a:ln>
-        </p:spPr>
-        <p:txBody>
-          <a:bodyPr lIns="91425" tIns="91425" rIns="91425" bIns="91425" anchor="ctr" anchorCtr="0"/>
-          <a:lstStyle>
-            <a:lvl1pPr marL="0" marR="0" lvl="0" indent="0" algn="ctr" rtl="0">
-              <a:spcBef>
-                <a:spcPts val="0"/>
-              </a:spcBef>
-              <a:buClr>
-                <a:schemeClr val="dk1"/>
-              </a:buClr>
-              <a:buFont typeface="Calibri"/>
-              <a:buNone/>
-              <a:defRPr sz="4400" b="0" i="0" u="none" strike="noStrike" cap="none">
-                <a:solidFill>
-                  <a:schemeClr val="dk1"/>
-                </a:solidFill>
-                <a:latin typeface="Calibri"/>
-                <a:ea typeface="Calibri"/>
-                <a:cs typeface="Calibri"/>
-                <a:sym typeface="Calibri"/>
-              </a:defRPr>
-            </a:lvl1pPr>
-            <a:lvl2pPr marL="0" marR="0" lvl="1" indent="0" algn="l" rtl="0">
-              <a:spcBef>
-                <a:spcPts val="0"/>
-              </a:spcBef>
-              <a:defRPr/>
-            </a:lvl2pPr>
-            <a:lvl3pPr marL="0" marR="0" lvl="2" indent="0" algn="l" rtl="0">
-              <a:spcBef>
-                <a:spcPts val="0"/>
-              </a:spcBef>
-              <a:defRPr/>
-            </a:lvl3pPr>
-            <a:lvl4pPr marL="0" marR="0" lvl="3" indent="0" algn="l" rtl="0">
-              <a:spcBef>
-                <a:spcPts val="0"/>
-              </a:spcBef>
-              <a:defRPr/>
-            </a:lvl4pPr>
-            <a:lvl5pPr marL="0" marR="0" lvl="4" indent="0" algn="l" rtl="0">
-              <a:spcBef>
-                <a:spcPts val="0"/>
-              </a:spcBef>
-              <a:defRPr/>
-            </a:lvl5pPr>
-            <a:lvl6pPr marL="0" marR="0" lvl="5" indent="0" algn="l" rtl="0">
-              <a:spcBef>
-                <a:spcPts val="0"/>
-              </a:spcBef>
-              <a:defRPr/>
-            </a:lvl6pPr>
-            <a:lvl7pPr marL="0" marR="0" lvl="6" indent="0" algn="l" rtl="0">
-              <a:spcBef>
-                <a:spcPts val="0"/>
-              </a:spcBef>
-              <a:defRPr/>
-            </a:lvl7pPr>
-            <a:lvl8pPr marL="0" marR="0" lvl="7" indent="0" algn="l" rtl="0">
-              <a:spcBef>
-                <a:spcPts val="0"/>
-              </a:spcBef>
-              <a:defRPr/>
-            </a:lvl8pPr>
-            <a:lvl9pPr marL="0" marR="0" lvl="8" indent="0" algn="l" rtl="0">
-              <a:spcBef>
-                <a:spcPts val="0"/>
-              </a:spcBef>
-              <a:defRPr/>
-            </a:lvl9pPr>
-          </a:lstStyle>
-          <a:p>
-            <a:endParaRPr/>
-          </a:p>
-        </p:txBody>
-      </p:sp>
-      <p:sp>
-        <p:nvSpPr>
-          <p:cNvPr id="86" name="Shape 86"/>
-          <p:cNvSpPr txBox="1">
-            <a:spLocks noGrp="1"/>
-          </p:cNvSpPr>
-          <p:nvPr>
-            <p:ph type="body" idx="1"/>
-          </p:nvPr>
-        </p:nvSpPr>
-        <p:spPr>
-          <a:xfrm>
-            <a:off x="457200" y="1600200"/>
-            <a:ext cx="8229600" cy="4526100"/>
-          </a:xfrm>
-          <a:prstGeom prst="rect">
-            <a:avLst/>
-          </a:prstGeom>
-          <a:noFill/>
-          <a:ln>
-            <a:noFill/>
-          </a:ln>
-        </p:spPr>
-        <p:txBody>
-          <a:bodyPr lIns="91425" tIns="91425" rIns="91425" bIns="91425" anchor="t" anchorCtr="0"/>
-          <a:lstStyle>
-            <a:lvl1pPr marL="342900" marR="0" lvl="0" indent="-139700" algn="l" rtl="0">
-              <a:spcBef>
-                <a:spcPts val="640"/>
-              </a:spcBef>
-              <a:buClr>
-                <a:schemeClr val="dk1"/>
-              </a:buClr>
-              <a:buFont typeface="Arial"/>
-              <a:buChar char="•"/>
-              <a:defRPr sz="3200" b="0" i="0" u="none" strike="noStrike" cap="none">
-                <a:solidFill>
-                  <a:schemeClr val="dk1"/>
-                </a:solidFill>
-                <a:latin typeface="Calibri"/>
-                <a:ea typeface="Calibri"/>
-                <a:cs typeface="Calibri"/>
-                <a:sym typeface="Calibri"/>
-              </a:defRPr>
-            </a:lvl1pPr>
-            <a:lvl2pPr marL="742950" marR="0" lvl="1" indent="-107950" algn="l" rtl="0">
-              <a:spcBef>
-                <a:spcPts val="560"/>
-              </a:spcBef>
-              <a:buClr>
-                <a:schemeClr val="dk1"/>
-              </a:buClr>
-              <a:buFont typeface="Arial"/>
-              <a:buChar char="–"/>
-              <a:defRPr sz="2800" b="0" i="0" u="none" strike="noStrike" cap="none">
-                <a:solidFill>
-                  <a:schemeClr val="dk1"/>
-                </a:solidFill>
-                <a:latin typeface="Calibri"/>
-                <a:ea typeface="Calibri"/>
-                <a:cs typeface="Calibri"/>
-                <a:sym typeface="Calibri"/>
-              </a:defRPr>
-            </a:lvl2pPr>
-            <a:lvl3pPr marL="1143000" marR="0" lvl="2" indent="-76200" algn="l" rtl="0">
-              <a:spcBef>
-                <a:spcPts val="480"/>
-              </a:spcBef>
-              <a:buClr>
-                <a:schemeClr val="dk1"/>
-              </a:buClr>
-              <a:buFont typeface="Arial"/>
-              <a:buChar char="•"/>
-              <a:defRPr sz="2400" b="0" i="0" u="none" strike="noStrike" cap="none">
-                <a:solidFill>
-                  <a:schemeClr val="dk1"/>
-                </a:solidFill>
-                <a:latin typeface="Calibri"/>
-                <a:ea typeface="Calibri"/>
-                <a:cs typeface="Calibri"/>
-                <a:sym typeface="Calibri"/>
-              </a:defRPr>
-            </a:lvl3pPr>
-            <a:lvl4pPr marL="1600200" marR="0" lvl="3" indent="-101600" algn="l" rtl="0">
-              <a:spcBef>
-                <a:spcPts val="400"/>
-              </a:spcBef>
-              <a:buClr>
-                <a:schemeClr val="dk1"/>
-              </a:buClr>
-              <a:buFont typeface="Arial"/>
-              <a:buChar char="–"/>
-              <a:defRPr sz="2000" b="0" i="0" u="none" strike="noStrike" cap="none">
-                <a:solidFill>
-                  <a:schemeClr val="dk1"/>
-                </a:solidFill>
-                <a:latin typeface="Calibri"/>
-                <a:ea typeface="Calibri"/>
-                <a:cs typeface="Calibri"/>
-                <a:sym typeface="Calibri"/>
-              </a:defRPr>
-            </a:lvl4pPr>
-            <a:lvl5pPr marL="2057400" marR="0" lvl="4" indent="-101600" algn="l" rtl="0">
-              <a:spcBef>
-                <a:spcPts val="400"/>
-              </a:spcBef>
-              <a:buClr>
-                <a:schemeClr val="dk1"/>
-              </a:buClr>
-              <a:buFont typeface="Arial"/>
-              <a:buChar char="»"/>
-              <a:defRPr sz="2000" b="0" i="0" u="none" strike="noStrike" cap="none">
-                <a:solidFill>
-                  <a:schemeClr val="dk1"/>
-                </a:solidFill>
-                <a:latin typeface="Calibri"/>
-                <a:ea typeface="Calibri"/>
-                <a:cs typeface="Calibri"/>
-                <a:sym typeface="Calibri"/>
-              </a:defRPr>
-            </a:lvl5pPr>
-            <a:lvl6pPr marL="2514600" marR="0" lvl="5" indent="-101600" algn="l" rtl="0">
-              <a:spcBef>
-                <a:spcPts val="400"/>
-              </a:spcBef>
-              <a:buClr>
-                <a:schemeClr val="dk1"/>
-              </a:buClr>
-              <a:buFont typeface="Arial"/>
-              <a:buChar char="•"/>
-              <a:defRPr sz="2000" b="0" i="0" u="none" strike="noStrike" cap="none">
-                <a:solidFill>
-                  <a:schemeClr val="dk1"/>
-                </a:solidFill>
-                <a:latin typeface="Calibri"/>
-                <a:ea typeface="Calibri"/>
-                <a:cs typeface="Calibri"/>
-                <a:sym typeface="Calibri"/>
-              </a:defRPr>
-            </a:lvl6pPr>
-            <a:lvl7pPr marL="2971800" marR="0" lvl="6" indent="-101600" algn="l" rtl="0">
-              <a:spcBef>
-                <a:spcPts val="400"/>
-              </a:spcBef>
-              <a:buClr>
-                <a:schemeClr val="dk1"/>
-              </a:buClr>
-              <a:buFont typeface="Arial"/>
-              <a:buChar char="•"/>
-              <a:defRPr sz="2000" b="0" i="0" u="none" strike="noStrike" cap="none">
-                <a:solidFill>
-                  <a:schemeClr val="dk1"/>
-                </a:solidFill>
-                <a:latin typeface="Calibri"/>
-                <a:ea typeface="Calibri"/>
-                <a:cs typeface="Calibri"/>
-                <a:sym typeface="Calibri"/>
-              </a:defRPr>
-            </a:lvl7pPr>
-            <a:lvl8pPr marL="3429000" marR="0" lvl="7" indent="-101600" algn="l" rtl="0">
-              <a:spcBef>
-                <a:spcPts val="400"/>
-              </a:spcBef>
-              <a:buClr>
-                <a:schemeClr val="dk1"/>
-              </a:buClr>
-              <a:buFont typeface="Arial"/>
-              <a:buChar char="•"/>
-              <a:defRPr sz="2000" b="0" i="0" u="none" strike="noStrike" cap="none">
-                <a:solidFill>
-                  <a:schemeClr val="dk1"/>
-                </a:solidFill>
-                <a:latin typeface="Calibri"/>
-                <a:ea typeface="Calibri"/>
-                <a:cs typeface="Calibri"/>
-                <a:sym typeface="Calibri"/>
-              </a:defRPr>
-            </a:lvl8pPr>
-            <a:lvl9pPr marL="3886200" marR="0" lvl="8" indent="-101600" algn="l" rtl="0">
-              <a:spcBef>
-                <a:spcPts val="400"/>
-              </a:spcBef>
-              <a:buClr>
-                <a:schemeClr val="dk1"/>
-              </a:buClr>
-              <a:buFont typeface="Arial"/>
-              <a:buChar char="•"/>
-              <a:defRPr sz="2000" b="0" i="0" u="none" strike="noStrike" cap="none">
-                <a:solidFill>
-                  <a:schemeClr val="dk1"/>
-                </a:solidFill>
-                <a:latin typeface="Calibri"/>
-                <a:ea typeface="Calibri"/>
-                <a:cs typeface="Calibri"/>
-                <a:sym typeface="Calibri"/>
-              </a:defRPr>
-            </a:lvl9pPr>
-          </a:lstStyle>
-          <a:p>
-            <a:endParaRPr/>
-          </a:p>
-        </p:txBody>
-      </p:sp>
-      <p:sp>
-        <p:nvSpPr>
-          <p:cNvPr id="87" name="Shape 87"/>
-          <p:cNvSpPr txBox="1">
-            <a:spLocks noGrp="1"/>
-          </p:cNvSpPr>
-          <p:nvPr>
-            <p:ph type="dt" idx="10"/>
-          </p:nvPr>
-        </p:nvSpPr>
-        <p:spPr>
-          <a:xfrm>
-            <a:off x="457200" y="6356350"/>
-            <a:ext cx="2133600" cy="365100"/>
-          </a:xfrm>
-          <a:prstGeom prst="rect">
-            <a:avLst/>
-          </a:prstGeom>
-          <a:noFill/>
-          <a:ln>
-            <a:noFill/>
-          </a:ln>
-        </p:spPr>
-        <p:txBody>
-          <a:bodyPr lIns="91425" tIns="91425" rIns="91425" bIns="91425" anchor="ctr" anchorCtr="0"/>
-          <a:lstStyle>
-            <a:lvl1pPr marL="0" marR="0" lvl="0" indent="0" algn="l" rtl="0">
-              <a:spcBef>
-                <a:spcPts val="0"/>
-              </a:spcBef>
-              <a:defRPr sz="1200" b="0" i="0" u="none" strike="noStrike" cap="none">
-                <a:solidFill>
-                  <a:srgbClr val="888888"/>
-                </a:solidFill>
-                <a:latin typeface="Calibri"/>
-                <a:ea typeface="Calibri"/>
-                <a:cs typeface="Calibri"/>
-                <a:sym typeface="Calibri"/>
-              </a:defRPr>
-            </a:lvl1pPr>
-            <a:lvl2pPr marL="457200" marR="0" lvl="1" indent="0" algn="l" rtl="0">
-              <a:spcBef>
-                <a:spcPts val="0"/>
-              </a:spcBef>
-              <a:defRPr sz="1800" b="0" i="0" u="none" strike="noStrike" cap="none">
-                <a:solidFill>
-                  <a:schemeClr val="dk1"/>
-                </a:solidFill>
-                <a:latin typeface="Calibri"/>
-                <a:ea typeface="Calibri"/>
-                <a:cs typeface="Calibri"/>
-                <a:sym typeface="Calibri"/>
-              </a:defRPr>
-            </a:lvl2pPr>
-            <a:lvl3pPr marL="914400" marR="0" lvl="2" indent="0" algn="l" rtl="0">
-              <a:spcBef>
-                <a:spcPts val="0"/>
-              </a:spcBef>
-              <a:defRPr sz="1800" b="0" i="0" u="none" strike="noStrike" cap="none">
-                <a:solidFill>
-                  <a:schemeClr val="dk1"/>
-                </a:solidFill>
-                <a:latin typeface="Calibri"/>
-                <a:ea typeface="Calibri"/>
-                <a:cs typeface="Calibri"/>
-                <a:sym typeface="Calibri"/>
-              </a:defRPr>
-            </a:lvl3pPr>
-            <a:lvl4pPr marL="1371600" marR="0" lvl="3" indent="0" algn="l" rtl="0">
-              <a:spcBef>
-                <a:spcPts val="0"/>
-              </a:spcBef>
-              <a:defRPr sz="1800" b="0" i="0" u="none" strike="noStrike" cap="none">
-                <a:solidFill>
-                  <a:schemeClr val="dk1"/>
-                </a:solidFill>
-                <a:latin typeface="Calibri"/>
-                <a:ea typeface="Calibri"/>
-                <a:cs typeface="Calibri"/>
-                <a:sym typeface="Calibri"/>
-              </a:defRPr>
-            </a:lvl4pPr>
-            <a:lvl5pPr marL="1828800" marR="0" lvl="4" indent="0" algn="l" rtl="0">
-              <a:spcBef>
-                <a:spcPts val="0"/>
-              </a:spcBef>
-              <a:defRPr sz="1800" b="0" i="0" u="none" strike="noStrike" cap="none">
-                <a:solidFill>
-                  <a:schemeClr val="dk1"/>
-                </a:solidFill>
-                <a:latin typeface="Calibri"/>
-                <a:ea typeface="Calibri"/>
-                <a:cs typeface="Calibri"/>
-                <a:sym typeface="Calibri"/>
-              </a:defRPr>
-            </a:lvl5pPr>
-            <a:lvl6pPr marL="2286000" marR="0" lvl="5" indent="0" algn="l" rtl="0">
-              <a:spcBef>
-                <a:spcPts val="0"/>
-              </a:spcBef>
-              <a:defRPr sz="1800" b="0" i="0" u="none" strike="noStrike" cap="none">
-                <a:solidFill>
-                  <a:schemeClr val="dk1"/>
-                </a:solidFill>
-                <a:latin typeface="Calibri"/>
-                <a:ea typeface="Calibri"/>
-                <a:cs typeface="Calibri"/>
-                <a:sym typeface="Calibri"/>
-              </a:defRPr>
-            </a:lvl6pPr>
-            <a:lvl7pPr marL="2743200" marR="0" lvl="6" indent="0" algn="l" rtl="0">
-              <a:spcBef>
-                <a:spcPts val="0"/>
-              </a:spcBef>
-              <a:defRPr sz="1800" b="0" i="0" u="none" strike="noStrike" cap="none">
-                <a:solidFill>
-                  <a:schemeClr val="dk1"/>
-                </a:solidFill>
-                <a:latin typeface="Calibri"/>
-                <a:ea typeface="Calibri"/>
-                <a:cs typeface="Calibri"/>
-                <a:sym typeface="Calibri"/>
-              </a:defRPr>
-            </a:lvl7pPr>
-            <a:lvl8pPr marL="3200400" marR="0" lvl="7" indent="0" algn="l" rtl="0">
-              <a:spcBef>
-                <a:spcPts val="0"/>
-              </a:spcBef>
-              <a:defRPr sz="1800" b="0" i="0" u="none" strike="noStrike" cap="none">
-                <a:solidFill>
-                  <a:schemeClr val="dk1"/>
-                </a:solidFill>
-                <a:latin typeface="Calibri"/>
-                <a:ea typeface="Calibri"/>
-                <a:cs typeface="Calibri"/>
-                <a:sym typeface="Calibri"/>
-              </a:defRPr>
-            </a:lvl8pPr>
-            <a:lvl9pPr marL="3657600" marR="0" lvl="8" indent="0" algn="l" rtl="0">
-              <a:spcBef>
-                <a:spcPts val="0"/>
-              </a:spcBef>
-              <a:defRPr sz="1800" b="0" i="0" u="none" strike="noStrike" cap="none">
-                <a:solidFill>
-                  <a:schemeClr val="dk1"/>
-                </a:solidFill>
-                <a:latin typeface="Calibri"/>
-                <a:ea typeface="Calibri"/>
-                <a:cs typeface="Calibri"/>
-                <a:sym typeface="Calibri"/>
-              </a:defRPr>
-            </a:lvl9pPr>
-          </a:lstStyle>
-          <a:p>
-            <a:endParaRPr/>
-          </a:p>
-        </p:txBody>
-      </p:sp>
-      <p:sp>
-        <p:nvSpPr>
-          <p:cNvPr id="88" name="Shape 88"/>
-          <p:cNvSpPr txBox="1">
-            <a:spLocks noGrp="1"/>
-          </p:cNvSpPr>
-          <p:nvPr>
-            <p:ph type="ftr" idx="11"/>
-          </p:nvPr>
-        </p:nvSpPr>
-        <p:spPr>
-          <a:xfrm>
-            <a:off x="3124200" y="6356350"/>
-            <a:ext cx="2895600" cy="365100"/>
-          </a:xfrm>
-          <a:prstGeom prst="rect">
-            <a:avLst/>
-          </a:prstGeom>
-          <a:noFill/>
-          <a:ln>
-            <a:noFill/>
-          </a:ln>
-        </p:spPr>
-        <p:txBody>
-          <a:bodyPr lIns="91425" tIns="91425" rIns="91425" bIns="91425" anchor="ctr" anchorCtr="0"/>
-          <a:lstStyle>
-            <a:lvl1pPr marL="0" marR="0" lvl="0" indent="0" algn="ctr" rtl="0">
-              <a:spcBef>
-                <a:spcPts val="0"/>
-              </a:spcBef>
-              <a:defRPr sz="1200" b="0" i="0" u="none" strike="noStrike" cap="none">
-                <a:solidFill>
-                  <a:srgbClr val="888888"/>
-                </a:solidFill>
-                <a:latin typeface="Calibri"/>
-                <a:ea typeface="Calibri"/>
-                <a:cs typeface="Calibri"/>
-                <a:sym typeface="Calibri"/>
-              </a:defRPr>
-            </a:lvl1pPr>
-            <a:lvl2pPr marL="457200" marR="0" lvl="1" indent="0" algn="l" rtl="0">
-              <a:spcBef>
-                <a:spcPts val="0"/>
-              </a:spcBef>
-              <a:defRPr sz="1800" b="0" i="0" u="none" strike="noStrike" cap="none">
-                <a:solidFill>
-                  <a:schemeClr val="dk1"/>
-                </a:solidFill>
-                <a:latin typeface="Calibri"/>
-                <a:ea typeface="Calibri"/>
-                <a:cs typeface="Calibri"/>
-                <a:sym typeface="Calibri"/>
-              </a:defRPr>
-            </a:lvl2pPr>
-            <a:lvl3pPr marL="914400" marR="0" lvl="2" indent="0" algn="l" rtl="0">
-              <a:spcBef>
-                <a:spcPts val="0"/>
-              </a:spcBef>
-              <a:defRPr sz="1800" b="0" i="0" u="none" strike="noStrike" cap="none">
-                <a:solidFill>
-                  <a:schemeClr val="dk1"/>
-                </a:solidFill>
-                <a:latin typeface="Calibri"/>
-                <a:ea typeface="Calibri"/>
-                <a:cs typeface="Calibri"/>
-                <a:sym typeface="Calibri"/>
-              </a:defRPr>
-            </a:lvl3pPr>
-            <a:lvl4pPr marL="1371600" marR="0" lvl="3" indent="0" algn="l" rtl="0">
-              <a:spcBef>
-                <a:spcPts val="0"/>
-              </a:spcBef>
-              <a:defRPr sz="1800" b="0" i="0" u="none" strike="noStrike" cap="none">
-                <a:solidFill>
-                  <a:schemeClr val="dk1"/>
-                </a:solidFill>
-                <a:latin typeface="Calibri"/>
-                <a:ea typeface="Calibri"/>
-                <a:cs typeface="Calibri"/>
-                <a:sym typeface="Calibri"/>
-              </a:defRPr>
-            </a:lvl4pPr>
-            <a:lvl5pPr marL="1828800" marR="0" lvl="4" indent="0" algn="l" rtl="0">
-              <a:spcBef>
-                <a:spcPts val="0"/>
-              </a:spcBef>
-              <a:defRPr sz="1800" b="0" i="0" u="none" strike="noStrike" cap="none">
-                <a:solidFill>
-                  <a:schemeClr val="dk1"/>
-                </a:solidFill>
-                <a:latin typeface="Calibri"/>
-                <a:ea typeface="Calibri"/>
-                <a:cs typeface="Calibri"/>
-                <a:sym typeface="Calibri"/>
-              </a:defRPr>
-            </a:lvl5pPr>
-            <a:lvl6pPr marL="2286000" marR="0" lvl="5" indent="0" algn="l" rtl="0">
-              <a:spcBef>
-                <a:spcPts val="0"/>
-              </a:spcBef>
-              <a:defRPr sz="1800" b="0" i="0" u="none" strike="noStrike" cap="none">
-                <a:solidFill>
-                  <a:schemeClr val="dk1"/>
-                </a:solidFill>
-                <a:latin typeface="Calibri"/>
-                <a:ea typeface="Calibri"/>
-                <a:cs typeface="Calibri"/>
-                <a:sym typeface="Calibri"/>
-              </a:defRPr>
-            </a:lvl6pPr>
-            <a:lvl7pPr marL="2743200" marR="0" lvl="6" indent="0" algn="l" rtl="0">
-              <a:spcBef>
-                <a:spcPts val="0"/>
-              </a:spcBef>
-              <a:defRPr sz="1800" b="0" i="0" u="none" strike="noStrike" cap="none">
-                <a:solidFill>
-                  <a:schemeClr val="dk1"/>
-                </a:solidFill>
-                <a:latin typeface="Calibri"/>
-                <a:ea typeface="Calibri"/>
-                <a:cs typeface="Calibri"/>
-                <a:sym typeface="Calibri"/>
-              </a:defRPr>
-            </a:lvl7pPr>
-            <a:lvl8pPr marL="3200400" marR="0" lvl="7" indent="0" algn="l" rtl="0">
-              <a:spcBef>
-                <a:spcPts val="0"/>
-              </a:spcBef>
-              <a:defRPr sz="1800" b="0" i="0" u="none" strike="noStrike" cap="none">
-                <a:solidFill>
-                  <a:schemeClr val="dk1"/>
-                </a:solidFill>
-                <a:latin typeface="Calibri"/>
-                <a:ea typeface="Calibri"/>
-                <a:cs typeface="Calibri"/>
-                <a:sym typeface="Calibri"/>
-              </a:defRPr>
-            </a:lvl8pPr>
-            <a:lvl9pPr marL="3657600" marR="0" lvl="8" indent="0" algn="l" rtl="0">
-              <a:spcBef>
-                <a:spcPts val="0"/>
-              </a:spcBef>
-              <a:defRPr sz="1800" b="0" i="0" u="none" strike="noStrike" cap="none">
-                <a:solidFill>
-                  <a:schemeClr val="dk1"/>
-                </a:solidFill>
-                <a:latin typeface="Calibri"/>
-                <a:ea typeface="Calibri"/>
-                <a:cs typeface="Calibri"/>
-                <a:sym typeface="Calibri"/>
-              </a:defRPr>
-            </a:lvl9pPr>
-          </a:lstStyle>
-          <a:p>
-            <a:endParaRPr/>
-          </a:p>
-        </p:txBody>
-      </p:sp>
-      <p:sp>
-        <p:nvSpPr>
-          <p:cNvPr id="89" name="Shape 89"/>
-          <p:cNvSpPr txBox="1">
-            <a:spLocks noGrp="1"/>
-          </p:cNvSpPr>
-          <p:nvPr>
-            <p:ph type="sldNum" idx="12"/>
-          </p:nvPr>
-        </p:nvSpPr>
-        <p:spPr>
-          <a:xfrm>
-            <a:off x="6553200" y="6356350"/>
-            <a:ext cx="2133600" cy="365100"/>
-          </a:xfrm>
-          <a:prstGeom prst="rect">
-            <a:avLst/>
-          </a:prstGeom>
-          <a:noFill/>
-          <a:ln>
-            <a:noFill/>
-          </a:ln>
-        </p:spPr>
-        <p:txBody>
-          <a:bodyPr lIns="91425" tIns="45700" rIns="91425" bIns="45700" anchor="ctr" anchorCtr="0">
-            <a:noAutofit/>
-          </a:bodyPr>
-          <a:lstStyle/>
-          <a:p>
-            <a:pPr marL="0" marR="0" lvl="0" indent="0" algn="r" rtl="0">
-              <a:spcBef>
-                <a:spcPts val="0"/>
-              </a:spcBef>
-              <a:buSzPct val="25000"/>
-              <a:buNone/>
-            </a:pPr>
-            <a:fld id="{00000000-1234-1234-1234-123412341234}" type="slidenum">
-              <a:rPr lang="en-US" sz="1200" b="0" i="0" u="none" strike="noStrike" cap="none">
-                <a:solidFill>
-                  <a:srgbClr val="888888"/>
-                </a:solidFill>
-                <a:latin typeface="Calibri"/>
-                <a:ea typeface="Calibri"/>
-                <a:cs typeface="Calibri"/>
-                <a:sym typeface="Calibri"/>
-              </a:rPr>
-              <a:t>‹#›</a:t>
-            </a:fld>
-            <a:endParaRPr lang="en-US" sz="1200" b="0" i="0" u="none" strike="noStrike" cap="none">
-              <a:solidFill>
-                <a:srgbClr val="888888"/>
-              </a:solidFill>
-              <a:latin typeface="Calibri"/>
-              <a:ea typeface="Calibri"/>
-              <a:cs typeface="Calibri"/>
-              <a:sym typeface="Calibri"/>
-            </a:endParaRPr>
-          </a:p>
-        </p:txBody>
-      </p:sp>
-    </p:spTree>
-  </p:cSld>
-  <p:clrMap bg1="lt1" tx1="dk1" bg2="dk2" tx2="lt2" accent1="accent1" accent2="accent2" accent3="accent3" accent4="accent4" accent5="accent5" accent6="accent6" hlink="hlink" folHlink="folHlink"/>
-  <p:sldLayoutIdLst>
-    <p:sldLayoutId id="2147483660" r:id="rId1"/>
-    <p:sldLayoutId id="2147483661" r:id="rId2"/>
-    <p:sldLayoutId id="2147483662" r:id="rId3"/>
-    <p:sldLayoutId id="2147483663" r:id="rId4"/>
-    <p:sldLayoutId id="2147483664" r:id="rId5"/>
-    <p:sldLayoutId id="2147483665" r:id="rId6"/>
-    <p:sldLayoutId id="2147483666" r:id="rId7"/>
-    <p:sldLayoutId id="2147483667" r:id="rId8"/>
-    <p:sldLayoutId id="2147483668" r:id="rId9"/>
-    <p:sldLayoutId id="2147483669" r:id="rId10"/>
   </p:sldLayoutIdLst>
   <p:hf sldNum="0" hdr="0" ftr="0" dt="0"/>
   <p:txStyles>
@@ -18002,7 +9980,7 @@
               <a:buNone/>
             </a:pPr>
             <a:r>
-              <a:rPr lang="en-US" sz="2400" dirty="0" err="1">
+              <a:rPr lang="es-CU" sz="2400" dirty="0">
                 <a:solidFill>
                   <a:schemeClr val="lt1"/>
                 </a:solidFill>
@@ -18011,33 +9989,22 @@
                 <a:cs typeface="Raleway"/>
                 <a:sym typeface="Raleway"/>
               </a:rPr>
-              <a:t>Curso</a:t>
+              <a:t>Curso de Visualización</a:t>
             </a:r>
-            <a:r>
-              <a:rPr lang="en-US" sz="2400" dirty="0">
-                <a:solidFill>
-                  <a:schemeClr val="lt1"/>
-                </a:solidFill>
-                <a:latin typeface="Raleway"/>
-                <a:ea typeface="Raleway"/>
-                <a:cs typeface="Raleway"/>
-                <a:sym typeface="Raleway"/>
-              </a:rPr>
-              <a:t> de </a:t>
-            </a:r>
-            <a:r>
-              <a:rPr lang="en-US" sz="2400" dirty="0" err="1">
-                <a:solidFill>
-                  <a:schemeClr val="lt1"/>
-                </a:solidFill>
-                <a:latin typeface="Raleway"/>
-                <a:ea typeface="Raleway"/>
-                <a:cs typeface="Raleway"/>
-                <a:sym typeface="Raleway"/>
-              </a:rPr>
-              <a:t>Visualización</a:t>
-            </a:r>
-            <a:endParaRPr lang="en-US" sz="2400" dirty="0">
+          </a:p>
+          <a:p>
+            <a:pPr marL="0" marR="0" lvl="0" indent="0" algn="ctr" rtl="0">
+              <a:spcBef>
+                <a:spcPts val="0"/>
+              </a:spcBef>
+              <a:buClr>
+                <a:schemeClr val="lt1"/>
+              </a:buClr>
+              <a:buSzPct val="25000"/>
+              <a:buFont typeface="Arial"/>
+              <a:buNone/>
+            </a:pPr>
+            <a:endParaRPr lang="es-CU" sz="2400" dirty="0">
               <a:solidFill>
                 <a:schemeClr val="lt1"/>
               </a:solidFill>
@@ -18060,7 +10027,7 @@
               <a:buNone/>
             </a:pPr>
             <a:r>
-              <a:rPr lang="en-US" sz="2400" dirty="0" err="1">
+              <a:rPr lang="es-CU" sz="2400" dirty="0">
                 <a:solidFill>
                   <a:schemeClr val="lt1"/>
                 </a:solidFill>
@@ -18069,10 +10036,10 @@
                 <a:cs typeface="Raleway"/>
                 <a:sym typeface="Raleway"/>
               </a:rPr>
-              <a:t>Lección</a:t>
+              <a:t>Lección 2.4. </a:t>
             </a:r>
             <a:r>
-              <a:rPr lang="en-US" sz="2400" dirty="0">
+              <a:rPr lang="es-VE" sz="2400" dirty="0">
                 <a:solidFill>
                   <a:schemeClr val="lt1"/>
                 </a:solidFill>
@@ -18081,45 +10048,9 @@
                 <a:cs typeface="Raleway"/>
                 <a:sym typeface="Raleway"/>
               </a:rPr>
-              <a:t> 1.2. </a:t>
+              <a:t>Herramientas de Visualizaciones</a:t>
             </a:r>
-            <a:r>
-              <a:rPr lang="en-US" sz="2400" dirty="0" err="1">
-                <a:solidFill>
-                  <a:schemeClr val="lt1"/>
-                </a:solidFill>
-                <a:latin typeface="Raleway"/>
-                <a:ea typeface="Raleway"/>
-                <a:cs typeface="Raleway"/>
-                <a:sym typeface="Raleway"/>
-              </a:rPr>
-              <a:t>Entendiendo</a:t>
-            </a:r>
-            <a:r>
-              <a:rPr lang="en-US" sz="2400" dirty="0">
-                <a:solidFill>
-                  <a:schemeClr val="lt1"/>
-                </a:solidFill>
-                <a:latin typeface="Raleway"/>
-                <a:ea typeface="Raleway"/>
-                <a:cs typeface="Raleway"/>
-                <a:sym typeface="Raleway"/>
-              </a:rPr>
-              <a:t> el </a:t>
-            </a:r>
-            <a:r>
-              <a:rPr lang="en-US" sz="2400" dirty="0" err="1">
-                <a:solidFill>
-                  <a:schemeClr val="lt1"/>
-                </a:solidFill>
-                <a:latin typeface="Raleway"/>
-                <a:ea typeface="Raleway"/>
-                <a:cs typeface="Raleway"/>
-                <a:sym typeface="Raleway"/>
-              </a:rPr>
-              <a:t>Problema</a:t>
-            </a:r>
-            <a:endParaRPr lang="en-US" sz="2400" dirty="0">
+            <a:endParaRPr lang="es-SV" sz="2400" dirty="0">
               <a:solidFill>
                 <a:schemeClr val="lt1"/>
               </a:solidFill>
@@ -18132,6 +10063,11 @@
         </p:txBody>
       </p:sp>
     </p:spTree>
+    <p:extLst>
+      <p:ext uri="{BB962C8B-B14F-4D97-AF65-F5344CB8AC3E}">
+        <p14:creationId xmlns:p14="http://schemas.microsoft.com/office/powerpoint/2010/main" val="3519520831"/>
+      </p:ext>
+    </p:extLst>
   </p:cSld>
   <p:clrMapOvr>
     <a:masterClrMapping/>
@@ -18168,8 +10104,8 @@
         </p:nvSpPr>
         <p:spPr>
           <a:xfrm>
-            <a:off x="457200" y="1600200"/>
-            <a:ext cx="8229600" cy="4526100"/>
+            <a:off x="6165131" y="6522595"/>
+            <a:ext cx="3685880" cy="297697"/>
           </a:xfrm>
           <a:prstGeom prst="rect">
             <a:avLst/>
@@ -18200,214 +10136,20 @@
               <a:buNone/>
             </a:pPr>
             <a:r>
-              <a:rPr lang="en-US" sz="1850" b="0" i="0" u="none" strike="noStrike" cap="none">
-                <a:solidFill>
-                  <a:schemeClr val="dk1"/>
-                </a:solidFill>
+              <a:rPr lang="es-VE" sz="1400" b="1" i="0" u="none" strike="noStrike" cap="none" dirty="0">
+                <a:solidFill>
+                  <a:schemeClr val="dk1"/>
+                </a:solidFill>
+                <a:latin typeface="Raleway" panose="020B0604020202020204" charset="0"/>
               </a:rPr>
-              <a:t>La principal imagen de laboratoria son nuestras estudiantes, quienes humanizan y hacen real nuestra historia.</a:t>
+              <a:t>Fuente: </a:t>
             </a:r>
-          </a:p>
-          <a:p>
-            <a:pPr marL="342900" marR="0" lvl="0" indent="-342900" algn="l" rtl="0">
-              <a:lnSpc>
-                <a:spcPct val="90000"/>
-              </a:lnSpc>
-              <a:spcBef>
-                <a:spcPts val="370"/>
-              </a:spcBef>
-              <a:buClr>
-                <a:schemeClr val="dk1"/>
-              </a:buClr>
-              <a:buSzPct val="97368"/>
-              <a:buFont typeface="Arial"/>
-              <a:buNone/>
-            </a:pPr>
-            <a:endParaRPr sz="1850" b="0" i="0" u="none" strike="noStrike" cap="none">
-              <a:solidFill>
-                <a:schemeClr val="dk1"/>
-              </a:solidFill>
-            </a:endParaRPr>
-          </a:p>
-          <a:p>
-            <a:pPr marL="0" marR="0" lvl="0" indent="0" algn="l" rtl="0">
-              <a:lnSpc>
-                <a:spcPct val="90000"/>
-              </a:lnSpc>
-              <a:spcBef>
-                <a:spcPts val="370"/>
-              </a:spcBef>
-              <a:buClr>
-                <a:schemeClr val="dk1"/>
-              </a:buClr>
-              <a:buSzPct val="25000"/>
-              <a:buFont typeface="Arial"/>
-              <a:buNone/>
-            </a:pPr>
             <a:r>
-              <a:rPr lang="en-US" sz="1850" b="0" i="0" u="none" strike="noStrike" cap="none">
-                <a:solidFill>
-                  <a:schemeClr val="dk1"/>
-                </a:solidFill>
+              <a:rPr lang="es-VE" sz="1400" b="1" dirty="0">
+                <a:latin typeface="Raleway" panose="020B0604020202020204" charset="0"/>
               </a:rPr>
-              <a:t>Siempre debemos incluir imágenes de nuestras coders en nuestras presentaciones y comunicaciones, cumpliendo con los siguientes criterios: </a:t>
+              <a:t>Wikipedia y Mari Plaza</a:t>
             </a:r>
-          </a:p>
-          <a:p>
-            <a:pPr marL="342900" marR="0" lvl="0" indent="-342900" algn="l" rtl="0">
-              <a:lnSpc>
-                <a:spcPct val="90000"/>
-              </a:lnSpc>
-              <a:spcBef>
-                <a:spcPts val="370"/>
-              </a:spcBef>
-              <a:buClr>
-                <a:schemeClr val="dk1"/>
-              </a:buClr>
-              <a:buSzPct val="97368"/>
-              <a:buFont typeface="Arial"/>
-              <a:buNone/>
-            </a:pPr>
-            <a:endParaRPr sz="1850" b="0" i="0" u="none" strike="noStrike" cap="none">
-              <a:solidFill>
-                <a:schemeClr val="dk1"/>
-              </a:solidFill>
-            </a:endParaRPr>
-          </a:p>
-          <a:p>
-            <a:pPr marL="342900" marR="0" lvl="0" indent="-342900" algn="l" rtl="0">
-              <a:lnSpc>
-                <a:spcPct val="90000"/>
-              </a:lnSpc>
-              <a:spcBef>
-                <a:spcPts val="370"/>
-              </a:spcBef>
-              <a:buClr>
-                <a:schemeClr val="dk1"/>
-              </a:buClr>
-              <a:buSzPct val="97368"/>
-              <a:buFont typeface="Raleway"/>
-              <a:buChar char="•"/>
-            </a:pPr>
-            <a:r>
-              <a:rPr lang="en-US" sz="1850" b="0" i="0" u="none" strike="noStrike" cap="none">
-                <a:solidFill>
-                  <a:schemeClr val="dk1"/>
-                </a:solidFill>
-              </a:rPr>
-              <a:t>Con computadoras: que se entienda que están echando código o al menos trabajando con computadoras. </a:t>
-            </a:r>
-          </a:p>
-          <a:p>
-            <a:pPr marL="342900" marR="0" lvl="0" indent="-342900" algn="l" rtl="0">
-              <a:lnSpc>
-                <a:spcPct val="90000"/>
-              </a:lnSpc>
-              <a:spcBef>
-                <a:spcPts val="370"/>
-              </a:spcBef>
-              <a:buClr>
-                <a:schemeClr val="dk1"/>
-              </a:buClr>
-              <a:buSzPct val="97368"/>
-              <a:buFont typeface="Arial"/>
-              <a:buNone/>
-            </a:pPr>
-            <a:endParaRPr sz="1850" b="0" i="0" u="none" strike="noStrike" cap="none">
-              <a:solidFill>
-                <a:schemeClr val="dk1"/>
-              </a:solidFill>
-            </a:endParaRPr>
-          </a:p>
-          <a:p>
-            <a:pPr marL="342900" marR="0" lvl="0" indent="-342900" algn="l" rtl="0">
-              <a:lnSpc>
-                <a:spcPct val="90000"/>
-              </a:lnSpc>
-              <a:spcBef>
-                <a:spcPts val="370"/>
-              </a:spcBef>
-              <a:buClr>
-                <a:schemeClr val="dk1"/>
-              </a:buClr>
-              <a:buSzPct val="97368"/>
-              <a:buFont typeface="Raleway"/>
-              <a:buChar char="•"/>
-            </a:pPr>
-            <a:r>
-              <a:rPr lang="en-US" sz="1850" b="0" i="0" u="none" strike="noStrike" cap="none">
-                <a:solidFill>
-                  <a:schemeClr val="dk1"/>
-                </a:solidFill>
-              </a:rPr>
-              <a:t>Buena actitud: que se vea que están comprometidas en lo que hacen, no asustadas o cansadas. </a:t>
-            </a:r>
-          </a:p>
-          <a:p>
-            <a:pPr marL="342900" marR="0" lvl="0" indent="-342900" algn="l" rtl="0">
-              <a:lnSpc>
-                <a:spcPct val="90000"/>
-              </a:lnSpc>
-              <a:spcBef>
-                <a:spcPts val="370"/>
-              </a:spcBef>
-              <a:buClr>
-                <a:schemeClr val="dk1"/>
-              </a:buClr>
-              <a:buSzPct val="97368"/>
-              <a:buFont typeface="Arial"/>
-              <a:buNone/>
-            </a:pPr>
-            <a:endParaRPr sz="1850" b="0" i="0" u="none" strike="noStrike" cap="none">
-              <a:solidFill>
-                <a:schemeClr val="dk1"/>
-              </a:solidFill>
-            </a:endParaRPr>
-          </a:p>
-          <a:p>
-            <a:pPr marL="342900" marR="0" lvl="0" indent="-342900" algn="l" rtl="0">
-              <a:lnSpc>
-                <a:spcPct val="90000"/>
-              </a:lnSpc>
-              <a:spcBef>
-                <a:spcPts val="370"/>
-              </a:spcBef>
-              <a:buClr>
-                <a:schemeClr val="dk1"/>
-              </a:buClr>
-              <a:buSzPct val="97368"/>
-              <a:buFont typeface="Raleway"/>
-              <a:buChar char="•"/>
-            </a:pPr>
-            <a:r>
-              <a:rPr lang="en-US" sz="1850" b="0" i="0" u="none" strike="noStrike" cap="none">
-                <a:solidFill>
-                  <a:schemeClr val="dk1"/>
-                </a:solidFill>
-              </a:rPr>
-              <a:t>Ambiente Tech: que se vean en un ambiente pro, limpio, tecnológico. </a:t>
-            </a:r>
-          </a:p>
-          <a:p>
-            <a:pPr marL="342900" marR="0" lvl="0" indent="-342900" algn="l" rtl="0">
-              <a:lnSpc>
-                <a:spcPct val="90000"/>
-              </a:lnSpc>
-              <a:spcBef>
-                <a:spcPts val="370"/>
-              </a:spcBef>
-              <a:buClr>
-                <a:schemeClr val="dk1"/>
-              </a:buClr>
-              <a:buSzPct val="97368"/>
-              <a:buFont typeface="Arial"/>
-              <a:buNone/>
-            </a:pPr>
-            <a:endParaRPr sz="1850" b="0" i="0" u="none" strike="noStrike" cap="none">
-              <a:solidFill>
-                <a:schemeClr val="dk1"/>
-              </a:solidFill>
-            </a:endParaRPr>
           </a:p>
         </p:txBody>
       </p:sp>
@@ -18424,7 +10166,7 @@
         <p:spPr>
           <a:xfrm>
             <a:off x="666539" y="209956"/>
-            <a:ext cx="1873500" cy="428400"/>
+            <a:ext cx="5192220" cy="428400"/>
           </a:xfrm>
           <a:prstGeom prst="rect">
             <a:avLst/>
@@ -18452,7 +10194,7 @@
               <a:buNone/>
             </a:pPr>
             <a:r>
-              <a:rPr lang="en-US" sz="1800" i="0" u="none" strike="noStrike" cap="none">
+              <a:rPr lang="es-VE" sz="1200" i="0" u="none" strike="noStrike" cap="none" dirty="0">
                 <a:solidFill>
                   <a:srgbClr val="F7B600"/>
                 </a:solidFill>
@@ -18461,7 +10203,7 @@
                 <a:cs typeface="Montserrat"/>
                 <a:sym typeface="Montserrat"/>
               </a:rPr>
-              <a:t>Imagen </a:t>
+              <a:t>2.4 Herramientas de Visualizaciones</a:t>
             </a:r>
           </a:p>
         </p:txBody>
@@ -18501,8 +10243,8 @@
         </p:nvSpPr>
         <p:spPr>
           <a:xfrm>
-            <a:off x="3023850" y="674175"/>
-            <a:ext cx="3096300" cy="646200"/>
+            <a:off x="970960" y="722230"/>
+            <a:ext cx="7748832" cy="646200"/>
           </a:xfrm>
           <a:prstGeom prst="rect">
             <a:avLst/>
@@ -18526,7 +10268,7 @@
               <a:buNone/>
             </a:pPr>
             <a:r>
-              <a:rPr lang="en-US" sz="3600" b="0" i="0" u="none" strike="noStrike" cap="none">
+              <a:rPr lang="es-GT" sz="3600" b="0" i="0" u="none" strike="noStrike" cap="none" dirty="0">
                 <a:solidFill>
                   <a:srgbClr val="F7B600"/>
                 </a:solidFill>
@@ -18535,472 +10277,408 @@
                 <a:cs typeface="Raleway"/>
                 <a:sym typeface="Raleway"/>
               </a:rPr>
-              <a:t>¡Las coders!</a:t>
-            </a:r>
-          </a:p>
-        </p:txBody>
-      </p:sp>
-    </p:spTree>
-  </p:cSld>
-  <p:clrMapOvr>
-    <a:masterClrMapping/>
-  </p:clrMapOvr>
-</p:sld>
-</file>
-
-<file path=ppt/slides/slide3.xml><?xml version="1.0" encoding="utf-8"?>
-<p:sld xmlns:a="http://schemas.openxmlformats.org/drawingml/2006/main" xmlns:r="http://schemas.openxmlformats.org/officeDocument/2006/relationships" xmlns:p="http://schemas.openxmlformats.org/presentationml/2006/main">
-  <p:cSld>
-    <p:spTree>
-      <p:nvGrpSpPr>
-        <p:cNvPr id="1" name="Shape 175"/>
-        <p:cNvGrpSpPr/>
-        <p:nvPr/>
-      </p:nvGrpSpPr>
-      <p:grpSpPr>
-        <a:xfrm>
-          <a:off x="0" y="0"/>
-          <a:ext cx="0" cy="0"/>
-          <a:chOff x="0" y="0"/>
-          <a:chExt cx="0" cy="0"/>
-        </a:xfrm>
-      </p:grpSpPr>
-      <p:pic>
-        <p:nvPicPr>
-          <p:cNvPr id="176" name="Shape 176" descr="laboratorialogotigo2.png"/>
-          <p:cNvPicPr preferRelativeResize="0"/>
-          <p:nvPr/>
-        </p:nvPicPr>
-        <p:blipFill rotWithShape="1">
-          <a:blip r:embed="rId3">
-            <a:alphaModFix/>
-          </a:blip>
-          <a:srcRect b="73865"/>
-          <a:stretch/>
-        </p:blipFill>
-        <p:spPr>
-          <a:xfrm>
-            <a:off x="0" y="0"/>
-            <a:ext cx="9144000" cy="6858000"/>
-          </a:xfrm>
-          <a:prstGeom prst="rect">
-            <a:avLst/>
-          </a:prstGeom>
-          <a:noFill/>
-          <a:ln>
-            <a:noFill/>
-          </a:ln>
-        </p:spPr>
-      </p:pic>
-      <p:sp>
-        <p:nvSpPr>
-          <p:cNvPr id="177" name="Shape 177"/>
-          <p:cNvSpPr txBox="1">
-            <a:spLocks noGrp="1"/>
-          </p:cNvSpPr>
-          <p:nvPr>
-            <p:ph type="subTitle" idx="1"/>
-          </p:nvPr>
-        </p:nvSpPr>
-        <p:spPr>
-          <a:xfrm>
-            <a:off x="0" y="3403232"/>
-            <a:ext cx="9144000" cy="499200"/>
-          </a:xfrm>
-          <a:prstGeom prst="rect">
-            <a:avLst/>
-          </a:prstGeom>
-          <a:noFill/>
-          <a:ln>
-            <a:noFill/>
-          </a:ln>
-        </p:spPr>
-        <p:txBody>
-          <a:bodyPr lIns="91425" tIns="45700" rIns="91425" bIns="45700" anchor="t" anchorCtr="0">
-            <a:noAutofit/>
-          </a:bodyPr>
-          <a:lstStyle/>
-          <a:p>
-            <a:pPr marL="0" marR="0" lvl="0" indent="0" algn="ctr" rtl="0">
-              <a:spcBef>
-                <a:spcPts val="0"/>
-              </a:spcBef>
-              <a:buClr>
-                <a:schemeClr val="lt1"/>
-              </a:buClr>
-              <a:buSzPct val="25000"/>
-              <a:buFont typeface="Arial"/>
-              <a:buNone/>
-            </a:pPr>
-            <a:r>
-              <a:rPr lang="en-US" sz="4000">
-                <a:solidFill>
-                  <a:schemeClr val="lt1"/>
-                </a:solidFill>
-                <a:latin typeface="Raleway"/>
-                <a:ea typeface="Raleway"/>
-                <a:cs typeface="Raleway"/>
-                <a:sym typeface="Raleway"/>
-              </a:rPr>
-              <a:t>Posicionamiento</a:t>
-            </a:r>
-          </a:p>
-        </p:txBody>
-      </p:sp>
-      <p:pic>
-        <p:nvPicPr>
-          <p:cNvPr id="178" name="Shape 178" descr="isotipo codeacademy.png"/>
-          <p:cNvPicPr preferRelativeResize="0"/>
-          <p:nvPr/>
-        </p:nvPicPr>
-        <p:blipFill rotWithShape="1">
-          <a:blip r:embed="rId4">
-            <a:alphaModFix/>
-          </a:blip>
-          <a:srcRect/>
-          <a:stretch/>
-        </p:blipFill>
-        <p:spPr>
-          <a:xfrm>
-            <a:off x="4300941" y="2786009"/>
-            <a:ext cx="548100" cy="548100"/>
-          </a:xfrm>
-          <a:prstGeom prst="rect">
-            <a:avLst/>
-          </a:prstGeom>
-          <a:noFill/>
-          <a:ln>
-            <a:noFill/>
-          </a:ln>
-        </p:spPr>
-      </p:pic>
-    </p:spTree>
-  </p:cSld>
-  <p:clrMapOvr>
-    <a:masterClrMapping/>
-  </p:clrMapOvr>
-</p:sld>
-</file>
-
-<file path=ppt/slides/slide4.xml><?xml version="1.0" encoding="utf-8"?>
-<p:sld xmlns:a="http://schemas.openxmlformats.org/drawingml/2006/main" xmlns:r="http://schemas.openxmlformats.org/officeDocument/2006/relationships" xmlns:p="http://schemas.openxmlformats.org/presentationml/2006/main">
-  <p:cSld>
-    <p:spTree>
-      <p:nvGrpSpPr>
-        <p:cNvPr id="1" name="Shape 182"/>
-        <p:cNvGrpSpPr/>
-        <p:nvPr/>
-      </p:nvGrpSpPr>
-      <p:grpSpPr>
-        <a:xfrm>
-          <a:off x="0" y="0"/>
-          <a:ext cx="0" cy="0"/>
-          <a:chOff x="0" y="0"/>
-          <a:chExt cx="0" cy="0"/>
-        </a:xfrm>
-      </p:grpSpPr>
-      <p:sp>
-        <p:nvSpPr>
-          <p:cNvPr id="183" name="Shape 183"/>
-          <p:cNvSpPr txBox="1">
-            <a:spLocks noGrp="1"/>
-          </p:cNvSpPr>
-          <p:nvPr>
-            <p:ph type="body" idx="1"/>
-          </p:nvPr>
-        </p:nvSpPr>
-        <p:spPr>
-          <a:xfrm>
-            <a:off x="694275" y="3126725"/>
-            <a:ext cx="2939100" cy="1645500"/>
-          </a:xfrm>
-          <a:prstGeom prst="rect">
-            <a:avLst/>
-          </a:prstGeom>
-          <a:noFill/>
-          <a:ln>
-            <a:noFill/>
-          </a:ln>
-        </p:spPr>
-        <p:txBody>
-          <a:bodyPr lIns="91425" tIns="45700" rIns="91425" bIns="45700" anchor="t" anchorCtr="0">
-            <a:noAutofit/>
-          </a:bodyPr>
-          <a:lstStyle/>
-          <a:p>
-            <a:pPr marL="0" marR="0" lvl="0" indent="0" rtl="0">
-              <a:spcBef>
-                <a:spcPts val="0"/>
-              </a:spcBef>
-              <a:buClr>
-                <a:srgbClr val="2B2B00"/>
-              </a:buClr>
-              <a:buSzPct val="25000"/>
-              <a:buFont typeface="Arial"/>
-              <a:buNone/>
-            </a:pPr>
-            <a:r>
-              <a:rPr lang="en-US" sz="2400">
-                <a:solidFill>
-                  <a:srgbClr val="3C3C3B"/>
-                </a:solidFill>
-                <a:latin typeface="Raleway"/>
-                <a:ea typeface="Raleway"/>
-                <a:cs typeface="Raleway"/>
-                <a:sym typeface="Raleway"/>
-              </a:rPr>
-              <a:t>ONG que ayuda a mujeres vulnerables.</a:t>
+              <a:t>Herramientas de Visualizaciones</a:t>
             </a:r>
           </a:p>
         </p:txBody>
       </p:sp>
       <p:sp>
         <p:nvSpPr>
-          <p:cNvPr id="184" name="Shape 184"/>
-          <p:cNvSpPr txBox="1">
-            <a:spLocks noGrp="1"/>
-          </p:cNvSpPr>
-          <p:nvPr>
-            <p:ph type="body" idx="1"/>
-          </p:nvPr>
+          <p:cNvPr id="15" name="TextBox 14">
+            <a:extLst>
+              <a:ext uri="{FF2B5EF4-FFF2-40B4-BE49-F238E27FC236}">
+                <a16:creationId xmlns:a16="http://schemas.microsoft.com/office/drawing/2014/main" id="{EC514AA2-50C4-40FD-BE2E-333F1D0A6D8E}"/>
+              </a:ext>
+            </a:extLst>
+          </p:cNvPr>
+          <p:cNvSpPr txBox="1"/>
+          <p:nvPr/>
         </p:nvSpPr>
         <p:spPr>
-          <a:xfrm>
-            <a:off x="4932225" y="3126725"/>
-            <a:ext cx="3491400" cy="2682600"/>
+          <a:xfrm rot="16200000" flipH="1">
+            <a:off x="-1836512" y="3336381"/>
+            <a:ext cx="4674567" cy="738664"/>
           </a:xfrm>
           <a:prstGeom prst="rect">
             <a:avLst/>
           </a:prstGeom>
           <a:noFill/>
-          <a:ln>
-            <a:noFill/>
-          </a:ln>
         </p:spPr>
         <p:txBody>
-          <a:bodyPr lIns="91425" tIns="45700" rIns="91425" bIns="45700" anchor="t" anchorCtr="0">
-            <a:noAutofit/>
+          <a:bodyPr wrap="square" rtlCol="0">
+            <a:spAutoFit/>
           </a:bodyPr>
           <a:lstStyle/>
           <a:p>
-            <a:pPr marL="0" marR="0" lvl="0" indent="0" rtl="0">
-              <a:spcBef>
-                <a:spcPts val="0"/>
-              </a:spcBef>
-              <a:buClr>
-                <a:srgbClr val="2B2B00"/>
-              </a:buClr>
-              <a:buSzPct val="25000"/>
-              <a:buFont typeface="Arial"/>
-              <a:buNone/>
-            </a:pPr>
+            <a:pPr algn="ctr"/>
             <a:r>
-              <a:rPr lang="en-US" sz="2400">
-                <a:solidFill>
-                  <a:srgbClr val="3C3C3B"/>
-                </a:solidFill>
-                <a:latin typeface="Raleway"/>
-                <a:ea typeface="Raleway"/>
-                <a:cs typeface="Raleway"/>
-                <a:sym typeface="Raleway"/>
+              <a:rPr lang="es-VE" b="1" dirty="0">
+                <a:latin typeface="Raleway" panose="020B0604020202020204" charset="0"/>
               </a:rPr>
-              <a:t>El mejor lugar donde formarse y conseguir talento diverso para el mundo tech. </a:t>
+              <a:t>Abstracción </a:t>
             </a:r>
+          </a:p>
+          <a:p>
+            <a:pPr algn="ctr"/>
+            <a:endParaRPr lang="es-VE" b="1" dirty="0">
+              <a:latin typeface="Raleway" panose="020B0604020202020204" charset="0"/>
+            </a:endParaRPr>
+          </a:p>
+          <a:p>
+            <a:r>
+              <a:rPr lang="es-VE" b="1" dirty="0">
+                <a:latin typeface="Raleway" panose="020B0604020202020204" charset="0"/>
+              </a:rPr>
+              <a:t>Orientada a Objetos                              Programación </a:t>
+            </a:r>
+            <a:endParaRPr lang="en-US" b="1" dirty="0">
+              <a:latin typeface="Raleway" panose="020B0604020202020204" charset="0"/>
+            </a:endParaRPr>
           </a:p>
         </p:txBody>
       </p:sp>
       <p:sp>
         <p:nvSpPr>
-          <p:cNvPr id="185" name="Shape 185"/>
-          <p:cNvSpPr txBox="1">
-            <a:spLocks noGrp="1"/>
-          </p:cNvSpPr>
-          <p:nvPr>
-            <p:ph type="title"/>
-          </p:nvPr>
+          <p:cNvPr id="20" name="TextBox 19">
+            <a:extLst>
+              <a:ext uri="{FF2B5EF4-FFF2-40B4-BE49-F238E27FC236}">
+                <a16:creationId xmlns:a16="http://schemas.microsoft.com/office/drawing/2014/main" id="{14B39272-9856-41D3-973E-3C0017A4E883}"/>
+              </a:ext>
+            </a:extLst>
+          </p:cNvPr>
+          <p:cNvSpPr txBox="1"/>
+          <p:nvPr/>
         </p:nvSpPr>
         <p:spPr>
-          <a:xfrm>
-            <a:off x="457200" y="570662"/>
-            <a:ext cx="8229600" cy="1143000"/>
+          <a:xfrm flipH="1">
+            <a:off x="1305613" y="6119336"/>
+            <a:ext cx="5884974" cy="738664"/>
           </a:xfrm>
           <a:prstGeom prst="rect">
             <a:avLst/>
           </a:prstGeom>
           <a:noFill/>
-          <a:ln>
-            <a:noFill/>
-          </a:ln>
         </p:spPr>
         <p:txBody>
-          <a:bodyPr lIns="91425" tIns="45700" rIns="91425" bIns="45700" anchor="ctr" anchorCtr="0">
-            <a:noAutofit/>
+          <a:bodyPr wrap="square" rtlCol="0">
+            <a:spAutoFit/>
           </a:bodyPr>
           <a:lstStyle/>
           <a:p>
-            <a:pPr marL="0" marR="0" lvl="0" indent="0" algn="ctr" rtl="0">
-              <a:spcBef>
-                <a:spcPts val="0"/>
-              </a:spcBef>
-              <a:buClr>
-                <a:srgbClr val="F7B600"/>
-              </a:buClr>
-              <a:buSzPct val="25000"/>
-              <a:buFont typeface="Arial"/>
-              <a:buNone/>
-            </a:pPr>
+            <a:pPr algn="ctr"/>
             <a:r>
-              <a:rPr lang="en-US">
-                <a:solidFill>
-                  <a:srgbClr val="F7B600"/>
-                </a:solidFill>
-                <a:latin typeface="Raleway"/>
-                <a:ea typeface="Raleway"/>
-                <a:cs typeface="Raleway"/>
-                <a:sym typeface="Raleway"/>
+              <a:rPr lang="es-VE" b="1" dirty="0">
+                <a:latin typeface="Raleway" panose="020B0604020202020204" charset="0"/>
               </a:rPr>
-              <a:t>Posicionamiento</a:t>
+              <a:t>Propietaria                                                              Código Abierto</a:t>
             </a:r>
+          </a:p>
+          <a:p>
+            <a:pPr algn="ctr"/>
+            <a:endParaRPr lang="es-VE" b="1" dirty="0">
+              <a:latin typeface="Raleway" panose="020B0604020202020204" charset="0"/>
+            </a:endParaRPr>
+          </a:p>
+          <a:p>
+            <a:pPr algn="ctr"/>
+            <a:r>
+              <a:rPr lang="es-VE" b="1" dirty="0">
+                <a:latin typeface="Raleway" panose="020B0604020202020204" charset="0"/>
+              </a:rPr>
+              <a:t>T</a:t>
+            </a:r>
+            <a:r>
+              <a:rPr lang="en-US" b="1" dirty="0" err="1">
+                <a:latin typeface="Raleway" panose="020B0604020202020204" charset="0"/>
+              </a:rPr>
+              <a:t>ipo</a:t>
+            </a:r>
+            <a:r>
+              <a:rPr lang="en-US" b="1" dirty="0">
+                <a:latin typeface="Raleway" panose="020B0604020202020204" charset="0"/>
+              </a:rPr>
+              <a:t> de Tecnología</a:t>
+            </a:r>
+            <a:endParaRPr lang="es-VE" b="1" dirty="0">
+              <a:latin typeface="Raleway" panose="020B0604020202020204" charset="0"/>
+            </a:endParaRPr>
           </a:p>
         </p:txBody>
       </p:sp>
+      <p:cxnSp>
+        <p:nvCxnSpPr>
+          <p:cNvPr id="14" name="Straight Connector 13">
+            <a:extLst>
+              <a:ext uri="{FF2B5EF4-FFF2-40B4-BE49-F238E27FC236}">
+                <a16:creationId xmlns:a16="http://schemas.microsoft.com/office/drawing/2014/main" id="{246F6DDC-7507-46A1-9F19-C80A0F79819D}"/>
+              </a:ext>
+            </a:extLst>
+          </p:cNvPr>
+          <p:cNvCxnSpPr>
+            <a:cxnSpLocks/>
+          </p:cNvCxnSpPr>
+          <p:nvPr/>
+        </p:nvCxnSpPr>
+        <p:spPr>
+          <a:xfrm>
+            <a:off x="1112363" y="1423215"/>
+            <a:ext cx="0" cy="4741915"/>
+          </a:xfrm>
+          <a:prstGeom prst="line">
+            <a:avLst/>
+          </a:prstGeom>
+        </p:spPr>
+        <p:style>
+          <a:lnRef idx="1">
+            <a:schemeClr val="accent1"/>
+          </a:lnRef>
+          <a:fillRef idx="0">
+            <a:schemeClr val="accent1"/>
+          </a:fillRef>
+          <a:effectRef idx="0">
+            <a:schemeClr val="accent1"/>
+          </a:effectRef>
+          <a:fontRef idx="minor">
+            <a:schemeClr val="tx1"/>
+          </a:fontRef>
+        </p:style>
+      </p:cxnSp>
+      <p:cxnSp>
+        <p:nvCxnSpPr>
+          <p:cNvPr id="18" name="Straight Connector 17">
+            <a:extLst>
+              <a:ext uri="{FF2B5EF4-FFF2-40B4-BE49-F238E27FC236}">
+                <a16:creationId xmlns:a16="http://schemas.microsoft.com/office/drawing/2014/main" id="{98B74408-FA40-4AEB-908E-E2365931596F}"/>
+              </a:ext>
+            </a:extLst>
+          </p:cNvPr>
+          <p:cNvCxnSpPr>
+            <a:cxnSpLocks/>
+          </p:cNvCxnSpPr>
+          <p:nvPr/>
+        </p:nvCxnSpPr>
+        <p:spPr>
+          <a:xfrm>
+            <a:off x="1060515" y="6063792"/>
+            <a:ext cx="6503618" cy="30856"/>
+          </a:xfrm>
+          <a:prstGeom prst="line">
+            <a:avLst/>
+          </a:prstGeom>
+        </p:spPr>
+        <p:style>
+          <a:lnRef idx="1">
+            <a:schemeClr val="accent1"/>
+          </a:lnRef>
+          <a:fillRef idx="0">
+            <a:schemeClr val="accent1"/>
+          </a:fillRef>
+          <a:effectRef idx="0">
+            <a:schemeClr val="accent1"/>
+          </a:effectRef>
+          <a:fontRef idx="minor">
+            <a:schemeClr val="tx1"/>
+          </a:fontRef>
+        </p:style>
+      </p:cxnSp>
+      <p:cxnSp>
+        <p:nvCxnSpPr>
+          <p:cNvPr id="28" name="Straight Connector 27">
+            <a:extLst>
+              <a:ext uri="{FF2B5EF4-FFF2-40B4-BE49-F238E27FC236}">
+                <a16:creationId xmlns:a16="http://schemas.microsoft.com/office/drawing/2014/main" id="{5C93DCB6-BD2C-4764-8404-158CD6DD87AC}"/>
+              </a:ext>
+            </a:extLst>
+          </p:cNvPr>
+          <p:cNvCxnSpPr>
+            <a:cxnSpLocks/>
+          </p:cNvCxnSpPr>
+          <p:nvPr/>
+        </p:nvCxnSpPr>
+        <p:spPr>
+          <a:xfrm>
+            <a:off x="4389748" y="1504262"/>
+            <a:ext cx="0" cy="4608907"/>
+          </a:xfrm>
+          <a:prstGeom prst="line">
+            <a:avLst/>
+          </a:prstGeom>
+        </p:spPr>
+        <p:style>
+          <a:lnRef idx="1">
+            <a:schemeClr val="accent1"/>
+          </a:lnRef>
+          <a:fillRef idx="0">
+            <a:schemeClr val="accent1"/>
+          </a:fillRef>
+          <a:effectRef idx="0">
+            <a:schemeClr val="accent1"/>
+          </a:effectRef>
+          <a:fontRef idx="minor">
+            <a:schemeClr val="tx1"/>
+          </a:fontRef>
+        </p:style>
+      </p:cxnSp>
+      <p:cxnSp>
+        <p:nvCxnSpPr>
+          <p:cNvPr id="29" name="Straight Connector 28">
+            <a:extLst>
+              <a:ext uri="{FF2B5EF4-FFF2-40B4-BE49-F238E27FC236}">
+                <a16:creationId xmlns:a16="http://schemas.microsoft.com/office/drawing/2014/main" id="{DB2865F4-125E-4CE1-B917-1895DA609582}"/>
+              </a:ext>
+            </a:extLst>
+          </p:cNvPr>
+          <p:cNvCxnSpPr>
+            <a:cxnSpLocks/>
+          </p:cNvCxnSpPr>
+          <p:nvPr/>
+        </p:nvCxnSpPr>
+        <p:spPr>
+          <a:xfrm>
+            <a:off x="7564133" y="1463394"/>
+            <a:ext cx="0" cy="4655942"/>
+          </a:xfrm>
+          <a:prstGeom prst="line">
+            <a:avLst/>
+          </a:prstGeom>
+        </p:spPr>
+        <p:style>
+          <a:lnRef idx="1">
+            <a:schemeClr val="accent1"/>
+          </a:lnRef>
+          <a:fillRef idx="0">
+            <a:schemeClr val="accent1"/>
+          </a:fillRef>
+          <a:effectRef idx="0">
+            <a:schemeClr val="accent1"/>
+          </a:effectRef>
+          <a:fontRef idx="minor">
+            <a:schemeClr val="tx1"/>
+          </a:fontRef>
+        </p:style>
+      </p:cxnSp>
+      <p:cxnSp>
+        <p:nvCxnSpPr>
+          <p:cNvPr id="30" name="Straight Connector 29">
+            <a:extLst>
+              <a:ext uri="{FF2B5EF4-FFF2-40B4-BE49-F238E27FC236}">
+                <a16:creationId xmlns:a16="http://schemas.microsoft.com/office/drawing/2014/main" id="{A4D9298F-C02C-45B4-928E-5DDB68C4092A}"/>
+              </a:ext>
+            </a:extLst>
+          </p:cNvPr>
+          <p:cNvCxnSpPr>
+            <a:cxnSpLocks/>
+          </p:cNvCxnSpPr>
+          <p:nvPr/>
+        </p:nvCxnSpPr>
+        <p:spPr>
+          <a:xfrm>
+            <a:off x="1060515" y="3783081"/>
+            <a:ext cx="6503618" cy="25634"/>
+          </a:xfrm>
+          <a:prstGeom prst="line">
+            <a:avLst/>
+          </a:prstGeom>
+        </p:spPr>
+        <p:style>
+          <a:lnRef idx="1">
+            <a:schemeClr val="accent1"/>
+          </a:lnRef>
+          <a:fillRef idx="0">
+            <a:schemeClr val="accent1"/>
+          </a:fillRef>
+          <a:effectRef idx="0">
+            <a:schemeClr val="accent1"/>
+          </a:effectRef>
+          <a:fontRef idx="minor">
+            <a:schemeClr val="tx1"/>
+          </a:fontRef>
+        </p:style>
+      </p:cxnSp>
+      <p:cxnSp>
+        <p:nvCxnSpPr>
+          <p:cNvPr id="33" name="Straight Connector 32">
+            <a:extLst>
+              <a:ext uri="{FF2B5EF4-FFF2-40B4-BE49-F238E27FC236}">
+                <a16:creationId xmlns:a16="http://schemas.microsoft.com/office/drawing/2014/main" id="{F367EB33-014B-4E02-9AC8-091E91D82AC2}"/>
+              </a:ext>
+            </a:extLst>
+          </p:cNvPr>
+          <p:cNvCxnSpPr>
+            <a:cxnSpLocks/>
+          </p:cNvCxnSpPr>
+          <p:nvPr/>
+        </p:nvCxnSpPr>
+        <p:spPr>
+          <a:xfrm>
+            <a:off x="1060514" y="1457022"/>
+            <a:ext cx="6405515" cy="18521"/>
+          </a:xfrm>
+          <a:prstGeom prst="line">
+            <a:avLst/>
+          </a:prstGeom>
+        </p:spPr>
+        <p:style>
+          <a:lnRef idx="1">
+            <a:schemeClr val="accent1"/>
+          </a:lnRef>
+          <a:fillRef idx="0">
+            <a:schemeClr val="accent1"/>
+          </a:fillRef>
+          <a:effectRef idx="0">
+            <a:schemeClr val="accent1"/>
+          </a:effectRef>
+          <a:fontRef idx="minor">
+            <a:schemeClr val="tx1"/>
+          </a:fontRef>
+        </p:style>
+      </p:cxnSp>
       <p:sp>
         <p:nvSpPr>
-          <p:cNvPr id="186" name="Shape 186"/>
-          <p:cNvSpPr/>
-          <p:nvPr/>
-        </p:nvSpPr>
-        <p:spPr>
-          <a:xfrm>
-            <a:off x="3839100" y="3639875"/>
-            <a:ext cx="648300" cy="466800"/>
-          </a:xfrm>
-          <a:prstGeom prst="rightArrow">
-            <a:avLst>
-              <a:gd name="adj1" fmla="val 50000"/>
-              <a:gd name="adj2" fmla="val 50000"/>
-            </a:avLst>
-          </a:prstGeom>
-          <a:noFill/>
-          <a:ln w="9525" cap="flat" cmpd="sng">
-            <a:solidFill>
-              <a:srgbClr val="3C3C3B"/>
-            </a:solidFill>
-            <a:prstDash val="solid"/>
-            <a:round/>
-            <a:headEnd type="none" w="med" len="med"/>
-            <a:tailEnd type="none" w="med" len="med"/>
-          </a:ln>
-        </p:spPr>
-        <p:txBody>
-          <a:bodyPr lIns="91425" tIns="91425" rIns="91425" bIns="91425" anchor="ctr" anchorCtr="0">
-            <a:noAutofit/>
-          </a:bodyPr>
-          <a:lstStyle/>
-          <a:p>
-            <a:pPr lvl="0">
-              <a:spcBef>
-                <a:spcPts val="0"/>
-              </a:spcBef>
-              <a:buNone/>
-            </a:pPr>
-            <a:endParaRPr/>
-          </a:p>
-        </p:txBody>
-      </p:sp>
-      <p:sp>
-        <p:nvSpPr>
-          <p:cNvPr id="187" name="Shape 187"/>
+          <p:cNvPr id="2" name="TextBox 1">
+            <a:extLst>
+              <a:ext uri="{FF2B5EF4-FFF2-40B4-BE49-F238E27FC236}">
+                <a16:creationId xmlns:a16="http://schemas.microsoft.com/office/drawing/2014/main" id="{46972676-3B78-4F5A-A2ED-727F78D49FB2}"/>
+              </a:ext>
+            </a:extLst>
+          </p:cNvPr>
           <p:cNvSpPr txBox="1"/>
           <p:nvPr/>
         </p:nvSpPr>
         <p:spPr>
-          <a:xfrm>
-            <a:off x="694275" y="2762675"/>
-            <a:ext cx="2546700" cy="363900"/>
+          <a:xfrm flipH="1">
+            <a:off x="2534395" y="4930219"/>
+            <a:ext cx="6185397" cy="307777"/>
           </a:xfrm>
           <a:prstGeom prst="rect">
             <a:avLst/>
           </a:prstGeom>
           <a:noFill/>
-          <a:ln>
-            <a:noFill/>
-          </a:ln>
         </p:spPr>
         <p:txBody>
-          <a:bodyPr lIns="91425" tIns="91425" rIns="91425" bIns="91425" anchor="t" anchorCtr="0">
-            <a:noAutofit/>
+          <a:bodyPr wrap="square" rtlCol="0">
+            <a:spAutoFit/>
           </a:bodyPr>
           <a:lstStyle/>
           <a:p>
-            <a:pPr lvl="0" rtl="0">
-              <a:spcBef>
-                <a:spcPts val="0"/>
-              </a:spcBef>
-              <a:buNone/>
-            </a:pPr>
             <a:r>
-              <a:rPr lang="en-US">
-                <a:solidFill>
-                  <a:srgbClr val="F7B600"/>
-                </a:solidFill>
-                <a:latin typeface="Raleway"/>
-                <a:ea typeface="Raleway"/>
-                <a:cs typeface="Raleway"/>
-                <a:sym typeface="Raleway"/>
-              </a:rPr>
-              <a:t>FROM</a:t>
+              <a:rPr lang="en-US" dirty="0"/>
+              <a:t>https://es.wikipedia.org/wiki/</a:t>
             </a:r>
-          </a:p>
-        </p:txBody>
-      </p:sp>
-      <p:sp>
-        <p:nvSpPr>
-          <p:cNvPr id="188" name="Shape 188"/>
-          <p:cNvSpPr txBox="1"/>
-          <p:nvPr/>
-        </p:nvSpPr>
-        <p:spPr>
-          <a:xfrm>
-            <a:off x="4932225" y="2762675"/>
-            <a:ext cx="2546700" cy="363900"/>
-          </a:xfrm>
-          <a:prstGeom prst="rect">
-            <a:avLst/>
-          </a:prstGeom>
-          <a:noFill/>
-          <a:ln>
-            <a:noFill/>
-          </a:ln>
-        </p:spPr>
-        <p:txBody>
-          <a:bodyPr lIns="91425" tIns="91425" rIns="91425" bIns="91425" anchor="t" anchorCtr="0">
-            <a:noAutofit/>
-          </a:bodyPr>
-          <a:lstStyle/>
-          <a:p>
-            <a:pPr lvl="0" rtl="0">
-              <a:spcBef>
-                <a:spcPts val="0"/>
-              </a:spcBef>
-              <a:buNone/>
-            </a:pPr>
             <a:r>
-              <a:rPr lang="en-US">
-                <a:solidFill>
-                  <a:srgbClr val="F7B600"/>
-                </a:solidFill>
-                <a:latin typeface="Raleway"/>
-                <a:ea typeface="Raleway"/>
-                <a:cs typeface="Raleway"/>
-                <a:sym typeface="Raleway"/>
-              </a:rPr>
-              <a:t>TO</a:t>
+              <a:rPr lang="en-US" dirty="0" err="1"/>
+              <a:t>Visualización_de_datos</a:t>
             </a:r>
+            <a:endParaRPr lang="en-US" dirty="0"/>
           </a:p>
         </p:txBody>
       </p:sp>
     </p:spTree>
+    <p:extLst>
+      <p:ext uri="{BB962C8B-B14F-4D97-AF65-F5344CB8AC3E}">
+        <p14:creationId xmlns:p14="http://schemas.microsoft.com/office/powerpoint/2010/main" val="445916000"/>
+      </p:ext>
+    </p:extLst>
   </p:cSld>
   <p:clrMapOvr>
     <a:masterClrMapping/>
@@ -19290,287 +10968,6 @@
 </file>
 
 <file path=ppt/theme/theme2.xml><?xml version="1.0" encoding="utf-8"?>
-<a:theme xmlns:a="http://schemas.openxmlformats.org/drawingml/2006/main" name="Office Theme">
-  <a:themeElements>
-    <a:clrScheme name="Office">
-      <a:dk1>
-        <a:srgbClr val="000000"/>
-      </a:dk1>
-      <a:lt1>
-        <a:srgbClr val="FFFFFF"/>
-      </a:lt1>
-      <a:dk2>
-        <a:srgbClr val="1F497D"/>
-      </a:dk2>
-      <a:lt2>
-        <a:srgbClr val="EEECE1"/>
-      </a:lt2>
-      <a:accent1>
-        <a:srgbClr val="4F81BD"/>
-      </a:accent1>
-      <a:accent2>
-        <a:srgbClr val="C0504D"/>
-      </a:accent2>
-      <a:accent3>
-        <a:srgbClr val="9BBB59"/>
-      </a:accent3>
-      <a:accent4>
-        <a:srgbClr val="8064A2"/>
-      </a:accent4>
-      <a:accent5>
-        <a:srgbClr val="4BACC6"/>
-      </a:accent5>
-      <a:accent6>
-        <a:srgbClr val="F79646"/>
-      </a:accent6>
-      <a:hlink>
-        <a:srgbClr val="0000FF"/>
-      </a:hlink>
-      <a:folHlink>
-        <a:srgbClr val="800080"/>
-      </a:folHlink>
-    </a:clrScheme>
-    <a:fontScheme name="Office">
-      <a:majorFont>
-        <a:latin typeface="Arial"/>
-        <a:ea typeface=""/>
-        <a:cs typeface=""/>
-        <a:font script="Jpan" typeface="ＭＳ Ｐゴシック"/>
-        <a:font script="Hang" typeface="맑은 고딕"/>
-        <a:font script="Hans" typeface="宋体"/>
-        <a:font script="Hant" typeface="新細明體"/>
-        <a:font script="Arab" typeface="Times New Roman"/>
-        <a:font script="Hebr" typeface="Times New Roman"/>
-        <a:font script="Thai" typeface="Angsana New"/>
-        <a:font script="Ethi" typeface="Nyala"/>
-        <a:font script="Beng" typeface="Vrinda"/>
-        <a:font script="Gujr" typeface="Shruti"/>
-        <a:font script="Khmr" typeface="MoolBoran"/>
-        <a:font script="Knda" typeface="Tunga"/>
-        <a:font script="Guru" typeface="Raavi"/>
-        <a:font script="Cans" typeface="Euphemia"/>
-        <a:font script="Cher" typeface="Plantagenet Cherokee"/>
-        <a:font script="Yiii" typeface="Microsoft Yi Baiti"/>
-        <a:font script="Tibt" typeface="Microsoft Himalaya"/>
-        <a:font script="Thaa" typeface="MV Boli"/>
-        <a:font script="Deva" typeface="Mangal"/>
-        <a:font script="Telu" typeface="Gautami"/>
-        <a:font script="Taml" typeface="Latha"/>
-        <a:font script="Syrc" typeface="Estrangelo Edessa"/>
-        <a:font script="Orya" typeface="Kalinga"/>
-        <a:font script="Mlym" typeface="Kartika"/>
-        <a:font script="Laoo" typeface="DokChampa"/>
-        <a:font script="Sinh" typeface="Iskoola Pota"/>
-        <a:font script="Mong" typeface="Mongolian Baiti"/>
-        <a:font script="Viet" typeface="Times New Roman"/>
-        <a:font script="Uigh" typeface="Microsoft Uighur"/>
-        <a:font script="Geor" typeface="Sylfaen"/>
-      </a:majorFont>
-      <a:minorFont>
-        <a:latin typeface="Arial"/>
-        <a:ea typeface=""/>
-        <a:cs typeface=""/>
-        <a:font script="Jpan" typeface="ＭＳ Ｐゴシック"/>
-        <a:font script="Hang" typeface="맑은 고딕"/>
-        <a:font script="Hans" typeface="宋体"/>
-        <a:font script="Hant" typeface="新細明體"/>
-        <a:font script="Arab" typeface="Arial"/>
-        <a:font script="Hebr" typeface="Arial"/>
-        <a:font script="Thai" typeface="Cordia New"/>
-        <a:font script="Ethi" typeface="Nyala"/>
-        <a:font script="Beng" typeface="Vrinda"/>
-        <a:font script="Gujr" typeface="Shruti"/>
-        <a:font script="Khmr" typeface="DaunPenh"/>
-        <a:font script="Knda" typeface="Tunga"/>
-        <a:font script="Guru" typeface="Raavi"/>
-        <a:font script="Cans" typeface="Euphemia"/>
-        <a:font script="Cher" typeface="Plantagenet Cherokee"/>
-        <a:font script="Yiii" typeface="Microsoft Yi Baiti"/>
-        <a:font script="Tibt" typeface="Microsoft Himalaya"/>
-        <a:font script="Thaa" typeface="MV Boli"/>
-        <a:font script="Deva" typeface="Mangal"/>
-        <a:font script="Telu" typeface="Gautami"/>
-        <a:font script="Taml" typeface="Latha"/>
-        <a:font script="Syrc" typeface="Estrangelo Edessa"/>
-        <a:font script="Orya" typeface="Kalinga"/>
-        <a:font script="Mlym" typeface="Kartika"/>
-        <a:font script="Laoo" typeface="DokChampa"/>
-        <a:font script="Sinh" typeface="Iskoola Pota"/>
-        <a:font script="Mong" typeface="Mongolian Baiti"/>
-        <a:font script="Viet" typeface="Arial"/>
-        <a:font script="Uigh" typeface="Microsoft Uighur"/>
-        <a:font script="Geor" typeface="Sylfaen"/>
-      </a:minorFont>
-    </a:fontScheme>
-    <a:fmtScheme name="Office">
-      <a:fillStyleLst>
-        <a:solidFill>
-          <a:schemeClr val="phClr"/>
-        </a:solidFill>
-        <a:gradFill rotWithShape="1">
-          <a:gsLst>
-            <a:gs pos="0">
-              <a:schemeClr val="phClr">
-                <a:tint val="50000"/>
-                <a:satMod val="300000"/>
-              </a:schemeClr>
-            </a:gs>
-            <a:gs pos="35000">
-              <a:schemeClr val="phClr">
-                <a:tint val="37000"/>
-                <a:satMod val="300000"/>
-              </a:schemeClr>
-            </a:gs>
-            <a:gs pos="100000">
-              <a:schemeClr val="phClr">
-                <a:tint val="15000"/>
-                <a:satMod val="350000"/>
-              </a:schemeClr>
-            </a:gs>
-          </a:gsLst>
-          <a:lin ang="16200000" scaled="1"/>
-        </a:gradFill>
-        <a:gradFill rotWithShape="1">
-          <a:gsLst>
-            <a:gs pos="0">
-              <a:schemeClr val="phClr">
-                <a:tint val="100000"/>
-                <a:shade val="100000"/>
-                <a:satMod val="130000"/>
-              </a:schemeClr>
-            </a:gs>
-            <a:gs pos="100000">
-              <a:schemeClr val="phClr">
-                <a:tint val="50000"/>
-                <a:shade val="100000"/>
-                <a:satMod val="350000"/>
-              </a:schemeClr>
-            </a:gs>
-          </a:gsLst>
-          <a:lin ang="16200000" scaled="0"/>
-        </a:gradFill>
-      </a:fillStyleLst>
-      <a:lnStyleLst>
-        <a:ln w="9525" cap="flat" cmpd="sng" algn="ctr">
-          <a:solidFill>
-            <a:schemeClr val="phClr">
-              <a:shade val="95000"/>
-              <a:satMod val="105000"/>
-            </a:schemeClr>
-          </a:solidFill>
-          <a:prstDash val="solid"/>
-        </a:ln>
-        <a:ln w="25400" cap="flat" cmpd="sng" algn="ctr">
-          <a:solidFill>
-            <a:schemeClr val="phClr"/>
-          </a:solidFill>
-          <a:prstDash val="solid"/>
-        </a:ln>
-        <a:ln w="38100" cap="flat" cmpd="sng" algn="ctr">
-          <a:solidFill>
-            <a:schemeClr val="phClr"/>
-          </a:solidFill>
-          <a:prstDash val="solid"/>
-        </a:ln>
-      </a:lnStyleLst>
-      <a:effectStyleLst>
-        <a:effectStyle>
-          <a:effectLst>
-            <a:outerShdw blurRad="40000" dist="20000" dir="5400000" rotWithShape="0">
-              <a:srgbClr val="000000">
-                <a:alpha val="38000"/>
-              </a:srgbClr>
-            </a:outerShdw>
-          </a:effectLst>
-        </a:effectStyle>
-        <a:effectStyle>
-          <a:effectLst>
-            <a:outerShdw blurRad="40000" dist="23000" dir="5400000" rotWithShape="0">
-              <a:srgbClr val="000000">
-                <a:alpha val="35000"/>
-              </a:srgbClr>
-            </a:outerShdw>
-          </a:effectLst>
-        </a:effectStyle>
-        <a:effectStyle>
-          <a:effectLst>
-            <a:outerShdw blurRad="40000" dist="23000" dir="5400000" rotWithShape="0">
-              <a:srgbClr val="000000">
-                <a:alpha val="35000"/>
-              </a:srgbClr>
-            </a:outerShdw>
-          </a:effectLst>
-          <a:scene3d>
-            <a:camera prst="orthographicFront">
-              <a:rot lat="0" lon="0" rev="0"/>
-            </a:camera>
-            <a:lightRig rig="threePt" dir="t">
-              <a:rot lat="0" lon="0" rev="1200000"/>
-            </a:lightRig>
-          </a:scene3d>
-          <a:sp3d>
-            <a:bevelT w="63500" h="25400"/>
-          </a:sp3d>
-        </a:effectStyle>
-      </a:effectStyleLst>
-      <a:bgFillStyleLst>
-        <a:solidFill>
-          <a:schemeClr val="phClr"/>
-        </a:solidFill>
-        <a:gradFill rotWithShape="1">
-          <a:gsLst>
-            <a:gs pos="0">
-              <a:schemeClr val="phClr">
-                <a:tint val="40000"/>
-                <a:satMod val="350000"/>
-              </a:schemeClr>
-            </a:gs>
-            <a:gs pos="40000">
-              <a:schemeClr val="phClr">
-                <a:tint val="45000"/>
-                <a:shade val="99000"/>
-                <a:satMod val="350000"/>
-              </a:schemeClr>
-            </a:gs>
-            <a:gs pos="100000">
-              <a:schemeClr val="phClr">
-                <a:shade val="20000"/>
-                <a:satMod val="255000"/>
-              </a:schemeClr>
-            </a:gs>
-          </a:gsLst>
-          <a:path path="circle">
-            <a:fillToRect l="50000" t="-80000" r="50000" b="180000"/>
-          </a:path>
-        </a:gradFill>
-        <a:gradFill rotWithShape="1">
-          <a:gsLst>
-            <a:gs pos="0">
-              <a:schemeClr val="phClr">
-                <a:tint val="80000"/>
-                <a:satMod val="300000"/>
-              </a:schemeClr>
-            </a:gs>
-            <a:gs pos="100000">
-              <a:schemeClr val="phClr">
-                <a:shade val="30000"/>
-                <a:satMod val="200000"/>
-              </a:schemeClr>
-            </a:gs>
-          </a:gsLst>
-          <a:path path="circle">
-            <a:fillToRect l="50000" t="50000" r="50000" b="50000"/>
-          </a:path>
-        </a:gradFill>
-      </a:bgFillStyleLst>
-    </a:fmtScheme>
-  </a:themeElements>
-  <a:objectDefaults/>
-  <a:extraClrSchemeLst/>
-</a:theme>
-</file>
-
-<file path=ppt/theme/theme3.xml><?xml version="1.0" encoding="utf-8"?>
 <a:theme xmlns:a="http://schemas.openxmlformats.org/drawingml/2006/main" name="Custom Theme">
   <a:themeElements>
     <a:clrScheme name="Default">

--- a/18-data-visualization/Contenido Semana 1/2.4. Presentación - Herramientas para Visualizaciones.pptx
+++ b/18-data-visualization/Contenido Semana 1/2.4. Presentación - Herramientas para Visualizaciones.pptx
@@ -22,14 +22,14 @@
       <p:boldItalic r:id="rId8"/>
     </p:embeddedFont>
     <p:embeddedFont>
-      <p:font typeface="Montserrat" panose="020B0604020202020204" charset="0"/>
+      <p:font typeface="Raleway" panose="020B0604020202020204" charset="0"/>
       <p:regular r:id="rId9"/>
       <p:bold r:id="rId10"/>
       <p:italic r:id="rId11"/>
       <p:boldItalic r:id="rId12"/>
     </p:embeddedFont>
     <p:embeddedFont>
-      <p:font typeface="Raleway" panose="020B0604020202020204" charset="0"/>
+      <p:font typeface="Montserrat" panose="020B0604020202020204" charset="0"/>
       <p:regular r:id="rId13"/>
       <p:bold r:id="rId14"/>
       <p:italic r:id="rId15"/>
@@ -1270,7 +1270,7 @@
               </a:spcBef>
               <a:buNone/>
             </a:pPr>
-            <a:endParaRPr/>
+            <a:endParaRPr dirty="0"/>
           </a:p>
         </p:txBody>
       </p:sp>
@@ -10104,8 +10104,8 @@
         </p:nvSpPr>
         <p:spPr>
           <a:xfrm>
-            <a:off x="6165131" y="6522595"/>
-            <a:ext cx="3685880" cy="297697"/>
+            <a:off x="47132" y="6583816"/>
+            <a:ext cx="8036351" cy="297697"/>
           </a:xfrm>
           <a:prstGeom prst="rect">
             <a:avLst/>
@@ -10121,35 +10121,37 @@
           </a:bodyPr>
           <a:lstStyle/>
           <a:p>
-            <a:pPr marL="0" marR="0" lvl="0" indent="0" algn="l" rtl="0">
+            <a:pPr marL="0" lvl="0" indent="0">
               <a:lnSpc>
                 <a:spcPct val="90000"/>
               </a:lnSpc>
               <a:spcBef>
                 <a:spcPts val="0"/>
               </a:spcBef>
-              <a:buClr>
-                <a:schemeClr val="dk1"/>
-              </a:buClr>
               <a:buSzPct val="25000"/>
-              <a:buFont typeface="Arial"/>
               <a:buNone/>
             </a:pPr>
-            <a:r>
-              <a:rPr lang="es-VE" sz="1400" b="1" i="0" u="none" strike="noStrike" cap="none" dirty="0">
-                <a:solidFill>
-                  <a:schemeClr val="dk1"/>
-                </a:solidFill>
-                <a:latin typeface="Raleway" panose="020B0604020202020204" charset="0"/>
-              </a:rPr>
-              <a:t>Fuente: </a:t>
-            </a:r>
             <a:r>
               <a:rPr lang="es-VE" sz="1400" b="1" dirty="0">
                 <a:latin typeface="Raleway" panose="020B0604020202020204" charset="0"/>
               </a:rPr>
-              <a:t>Wikipedia y Mari Plaza</a:t>
+              <a:t>Más información en: </a:t>
             </a:r>
+            <a:r>
+              <a:rPr lang="es-VE" sz="1400" dirty="0">
+                <a:latin typeface="Raleway" panose="020B0604020202020204" charset="0"/>
+              </a:rPr>
+              <a:t>https://es.wikipedia.org/wiki/</a:t>
+            </a:r>
+            <a:r>
+              <a:rPr lang="es-VE" sz="1400" dirty="0" err="1">
+                <a:latin typeface="Raleway" panose="020B0604020202020204" charset="0"/>
+              </a:rPr>
+              <a:t>Visualización_de_datos</a:t>
+            </a:r>
+            <a:endParaRPr lang="es-VE" sz="1400" dirty="0">
+              <a:latin typeface="Raleway" panose="020B0604020202020204" charset="0"/>
+            </a:endParaRPr>
           </a:p>
         </p:txBody>
       </p:sp>
@@ -10296,8 +10298,8 @@
         </p:nvSpPr>
         <p:spPr>
           <a:xfrm rot="16200000" flipH="1">
-            <a:off x="-1836512" y="3336381"/>
-            <a:ext cx="4674567" cy="738664"/>
+            <a:off x="-1836512" y="3444103"/>
+            <a:ext cx="4674567" cy="523220"/>
           </a:xfrm>
           <a:prstGeom prst="rect">
             <a:avLst/>
@@ -10315,25 +10317,17 @@
               <a:rPr lang="es-VE" b="1" dirty="0">
                 <a:latin typeface="Raleway" panose="020B0604020202020204" charset="0"/>
               </a:rPr>
-              <a:t>Abstracción </a:t>
+              <a:t>Tiempo/Dificultad</a:t>
             </a:r>
           </a:p>
           <a:p>
             <a:pPr algn="ctr"/>
-            <a:endParaRPr lang="es-VE" b="1" dirty="0">
-              <a:latin typeface="Raleway" panose="020B0604020202020204" charset="0"/>
-            </a:endParaRPr>
-          </a:p>
-          <a:p>
             <a:r>
               <a:rPr lang="es-VE" b="1" dirty="0">
                 <a:latin typeface="Raleway" panose="020B0604020202020204" charset="0"/>
               </a:rPr>
-              <a:t>Orientada a Objetos                              Programación </a:t>
+              <a:t> para realizar las visualizaciones</a:t>
             </a:r>
-            <a:endParaRPr lang="en-US" b="1" dirty="0">
-              <a:latin typeface="Raleway" panose="020B0604020202020204" charset="0"/>
-            </a:endParaRPr>
           </a:p>
         </p:txBody>
       </p:sp>
@@ -10351,8 +10345,8 @@
         </p:nvSpPr>
         <p:spPr>
           <a:xfrm flipH="1">
-            <a:off x="1305613" y="6119336"/>
-            <a:ext cx="5884974" cy="738664"/>
+            <a:off x="1305613" y="5949652"/>
+            <a:ext cx="5884974" cy="307777"/>
           </a:xfrm>
           <a:prstGeom prst="rect">
             <a:avLst/>
@@ -10370,38 +10364,8 @@
               <a:rPr lang="es-VE" b="1" dirty="0">
                 <a:latin typeface="Raleway" panose="020B0604020202020204" charset="0"/>
               </a:rPr>
-              <a:t>Propietaria                                                              Código Abierto</a:t>
+              <a:t>Tamaño de Data que Maneja</a:t>
             </a:r>
-          </a:p>
-          <a:p>
-            <a:pPr algn="ctr"/>
-            <a:endParaRPr lang="es-VE" b="1" dirty="0">
-              <a:latin typeface="Raleway" panose="020B0604020202020204" charset="0"/>
-            </a:endParaRPr>
-          </a:p>
-          <a:p>
-            <a:pPr algn="ctr"/>
-            <a:r>
-              <a:rPr lang="es-VE" b="1" dirty="0">
-                <a:latin typeface="Raleway" panose="020B0604020202020204" charset="0"/>
-              </a:rPr>
-              <a:t>T</a:t>
-            </a:r>
-            <a:r>
-              <a:rPr lang="en-US" b="1" dirty="0" err="1">
-                <a:latin typeface="Raleway" panose="020B0604020202020204" charset="0"/>
-              </a:rPr>
-              <a:t>ipo</a:t>
-            </a:r>
-            <a:r>
-              <a:rPr lang="en-US" b="1" dirty="0">
-                <a:latin typeface="Raleway" panose="020B0604020202020204" charset="0"/>
-              </a:rPr>
-              <a:t> de Tecnología</a:t>
-            </a:r>
-            <a:endParaRPr lang="es-VE" b="1" dirty="0">
-              <a:latin typeface="Raleway" panose="020B0604020202020204" charset="0"/>
-            </a:endParaRPr>
           </a:p>
         </p:txBody>
       </p:sp>
@@ -10420,203 +10384,21 @@
           <p:nvPr/>
         </p:nvCxnSpPr>
         <p:spPr>
-          <a:xfrm>
-            <a:off x="1112363" y="1423215"/>
-            <a:ext cx="0" cy="4741915"/>
+          <a:xfrm flipH="1" flipV="1">
+            <a:off x="737254" y="1368429"/>
+            <a:ext cx="38047" cy="4523748"/>
           </a:xfrm>
           <a:prstGeom prst="line">
             <a:avLst/>
           </a:prstGeom>
-        </p:spPr>
-        <p:style>
-          <a:lnRef idx="1">
-            <a:schemeClr val="accent1"/>
-          </a:lnRef>
-          <a:fillRef idx="0">
-            <a:schemeClr val="accent1"/>
-          </a:fillRef>
-          <a:effectRef idx="0">
-            <a:schemeClr val="accent1"/>
-          </a:effectRef>
-          <a:fontRef idx="minor">
-            <a:schemeClr val="tx1"/>
-          </a:fontRef>
-        </p:style>
-      </p:cxnSp>
-      <p:cxnSp>
-        <p:nvCxnSpPr>
-          <p:cNvPr id="18" name="Straight Connector 17">
-            <a:extLst>
-              <a:ext uri="{FF2B5EF4-FFF2-40B4-BE49-F238E27FC236}">
-                <a16:creationId xmlns:a16="http://schemas.microsoft.com/office/drawing/2014/main" id="{98B74408-FA40-4AEB-908E-E2365931596F}"/>
-              </a:ext>
-            </a:extLst>
-          </p:cNvPr>
-          <p:cNvCxnSpPr>
-            <a:cxnSpLocks/>
-          </p:cNvCxnSpPr>
-          <p:nvPr/>
-        </p:nvCxnSpPr>
-        <p:spPr>
-          <a:xfrm>
-            <a:off x="1060515" y="6063792"/>
-            <a:ext cx="6503618" cy="30856"/>
-          </a:xfrm>
-          <a:prstGeom prst="line">
-            <a:avLst/>
-          </a:prstGeom>
-        </p:spPr>
-        <p:style>
-          <a:lnRef idx="1">
-            <a:schemeClr val="accent1"/>
-          </a:lnRef>
-          <a:fillRef idx="0">
-            <a:schemeClr val="accent1"/>
-          </a:fillRef>
-          <a:effectRef idx="0">
-            <a:schemeClr val="accent1"/>
-          </a:effectRef>
-          <a:fontRef idx="minor">
-            <a:schemeClr val="tx1"/>
-          </a:fontRef>
-        </p:style>
-      </p:cxnSp>
-      <p:cxnSp>
-        <p:nvCxnSpPr>
-          <p:cNvPr id="28" name="Straight Connector 27">
-            <a:extLst>
-              <a:ext uri="{FF2B5EF4-FFF2-40B4-BE49-F238E27FC236}">
-                <a16:creationId xmlns:a16="http://schemas.microsoft.com/office/drawing/2014/main" id="{5C93DCB6-BD2C-4764-8404-158CD6DD87AC}"/>
-              </a:ext>
-            </a:extLst>
-          </p:cNvPr>
-          <p:cNvCxnSpPr>
-            <a:cxnSpLocks/>
-          </p:cNvCxnSpPr>
-          <p:nvPr/>
-        </p:nvCxnSpPr>
-        <p:spPr>
-          <a:xfrm>
-            <a:off x="4389748" y="1504262"/>
-            <a:ext cx="0" cy="4608907"/>
-          </a:xfrm>
-          <a:prstGeom prst="line">
-            <a:avLst/>
-          </a:prstGeom>
-        </p:spPr>
-        <p:style>
-          <a:lnRef idx="1">
-            <a:schemeClr val="accent1"/>
-          </a:lnRef>
-          <a:fillRef idx="0">
-            <a:schemeClr val="accent1"/>
-          </a:fillRef>
-          <a:effectRef idx="0">
-            <a:schemeClr val="accent1"/>
-          </a:effectRef>
-          <a:fontRef idx="minor">
-            <a:schemeClr val="tx1"/>
-          </a:fontRef>
-        </p:style>
-      </p:cxnSp>
-      <p:cxnSp>
-        <p:nvCxnSpPr>
-          <p:cNvPr id="29" name="Straight Connector 28">
-            <a:extLst>
-              <a:ext uri="{FF2B5EF4-FFF2-40B4-BE49-F238E27FC236}">
-                <a16:creationId xmlns:a16="http://schemas.microsoft.com/office/drawing/2014/main" id="{DB2865F4-125E-4CE1-B917-1895DA609582}"/>
-              </a:ext>
-            </a:extLst>
-          </p:cNvPr>
-          <p:cNvCxnSpPr>
-            <a:cxnSpLocks/>
-          </p:cNvCxnSpPr>
-          <p:nvPr/>
-        </p:nvCxnSpPr>
-        <p:spPr>
-          <a:xfrm>
-            <a:off x="7564133" y="1463394"/>
-            <a:ext cx="0" cy="4655942"/>
-          </a:xfrm>
-          <a:prstGeom prst="line">
-            <a:avLst/>
-          </a:prstGeom>
-        </p:spPr>
-        <p:style>
-          <a:lnRef idx="1">
-            <a:schemeClr val="accent1"/>
-          </a:lnRef>
-          <a:fillRef idx="0">
-            <a:schemeClr val="accent1"/>
-          </a:fillRef>
-          <a:effectRef idx="0">
-            <a:schemeClr val="accent1"/>
-          </a:effectRef>
-          <a:fontRef idx="minor">
-            <a:schemeClr val="tx1"/>
-          </a:fontRef>
-        </p:style>
-      </p:cxnSp>
-      <p:cxnSp>
-        <p:nvCxnSpPr>
-          <p:cNvPr id="30" name="Straight Connector 29">
-            <a:extLst>
-              <a:ext uri="{FF2B5EF4-FFF2-40B4-BE49-F238E27FC236}">
-                <a16:creationId xmlns:a16="http://schemas.microsoft.com/office/drawing/2014/main" id="{A4D9298F-C02C-45B4-928E-5DDB68C4092A}"/>
-              </a:ext>
-            </a:extLst>
-          </p:cNvPr>
-          <p:cNvCxnSpPr>
-            <a:cxnSpLocks/>
-          </p:cNvCxnSpPr>
-          <p:nvPr/>
-        </p:nvCxnSpPr>
-        <p:spPr>
-          <a:xfrm>
-            <a:off x="1060515" y="3783081"/>
-            <a:ext cx="6503618" cy="25634"/>
-          </a:xfrm>
-          <a:prstGeom prst="line">
-            <a:avLst/>
-          </a:prstGeom>
-        </p:spPr>
-        <p:style>
-          <a:lnRef idx="1">
-            <a:schemeClr val="accent1"/>
-          </a:lnRef>
-          <a:fillRef idx="0">
-            <a:schemeClr val="accent1"/>
-          </a:fillRef>
-          <a:effectRef idx="0">
-            <a:schemeClr val="accent1"/>
-          </a:effectRef>
-          <a:fontRef idx="minor">
-            <a:schemeClr val="tx1"/>
-          </a:fontRef>
-        </p:style>
-      </p:cxnSp>
-      <p:cxnSp>
-        <p:nvCxnSpPr>
-          <p:cNvPr id="33" name="Straight Connector 32">
-            <a:extLst>
-              <a:ext uri="{FF2B5EF4-FFF2-40B4-BE49-F238E27FC236}">
-                <a16:creationId xmlns:a16="http://schemas.microsoft.com/office/drawing/2014/main" id="{F367EB33-014B-4E02-9AC8-091E91D82AC2}"/>
-              </a:ext>
-            </a:extLst>
-          </p:cNvPr>
-          <p:cNvCxnSpPr>
-            <a:cxnSpLocks/>
-          </p:cNvCxnSpPr>
-          <p:nvPr/>
-        </p:nvCxnSpPr>
-        <p:spPr>
-          <a:xfrm>
-            <a:off x="1060514" y="1457022"/>
-            <a:ext cx="6405515" cy="18521"/>
-          </a:xfrm>
-          <a:prstGeom prst="line">
-            <a:avLst/>
-          </a:prstGeom>
+          <a:ln w="12700">
+            <a:solidFill>
+              <a:srgbClr val="F7B617"/>
+            </a:solidFill>
+            <a:prstDash val="sysDash"/>
+            <a:headEnd type="none" w="med" len="med"/>
+            <a:tailEnd type="arrow" w="med" len="med"/>
+          </a:ln>
         </p:spPr>
         <p:style>
           <a:lnRef idx="1">
@@ -10635,10 +10417,10 @@
       </p:cxnSp>
       <p:sp>
         <p:nvSpPr>
-          <p:cNvPr id="2" name="TextBox 1">
+          <p:cNvPr id="16" name="TextBox 15">
             <a:extLst>
               <a:ext uri="{FF2B5EF4-FFF2-40B4-BE49-F238E27FC236}">
-                <a16:creationId xmlns:a16="http://schemas.microsoft.com/office/drawing/2014/main" id="{46972676-3B78-4F5A-A2ED-727F78D49FB2}"/>
+                <a16:creationId xmlns:a16="http://schemas.microsoft.com/office/drawing/2014/main" id="{A162A161-29A5-45F9-AA7C-B8BA487E3A37}"/>
               </a:ext>
             </a:extLst>
           </p:cNvPr>
@@ -10646,9 +10428,9 @@
           <p:nvPr/>
         </p:nvSpPr>
         <p:spPr>
-          <a:xfrm flipH="1">
-            <a:off x="2534395" y="4930219"/>
-            <a:ext cx="6185397" cy="307777"/>
+          <a:xfrm>
+            <a:off x="7686028" y="6244403"/>
+            <a:ext cx="1178528" cy="307777"/>
           </a:xfrm>
           <a:prstGeom prst="rect">
             <a:avLst/>
@@ -10656,23 +10438,1734 @@
           <a:noFill/>
         </p:spPr>
         <p:txBody>
-          <a:bodyPr wrap="square" rtlCol="0">
+          <a:bodyPr wrap="none" rtlCol="0">
             <a:spAutoFit/>
           </a:bodyPr>
           <a:lstStyle/>
           <a:p>
             <a:r>
-              <a:rPr lang="en-US" dirty="0"/>
-              <a:t>https://es.wikipedia.org/wiki/</a:t>
+              <a:rPr lang="es-VE" b="1" dirty="0">
+                <a:solidFill>
+                  <a:srgbClr val="2B2B2B"/>
+                </a:solidFill>
+                <a:latin typeface="Raleway" panose="020B0604020202020204" charset="0"/>
+              </a:rPr>
+              <a:t>Propietaria</a:t>
             </a:r>
             <a:r>
-              <a:rPr lang="en-US" dirty="0" err="1"/>
-              <a:t>Visualización_de_datos</a:t>
+              <a:rPr lang="es-VE" dirty="0">
+                <a:solidFill>
+                  <a:srgbClr val="2B2B2B"/>
+                </a:solidFill>
+                <a:latin typeface="Raleway" panose="020B0604020202020204" charset="0"/>
+              </a:rPr>
+              <a:t> </a:t>
             </a:r>
-            <a:endParaRPr lang="en-US" dirty="0"/>
           </a:p>
         </p:txBody>
       </p:sp>
+      <p:grpSp>
+        <p:nvGrpSpPr>
+          <p:cNvPr id="21" name="Group 20">
+            <a:extLst>
+              <a:ext uri="{FF2B5EF4-FFF2-40B4-BE49-F238E27FC236}">
+                <a16:creationId xmlns:a16="http://schemas.microsoft.com/office/drawing/2014/main" id="{FDB21E7A-482D-4062-9EED-7546C6BB7456}"/>
+              </a:ext>
+            </a:extLst>
+          </p:cNvPr>
+          <p:cNvGrpSpPr/>
+          <p:nvPr/>
+        </p:nvGrpSpPr>
+        <p:grpSpPr>
+          <a:xfrm>
+            <a:off x="746367" y="5211508"/>
+            <a:ext cx="652743" cy="680669"/>
+            <a:chOff x="1232404" y="5242153"/>
+            <a:chExt cx="652743" cy="680669"/>
+          </a:xfrm>
+        </p:grpSpPr>
+        <p:pic>
+          <p:nvPicPr>
+            <p:cNvPr id="5" name="Picture 4" descr="A close up of a sign&#10;&#10;Description generated with very high confidence">
+              <a:extLst>
+                <a:ext uri="{FF2B5EF4-FFF2-40B4-BE49-F238E27FC236}">
+                  <a16:creationId xmlns:a16="http://schemas.microsoft.com/office/drawing/2014/main" id="{FBB373E1-41D7-459D-8897-4F80C5A137B7}"/>
+                </a:ext>
+              </a:extLst>
+            </p:cNvPr>
+            <p:cNvPicPr>
+              <a:picLocks noChangeAspect="1"/>
+            </p:cNvPicPr>
+            <p:nvPr/>
+          </p:nvPicPr>
+          <p:blipFill>
+            <a:blip r:embed="rId4"/>
+            <a:stretch>
+              <a:fillRect/>
+            </a:stretch>
+          </p:blipFill>
+          <p:spPr>
+            <a:xfrm>
+              <a:off x="1354623" y="5242153"/>
+              <a:ext cx="444474" cy="444474"/>
+            </a:xfrm>
+            <a:prstGeom prst="rect">
+              <a:avLst/>
+            </a:prstGeom>
+          </p:spPr>
+        </p:pic>
+        <p:sp>
+          <p:nvSpPr>
+            <p:cNvPr id="31" name="TextBox 30">
+              <a:extLst>
+                <a:ext uri="{FF2B5EF4-FFF2-40B4-BE49-F238E27FC236}">
+                  <a16:creationId xmlns:a16="http://schemas.microsoft.com/office/drawing/2014/main" id="{DBB727AD-ACD1-4888-BCB6-9DD46BF08C96}"/>
+                </a:ext>
+              </a:extLst>
+            </p:cNvPr>
+            <p:cNvSpPr txBox="1"/>
+            <p:nvPr/>
+          </p:nvSpPr>
+          <p:spPr>
+            <a:xfrm>
+              <a:off x="1232404" y="5615045"/>
+              <a:ext cx="652743" cy="307777"/>
+            </a:xfrm>
+            <a:prstGeom prst="rect">
+              <a:avLst/>
+            </a:prstGeom>
+            <a:noFill/>
+          </p:spPr>
+          <p:txBody>
+            <a:bodyPr wrap="none" rtlCol="0">
+              <a:spAutoFit/>
+            </a:bodyPr>
+            <a:lstStyle/>
+            <a:p>
+              <a:r>
+                <a:rPr lang="es-VE" b="1" dirty="0">
+                  <a:solidFill>
+                    <a:srgbClr val="2B2B2B"/>
+                  </a:solidFill>
+                  <a:latin typeface="Raleway" panose="020B0604020202020204" charset="0"/>
+                </a:rPr>
+                <a:t>E</a:t>
+              </a:r>
+              <a:r>
+                <a:rPr lang="en-US" b="1" dirty="0" err="1">
+                  <a:solidFill>
+                    <a:srgbClr val="2B2B2B"/>
+                  </a:solidFill>
+                  <a:latin typeface="Raleway" panose="020B0604020202020204" charset="0"/>
+                </a:rPr>
+                <a:t>xcel</a:t>
+              </a:r>
+              <a:endParaRPr lang="en-US" dirty="0">
+                <a:solidFill>
+                  <a:srgbClr val="2B2B2B"/>
+                </a:solidFill>
+                <a:latin typeface="Raleway" panose="020B0604020202020204" charset="0"/>
+              </a:endParaRPr>
+            </a:p>
+          </p:txBody>
+        </p:sp>
+      </p:grpSp>
+      <p:grpSp>
+        <p:nvGrpSpPr>
+          <p:cNvPr id="37" name="Group 36">
+            <a:extLst>
+              <a:ext uri="{FF2B5EF4-FFF2-40B4-BE49-F238E27FC236}">
+                <a16:creationId xmlns:a16="http://schemas.microsoft.com/office/drawing/2014/main" id="{D32474A9-2C64-4F7D-8450-A006FA1470C9}"/>
+              </a:ext>
+            </a:extLst>
+          </p:cNvPr>
+          <p:cNvGrpSpPr/>
+          <p:nvPr/>
+        </p:nvGrpSpPr>
+        <p:grpSpPr>
+          <a:xfrm>
+            <a:off x="3927241" y="2399999"/>
+            <a:ext cx="1526682" cy="1328499"/>
+            <a:chOff x="3159489" y="2174549"/>
+            <a:chExt cx="1526682" cy="1328499"/>
+          </a:xfrm>
+        </p:grpSpPr>
+        <p:pic>
+          <p:nvPicPr>
+            <p:cNvPr id="11" name="Picture 10">
+              <a:extLst>
+                <a:ext uri="{FF2B5EF4-FFF2-40B4-BE49-F238E27FC236}">
+                  <a16:creationId xmlns:a16="http://schemas.microsoft.com/office/drawing/2014/main" id="{BFFC0292-9FA5-427D-8DDC-87FF06E0ACFC}"/>
+                </a:ext>
+              </a:extLst>
+            </p:cNvPr>
+            <p:cNvPicPr>
+              <a:picLocks noChangeAspect="1"/>
+            </p:cNvPicPr>
+            <p:nvPr/>
+          </p:nvPicPr>
+          <p:blipFill>
+            <a:blip r:embed="rId5"/>
+            <a:stretch>
+              <a:fillRect/>
+            </a:stretch>
+          </p:blipFill>
+          <p:spPr>
+            <a:xfrm>
+              <a:off x="3243630" y="2174549"/>
+              <a:ext cx="1233220" cy="1233220"/>
+            </a:xfrm>
+            <a:prstGeom prst="rect">
+              <a:avLst/>
+            </a:prstGeom>
+          </p:spPr>
+        </p:pic>
+        <p:sp>
+          <p:nvSpPr>
+            <p:cNvPr id="32" name="Shape 396">
+              <a:extLst>
+                <a:ext uri="{FF2B5EF4-FFF2-40B4-BE49-F238E27FC236}">
+                  <a16:creationId xmlns:a16="http://schemas.microsoft.com/office/drawing/2014/main" id="{598FC008-C6E7-42F3-81F7-3B384D850F46}"/>
+                </a:ext>
+              </a:extLst>
+            </p:cNvPr>
+            <p:cNvSpPr txBox="1"/>
+            <p:nvPr/>
+          </p:nvSpPr>
+          <p:spPr>
+            <a:xfrm>
+              <a:off x="3159489" y="3143879"/>
+              <a:ext cx="1526682" cy="359169"/>
+            </a:xfrm>
+            <a:prstGeom prst="rect">
+              <a:avLst/>
+            </a:prstGeom>
+            <a:noFill/>
+            <a:ln>
+              <a:noFill/>
+            </a:ln>
+          </p:spPr>
+          <p:txBody>
+            <a:bodyPr lIns="91425" tIns="45700" rIns="91425" bIns="45700" anchor="t" anchorCtr="0">
+              <a:noAutofit/>
+            </a:bodyPr>
+            <a:lstStyle/>
+            <a:p>
+              <a:pPr marL="0" marR="0" lvl="0" indent="0" algn="ctr" rtl="0">
+                <a:spcBef>
+                  <a:spcPts val="0"/>
+                </a:spcBef>
+                <a:buSzPct val="25000"/>
+                <a:buNone/>
+              </a:pPr>
+              <a:r>
+                <a:rPr lang="es-GT" b="1" i="0" u="none" strike="noStrike" cap="none" dirty="0">
+                  <a:solidFill>
+                    <a:srgbClr val="F7B600"/>
+                  </a:solidFill>
+                  <a:latin typeface="Raleway"/>
+                  <a:ea typeface="Raleway"/>
+                  <a:cs typeface="Raleway"/>
+                  <a:sym typeface="Raleway"/>
+                </a:rPr>
+                <a:t>R para Ciencia de Datos</a:t>
+              </a:r>
+            </a:p>
+          </p:txBody>
+        </p:sp>
+      </p:grpSp>
+      <p:grpSp>
+        <p:nvGrpSpPr>
+          <p:cNvPr id="36" name="Group 35">
+            <a:extLst>
+              <a:ext uri="{FF2B5EF4-FFF2-40B4-BE49-F238E27FC236}">
+                <a16:creationId xmlns:a16="http://schemas.microsoft.com/office/drawing/2014/main" id="{9695E3DB-C280-43DE-A66D-C719446FD281}"/>
+              </a:ext>
+            </a:extLst>
+          </p:cNvPr>
+          <p:cNvGrpSpPr/>
+          <p:nvPr/>
+        </p:nvGrpSpPr>
+        <p:grpSpPr>
+          <a:xfrm>
+            <a:off x="6471962" y="1501419"/>
+            <a:ext cx="1526682" cy="976577"/>
+            <a:chOff x="5354886" y="1462733"/>
+            <a:chExt cx="1526682" cy="976577"/>
+          </a:xfrm>
+        </p:grpSpPr>
+        <p:pic>
+          <p:nvPicPr>
+            <p:cNvPr id="9" name="Picture 8">
+              <a:extLst>
+                <a:ext uri="{FF2B5EF4-FFF2-40B4-BE49-F238E27FC236}">
+                  <a16:creationId xmlns:a16="http://schemas.microsoft.com/office/drawing/2014/main" id="{70E509DC-F666-42D8-AD03-030DD33333D4}"/>
+                </a:ext>
+              </a:extLst>
+            </p:cNvPr>
+            <p:cNvPicPr>
+              <a:picLocks noChangeAspect="1"/>
+            </p:cNvPicPr>
+            <p:nvPr/>
+          </p:nvPicPr>
+          <p:blipFill>
+            <a:blip r:embed="rId6"/>
+            <a:stretch>
+              <a:fillRect/>
+            </a:stretch>
+          </p:blipFill>
+          <p:spPr>
+            <a:xfrm>
+              <a:off x="5739615" y="1462733"/>
+              <a:ext cx="851031" cy="574446"/>
+            </a:xfrm>
+            <a:prstGeom prst="rect">
+              <a:avLst/>
+            </a:prstGeom>
+          </p:spPr>
+        </p:pic>
+        <p:sp>
+          <p:nvSpPr>
+            <p:cNvPr id="34" name="Shape 396">
+              <a:extLst>
+                <a:ext uri="{FF2B5EF4-FFF2-40B4-BE49-F238E27FC236}">
+                  <a16:creationId xmlns:a16="http://schemas.microsoft.com/office/drawing/2014/main" id="{CE06E4D3-0F62-45B8-8D58-C190457B0826}"/>
+                </a:ext>
+              </a:extLst>
+            </p:cNvPr>
+            <p:cNvSpPr txBox="1"/>
+            <p:nvPr/>
+          </p:nvSpPr>
+          <p:spPr>
+            <a:xfrm>
+              <a:off x="5354886" y="2080141"/>
+              <a:ext cx="1526682" cy="359169"/>
+            </a:xfrm>
+            <a:prstGeom prst="rect">
+              <a:avLst/>
+            </a:prstGeom>
+            <a:noFill/>
+            <a:ln>
+              <a:noFill/>
+            </a:ln>
+          </p:spPr>
+          <p:txBody>
+            <a:bodyPr lIns="91425" tIns="45700" rIns="91425" bIns="45700" anchor="t" anchorCtr="0">
+              <a:noAutofit/>
+            </a:bodyPr>
+            <a:lstStyle/>
+            <a:p>
+              <a:pPr marL="0" marR="0" lvl="0" indent="0" algn="ctr" rtl="0">
+                <a:spcBef>
+                  <a:spcPts val="0"/>
+                </a:spcBef>
+                <a:buSzPct val="25000"/>
+                <a:buNone/>
+              </a:pPr>
+              <a:r>
+                <a:rPr lang="es-GT" b="1" i="0" u="none" strike="noStrike" cap="none" dirty="0">
+                  <a:solidFill>
+                    <a:srgbClr val="F7B600"/>
+                  </a:solidFill>
+                  <a:latin typeface="Raleway"/>
+                  <a:ea typeface="Raleway"/>
+                  <a:cs typeface="Raleway"/>
+                  <a:sym typeface="Raleway"/>
+                </a:rPr>
+                <a:t>Python</a:t>
+              </a:r>
+            </a:p>
+          </p:txBody>
+        </p:sp>
+      </p:grpSp>
+      <p:grpSp>
+        <p:nvGrpSpPr>
+          <p:cNvPr id="39" name="Group 38">
+            <a:extLst>
+              <a:ext uri="{FF2B5EF4-FFF2-40B4-BE49-F238E27FC236}">
+                <a16:creationId xmlns:a16="http://schemas.microsoft.com/office/drawing/2014/main" id="{97272949-675D-4DCF-8824-26ED47FFF57F}"/>
+              </a:ext>
+            </a:extLst>
+          </p:cNvPr>
+          <p:cNvGrpSpPr/>
+          <p:nvPr/>
+        </p:nvGrpSpPr>
+        <p:grpSpPr>
+          <a:xfrm>
+            <a:off x="5965600" y="2681795"/>
+            <a:ext cx="1526682" cy="961361"/>
+            <a:chOff x="5663905" y="2677030"/>
+            <a:chExt cx="1526682" cy="961361"/>
+          </a:xfrm>
+        </p:grpSpPr>
+        <p:pic>
+          <p:nvPicPr>
+            <p:cNvPr id="7" name="Picture 6" descr="A close up of a sign&#10;&#10;Description generated with high confidence">
+              <a:extLst>
+                <a:ext uri="{FF2B5EF4-FFF2-40B4-BE49-F238E27FC236}">
+                  <a16:creationId xmlns:a16="http://schemas.microsoft.com/office/drawing/2014/main" id="{648E9965-AD35-44DF-AA3D-CD47253D1693}"/>
+                </a:ext>
+              </a:extLst>
+            </p:cNvPr>
+            <p:cNvPicPr>
+              <a:picLocks noChangeAspect="1"/>
+            </p:cNvPicPr>
+            <p:nvPr/>
+          </p:nvPicPr>
+          <p:blipFill>
+            <a:blip r:embed="rId7"/>
+            <a:stretch>
+              <a:fillRect/>
+            </a:stretch>
+          </p:blipFill>
+          <p:spPr>
+            <a:xfrm>
+              <a:off x="6107177" y="2677030"/>
+              <a:ext cx="632894" cy="632894"/>
+            </a:xfrm>
+            <a:prstGeom prst="rect">
+              <a:avLst/>
+            </a:prstGeom>
+          </p:spPr>
+        </p:pic>
+        <p:sp>
+          <p:nvSpPr>
+            <p:cNvPr id="35" name="Shape 396">
+              <a:extLst>
+                <a:ext uri="{FF2B5EF4-FFF2-40B4-BE49-F238E27FC236}">
+                  <a16:creationId xmlns:a16="http://schemas.microsoft.com/office/drawing/2014/main" id="{F50C2ED6-5E95-4726-8680-BF69868F645A}"/>
+                </a:ext>
+              </a:extLst>
+            </p:cNvPr>
+            <p:cNvSpPr txBox="1"/>
+            <p:nvPr/>
+          </p:nvSpPr>
+          <p:spPr>
+            <a:xfrm>
+              <a:off x="5663905" y="3279222"/>
+              <a:ext cx="1526682" cy="359169"/>
+            </a:xfrm>
+            <a:prstGeom prst="rect">
+              <a:avLst/>
+            </a:prstGeom>
+            <a:noFill/>
+            <a:ln>
+              <a:noFill/>
+            </a:ln>
+          </p:spPr>
+          <p:txBody>
+            <a:bodyPr lIns="91425" tIns="45700" rIns="91425" bIns="45700" anchor="t" anchorCtr="0">
+              <a:noAutofit/>
+            </a:bodyPr>
+            <a:lstStyle/>
+            <a:p>
+              <a:pPr marL="0" marR="0" lvl="0" indent="0" algn="ctr" rtl="0">
+                <a:spcBef>
+                  <a:spcPts val="0"/>
+                </a:spcBef>
+                <a:buSzPct val="25000"/>
+                <a:buNone/>
+              </a:pPr>
+              <a:r>
+                <a:rPr lang="es-GT" b="1" i="0" u="none" strike="noStrike" cap="none" dirty="0">
+                  <a:solidFill>
+                    <a:srgbClr val="F7B600"/>
+                  </a:solidFill>
+                  <a:latin typeface="Raleway"/>
+                  <a:ea typeface="Raleway"/>
+                  <a:cs typeface="Raleway"/>
+                  <a:sym typeface="Raleway"/>
+                </a:rPr>
+                <a:t>JavaScript + Librería D3</a:t>
+              </a:r>
+            </a:p>
+          </p:txBody>
+        </p:sp>
+      </p:grpSp>
+      <p:cxnSp>
+        <p:nvCxnSpPr>
+          <p:cNvPr id="38" name="Straight Connector 37">
+            <a:extLst>
+              <a:ext uri="{FF2B5EF4-FFF2-40B4-BE49-F238E27FC236}">
+                <a16:creationId xmlns:a16="http://schemas.microsoft.com/office/drawing/2014/main" id="{5640A322-5BC5-442B-9418-C50AE3DD11F5}"/>
+              </a:ext>
+            </a:extLst>
+          </p:cNvPr>
+          <p:cNvCxnSpPr>
+            <a:cxnSpLocks/>
+          </p:cNvCxnSpPr>
+          <p:nvPr/>
+        </p:nvCxnSpPr>
+        <p:spPr>
+          <a:xfrm>
+            <a:off x="775301" y="5918015"/>
+            <a:ext cx="8227297" cy="0"/>
+          </a:xfrm>
+          <a:prstGeom prst="line">
+            <a:avLst/>
+          </a:prstGeom>
+          <a:ln w="12700">
+            <a:solidFill>
+              <a:srgbClr val="F7B617"/>
+            </a:solidFill>
+            <a:prstDash val="sysDash"/>
+            <a:headEnd type="none" w="med" len="med"/>
+            <a:tailEnd type="arrow" w="med" len="med"/>
+          </a:ln>
+        </p:spPr>
+        <p:style>
+          <a:lnRef idx="1">
+            <a:schemeClr val="accent1"/>
+          </a:lnRef>
+          <a:fillRef idx="0">
+            <a:schemeClr val="accent1"/>
+          </a:fillRef>
+          <a:effectRef idx="0">
+            <a:schemeClr val="accent1"/>
+          </a:effectRef>
+          <a:fontRef idx="minor">
+            <a:schemeClr val="tx1"/>
+          </a:fontRef>
+        </p:style>
+      </p:cxnSp>
+      <p:grpSp>
+        <p:nvGrpSpPr>
+          <p:cNvPr id="40" name="Group 39">
+            <a:extLst>
+              <a:ext uri="{FF2B5EF4-FFF2-40B4-BE49-F238E27FC236}">
+                <a16:creationId xmlns:a16="http://schemas.microsoft.com/office/drawing/2014/main" id="{5B278DC0-495A-46F5-9D14-323B50335B0F}"/>
+              </a:ext>
+            </a:extLst>
+          </p:cNvPr>
+          <p:cNvGrpSpPr/>
+          <p:nvPr/>
+        </p:nvGrpSpPr>
+        <p:grpSpPr>
+          <a:xfrm>
+            <a:off x="6107177" y="5309512"/>
+            <a:ext cx="1385105" cy="598646"/>
+            <a:chOff x="6498034" y="5462453"/>
+            <a:chExt cx="1385105" cy="598646"/>
+          </a:xfrm>
+        </p:grpSpPr>
+        <p:pic>
+          <p:nvPicPr>
+            <p:cNvPr id="13" name="Picture 12">
+              <a:extLst>
+                <a:ext uri="{FF2B5EF4-FFF2-40B4-BE49-F238E27FC236}">
+                  <a16:creationId xmlns:a16="http://schemas.microsoft.com/office/drawing/2014/main" id="{D5CDE0BA-9064-4EA4-B130-9B38087F0180}"/>
+                </a:ext>
+              </a:extLst>
+            </p:cNvPr>
+            <p:cNvPicPr>
+              <a:picLocks noChangeAspect="1"/>
+            </p:cNvPicPr>
+            <p:nvPr/>
+          </p:nvPicPr>
+          <p:blipFill>
+            <a:blip r:embed="rId8"/>
+            <a:stretch>
+              <a:fillRect/>
+            </a:stretch>
+          </p:blipFill>
+          <p:spPr>
+            <a:xfrm>
+              <a:off x="6498034" y="5462453"/>
+              <a:ext cx="1385105" cy="290562"/>
+            </a:xfrm>
+            <a:prstGeom prst="rect">
+              <a:avLst/>
+            </a:prstGeom>
+          </p:spPr>
+        </p:pic>
+        <p:sp>
+          <p:nvSpPr>
+            <p:cNvPr id="43" name="TextBox 42">
+              <a:extLst>
+                <a:ext uri="{FF2B5EF4-FFF2-40B4-BE49-F238E27FC236}">
+                  <a16:creationId xmlns:a16="http://schemas.microsoft.com/office/drawing/2014/main" id="{8E5CAD3F-26F9-4C76-A5F9-70D03087B9A2}"/>
+                </a:ext>
+              </a:extLst>
+            </p:cNvPr>
+            <p:cNvSpPr txBox="1"/>
+            <p:nvPr/>
+          </p:nvSpPr>
+          <p:spPr>
+            <a:xfrm>
+              <a:off x="6695996" y="5753322"/>
+              <a:ext cx="936475" cy="307777"/>
+            </a:xfrm>
+            <a:prstGeom prst="rect">
+              <a:avLst/>
+            </a:prstGeom>
+            <a:noFill/>
+          </p:spPr>
+          <p:txBody>
+            <a:bodyPr wrap="none" rtlCol="0">
+              <a:spAutoFit/>
+            </a:bodyPr>
+            <a:lstStyle/>
+            <a:p>
+              <a:r>
+                <a:rPr lang="en-US" b="1" dirty="0">
+                  <a:solidFill>
+                    <a:srgbClr val="2B2B2B"/>
+                  </a:solidFill>
+                  <a:latin typeface="Raleway" panose="020B0604020202020204" charset="0"/>
+                </a:rPr>
+                <a:t>Tableau</a:t>
+              </a:r>
+              <a:r>
+                <a:rPr lang="en-US" dirty="0">
+                  <a:solidFill>
+                    <a:srgbClr val="2B2B2B"/>
+                  </a:solidFill>
+                  <a:latin typeface="Raleway" panose="020B0604020202020204" charset="0"/>
+                </a:rPr>
+                <a:t> </a:t>
+              </a:r>
+            </a:p>
+          </p:txBody>
+        </p:sp>
+      </p:grpSp>
+      <p:grpSp>
+        <p:nvGrpSpPr>
+          <p:cNvPr id="46" name="Group 45">
+            <a:extLst>
+              <a:ext uri="{FF2B5EF4-FFF2-40B4-BE49-F238E27FC236}">
+                <a16:creationId xmlns:a16="http://schemas.microsoft.com/office/drawing/2014/main" id="{7F667469-A37A-4550-82C8-D706FCC4F999}"/>
+              </a:ext>
+            </a:extLst>
+          </p:cNvPr>
+          <p:cNvGrpSpPr/>
+          <p:nvPr/>
+        </p:nvGrpSpPr>
+        <p:grpSpPr>
+          <a:xfrm>
+            <a:off x="7065389" y="4420098"/>
+            <a:ext cx="1410964" cy="946268"/>
+            <a:chOff x="5887038" y="4061162"/>
+            <a:chExt cx="1410964" cy="946268"/>
+          </a:xfrm>
+        </p:grpSpPr>
+        <p:sp>
+          <p:nvSpPr>
+            <p:cNvPr id="3" name="TextBox 2">
+              <a:extLst>
+                <a:ext uri="{FF2B5EF4-FFF2-40B4-BE49-F238E27FC236}">
+                  <a16:creationId xmlns:a16="http://schemas.microsoft.com/office/drawing/2014/main" id="{E54183F3-D16D-4521-81D3-2DC84DEC02D4}"/>
+                </a:ext>
+              </a:extLst>
+            </p:cNvPr>
+            <p:cNvSpPr txBox="1"/>
+            <p:nvPr/>
+          </p:nvSpPr>
+          <p:spPr>
+            <a:xfrm>
+              <a:off x="5887038" y="4698916"/>
+              <a:ext cx="1410964" cy="307777"/>
+            </a:xfrm>
+            <a:prstGeom prst="rect">
+              <a:avLst/>
+            </a:prstGeom>
+            <a:noFill/>
+          </p:spPr>
+          <p:txBody>
+            <a:bodyPr wrap="none" rtlCol="0">
+              <a:spAutoFit/>
+            </a:bodyPr>
+            <a:lstStyle/>
+            <a:p>
+              <a:r>
+                <a:rPr lang="en-US" b="1" dirty="0">
+                  <a:solidFill>
+                    <a:srgbClr val="2B2B2B"/>
+                  </a:solidFill>
+                  <a:latin typeface="Raleway" panose="020B0604020202020204" charset="0"/>
+                </a:rPr>
+                <a:t>SAS Analytics</a:t>
+              </a:r>
+              <a:r>
+                <a:rPr lang="en-US" dirty="0">
+                  <a:solidFill>
+                    <a:srgbClr val="2B2B2B"/>
+                  </a:solidFill>
+                  <a:latin typeface="Raleway" panose="020B0604020202020204" charset="0"/>
+                </a:rPr>
+                <a:t> </a:t>
+              </a:r>
+            </a:p>
+          </p:txBody>
+        </p:sp>
+        <p:pic>
+          <p:nvPicPr>
+            <p:cNvPr id="42" name="Picture 41">
+              <a:extLst>
+                <a:ext uri="{FF2B5EF4-FFF2-40B4-BE49-F238E27FC236}">
+                  <a16:creationId xmlns:a16="http://schemas.microsoft.com/office/drawing/2014/main" id="{8BD3A1FC-9029-49ED-BAD9-805937B5D103}"/>
+                </a:ext>
+              </a:extLst>
+            </p:cNvPr>
+            <p:cNvPicPr>
+              <a:picLocks noChangeAspect="1"/>
+            </p:cNvPicPr>
+            <p:nvPr/>
+          </p:nvPicPr>
+          <p:blipFill>
+            <a:blip r:embed="rId9"/>
+            <a:stretch>
+              <a:fillRect/>
+            </a:stretch>
+          </p:blipFill>
+          <p:spPr>
+            <a:xfrm>
+              <a:off x="6062560" y="4061162"/>
+              <a:ext cx="946268" cy="946268"/>
+            </a:xfrm>
+            <a:prstGeom prst="rect">
+              <a:avLst/>
+            </a:prstGeom>
+          </p:spPr>
+        </p:pic>
+      </p:grpSp>
+      <p:sp>
+        <p:nvSpPr>
+          <p:cNvPr id="50" name="TextBox 49">
+            <a:extLst>
+              <a:ext uri="{FF2B5EF4-FFF2-40B4-BE49-F238E27FC236}">
+                <a16:creationId xmlns:a16="http://schemas.microsoft.com/office/drawing/2014/main" id="{5E22EAC0-C052-45A2-81C1-7DE02FFC92A7}"/>
+              </a:ext>
+            </a:extLst>
+          </p:cNvPr>
+          <p:cNvSpPr txBox="1"/>
+          <p:nvPr/>
+        </p:nvSpPr>
+        <p:spPr>
+          <a:xfrm>
+            <a:off x="7524308" y="3355898"/>
+            <a:ext cx="1478290" cy="307777"/>
+          </a:xfrm>
+          <a:prstGeom prst="rect">
+            <a:avLst/>
+          </a:prstGeom>
+          <a:noFill/>
+        </p:spPr>
+        <p:txBody>
+          <a:bodyPr wrap="none" rtlCol="0">
+            <a:spAutoFit/>
+          </a:bodyPr>
+          <a:lstStyle/>
+          <a:p>
+            <a:r>
+              <a:rPr lang="en-US" b="1" dirty="0" err="1">
+                <a:solidFill>
+                  <a:srgbClr val="2B2B2B"/>
+                </a:solidFill>
+                <a:latin typeface="Raleway" panose="020B0604020202020204" charset="0"/>
+              </a:rPr>
+              <a:t>LightningChart</a:t>
+            </a:r>
+            <a:endParaRPr lang="en-US" dirty="0">
+              <a:solidFill>
+                <a:srgbClr val="2B2B2B"/>
+              </a:solidFill>
+              <a:latin typeface="Raleway" panose="020B0604020202020204" charset="0"/>
+            </a:endParaRPr>
+          </a:p>
+        </p:txBody>
+      </p:sp>
+      <p:grpSp>
+        <p:nvGrpSpPr>
+          <p:cNvPr id="47" name="Group 46">
+            <a:extLst>
+              <a:ext uri="{FF2B5EF4-FFF2-40B4-BE49-F238E27FC236}">
+                <a16:creationId xmlns:a16="http://schemas.microsoft.com/office/drawing/2014/main" id="{976A5656-512A-46A2-AB54-DCEEE5653394}"/>
+              </a:ext>
+            </a:extLst>
+          </p:cNvPr>
+          <p:cNvGrpSpPr/>
+          <p:nvPr/>
+        </p:nvGrpSpPr>
+        <p:grpSpPr>
+          <a:xfrm>
+            <a:off x="3501351" y="4835842"/>
+            <a:ext cx="994183" cy="1081631"/>
+            <a:chOff x="4689988" y="3631676"/>
+            <a:chExt cx="994183" cy="1081631"/>
+          </a:xfrm>
+        </p:grpSpPr>
+        <p:pic>
+          <p:nvPicPr>
+            <p:cNvPr id="45" name="Picture 44">
+              <a:extLst>
+                <a:ext uri="{FF2B5EF4-FFF2-40B4-BE49-F238E27FC236}">
+                  <a16:creationId xmlns:a16="http://schemas.microsoft.com/office/drawing/2014/main" id="{A440F24C-1F7F-4F26-9A15-CCD46B794A13}"/>
+                </a:ext>
+              </a:extLst>
+            </p:cNvPr>
+            <p:cNvPicPr>
+              <a:picLocks noChangeAspect="1"/>
+            </p:cNvPicPr>
+            <p:nvPr/>
+          </p:nvPicPr>
+          <p:blipFill>
+            <a:blip r:embed="rId10"/>
+            <a:stretch>
+              <a:fillRect/>
+            </a:stretch>
+          </p:blipFill>
+          <p:spPr>
+            <a:xfrm>
+              <a:off x="4774676" y="3631676"/>
+              <a:ext cx="868886" cy="868886"/>
+            </a:xfrm>
+            <a:prstGeom prst="rect">
+              <a:avLst/>
+            </a:prstGeom>
+          </p:spPr>
+        </p:pic>
+        <p:sp>
+          <p:nvSpPr>
+            <p:cNvPr id="51" name="TextBox 50">
+              <a:extLst>
+                <a:ext uri="{FF2B5EF4-FFF2-40B4-BE49-F238E27FC236}">
+                  <a16:creationId xmlns:a16="http://schemas.microsoft.com/office/drawing/2014/main" id="{77D4EBBA-6D3D-494B-90E0-B3F233AC968E}"/>
+                </a:ext>
+              </a:extLst>
+            </p:cNvPr>
+            <p:cNvSpPr txBox="1"/>
+            <p:nvPr/>
+          </p:nvSpPr>
+          <p:spPr>
+            <a:xfrm>
+              <a:off x="4689988" y="4405530"/>
+              <a:ext cx="994183" cy="307777"/>
+            </a:xfrm>
+            <a:prstGeom prst="rect">
+              <a:avLst/>
+            </a:prstGeom>
+            <a:noFill/>
+          </p:spPr>
+          <p:txBody>
+            <a:bodyPr wrap="none" rtlCol="0">
+              <a:spAutoFit/>
+            </a:bodyPr>
+            <a:lstStyle/>
+            <a:p>
+              <a:r>
+                <a:rPr lang="en-US" b="1" dirty="0">
+                  <a:solidFill>
+                    <a:srgbClr val="2B2B2B"/>
+                  </a:solidFill>
+                  <a:latin typeface="Raleway" panose="020B0604020202020204" charset="0"/>
+                </a:rPr>
+                <a:t>Qlik View</a:t>
+              </a:r>
+              <a:endParaRPr lang="en-US" dirty="0">
+                <a:solidFill>
+                  <a:srgbClr val="2B2B2B"/>
+                </a:solidFill>
+                <a:latin typeface="Raleway" panose="020B0604020202020204" charset="0"/>
+              </a:endParaRPr>
+            </a:p>
+          </p:txBody>
+        </p:sp>
+      </p:grpSp>
+      <p:grpSp>
+        <p:nvGrpSpPr>
+          <p:cNvPr id="52" name="Group 51">
+            <a:extLst>
+              <a:ext uri="{FF2B5EF4-FFF2-40B4-BE49-F238E27FC236}">
+                <a16:creationId xmlns:a16="http://schemas.microsoft.com/office/drawing/2014/main" id="{7127CEFC-58BC-4DA6-B1DF-D6604D27E2B9}"/>
+              </a:ext>
+            </a:extLst>
+          </p:cNvPr>
+          <p:cNvGrpSpPr/>
+          <p:nvPr/>
+        </p:nvGrpSpPr>
+        <p:grpSpPr>
+          <a:xfrm>
+            <a:off x="4123798" y="4786921"/>
+            <a:ext cx="1526682" cy="731733"/>
+            <a:chOff x="2610681" y="4040794"/>
+            <a:chExt cx="1526682" cy="705073"/>
+          </a:xfrm>
+        </p:grpSpPr>
+        <p:pic>
+          <p:nvPicPr>
+            <p:cNvPr id="49" name="Picture 48" descr="A close up of a logo&#10;&#10;Description generated with very high confidence">
+              <a:extLst>
+                <a:ext uri="{FF2B5EF4-FFF2-40B4-BE49-F238E27FC236}">
+                  <a16:creationId xmlns:a16="http://schemas.microsoft.com/office/drawing/2014/main" id="{F13BB1CA-3430-464F-8EC4-2FD477EDBDDF}"/>
+                </a:ext>
+              </a:extLst>
+            </p:cNvPr>
+            <p:cNvPicPr>
+              <a:picLocks noChangeAspect="1"/>
+            </p:cNvPicPr>
+            <p:nvPr/>
+          </p:nvPicPr>
+          <p:blipFill>
+            <a:blip r:embed="rId11"/>
+            <a:stretch>
+              <a:fillRect/>
+            </a:stretch>
+          </p:blipFill>
+          <p:spPr>
+            <a:xfrm>
+              <a:off x="2874383" y="4040794"/>
+              <a:ext cx="981664" cy="380249"/>
+            </a:xfrm>
+            <a:prstGeom prst="rect">
+              <a:avLst/>
+            </a:prstGeom>
+          </p:spPr>
+        </p:pic>
+        <p:sp>
+          <p:nvSpPr>
+            <p:cNvPr id="56" name="Shape 396">
+              <a:extLst>
+                <a:ext uri="{FF2B5EF4-FFF2-40B4-BE49-F238E27FC236}">
+                  <a16:creationId xmlns:a16="http://schemas.microsoft.com/office/drawing/2014/main" id="{B0452654-3047-4099-BB64-4E8177FF4AF4}"/>
+                </a:ext>
+              </a:extLst>
+            </p:cNvPr>
+            <p:cNvSpPr txBox="1"/>
+            <p:nvPr/>
+          </p:nvSpPr>
+          <p:spPr>
+            <a:xfrm>
+              <a:off x="2610681" y="4386698"/>
+              <a:ext cx="1526682" cy="359169"/>
+            </a:xfrm>
+            <a:prstGeom prst="rect">
+              <a:avLst/>
+            </a:prstGeom>
+            <a:noFill/>
+            <a:ln>
+              <a:noFill/>
+            </a:ln>
+          </p:spPr>
+          <p:txBody>
+            <a:bodyPr lIns="91425" tIns="45700" rIns="91425" bIns="45700" anchor="t" anchorCtr="0">
+              <a:noAutofit/>
+            </a:bodyPr>
+            <a:lstStyle/>
+            <a:p>
+              <a:pPr marL="0" marR="0" lvl="0" indent="0" algn="ctr" rtl="0">
+                <a:spcBef>
+                  <a:spcPts val="0"/>
+                </a:spcBef>
+                <a:buSzPct val="25000"/>
+                <a:buNone/>
+              </a:pPr>
+              <a:r>
+                <a:rPr lang="es-GT" b="1" i="0" u="none" strike="noStrike" cap="none" dirty="0" err="1">
+                  <a:solidFill>
+                    <a:srgbClr val="F7B600"/>
+                  </a:solidFill>
+                  <a:latin typeface="Raleway"/>
+                  <a:ea typeface="Raleway"/>
+                  <a:cs typeface="Raleway"/>
+                  <a:sym typeface="Raleway"/>
+                </a:rPr>
+                <a:t>Gephi</a:t>
+              </a:r>
+              <a:endParaRPr lang="es-GT" b="1" i="0" u="none" strike="noStrike" cap="none" dirty="0">
+                <a:solidFill>
+                  <a:srgbClr val="F7B600"/>
+                </a:solidFill>
+                <a:latin typeface="Raleway"/>
+                <a:ea typeface="Raleway"/>
+                <a:cs typeface="Raleway"/>
+                <a:sym typeface="Raleway"/>
+              </a:endParaRPr>
+            </a:p>
+          </p:txBody>
+        </p:sp>
+      </p:grpSp>
+      <p:sp>
+        <p:nvSpPr>
+          <p:cNvPr id="58" name="Shape 393">
+            <a:extLst>
+              <a:ext uri="{FF2B5EF4-FFF2-40B4-BE49-F238E27FC236}">
+                <a16:creationId xmlns:a16="http://schemas.microsoft.com/office/drawing/2014/main" id="{EB4CCE62-D3B4-4A08-81FB-875474C605D5}"/>
+              </a:ext>
+            </a:extLst>
+          </p:cNvPr>
+          <p:cNvSpPr txBox="1">
+            <a:spLocks/>
+          </p:cNvSpPr>
+          <p:nvPr/>
+        </p:nvSpPr>
+        <p:spPr>
+          <a:xfrm>
+            <a:off x="48112" y="6306350"/>
+            <a:ext cx="3685880" cy="297697"/>
+          </a:xfrm>
+          <a:prstGeom prst="rect">
+            <a:avLst/>
+          </a:prstGeom>
+          <a:noFill/>
+          <a:ln>
+            <a:noFill/>
+          </a:ln>
+        </p:spPr>
+        <p:txBody>
+          <a:bodyPr lIns="91425" tIns="45700" rIns="91425" bIns="45700" anchor="t" anchorCtr="0">
+            <a:noAutofit/>
+          </a:bodyPr>
+          <a:lstStyle>
+            <a:defPPr marR="0" lvl="0" algn="l" rtl="0">
+              <a:lnSpc>
+                <a:spcPct val="100000"/>
+              </a:lnSpc>
+              <a:spcBef>
+                <a:spcPts val="0"/>
+              </a:spcBef>
+              <a:spcAft>
+                <a:spcPts val="0"/>
+              </a:spcAft>
+            </a:defPPr>
+            <a:lvl1pPr marL="342900" marR="0" lvl="0" indent="-139700" algn="l" rtl="0">
+              <a:lnSpc>
+                <a:spcPct val="100000"/>
+              </a:lnSpc>
+              <a:spcBef>
+                <a:spcPts val="640"/>
+              </a:spcBef>
+              <a:spcAft>
+                <a:spcPts val="0"/>
+              </a:spcAft>
+              <a:buClr>
+                <a:schemeClr val="dk1"/>
+              </a:buClr>
+              <a:buFont typeface="Arial"/>
+              <a:buChar char="•"/>
+              <a:defRPr sz="3200" b="0" i="0" u="none" strike="noStrike" cap="none">
+                <a:solidFill>
+                  <a:schemeClr val="dk1"/>
+                </a:solidFill>
+                <a:latin typeface="Calibri"/>
+                <a:ea typeface="Calibri"/>
+                <a:cs typeface="Calibri"/>
+                <a:sym typeface="Calibri"/>
+              </a:defRPr>
+            </a:lvl1pPr>
+            <a:lvl2pPr marL="742950" marR="0" lvl="1" indent="-107950" algn="l" rtl="0">
+              <a:lnSpc>
+                <a:spcPct val="100000"/>
+              </a:lnSpc>
+              <a:spcBef>
+                <a:spcPts val="560"/>
+              </a:spcBef>
+              <a:spcAft>
+                <a:spcPts val="0"/>
+              </a:spcAft>
+              <a:buClr>
+                <a:schemeClr val="dk1"/>
+              </a:buClr>
+              <a:buFont typeface="Arial"/>
+              <a:buChar char="–"/>
+              <a:defRPr sz="2800" b="0" i="0" u="none" strike="noStrike" cap="none">
+                <a:solidFill>
+                  <a:schemeClr val="dk1"/>
+                </a:solidFill>
+                <a:latin typeface="Calibri"/>
+                <a:ea typeface="Calibri"/>
+                <a:cs typeface="Calibri"/>
+                <a:sym typeface="Calibri"/>
+              </a:defRPr>
+            </a:lvl2pPr>
+            <a:lvl3pPr marL="1143000" marR="0" lvl="2" indent="-76200" algn="l" rtl="0">
+              <a:lnSpc>
+                <a:spcPct val="100000"/>
+              </a:lnSpc>
+              <a:spcBef>
+                <a:spcPts val="480"/>
+              </a:spcBef>
+              <a:spcAft>
+                <a:spcPts val="0"/>
+              </a:spcAft>
+              <a:buClr>
+                <a:schemeClr val="dk1"/>
+              </a:buClr>
+              <a:buFont typeface="Arial"/>
+              <a:buChar char="•"/>
+              <a:defRPr sz="2400" b="0" i="0" u="none" strike="noStrike" cap="none">
+                <a:solidFill>
+                  <a:schemeClr val="dk1"/>
+                </a:solidFill>
+                <a:latin typeface="Calibri"/>
+                <a:ea typeface="Calibri"/>
+                <a:cs typeface="Calibri"/>
+                <a:sym typeface="Calibri"/>
+              </a:defRPr>
+            </a:lvl3pPr>
+            <a:lvl4pPr marL="1600200" marR="0" lvl="3" indent="-101600" algn="l" rtl="0">
+              <a:lnSpc>
+                <a:spcPct val="100000"/>
+              </a:lnSpc>
+              <a:spcBef>
+                <a:spcPts val="400"/>
+              </a:spcBef>
+              <a:spcAft>
+                <a:spcPts val="0"/>
+              </a:spcAft>
+              <a:buClr>
+                <a:schemeClr val="dk1"/>
+              </a:buClr>
+              <a:buFont typeface="Arial"/>
+              <a:buChar char="–"/>
+              <a:defRPr sz="2000" b="0" i="0" u="none" strike="noStrike" cap="none">
+                <a:solidFill>
+                  <a:schemeClr val="dk1"/>
+                </a:solidFill>
+                <a:latin typeface="Calibri"/>
+                <a:ea typeface="Calibri"/>
+                <a:cs typeface="Calibri"/>
+                <a:sym typeface="Calibri"/>
+              </a:defRPr>
+            </a:lvl4pPr>
+            <a:lvl5pPr marL="2057400" marR="0" lvl="4" indent="-101600" algn="l" rtl="0">
+              <a:lnSpc>
+                <a:spcPct val="100000"/>
+              </a:lnSpc>
+              <a:spcBef>
+                <a:spcPts val="400"/>
+              </a:spcBef>
+              <a:spcAft>
+                <a:spcPts val="0"/>
+              </a:spcAft>
+              <a:buClr>
+                <a:schemeClr val="dk1"/>
+              </a:buClr>
+              <a:buFont typeface="Arial"/>
+              <a:buChar char="»"/>
+              <a:defRPr sz="2000" b="0" i="0" u="none" strike="noStrike" cap="none">
+                <a:solidFill>
+                  <a:schemeClr val="dk1"/>
+                </a:solidFill>
+                <a:latin typeface="Calibri"/>
+                <a:ea typeface="Calibri"/>
+                <a:cs typeface="Calibri"/>
+                <a:sym typeface="Calibri"/>
+              </a:defRPr>
+            </a:lvl5pPr>
+            <a:lvl6pPr marL="2514600" marR="0" lvl="5" indent="-101600" algn="l" rtl="0">
+              <a:lnSpc>
+                <a:spcPct val="100000"/>
+              </a:lnSpc>
+              <a:spcBef>
+                <a:spcPts val="400"/>
+              </a:spcBef>
+              <a:spcAft>
+                <a:spcPts val="0"/>
+              </a:spcAft>
+              <a:buClr>
+                <a:schemeClr val="dk1"/>
+              </a:buClr>
+              <a:buFont typeface="Arial"/>
+              <a:buChar char="•"/>
+              <a:defRPr sz="2000" b="0" i="0" u="none" strike="noStrike" cap="none">
+                <a:solidFill>
+                  <a:schemeClr val="dk1"/>
+                </a:solidFill>
+                <a:latin typeface="Calibri"/>
+                <a:ea typeface="Calibri"/>
+                <a:cs typeface="Calibri"/>
+                <a:sym typeface="Calibri"/>
+              </a:defRPr>
+            </a:lvl6pPr>
+            <a:lvl7pPr marL="2971800" marR="0" lvl="6" indent="-101600" algn="l" rtl="0">
+              <a:lnSpc>
+                <a:spcPct val="100000"/>
+              </a:lnSpc>
+              <a:spcBef>
+                <a:spcPts val="400"/>
+              </a:spcBef>
+              <a:spcAft>
+                <a:spcPts val="0"/>
+              </a:spcAft>
+              <a:buClr>
+                <a:schemeClr val="dk1"/>
+              </a:buClr>
+              <a:buFont typeface="Arial"/>
+              <a:buChar char="•"/>
+              <a:defRPr sz="2000" b="0" i="0" u="none" strike="noStrike" cap="none">
+                <a:solidFill>
+                  <a:schemeClr val="dk1"/>
+                </a:solidFill>
+                <a:latin typeface="Calibri"/>
+                <a:ea typeface="Calibri"/>
+                <a:cs typeface="Calibri"/>
+                <a:sym typeface="Calibri"/>
+              </a:defRPr>
+            </a:lvl7pPr>
+            <a:lvl8pPr marL="3429000" marR="0" lvl="7" indent="-101600" algn="l" rtl="0">
+              <a:lnSpc>
+                <a:spcPct val="100000"/>
+              </a:lnSpc>
+              <a:spcBef>
+                <a:spcPts val="400"/>
+              </a:spcBef>
+              <a:spcAft>
+                <a:spcPts val="0"/>
+              </a:spcAft>
+              <a:buClr>
+                <a:schemeClr val="dk1"/>
+              </a:buClr>
+              <a:buFont typeface="Arial"/>
+              <a:buChar char="•"/>
+              <a:defRPr sz="2000" b="0" i="0" u="none" strike="noStrike" cap="none">
+                <a:solidFill>
+                  <a:schemeClr val="dk1"/>
+                </a:solidFill>
+                <a:latin typeface="Calibri"/>
+                <a:ea typeface="Calibri"/>
+                <a:cs typeface="Calibri"/>
+                <a:sym typeface="Calibri"/>
+              </a:defRPr>
+            </a:lvl8pPr>
+            <a:lvl9pPr marL="3886200" marR="0" lvl="8" indent="-101600" algn="l" rtl="0">
+              <a:lnSpc>
+                <a:spcPct val="100000"/>
+              </a:lnSpc>
+              <a:spcBef>
+                <a:spcPts val="400"/>
+              </a:spcBef>
+              <a:spcAft>
+                <a:spcPts val="0"/>
+              </a:spcAft>
+              <a:buClr>
+                <a:schemeClr val="dk1"/>
+              </a:buClr>
+              <a:buFont typeface="Arial"/>
+              <a:buChar char="•"/>
+              <a:defRPr sz="2000" b="0" i="0" u="none" strike="noStrike" cap="none">
+                <a:solidFill>
+                  <a:schemeClr val="dk1"/>
+                </a:solidFill>
+                <a:latin typeface="Calibri"/>
+                <a:ea typeface="Calibri"/>
+                <a:cs typeface="Calibri"/>
+                <a:sym typeface="Calibri"/>
+              </a:defRPr>
+            </a:lvl9pPr>
+          </a:lstStyle>
+          <a:p>
+            <a:pPr marL="0" indent="0">
+              <a:lnSpc>
+                <a:spcPct val="90000"/>
+              </a:lnSpc>
+              <a:spcBef>
+                <a:spcPts val="0"/>
+              </a:spcBef>
+              <a:buSzPct val="25000"/>
+              <a:buFont typeface="Arial"/>
+              <a:buNone/>
+            </a:pPr>
+            <a:r>
+              <a:rPr lang="es-VE" sz="1400" b="1" dirty="0">
+                <a:latin typeface="Raleway" panose="020B0604020202020204" charset="0"/>
+              </a:rPr>
+              <a:t>Fuente: </a:t>
+            </a:r>
+            <a:r>
+              <a:rPr lang="es-VE" sz="1400" dirty="0">
+                <a:latin typeface="Raleway" panose="020B0604020202020204" charset="0"/>
+              </a:rPr>
+              <a:t>Wikipedia y Mari Plaza</a:t>
+            </a:r>
+          </a:p>
+        </p:txBody>
+      </p:sp>
+      <p:grpSp>
+        <p:nvGrpSpPr>
+          <p:cNvPr id="57" name="Group 56">
+            <a:extLst>
+              <a:ext uri="{FF2B5EF4-FFF2-40B4-BE49-F238E27FC236}">
+                <a16:creationId xmlns:a16="http://schemas.microsoft.com/office/drawing/2014/main" id="{B6C16F77-B360-4BEC-AFCB-8B2156954F53}"/>
+              </a:ext>
+            </a:extLst>
+          </p:cNvPr>
+          <p:cNvGrpSpPr/>
+          <p:nvPr/>
+        </p:nvGrpSpPr>
+        <p:grpSpPr>
+          <a:xfrm>
+            <a:off x="5246694" y="1598634"/>
+            <a:ext cx="1526682" cy="1008007"/>
+            <a:chOff x="1516947" y="2032463"/>
+            <a:chExt cx="1526682" cy="1008007"/>
+          </a:xfrm>
+        </p:grpSpPr>
+        <p:sp>
+          <p:nvSpPr>
+            <p:cNvPr id="19" name="Shape 396">
+              <a:extLst>
+                <a:ext uri="{FF2B5EF4-FFF2-40B4-BE49-F238E27FC236}">
+                  <a16:creationId xmlns:a16="http://schemas.microsoft.com/office/drawing/2014/main" id="{77CF54E9-CAB9-44A2-AFC2-675B342BB83E}"/>
+                </a:ext>
+              </a:extLst>
+            </p:cNvPr>
+            <p:cNvSpPr txBox="1"/>
+            <p:nvPr/>
+          </p:nvSpPr>
+          <p:spPr>
+            <a:xfrm>
+              <a:off x="1516947" y="2681301"/>
+              <a:ext cx="1526682" cy="359169"/>
+            </a:xfrm>
+            <a:prstGeom prst="rect">
+              <a:avLst/>
+            </a:prstGeom>
+            <a:noFill/>
+            <a:ln>
+              <a:noFill/>
+            </a:ln>
+          </p:spPr>
+          <p:txBody>
+            <a:bodyPr lIns="91425" tIns="45700" rIns="91425" bIns="45700" anchor="t" anchorCtr="0">
+              <a:noAutofit/>
+            </a:bodyPr>
+            <a:lstStyle/>
+            <a:p>
+              <a:pPr marL="0" marR="0" lvl="0" indent="0" algn="ctr" rtl="0">
+                <a:spcBef>
+                  <a:spcPts val="0"/>
+                </a:spcBef>
+                <a:buSzPct val="25000"/>
+                <a:buNone/>
+              </a:pPr>
+              <a:r>
+                <a:rPr lang="es-GT" b="1" i="0" u="none" strike="noStrike" cap="none" dirty="0" err="1">
+                  <a:solidFill>
+                    <a:srgbClr val="F7B600"/>
+                  </a:solidFill>
+                  <a:latin typeface="Raleway"/>
+                  <a:ea typeface="Raleway"/>
+                  <a:cs typeface="Raleway"/>
+                  <a:sym typeface="Raleway"/>
+                </a:rPr>
+                <a:t>NodeBox</a:t>
+              </a:r>
+              <a:endParaRPr lang="es-GT" b="1" i="0" u="none" strike="noStrike" cap="none" dirty="0">
+                <a:solidFill>
+                  <a:srgbClr val="F7B600"/>
+                </a:solidFill>
+                <a:latin typeface="Raleway"/>
+                <a:ea typeface="Raleway"/>
+                <a:cs typeface="Raleway"/>
+                <a:sym typeface="Raleway"/>
+              </a:endParaRPr>
+            </a:p>
+          </p:txBody>
+        </p:sp>
+        <p:pic>
+          <p:nvPicPr>
+            <p:cNvPr id="55" name="Picture 54" descr="A picture containing clipart&#10;&#10;Description generated with high confidence">
+              <a:extLst>
+                <a:ext uri="{FF2B5EF4-FFF2-40B4-BE49-F238E27FC236}">
+                  <a16:creationId xmlns:a16="http://schemas.microsoft.com/office/drawing/2014/main" id="{86AA3E8D-F7C1-44C7-B9B0-A71246715DAD}"/>
+                </a:ext>
+              </a:extLst>
+            </p:cNvPr>
+            <p:cNvPicPr>
+              <a:picLocks noChangeAspect="1"/>
+            </p:cNvPicPr>
+            <p:nvPr/>
+          </p:nvPicPr>
+          <p:blipFill rotWithShape="1">
+            <a:blip r:embed="rId12"/>
+            <a:srcRect l="30962" r="30057" b="3982"/>
+            <a:stretch/>
+          </p:blipFill>
+          <p:spPr>
+            <a:xfrm>
+              <a:off x="1965489" y="2032463"/>
+              <a:ext cx="565608" cy="696598"/>
+            </a:xfrm>
+            <a:prstGeom prst="rect">
+              <a:avLst/>
+            </a:prstGeom>
+          </p:spPr>
+        </p:pic>
+      </p:grpSp>
+      <p:sp>
+        <p:nvSpPr>
+          <p:cNvPr id="62" name="Shape 396">
+            <a:extLst>
+              <a:ext uri="{FF2B5EF4-FFF2-40B4-BE49-F238E27FC236}">
+                <a16:creationId xmlns:a16="http://schemas.microsoft.com/office/drawing/2014/main" id="{12FBAA89-FD90-4509-9F41-A1D2FF4883EE}"/>
+              </a:ext>
+            </a:extLst>
+          </p:cNvPr>
+          <p:cNvSpPr txBox="1"/>
+          <p:nvPr/>
+        </p:nvSpPr>
+        <p:spPr>
+          <a:xfrm>
+            <a:off x="7620043" y="6518591"/>
+            <a:ext cx="1526682" cy="359169"/>
+          </a:xfrm>
+          <a:prstGeom prst="rect">
+            <a:avLst/>
+          </a:prstGeom>
+          <a:noFill/>
+          <a:ln>
+            <a:noFill/>
+          </a:ln>
+        </p:spPr>
+        <p:txBody>
+          <a:bodyPr lIns="91425" tIns="45700" rIns="91425" bIns="45700" anchor="t" anchorCtr="0">
+            <a:noAutofit/>
+          </a:bodyPr>
+          <a:lstStyle/>
+          <a:p>
+            <a:pPr marL="0" marR="0" lvl="0" indent="0" algn="ctr" rtl="0">
+              <a:spcBef>
+                <a:spcPts val="0"/>
+              </a:spcBef>
+              <a:buSzPct val="25000"/>
+              <a:buNone/>
+            </a:pPr>
+            <a:r>
+              <a:rPr lang="es-GT" b="1" i="0" u="none" strike="noStrike" cap="none" dirty="0">
+                <a:solidFill>
+                  <a:srgbClr val="F7B600"/>
+                </a:solidFill>
+                <a:latin typeface="Raleway"/>
+                <a:ea typeface="Raleway"/>
+                <a:cs typeface="Raleway"/>
+                <a:sym typeface="Raleway"/>
+              </a:rPr>
+              <a:t>Código Abierto</a:t>
+            </a:r>
+          </a:p>
+        </p:txBody>
+      </p:sp>
+      <p:pic>
+        <p:nvPicPr>
+          <p:cNvPr id="63" name="Picture 62">
+            <a:extLst>
+              <a:ext uri="{FF2B5EF4-FFF2-40B4-BE49-F238E27FC236}">
+                <a16:creationId xmlns:a16="http://schemas.microsoft.com/office/drawing/2014/main" id="{C2B19040-5EF9-47B8-879D-B1DEB5312ED4}"/>
+              </a:ext>
+            </a:extLst>
+          </p:cNvPr>
+          <p:cNvPicPr>
+            <a:picLocks noChangeAspect="1"/>
+          </p:cNvPicPr>
+          <p:nvPr/>
+        </p:nvPicPr>
+        <p:blipFill>
+          <a:blip r:embed="rId13"/>
+          <a:stretch>
+            <a:fillRect/>
+          </a:stretch>
+        </p:blipFill>
+        <p:spPr>
+          <a:xfrm>
+            <a:off x="7686028" y="2872382"/>
+            <a:ext cx="1016081" cy="435463"/>
+          </a:xfrm>
+          <a:prstGeom prst="rect">
+            <a:avLst/>
+          </a:prstGeom>
+        </p:spPr>
+      </p:pic>
+      <p:grpSp>
+        <p:nvGrpSpPr>
+          <p:cNvPr id="71" name="Group 70">
+            <a:extLst>
+              <a:ext uri="{FF2B5EF4-FFF2-40B4-BE49-F238E27FC236}">
+                <a16:creationId xmlns:a16="http://schemas.microsoft.com/office/drawing/2014/main" id="{675C5D19-0A6F-4DDA-A5BF-87823621B98B}"/>
+              </a:ext>
+            </a:extLst>
+          </p:cNvPr>
+          <p:cNvGrpSpPr/>
+          <p:nvPr/>
+        </p:nvGrpSpPr>
+        <p:grpSpPr>
+          <a:xfrm>
+            <a:off x="1805013" y="4661012"/>
+            <a:ext cx="1250022" cy="698875"/>
+            <a:chOff x="1805013" y="4661012"/>
+            <a:chExt cx="1250022" cy="698875"/>
+          </a:xfrm>
+        </p:grpSpPr>
+        <p:sp>
+          <p:nvSpPr>
+            <p:cNvPr id="68" name="TextBox 67">
+              <a:extLst>
+                <a:ext uri="{FF2B5EF4-FFF2-40B4-BE49-F238E27FC236}">
+                  <a16:creationId xmlns:a16="http://schemas.microsoft.com/office/drawing/2014/main" id="{35AC4950-EF8E-49A7-B1EE-E9522A23352B}"/>
+                </a:ext>
+              </a:extLst>
+            </p:cNvPr>
+            <p:cNvSpPr txBox="1"/>
+            <p:nvPr/>
+          </p:nvSpPr>
+          <p:spPr>
+            <a:xfrm>
+              <a:off x="1898621" y="5052110"/>
+              <a:ext cx="1011815" cy="307777"/>
+            </a:xfrm>
+            <a:prstGeom prst="rect">
+              <a:avLst/>
+            </a:prstGeom>
+            <a:noFill/>
+          </p:spPr>
+          <p:txBody>
+            <a:bodyPr wrap="none" rtlCol="0">
+              <a:spAutoFit/>
+            </a:bodyPr>
+            <a:lstStyle/>
+            <a:p>
+              <a:r>
+                <a:rPr lang="es-VE" b="1" dirty="0">
+                  <a:solidFill>
+                    <a:srgbClr val="2B2B2B"/>
+                  </a:solidFill>
+                  <a:latin typeface="Raleway" panose="020B0604020202020204" charset="0"/>
+                </a:rPr>
+                <a:t>Infogr.am</a:t>
+              </a:r>
+              <a:endParaRPr lang="es-VE" dirty="0">
+                <a:solidFill>
+                  <a:srgbClr val="2B2B2B"/>
+                </a:solidFill>
+                <a:latin typeface="Raleway" panose="020B0604020202020204" charset="0"/>
+              </a:endParaRPr>
+            </a:p>
+          </p:txBody>
+        </p:sp>
+        <p:pic>
+          <p:nvPicPr>
+            <p:cNvPr id="65" name="Picture 64">
+              <a:extLst>
+                <a:ext uri="{FF2B5EF4-FFF2-40B4-BE49-F238E27FC236}">
+                  <a16:creationId xmlns:a16="http://schemas.microsoft.com/office/drawing/2014/main" id="{349120F1-9C58-4A31-A31E-A017FE636C8E}"/>
+                </a:ext>
+              </a:extLst>
+            </p:cNvPr>
+            <p:cNvPicPr>
+              <a:picLocks noChangeAspect="1"/>
+            </p:cNvPicPr>
+            <p:nvPr/>
+          </p:nvPicPr>
+          <p:blipFill>
+            <a:blip r:embed="rId14"/>
+            <a:stretch>
+              <a:fillRect/>
+            </a:stretch>
+          </p:blipFill>
+          <p:spPr>
+            <a:xfrm>
+              <a:off x="1805013" y="4661012"/>
+              <a:ext cx="1250022" cy="455809"/>
+            </a:xfrm>
+            <a:prstGeom prst="rect">
+              <a:avLst/>
+            </a:prstGeom>
+          </p:spPr>
+        </p:pic>
+      </p:grpSp>
+      <p:grpSp>
+        <p:nvGrpSpPr>
+          <p:cNvPr id="70" name="Group 69">
+            <a:extLst>
+              <a:ext uri="{FF2B5EF4-FFF2-40B4-BE49-F238E27FC236}">
+                <a16:creationId xmlns:a16="http://schemas.microsoft.com/office/drawing/2014/main" id="{7F046E60-4A47-4FAA-ABCC-2D77DEC144A7}"/>
+              </a:ext>
+            </a:extLst>
+          </p:cNvPr>
+          <p:cNvGrpSpPr/>
+          <p:nvPr/>
+        </p:nvGrpSpPr>
+        <p:grpSpPr>
+          <a:xfrm>
+            <a:off x="5259321" y="3790224"/>
+            <a:ext cx="1377300" cy="738013"/>
+            <a:chOff x="5259321" y="3790224"/>
+            <a:chExt cx="1377300" cy="738013"/>
+          </a:xfrm>
+        </p:grpSpPr>
+        <p:pic>
+          <p:nvPicPr>
+            <p:cNvPr id="67" name="Picture 66">
+              <a:extLst>
+                <a:ext uri="{FF2B5EF4-FFF2-40B4-BE49-F238E27FC236}">
+                  <a16:creationId xmlns:a16="http://schemas.microsoft.com/office/drawing/2014/main" id="{73AF10D5-DCA6-4F39-A55E-35FA031B24B3}"/>
+                </a:ext>
+              </a:extLst>
+            </p:cNvPr>
+            <p:cNvPicPr>
+              <a:picLocks noChangeAspect="1"/>
+            </p:cNvPicPr>
+            <p:nvPr/>
+          </p:nvPicPr>
+          <p:blipFill>
+            <a:blip r:embed="rId15"/>
+            <a:stretch>
+              <a:fillRect/>
+            </a:stretch>
+          </p:blipFill>
+          <p:spPr>
+            <a:xfrm>
+              <a:off x="5536741" y="3790224"/>
+              <a:ext cx="732137" cy="530534"/>
+            </a:xfrm>
+            <a:prstGeom prst="rect">
+              <a:avLst/>
+            </a:prstGeom>
+          </p:spPr>
+        </p:pic>
+        <p:sp>
+          <p:nvSpPr>
+            <p:cNvPr id="74" name="TextBox 73">
+              <a:extLst>
+                <a:ext uri="{FF2B5EF4-FFF2-40B4-BE49-F238E27FC236}">
+                  <a16:creationId xmlns:a16="http://schemas.microsoft.com/office/drawing/2014/main" id="{4A223116-82ED-4074-9DF0-56590942EA38}"/>
+                </a:ext>
+              </a:extLst>
+            </p:cNvPr>
+            <p:cNvSpPr txBox="1"/>
+            <p:nvPr/>
+          </p:nvSpPr>
+          <p:spPr>
+            <a:xfrm>
+              <a:off x="5259321" y="4220460"/>
+              <a:ext cx="1377300" cy="307777"/>
+            </a:xfrm>
+            <a:prstGeom prst="rect">
+              <a:avLst/>
+            </a:prstGeom>
+            <a:noFill/>
+          </p:spPr>
+          <p:txBody>
+            <a:bodyPr wrap="none" rtlCol="0">
+              <a:spAutoFit/>
+            </a:bodyPr>
+            <a:lstStyle/>
+            <a:p>
+              <a:r>
+                <a:rPr lang="en-US" b="1" dirty="0">
+                  <a:solidFill>
+                    <a:srgbClr val="2B2B2B"/>
+                  </a:solidFill>
+                  <a:latin typeface="Raleway" panose="020B0604020202020204" charset="0"/>
+                </a:rPr>
+                <a:t>Fusion Tables</a:t>
+              </a:r>
+              <a:endParaRPr lang="en-US" dirty="0">
+                <a:solidFill>
+                  <a:srgbClr val="2B2B2B"/>
+                </a:solidFill>
+                <a:latin typeface="Raleway" panose="020B0604020202020204" charset="0"/>
+              </a:endParaRPr>
+            </a:p>
+          </p:txBody>
+        </p:sp>
+      </p:grpSp>
+      <p:grpSp>
+        <p:nvGrpSpPr>
+          <p:cNvPr id="75" name="Group 74">
+            <a:extLst>
+              <a:ext uri="{FF2B5EF4-FFF2-40B4-BE49-F238E27FC236}">
+                <a16:creationId xmlns:a16="http://schemas.microsoft.com/office/drawing/2014/main" id="{B0E1426D-675B-449C-B02C-F2FDCC37C6E3}"/>
+              </a:ext>
+            </a:extLst>
+          </p:cNvPr>
+          <p:cNvGrpSpPr/>
+          <p:nvPr/>
+        </p:nvGrpSpPr>
+        <p:grpSpPr>
+          <a:xfrm>
+            <a:off x="3100029" y="3692459"/>
+            <a:ext cx="1148071" cy="1165677"/>
+            <a:chOff x="3100029" y="3819720"/>
+            <a:chExt cx="1148071" cy="1165677"/>
+          </a:xfrm>
+        </p:grpSpPr>
+        <p:sp>
+          <p:nvSpPr>
+            <p:cNvPr id="69" name="TextBox 68">
+              <a:extLst>
+                <a:ext uri="{FF2B5EF4-FFF2-40B4-BE49-F238E27FC236}">
+                  <a16:creationId xmlns:a16="http://schemas.microsoft.com/office/drawing/2014/main" id="{FAC3B970-CB67-457E-9C00-FDA3A3D6B7A8}"/>
+                </a:ext>
+              </a:extLst>
+            </p:cNvPr>
+            <p:cNvSpPr txBox="1"/>
+            <p:nvPr/>
+          </p:nvSpPr>
+          <p:spPr>
+            <a:xfrm>
+              <a:off x="3100029" y="4677620"/>
+              <a:ext cx="1148071" cy="307777"/>
+            </a:xfrm>
+            <a:prstGeom prst="rect">
+              <a:avLst/>
+            </a:prstGeom>
+            <a:noFill/>
+          </p:spPr>
+          <p:txBody>
+            <a:bodyPr wrap="none" rtlCol="0">
+              <a:spAutoFit/>
+            </a:bodyPr>
+            <a:lstStyle/>
+            <a:p>
+              <a:r>
+                <a:rPr lang="es-VE" b="1" dirty="0" err="1">
+                  <a:solidFill>
+                    <a:srgbClr val="2B2B2B"/>
+                  </a:solidFill>
+                  <a:latin typeface="Raleway" panose="020B0604020202020204" charset="0"/>
+                </a:rPr>
+                <a:t>Quadrigam</a:t>
+              </a:r>
+              <a:endParaRPr lang="es-VE" dirty="0">
+                <a:solidFill>
+                  <a:srgbClr val="2B2B2B"/>
+                </a:solidFill>
+                <a:latin typeface="Raleway" panose="020B0604020202020204" charset="0"/>
+              </a:endParaRPr>
+            </a:p>
+          </p:txBody>
+        </p:sp>
+        <p:pic>
+          <p:nvPicPr>
+            <p:cNvPr id="73" name="Picture 72" descr="A close up of a logo&#10;&#10;Description generated with very high confidence">
+              <a:extLst>
+                <a:ext uri="{FF2B5EF4-FFF2-40B4-BE49-F238E27FC236}">
+                  <a16:creationId xmlns:a16="http://schemas.microsoft.com/office/drawing/2014/main" id="{D516DC19-15DD-4211-B157-B7E337BDC2AC}"/>
+                </a:ext>
+              </a:extLst>
+            </p:cNvPr>
+            <p:cNvPicPr>
+              <a:picLocks noChangeAspect="1"/>
+            </p:cNvPicPr>
+            <p:nvPr/>
+          </p:nvPicPr>
+          <p:blipFill>
+            <a:blip r:embed="rId16"/>
+            <a:stretch>
+              <a:fillRect/>
+            </a:stretch>
+          </p:blipFill>
+          <p:spPr>
+            <a:xfrm>
+              <a:off x="3233671" y="3819720"/>
+              <a:ext cx="937647" cy="937647"/>
+            </a:xfrm>
+            <a:prstGeom prst="rect">
+              <a:avLst/>
+            </a:prstGeom>
+          </p:spPr>
+        </p:pic>
+      </p:grpSp>
     </p:spTree>
     <p:extLst>
       <p:ext uri="{BB962C8B-B14F-4D97-AF65-F5344CB8AC3E}">

--- a/18-data-visualization/Contenido Semana 1/2.4. Presentación - Herramientas para Visualizaciones.pptx
+++ b/18-data-visualization/Contenido Semana 1/2.4. Presentación - Herramientas para Visualizaciones.pptx
@@ -10104,7 +10104,7 @@
         </p:nvSpPr>
         <p:spPr>
           <a:xfrm>
-            <a:off x="47132" y="6583816"/>
+            <a:off x="-9427" y="6630946"/>
             <a:ext cx="8036351" cy="297697"/>
           </a:xfrm>
           <a:prstGeom prst="rect">
@@ -10132,24 +10132,24 @@
               <a:buNone/>
             </a:pPr>
             <a:r>
-              <a:rPr lang="es-VE" sz="1400" b="1" dirty="0">
+              <a:rPr lang="es-VE" sz="1100" b="1" dirty="0">
                 <a:latin typeface="Raleway" panose="020B0604020202020204" charset="0"/>
               </a:rPr>
               <a:t>Más información en: </a:t>
             </a:r>
             <a:r>
-              <a:rPr lang="es-VE" sz="1400" dirty="0">
+              <a:rPr lang="es-VE" sz="1100" dirty="0">
                 <a:latin typeface="Raleway" panose="020B0604020202020204" charset="0"/>
               </a:rPr>
               <a:t>https://es.wikipedia.org/wiki/</a:t>
             </a:r>
             <a:r>
-              <a:rPr lang="es-VE" sz="1400" dirty="0" err="1">
+              <a:rPr lang="es-VE" sz="1100" dirty="0" err="1">
                 <a:latin typeface="Raleway" panose="020B0604020202020204" charset="0"/>
               </a:rPr>
               <a:t>Visualización_de_datos</a:t>
             </a:r>
-            <a:endParaRPr lang="es-VE" sz="1400" dirty="0">
+            <a:endParaRPr lang="es-VE" sz="1100" dirty="0">
               <a:latin typeface="Raleway" panose="020B0604020202020204" charset="0"/>
             </a:endParaRPr>
           </a:p>
@@ -10315,6 +10315,9 @@
             <a:pPr algn="ctr"/>
             <a:r>
               <a:rPr lang="es-VE" b="1" dirty="0">
+                <a:solidFill>
+                  <a:srgbClr val="F7B617"/>
+                </a:solidFill>
                 <a:latin typeface="Raleway" panose="020B0604020202020204" charset="0"/>
               </a:rPr>
               <a:t>Tiempo/Dificultad</a:t>
@@ -10324,6 +10327,9 @@
             <a:pPr algn="ctr"/>
             <a:r>
               <a:rPr lang="es-VE" b="1" dirty="0">
+                <a:solidFill>
+                  <a:srgbClr val="F7B617"/>
+                </a:solidFill>
                 <a:latin typeface="Raleway" panose="020B0604020202020204" charset="0"/>
               </a:rPr>
               <a:t> para realizar las visualizaciones</a:t>
@@ -10362,6 +10368,9 @@
             <a:pPr algn="ctr"/>
             <a:r>
               <a:rPr lang="es-VE" b="1" dirty="0">
+                <a:solidFill>
+                  <a:srgbClr val="F7B617"/>
+                </a:solidFill>
                 <a:latin typeface="Raleway" panose="020B0604020202020204" charset="0"/>
               </a:rPr>
               <a:t>Tamaño de Data que Maneja</a:t>
@@ -10385,7 +10394,7 @@
         </p:nvCxnSpPr>
         <p:spPr>
           <a:xfrm flipH="1" flipV="1">
-            <a:off x="737254" y="1368429"/>
+            <a:off x="1000011" y="1368429"/>
             <a:ext cx="38047" cy="4523748"/>
           </a:xfrm>
           <a:prstGeom prst="line">
@@ -10429,7 +10438,7 @@
         </p:nvSpPr>
         <p:spPr>
           <a:xfrm>
-            <a:off x="7686028" y="6244403"/>
+            <a:off x="7683303" y="6276239"/>
             <a:ext cx="1178528" cy="307777"/>
           </a:xfrm>
           <a:prstGeom prst="rect">
@@ -10478,7 +10487,7 @@
         </p:nvGrpSpPr>
         <p:grpSpPr>
           <a:xfrm>
-            <a:off x="746367" y="5211508"/>
+            <a:off x="1108241" y="5220062"/>
             <a:ext cx="652743" cy="680669"/>
             <a:chOff x="1232404" y="5242153"/>
             <a:chExt cx="652743" cy="680669"/>
@@ -11400,7 +11409,7 @@
         </p:nvSpPr>
         <p:spPr>
           <a:xfrm>
-            <a:off x="48112" y="6306350"/>
+            <a:off x="979" y="6414754"/>
             <a:ext cx="3685880" cy="297697"/>
           </a:xfrm>
           <a:prstGeom prst="rect">
@@ -11666,13 +11675,13 @@
               <a:buNone/>
             </a:pPr>
             <a:r>
-              <a:rPr lang="es-VE" sz="1400" b="1" dirty="0">
+              <a:rPr lang="es-VE" sz="1100" b="1" dirty="0">
                 <a:latin typeface="Raleway" panose="020B0604020202020204" charset="0"/>
               </a:rPr>
               <a:t>Fuente: </a:t>
             </a:r>
             <a:r>
-              <a:rPr lang="es-VE" sz="1400" dirty="0">
+              <a:rPr lang="es-VE" sz="1100" dirty="0">
                 <a:latin typeface="Raleway" panose="020B0604020202020204" charset="0"/>
               </a:rPr>
               <a:t>Wikipedia y Mari Plaza</a:t>
@@ -11806,7 +11815,7 @@
         </p:nvSpPr>
         <p:spPr>
           <a:xfrm>
-            <a:off x="7620043" y="6518591"/>
+            <a:off x="7617318" y="6550427"/>
             <a:ext cx="1526682" cy="359169"/>
           </a:xfrm>
           <a:prstGeom prst="rect">
@@ -12166,6 +12175,192 @@
           </p:spPr>
         </p:pic>
       </p:grpSp>
+      <p:sp>
+        <p:nvSpPr>
+          <p:cNvPr id="2" name="TextBox 1">
+            <a:extLst>
+              <a:ext uri="{FF2B5EF4-FFF2-40B4-BE49-F238E27FC236}">
+                <a16:creationId xmlns:a16="http://schemas.microsoft.com/office/drawing/2014/main" id="{AFA7BE32-B252-476B-8DEE-ACF50021B20E}"/>
+              </a:ext>
+            </a:extLst>
+          </p:cNvPr>
+          <p:cNvSpPr txBox="1"/>
+          <p:nvPr/>
+        </p:nvSpPr>
+        <p:spPr>
+          <a:xfrm>
+            <a:off x="666539" y="5937863"/>
+            <a:ext cx="2474536" cy="430887"/>
+          </a:xfrm>
+          <a:prstGeom prst="rect">
+            <a:avLst/>
+          </a:prstGeom>
+          <a:noFill/>
+        </p:spPr>
+        <p:txBody>
+          <a:bodyPr wrap="square" rtlCol="0">
+            <a:spAutoFit/>
+          </a:bodyPr>
+          <a:lstStyle/>
+          <a:p>
+            <a:r>
+              <a:rPr lang="es-VE" sz="1100" b="1" dirty="0">
+                <a:latin typeface="Raleway" panose="020B0604020202020204" charset="0"/>
+              </a:rPr>
+              <a:t>Pequeña</a:t>
+            </a:r>
+          </a:p>
+          <a:p>
+            <a:r>
+              <a:rPr lang="es-VE" sz="1100" b="1" dirty="0">
+                <a:latin typeface="Raleway" panose="020B0604020202020204" charset="0"/>
+              </a:rPr>
+              <a:t>Guardada en la Computadora</a:t>
+            </a:r>
+            <a:endParaRPr lang="en-US" sz="1100" b="1" dirty="0">
+              <a:latin typeface="Raleway" panose="020B0604020202020204" charset="0"/>
+            </a:endParaRPr>
+          </a:p>
+        </p:txBody>
+      </p:sp>
+      <p:sp>
+        <p:nvSpPr>
+          <p:cNvPr id="53" name="TextBox 52">
+            <a:extLst>
+              <a:ext uri="{FF2B5EF4-FFF2-40B4-BE49-F238E27FC236}">
+                <a16:creationId xmlns:a16="http://schemas.microsoft.com/office/drawing/2014/main" id="{7C62073E-BE97-4C8A-9A78-44C166AC4E45}"/>
+              </a:ext>
+            </a:extLst>
+          </p:cNvPr>
+          <p:cNvSpPr txBox="1"/>
+          <p:nvPr/>
+        </p:nvSpPr>
+        <p:spPr>
+          <a:xfrm>
+            <a:off x="8083483" y="5892177"/>
+            <a:ext cx="2474536" cy="430887"/>
+          </a:xfrm>
+          <a:prstGeom prst="rect">
+            <a:avLst/>
+          </a:prstGeom>
+          <a:noFill/>
+        </p:spPr>
+        <p:txBody>
+          <a:bodyPr wrap="square" rtlCol="0">
+            <a:spAutoFit/>
+          </a:bodyPr>
+          <a:lstStyle/>
+          <a:p>
+            <a:r>
+              <a:rPr lang="es-VE" sz="1100" b="1" dirty="0">
+                <a:latin typeface="Raleway" panose="020B0604020202020204" charset="0"/>
+              </a:rPr>
+              <a:t>Grande</a:t>
+            </a:r>
+          </a:p>
+          <a:p>
+            <a:r>
+              <a:rPr lang="es-VE" sz="1100" b="1" dirty="0">
+                <a:latin typeface="Raleway" panose="020B0604020202020204" charset="0"/>
+              </a:rPr>
+              <a:t>Tiempo Real</a:t>
+            </a:r>
+            <a:endParaRPr lang="en-US" sz="1100" b="1" dirty="0">
+              <a:latin typeface="Raleway" panose="020B0604020202020204" charset="0"/>
+            </a:endParaRPr>
+          </a:p>
+        </p:txBody>
+      </p:sp>
+      <p:sp>
+        <p:nvSpPr>
+          <p:cNvPr id="54" name="TextBox 53">
+            <a:extLst>
+              <a:ext uri="{FF2B5EF4-FFF2-40B4-BE49-F238E27FC236}">
+                <a16:creationId xmlns:a16="http://schemas.microsoft.com/office/drawing/2014/main" id="{5D16564D-4E08-4E8C-8BCC-EA2B55A1FD09}"/>
+              </a:ext>
+            </a:extLst>
+          </p:cNvPr>
+          <p:cNvSpPr txBox="1"/>
+          <p:nvPr/>
+        </p:nvSpPr>
+        <p:spPr>
+          <a:xfrm>
+            <a:off x="85375" y="5602136"/>
+            <a:ext cx="2474536" cy="430887"/>
+          </a:xfrm>
+          <a:prstGeom prst="rect">
+            <a:avLst/>
+          </a:prstGeom>
+          <a:noFill/>
+        </p:spPr>
+        <p:txBody>
+          <a:bodyPr wrap="square" rtlCol="0">
+            <a:spAutoFit/>
+          </a:bodyPr>
+          <a:lstStyle/>
+          <a:p>
+            <a:r>
+              <a:rPr lang="es-VE" sz="1100" b="1" dirty="0">
+                <a:latin typeface="Raleway" panose="020B0604020202020204" charset="0"/>
+              </a:rPr>
+              <a:t>Fácil </a:t>
+            </a:r>
+          </a:p>
+          <a:p>
+            <a:r>
+              <a:rPr lang="es-VE" sz="1100" b="1" dirty="0">
+                <a:latin typeface="Raleway" panose="020B0604020202020204" charset="0"/>
+              </a:rPr>
+              <a:t>Rápido</a:t>
+            </a:r>
+          </a:p>
+        </p:txBody>
+      </p:sp>
+      <p:sp>
+        <p:nvSpPr>
+          <p:cNvPr id="59" name="TextBox 58">
+            <a:extLst>
+              <a:ext uri="{FF2B5EF4-FFF2-40B4-BE49-F238E27FC236}">
+                <a16:creationId xmlns:a16="http://schemas.microsoft.com/office/drawing/2014/main" id="{19BF449E-1611-4F48-9372-90AF15307B5D}"/>
+              </a:ext>
+            </a:extLst>
+          </p:cNvPr>
+          <p:cNvSpPr txBox="1"/>
+          <p:nvPr/>
+        </p:nvSpPr>
+        <p:spPr>
+          <a:xfrm>
+            <a:off x="85375" y="1379574"/>
+            <a:ext cx="2474536" cy="430887"/>
+          </a:xfrm>
+          <a:prstGeom prst="rect">
+            <a:avLst/>
+          </a:prstGeom>
+          <a:noFill/>
+        </p:spPr>
+        <p:txBody>
+          <a:bodyPr wrap="square" rtlCol="0">
+            <a:spAutoFit/>
+          </a:bodyPr>
+          <a:lstStyle/>
+          <a:p>
+            <a:r>
+              <a:rPr lang="es-VE" sz="1100" b="1" dirty="0">
+                <a:latin typeface="Raleway" panose="020B0604020202020204" charset="0"/>
+              </a:rPr>
+              <a:t>Abstracto </a:t>
+            </a:r>
+          </a:p>
+          <a:p>
+            <a:r>
+              <a:rPr lang="es-VE" sz="1100" b="1" dirty="0">
+                <a:latin typeface="Raleway" panose="020B0604020202020204" charset="0"/>
+              </a:rPr>
+              <a:t>Lento</a:t>
+            </a:r>
+          </a:p>
+        </p:txBody>
+      </p:sp>
     </p:spTree>
     <p:extLst>
       <p:ext uri="{BB962C8B-B14F-4D97-AF65-F5344CB8AC3E}">
